--- a/Design.pptx
+++ b/Design.pptx
@@ -264,7 +264,7 @@
           <a:p>
             <a:fld id="{C92431A8-17CE-4556-BA8C-872543424DAF}" type="datetimeFigureOut">
               <a:rPr lang="en-NZ" smtClean="0"/>
-              <a:t>30/05/2023</a:t>
+              <a:t>31/05/2023</a:t>
             </a:fld>
             <a:endParaRPr lang="en-NZ"/>
           </a:p>
@@ -464,7 +464,7 @@
           <a:p>
             <a:fld id="{C92431A8-17CE-4556-BA8C-872543424DAF}" type="datetimeFigureOut">
               <a:rPr lang="en-NZ" smtClean="0"/>
-              <a:t>30/05/2023</a:t>
+              <a:t>31/05/2023</a:t>
             </a:fld>
             <a:endParaRPr lang="en-NZ"/>
           </a:p>
@@ -674,7 +674,7 @@
           <a:p>
             <a:fld id="{C92431A8-17CE-4556-BA8C-872543424DAF}" type="datetimeFigureOut">
               <a:rPr lang="en-NZ" smtClean="0"/>
-              <a:t>30/05/2023</a:t>
+              <a:t>31/05/2023</a:t>
             </a:fld>
             <a:endParaRPr lang="en-NZ"/>
           </a:p>
@@ -874,7 +874,7 @@
           <a:p>
             <a:fld id="{C92431A8-17CE-4556-BA8C-872543424DAF}" type="datetimeFigureOut">
               <a:rPr lang="en-NZ" smtClean="0"/>
-              <a:t>30/05/2023</a:t>
+              <a:t>31/05/2023</a:t>
             </a:fld>
             <a:endParaRPr lang="en-NZ"/>
           </a:p>
@@ -1150,7 +1150,7 @@
           <a:p>
             <a:fld id="{C92431A8-17CE-4556-BA8C-872543424DAF}" type="datetimeFigureOut">
               <a:rPr lang="en-NZ" smtClean="0"/>
-              <a:t>30/05/2023</a:t>
+              <a:t>31/05/2023</a:t>
             </a:fld>
             <a:endParaRPr lang="en-NZ"/>
           </a:p>
@@ -1418,7 +1418,7 @@
           <a:p>
             <a:fld id="{C92431A8-17CE-4556-BA8C-872543424DAF}" type="datetimeFigureOut">
               <a:rPr lang="en-NZ" smtClean="0"/>
-              <a:t>30/05/2023</a:t>
+              <a:t>31/05/2023</a:t>
             </a:fld>
             <a:endParaRPr lang="en-NZ"/>
           </a:p>
@@ -1833,7 +1833,7 @@
           <a:p>
             <a:fld id="{C92431A8-17CE-4556-BA8C-872543424DAF}" type="datetimeFigureOut">
               <a:rPr lang="en-NZ" smtClean="0"/>
-              <a:t>30/05/2023</a:t>
+              <a:t>31/05/2023</a:t>
             </a:fld>
             <a:endParaRPr lang="en-NZ"/>
           </a:p>
@@ -1975,7 +1975,7 @@
           <a:p>
             <a:fld id="{C92431A8-17CE-4556-BA8C-872543424DAF}" type="datetimeFigureOut">
               <a:rPr lang="en-NZ" smtClean="0"/>
-              <a:t>30/05/2023</a:t>
+              <a:t>31/05/2023</a:t>
             </a:fld>
             <a:endParaRPr lang="en-NZ"/>
           </a:p>
@@ -2088,7 +2088,7 @@
           <a:p>
             <a:fld id="{C92431A8-17CE-4556-BA8C-872543424DAF}" type="datetimeFigureOut">
               <a:rPr lang="en-NZ" smtClean="0"/>
-              <a:t>30/05/2023</a:t>
+              <a:t>31/05/2023</a:t>
             </a:fld>
             <a:endParaRPr lang="en-NZ"/>
           </a:p>
@@ -2401,7 +2401,7 @@
           <a:p>
             <a:fld id="{C92431A8-17CE-4556-BA8C-872543424DAF}" type="datetimeFigureOut">
               <a:rPr lang="en-NZ" smtClean="0"/>
-              <a:t>30/05/2023</a:t>
+              <a:t>31/05/2023</a:t>
             </a:fld>
             <a:endParaRPr lang="en-NZ"/>
           </a:p>
@@ -2690,7 +2690,7 @@
           <a:p>
             <a:fld id="{C92431A8-17CE-4556-BA8C-872543424DAF}" type="datetimeFigureOut">
               <a:rPr lang="en-NZ" smtClean="0"/>
-              <a:t>30/05/2023</a:t>
+              <a:t>31/05/2023</a:t>
             </a:fld>
             <a:endParaRPr lang="en-NZ"/>
           </a:p>
@@ -2933,7 +2933,7 @@
           <a:p>
             <a:fld id="{C92431A8-17CE-4556-BA8C-872543424DAF}" type="datetimeFigureOut">
               <a:rPr lang="en-NZ" smtClean="0"/>
-              <a:t>30/05/2023</a:t>
+              <a:t>31/05/2023</a:t>
             </a:fld>
             <a:endParaRPr lang="en-NZ"/>
           </a:p>
@@ -3395,10 +3395,21 @@
             <p:ph idx="1"/>
           </p:nvPr>
         </p:nvSpPr>
-        <p:spPr/>
-        <p:txBody>
-          <a:bodyPr/>
-          <a:lstStyle/>
+        <p:spPr>
+          <a:xfrm>
+            <a:off x="669758" y="1520824"/>
+            <a:ext cx="10515600" cy="4791743"/>
+          </a:xfrm>
+        </p:spPr>
+        <p:txBody>
+          <a:bodyPr/>
+          <a:lstStyle/>
+          <a:p>
+            <a:r>
+              <a:rPr lang="en-US" dirty="0"/>
+              <a:t>Starting Score at 20</a:t>
+            </a:r>
+          </a:p>
           <a:p>
             <a:r>
               <a:rPr lang="en-US" dirty="0"/>
@@ -3415,7 +3426,13 @@
           <a:p>
             <a:r>
               <a:rPr lang="en-US" dirty="0"/>
-              <a:t>(-1 ) Point for every Incorrect Scan</a:t>
+              <a:t>(-2) Point for every Incorrect Scan for different game code</a:t>
+            </a:r>
+          </a:p>
+          <a:p>
+            <a:r>
+              <a:rPr lang="en-US" dirty="0"/>
+              <a:t>(-1 ) Point for every Incorrect Scan in same game code</a:t>
             </a:r>
           </a:p>
           <a:p>

--- a/Design.pptx
+++ b/Design.pptx
@@ -264,7 +264,7 @@
           <a:p>
             <a:fld id="{C92431A8-17CE-4556-BA8C-872543424DAF}" type="datetimeFigureOut">
               <a:rPr lang="en-NZ" smtClean="0"/>
-              <a:t>31/05/2023</a:t>
+              <a:t>1/06/2023</a:t>
             </a:fld>
             <a:endParaRPr lang="en-NZ"/>
           </a:p>
@@ -464,7 +464,7 @@
           <a:p>
             <a:fld id="{C92431A8-17CE-4556-BA8C-872543424DAF}" type="datetimeFigureOut">
               <a:rPr lang="en-NZ" smtClean="0"/>
-              <a:t>31/05/2023</a:t>
+              <a:t>1/06/2023</a:t>
             </a:fld>
             <a:endParaRPr lang="en-NZ"/>
           </a:p>
@@ -674,7 +674,7 @@
           <a:p>
             <a:fld id="{C92431A8-17CE-4556-BA8C-872543424DAF}" type="datetimeFigureOut">
               <a:rPr lang="en-NZ" smtClean="0"/>
-              <a:t>31/05/2023</a:t>
+              <a:t>1/06/2023</a:t>
             </a:fld>
             <a:endParaRPr lang="en-NZ"/>
           </a:p>
@@ -874,7 +874,7 @@
           <a:p>
             <a:fld id="{C92431A8-17CE-4556-BA8C-872543424DAF}" type="datetimeFigureOut">
               <a:rPr lang="en-NZ" smtClean="0"/>
-              <a:t>31/05/2023</a:t>
+              <a:t>1/06/2023</a:t>
             </a:fld>
             <a:endParaRPr lang="en-NZ"/>
           </a:p>
@@ -1150,7 +1150,7 @@
           <a:p>
             <a:fld id="{C92431A8-17CE-4556-BA8C-872543424DAF}" type="datetimeFigureOut">
               <a:rPr lang="en-NZ" smtClean="0"/>
-              <a:t>31/05/2023</a:t>
+              <a:t>1/06/2023</a:t>
             </a:fld>
             <a:endParaRPr lang="en-NZ"/>
           </a:p>
@@ -1418,7 +1418,7 @@
           <a:p>
             <a:fld id="{C92431A8-17CE-4556-BA8C-872543424DAF}" type="datetimeFigureOut">
               <a:rPr lang="en-NZ" smtClean="0"/>
-              <a:t>31/05/2023</a:t>
+              <a:t>1/06/2023</a:t>
             </a:fld>
             <a:endParaRPr lang="en-NZ"/>
           </a:p>
@@ -1833,7 +1833,7 @@
           <a:p>
             <a:fld id="{C92431A8-17CE-4556-BA8C-872543424DAF}" type="datetimeFigureOut">
               <a:rPr lang="en-NZ" smtClean="0"/>
-              <a:t>31/05/2023</a:t>
+              <a:t>1/06/2023</a:t>
             </a:fld>
             <a:endParaRPr lang="en-NZ"/>
           </a:p>
@@ -1975,7 +1975,7 @@
           <a:p>
             <a:fld id="{C92431A8-17CE-4556-BA8C-872543424DAF}" type="datetimeFigureOut">
               <a:rPr lang="en-NZ" smtClean="0"/>
-              <a:t>31/05/2023</a:t>
+              <a:t>1/06/2023</a:t>
             </a:fld>
             <a:endParaRPr lang="en-NZ"/>
           </a:p>
@@ -2088,7 +2088,7 @@
           <a:p>
             <a:fld id="{C92431A8-17CE-4556-BA8C-872543424DAF}" type="datetimeFigureOut">
               <a:rPr lang="en-NZ" smtClean="0"/>
-              <a:t>31/05/2023</a:t>
+              <a:t>1/06/2023</a:t>
             </a:fld>
             <a:endParaRPr lang="en-NZ"/>
           </a:p>
@@ -2401,7 +2401,7 @@
           <a:p>
             <a:fld id="{C92431A8-17CE-4556-BA8C-872543424DAF}" type="datetimeFigureOut">
               <a:rPr lang="en-NZ" smtClean="0"/>
-              <a:t>31/05/2023</a:t>
+              <a:t>1/06/2023</a:t>
             </a:fld>
             <a:endParaRPr lang="en-NZ"/>
           </a:p>
@@ -2690,7 +2690,7 @@
           <a:p>
             <a:fld id="{C92431A8-17CE-4556-BA8C-872543424DAF}" type="datetimeFigureOut">
               <a:rPr lang="en-NZ" smtClean="0"/>
-              <a:t>31/05/2023</a:t>
+              <a:t>1/06/2023</a:t>
             </a:fld>
             <a:endParaRPr lang="en-NZ"/>
           </a:p>
@@ -2933,7 +2933,7 @@
           <a:p>
             <a:fld id="{C92431A8-17CE-4556-BA8C-872543424DAF}" type="datetimeFigureOut">
               <a:rPr lang="en-NZ" smtClean="0"/>
-              <a:t>31/05/2023</a:t>
+              <a:t>1/06/2023</a:t>
             </a:fld>
             <a:endParaRPr lang="en-NZ"/>
           </a:p>
@@ -3436,13 +3436,6 @@
             </a:r>
           </a:p>
           <a:p>
-            <a:pPr lvl="1"/>
-            <a:r>
-              <a:rPr lang="en-US" dirty="0"/>
-              <a:t>Show error to user and after 5 seconds it will bring back to last instruction</a:t>
-            </a:r>
-          </a:p>
-          <a:p>
             <a:r>
               <a:rPr lang="en-US" dirty="0"/>
               <a:t>Last Re-Scan with in 2 minutes will not be penalty</a:t>
@@ -3450,8 +3443,12 @@
           </a:p>
           <a:p>
             <a:r>
+              <a:rPr lang="en-US"/>
+              <a:t>Bonus 4 </a:t>
+            </a:r>
+            <a:r>
               <a:rPr lang="en-US" dirty="0"/>
-              <a:t>Bonus 2 point for team who finish first</a:t>
+              <a:t>point for team who finish first</a:t>
             </a:r>
           </a:p>
           <a:p>

--- a/Design.pptx
+++ b/Design.pptx
@@ -9,6 +9,10 @@
     <p:sldId id="260" r:id="rId3"/>
     <p:sldId id="257" r:id="rId4"/>
     <p:sldId id="259" r:id="rId5"/>
+    <p:sldId id="261" r:id="rId6"/>
+    <p:sldId id="262" r:id="rId7"/>
+    <p:sldId id="263" r:id="rId8"/>
+    <p:sldId id="264" r:id="rId9"/>
   </p:sldIdLst>
   <p:sldSz cx="12192000" cy="6858000"/>
   <p:notesSz cx="6858000" cy="9144000"/>
@@ -264,7 +268,7 @@
           <a:p>
             <a:fld id="{C92431A8-17CE-4556-BA8C-872543424DAF}" type="datetimeFigureOut">
               <a:rPr lang="en-NZ" smtClean="0"/>
-              <a:t>1/06/2023</a:t>
+              <a:t>2/06/2023</a:t>
             </a:fld>
             <a:endParaRPr lang="en-NZ"/>
           </a:p>
@@ -464,7 +468,7 @@
           <a:p>
             <a:fld id="{C92431A8-17CE-4556-BA8C-872543424DAF}" type="datetimeFigureOut">
               <a:rPr lang="en-NZ" smtClean="0"/>
-              <a:t>1/06/2023</a:t>
+              <a:t>2/06/2023</a:t>
             </a:fld>
             <a:endParaRPr lang="en-NZ"/>
           </a:p>
@@ -674,7 +678,7 @@
           <a:p>
             <a:fld id="{C92431A8-17CE-4556-BA8C-872543424DAF}" type="datetimeFigureOut">
               <a:rPr lang="en-NZ" smtClean="0"/>
-              <a:t>1/06/2023</a:t>
+              <a:t>2/06/2023</a:t>
             </a:fld>
             <a:endParaRPr lang="en-NZ"/>
           </a:p>
@@ -874,7 +878,7 @@
           <a:p>
             <a:fld id="{C92431A8-17CE-4556-BA8C-872543424DAF}" type="datetimeFigureOut">
               <a:rPr lang="en-NZ" smtClean="0"/>
-              <a:t>1/06/2023</a:t>
+              <a:t>2/06/2023</a:t>
             </a:fld>
             <a:endParaRPr lang="en-NZ"/>
           </a:p>
@@ -1150,7 +1154,7 @@
           <a:p>
             <a:fld id="{C92431A8-17CE-4556-BA8C-872543424DAF}" type="datetimeFigureOut">
               <a:rPr lang="en-NZ" smtClean="0"/>
-              <a:t>1/06/2023</a:t>
+              <a:t>2/06/2023</a:t>
             </a:fld>
             <a:endParaRPr lang="en-NZ"/>
           </a:p>
@@ -1418,7 +1422,7 @@
           <a:p>
             <a:fld id="{C92431A8-17CE-4556-BA8C-872543424DAF}" type="datetimeFigureOut">
               <a:rPr lang="en-NZ" smtClean="0"/>
-              <a:t>1/06/2023</a:t>
+              <a:t>2/06/2023</a:t>
             </a:fld>
             <a:endParaRPr lang="en-NZ"/>
           </a:p>
@@ -1833,7 +1837,7 @@
           <a:p>
             <a:fld id="{C92431A8-17CE-4556-BA8C-872543424DAF}" type="datetimeFigureOut">
               <a:rPr lang="en-NZ" smtClean="0"/>
-              <a:t>1/06/2023</a:t>
+              <a:t>2/06/2023</a:t>
             </a:fld>
             <a:endParaRPr lang="en-NZ"/>
           </a:p>
@@ -1975,7 +1979,7 @@
           <a:p>
             <a:fld id="{C92431A8-17CE-4556-BA8C-872543424DAF}" type="datetimeFigureOut">
               <a:rPr lang="en-NZ" smtClean="0"/>
-              <a:t>1/06/2023</a:t>
+              <a:t>2/06/2023</a:t>
             </a:fld>
             <a:endParaRPr lang="en-NZ"/>
           </a:p>
@@ -2088,7 +2092,7 @@
           <a:p>
             <a:fld id="{C92431A8-17CE-4556-BA8C-872543424DAF}" type="datetimeFigureOut">
               <a:rPr lang="en-NZ" smtClean="0"/>
-              <a:t>1/06/2023</a:t>
+              <a:t>2/06/2023</a:t>
             </a:fld>
             <a:endParaRPr lang="en-NZ"/>
           </a:p>
@@ -2401,7 +2405,7 @@
           <a:p>
             <a:fld id="{C92431A8-17CE-4556-BA8C-872543424DAF}" type="datetimeFigureOut">
               <a:rPr lang="en-NZ" smtClean="0"/>
-              <a:t>1/06/2023</a:t>
+              <a:t>2/06/2023</a:t>
             </a:fld>
             <a:endParaRPr lang="en-NZ"/>
           </a:p>
@@ -2690,7 +2694,7 @@
           <a:p>
             <a:fld id="{C92431A8-17CE-4556-BA8C-872543424DAF}" type="datetimeFigureOut">
               <a:rPr lang="en-NZ" smtClean="0"/>
-              <a:t>1/06/2023</a:t>
+              <a:t>2/06/2023</a:t>
             </a:fld>
             <a:endParaRPr lang="en-NZ"/>
           </a:p>
@@ -2933,7 +2937,7 @@
           <a:p>
             <a:fld id="{C92431A8-17CE-4556-BA8C-872543424DAF}" type="datetimeFigureOut">
               <a:rPr lang="en-NZ" smtClean="0"/>
-              <a:t>1/06/2023</a:t>
+              <a:t>2/06/2023</a:t>
             </a:fld>
             <a:endParaRPr lang="en-NZ"/>
           </a:p>
@@ -3913,6 +3917,1097 @@
 </p:sld>
 </file>
 
+<file path=ppt/slides/slide5.xml><?xml version="1.0" encoding="utf-8"?>
+<p:sld xmlns:a="http://schemas.openxmlformats.org/drawingml/2006/main" xmlns:r="http://schemas.openxmlformats.org/officeDocument/2006/relationships" xmlns:p="http://schemas.openxmlformats.org/presentationml/2006/main">
+  <p:cSld>
+    <p:spTree>
+      <p:nvGrpSpPr>
+        <p:cNvPr id="1" name=""/>
+        <p:cNvGrpSpPr/>
+        <p:nvPr/>
+      </p:nvGrpSpPr>
+      <p:grpSpPr>
+        <a:xfrm>
+          <a:off x="0" y="0"/>
+          <a:ext cx="0" cy="0"/>
+          <a:chOff x="0" y="0"/>
+          <a:chExt cx="0" cy="0"/>
+        </a:xfrm>
+      </p:grpSpPr>
+      <p:sp>
+        <p:nvSpPr>
+          <p:cNvPr id="2" name="Title 1">
+            <a:extLst>
+              <a:ext uri="{FF2B5EF4-FFF2-40B4-BE49-F238E27FC236}">
+                <a16:creationId xmlns:a16="http://schemas.microsoft.com/office/drawing/2014/main" id="{D9B5D2BF-78D3-8951-1F99-BA7F59D80DEE}"/>
+              </a:ext>
+            </a:extLst>
+          </p:cNvPr>
+          <p:cNvSpPr>
+            <a:spLocks noGrp="1"/>
+          </p:cNvSpPr>
+          <p:nvPr>
+            <p:ph type="title"/>
+          </p:nvPr>
+        </p:nvSpPr>
+        <p:spPr/>
+        <p:txBody>
+          <a:bodyPr/>
+          <a:lstStyle/>
+          <a:p>
+            <a:r>
+              <a:rPr lang="en-US" dirty="0"/>
+              <a:t>Appendix</a:t>
+            </a:r>
+            <a:endParaRPr lang="en-NZ" dirty="0"/>
+          </a:p>
+        </p:txBody>
+      </p:sp>
+      <p:sp>
+        <p:nvSpPr>
+          <p:cNvPr id="3" name="Content Placeholder 2">
+            <a:extLst>
+              <a:ext uri="{FF2B5EF4-FFF2-40B4-BE49-F238E27FC236}">
+                <a16:creationId xmlns:a16="http://schemas.microsoft.com/office/drawing/2014/main" id="{32E6C26B-3948-78FC-AEAC-A819D7C0A997}"/>
+              </a:ext>
+            </a:extLst>
+          </p:cNvPr>
+          <p:cNvSpPr>
+            <a:spLocks noGrp="1"/>
+          </p:cNvSpPr>
+          <p:nvPr>
+            <p:ph idx="1"/>
+          </p:nvPr>
+        </p:nvSpPr>
+        <p:spPr/>
+        <p:txBody>
+          <a:bodyPr/>
+          <a:lstStyle/>
+          <a:p>
+            <a:endParaRPr lang="en-NZ"/>
+          </a:p>
+        </p:txBody>
+      </p:sp>
+    </p:spTree>
+    <p:extLst>
+      <p:ext uri="{BB962C8B-B14F-4D97-AF65-F5344CB8AC3E}">
+        <p14:creationId xmlns:p14="http://schemas.microsoft.com/office/powerpoint/2010/main" val="4019318903"/>
+      </p:ext>
+    </p:extLst>
+  </p:cSld>
+  <p:clrMapOvr>
+    <a:masterClrMapping/>
+  </p:clrMapOvr>
+</p:sld>
+</file>
+
+<file path=ppt/slides/slide6.xml><?xml version="1.0" encoding="utf-8"?>
+<p:sld xmlns:a="http://schemas.openxmlformats.org/drawingml/2006/main" xmlns:r="http://schemas.openxmlformats.org/officeDocument/2006/relationships" xmlns:p="http://schemas.openxmlformats.org/presentationml/2006/main">
+  <p:cSld>
+    <p:bg>
+      <p:bgPr>
+        <a:solidFill>
+          <a:schemeClr val="bg1"/>
+        </a:solidFill>
+        <a:effectLst/>
+      </p:bgPr>
+    </p:bg>
+    <p:spTree>
+      <p:nvGrpSpPr>
+        <p:cNvPr id="1" name=""/>
+        <p:cNvGrpSpPr/>
+        <p:nvPr/>
+      </p:nvGrpSpPr>
+      <p:grpSpPr>
+        <a:xfrm>
+          <a:off x="0" y="0"/>
+          <a:ext cx="0" cy="0"/>
+          <a:chOff x="0" y="0"/>
+          <a:chExt cx="0" cy="0"/>
+        </a:xfrm>
+      </p:grpSpPr>
+      <p:sp useBgFill="1">
+        <p:nvSpPr>
+          <p:cNvPr id="1031" name="Rectangle 1030">
+            <a:extLst>
+              <a:ext uri="{FF2B5EF4-FFF2-40B4-BE49-F238E27FC236}">
+                <a16:creationId xmlns:a16="http://schemas.microsoft.com/office/drawing/2014/main" id="{3DAD86CA-8235-409B-982B-5E7A033E2392}"/>
+              </a:ext>
+              <a:ext uri="{C183D7F6-B498-43B3-948B-1728B52AA6E4}">
+                <adec:decorative xmlns:adec="http://schemas.microsoft.com/office/drawing/2017/decorative" val="1"/>
+              </a:ext>
+            </a:extLst>
+          </p:cNvPr>
+          <p:cNvSpPr>
+            <a:spLocks noGrp="1" noRot="1" noChangeAspect="1" noMove="1" noResize="1" noEditPoints="1" noAdjustHandles="1" noChangeArrowheads="1" noChangeShapeType="1" noTextEdit="1"/>
+          </p:cNvSpPr>
+          <p:nvPr>
+            <p:extLst>
+              <p:ext uri="{386F3935-93C4-4BCD-93E2-E3B085C9AB24}">
+                <p16:designElem xmlns:p16="http://schemas.microsoft.com/office/powerpoint/2015/main" val="1"/>
+              </p:ext>
+            </p:extLst>
+          </p:nvPr>
+        </p:nvSpPr>
+        <p:spPr>
+          <a:xfrm>
+            <a:off x="0" y="0"/>
+            <a:ext cx="12191999" cy="6857365"/>
+          </a:xfrm>
+          <a:prstGeom prst="rect">
+            <a:avLst/>
+          </a:prstGeom>
+          <a:ln>
+            <a:noFill/>
+          </a:ln>
+        </p:spPr>
+        <p:style>
+          <a:lnRef idx="2">
+            <a:schemeClr val="accent1">
+              <a:shade val="50000"/>
+            </a:schemeClr>
+          </a:lnRef>
+          <a:fillRef idx="1">
+            <a:schemeClr val="accent1"/>
+          </a:fillRef>
+          <a:effectRef idx="0">
+            <a:schemeClr val="accent1"/>
+          </a:effectRef>
+          <a:fontRef idx="minor">
+            <a:schemeClr val="lt1"/>
+          </a:fontRef>
+        </p:style>
+        <p:txBody>
+          <a:bodyPr rtlCol="0" anchor="ctr"/>
+          <a:lstStyle/>
+          <a:p>
+            <a:pPr algn="ctr"/>
+            <a:endParaRPr lang="en-US"/>
+          </a:p>
+        </p:txBody>
+      </p:sp>
+      <p:sp>
+        <p:nvSpPr>
+          <p:cNvPr id="1033" name="Rectangle 1032">
+            <a:extLst>
+              <a:ext uri="{FF2B5EF4-FFF2-40B4-BE49-F238E27FC236}">
+                <a16:creationId xmlns:a16="http://schemas.microsoft.com/office/drawing/2014/main" id="{9F234FBA-3501-47B4-AE0C-AA4AFBC8F603}"/>
+              </a:ext>
+              <a:ext uri="{C183D7F6-B498-43B3-948B-1728B52AA6E4}">
+                <adec:decorative xmlns:adec="http://schemas.microsoft.com/office/drawing/2017/decorative" val="1"/>
+              </a:ext>
+            </a:extLst>
+          </p:cNvPr>
+          <p:cNvSpPr>
+            <a:spLocks noGrp="1" noRot="1" noChangeAspect="1" noMove="1" noResize="1" noEditPoints="1" noAdjustHandles="1" noChangeArrowheads="1" noChangeShapeType="1" noTextEdit="1"/>
+          </p:cNvSpPr>
+          <p:nvPr>
+            <p:extLst>
+              <p:ext uri="{386F3935-93C4-4BCD-93E2-E3B085C9AB24}">
+                <p16:designElem xmlns:p16="http://schemas.microsoft.com/office/powerpoint/2015/main" val="1"/>
+              </p:ext>
+            </p:extLst>
+          </p:nvPr>
+        </p:nvSpPr>
+        <p:spPr>
+          <a:xfrm>
+            <a:off x="0" y="1"/>
+            <a:ext cx="12192000" cy="5187142"/>
+          </a:xfrm>
+          <a:prstGeom prst="rect">
+            <a:avLst/>
+          </a:prstGeom>
+          <a:solidFill>
+            <a:schemeClr val="accent4"/>
+          </a:solidFill>
+          <a:ln>
+            <a:noFill/>
+          </a:ln>
+        </p:spPr>
+        <p:style>
+          <a:lnRef idx="2">
+            <a:schemeClr val="accent1">
+              <a:shade val="50000"/>
+            </a:schemeClr>
+          </a:lnRef>
+          <a:fillRef idx="1">
+            <a:schemeClr val="accent1"/>
+          </a:fillRef>
+          <a:effectRef idx="0">
+            <a:schemeClr val="accent1"/>
+          </a:effectRef>
+          <a:fontRef idx="minor">
+            <a:schemeClr val="lt1"/>
+          </a:fontRef>
+        </p:style>
+        <p:txBody>
+          <a:bodyPr rtlCol="0" anchor="ctr"/>
+          <a:lstStyle/>
+          <a:p>
+            <a:pPr algn="ctr"/>
+            <a:endParaRPr lang="en-US" dirty="0"/>
+          </a:p>
+        </p:txBody>
+      </p:sp>
+      <p:sp>
+        <p:nvSpPr>
+          <p:cNvPr id="1035" name="Rectangle 1034">
+            <a:extLst>
+              <a:ext uri="{FF2B5EF4-FFF2-40B4-BE49-F238E27FC236}">
+                <a16:creationId xmlns:a16="http://schemas.microsoft.com/office/drawing/2014/main" id="{B5EF893B-0491-416E-9D33-BADE9600792A}"/>
+              </a:ext>
+              <a:ext uri="{C183D7F6-B498-43B3-948B-1728B52AA6E4}">
+                <adec:decorative xmlns:adec="http://schemas.microsoft.com/office/drawing/2017/decorative" val="1"/>
+              </a:ext>
+            </a:extLst>
+          </p:cNvPr>
+          <p:cNvSpPr>
+            <a:spLocks noGrp="1" noRot="1" noChangeAspect="1" noMove="1" noResize="1" noEditPoints="1" noAdjustHandles="1" noChangeArrowheads="1" noChangeShapeType="1" noTextEdit="1"/>
+          </p:cNvSpPr>
+          <p:nvPr>
+            <p:extLst>
+              <p:ext uri="{386F3935-93C4-4BCD-93E2-E3B085C9AB24}">
+                <p16:designElem xmlns:p16="http://schemas.microsoft.com/office/powerpoint/2015/main" val="1"/>
+              </p:ext>
+            </p:extLst>
+          </p:nvPr>
+        </p:nvSpPr>
+        <p:spPr>
+          <a:xfrm>
+            <a:off x="596464" y="551961"/>
+            <a:ext cx="10999072" cy="5399950"/>
+          </a:xfrm>
+          <a:prstGeom prst="rect">
+            <a:avLst/>
+          </a:prstGeom>
+          <a:solidFill>
+            <a:schemeClr val="bg1"/>
+          </a:solidFill>
+          <a:ln>
+            <a:noFill/>
+          </a:ln>
+          <a:effectLst>
+            <a:outerShdw blurRad="139700" dist="127000" dir="5400000" algn="t" rotWithShape="0">
+              <a:prstClr val="black">
+                <a:alpha val="15000"/>
+              </a:prstClr>
+            </a:outerShdw>
+          </a:effectLst>
+        </p:spPr>
+        <p:style>
+          <a:lnRef idx="2">
+            <a:schemeClr val="accent1">
+              <a:shade val="50000"/>
+            </a:schemeClr>
+          </a:lnRef>
+          <a:fillRef idx="1">
+            <a:schemeClr val="accent1"/>
+          </a:fillRef>
+          <a:effectRef idx="0">
+            <a:schemeClr val="accent1"/>
+          </a:effectRef>
+          <a:fontRef idx="minor">
+            <a:schemeClr val="lt1"/>
+          </a:fontRef>
+        </p:style>
+        <p:txBody>
+          <a:bodyPr rtlCol="0" anchor="ctr"/>
+          <a:lstStyle/>
+          <a:p>
+            <a:pPr algn="ctr"/>
+            <a:endParaRPr lang="en-US"/>
+          </a:p>
+        </p:txBody>
+      </p:sp>
+      <p:pic>
+        <p:nvPicPr>
+          <p:cNvPr id="1026" name="Picture 2" descr="Error page">
+            <a:extLst>
+              <a:ext uri="{FF2B5EF4-FFF2-40B4-BE49-F238E27FC236}">
+                <a16:creationId xmlns:a16="http://schemas.microsoft.com/office/drawing/2014/main" id="{E958AB3C-4BB0-1F5D-E370-C8C40D60C185}"/>
+              </a:ext>
+            </a:extLst>
+          </p:cNvPr>
+          <p:cNvPicPr>
+            <a:picLocks noChangeAspect="1" noChangeArrowheads="1"/>
+          </p:cNvPicPr>
+          <p:nvPr/>
+        </p:nvPicPr>
+        <p:blipFill rotWithShape="1">
+          <a:blip r:embed="rId2">
+            <a:extLst>
+              <a:ext uri="{28A0092B-C50C-407E-A947-70E740481C1C}">
+                <a14:useLocalDpi xmlns:a14="http://schemas.microsoft.com/office/drawing/2010/main" val="0"/>
+              </a:ext>
+            </a:extLst>
+          </a:blip>
+          <a:srcRect r="8479" b="1"/>
+          <a:stretch/>
+        </p:blipFill>
+        <p:spPr bwMode="auto">
+          <a:xfrm>
+            <a:off x="838200" y="754148"/>
+            <a:ext cx="10515600" cy="4995575"/>
+          </a:xfrm>
+          <a:prstGeom prst="rect">
+            <a:avLst/>
+          </a:prstGeom>
+          <a:noFill/>
+          <a:extLst>
+            <a:ext uri="{909E8E84-426E-40DD-AFC4-6F175D3DCCD1}">
+              <a14:hiddenFill xmlns:a14="http://schemas.microsoft.com/office/drawing/2010/main">
+                <a:solidFill>
+                  <a:srgbClr val="FFFFFF"/>
+                </a:solidFill>
+              </a14:hiddenFill>
+            </a:ext>
+          </a:extLst>
+        </p:spPr>
+      </p:pic>
+      <p:cxnSp>
+        <p:nvCxnSpPr>
+          <p:cNvPr id="1037" name="Straight Connector 1036">
+            <a:extLst>
+              <a:ext uri="{FF2B5EF4-FFF2-40B4-BE49-F238E27FC236}">
+                <a16:creationId xmlns:a16="http://schemas.microsoft.com/office/drawing/2014/main" id="{469F4FF8-F8B0-4630-BA1B-0D8B324CD5FF}"/>
+              </a:ext>
+              <a:ext uri="{C183D7F6-B498-43B3-948B-1728B52AA6E4}">
+                <adec:decorative xmlns:adec="http://schemas.microsoft.com/office/drawing/2017/decorative" val="1"/>
+              </a:ext>
+            </a:extLst>
+          </p:cNvPr>
+          <p:cNvCxnSpPr>
+            <a:cxnSpLocks noGrp="1" noRot="1" noChangeAspect="1" noMove="1" noResize="1" noEditPoints="1" noAdjustHandles="1" noChangeArrowheads="1" noChangeShapeType="1"/>
+          </p:cNvCxnSpPr>
+          <p:nvPr>
+            <p:extLst>
+              <p:ext uri="{386F3935-93C4-4BCD-93E2-E3B085C9AB24}">
+                <p16:designElem xmlns:p16="http://schemas.microsoft.com/office/powerpoint/2015/main" val="1"/>
+              </p:ext>
+            </p:extLst>
+          </p:nvPr>
+        </p:nvCxnSpPr>
+        <p:spPr>
+          <a:xfrm flipH="1">
+            <a:off x="596464" y="6329769"/>
+            <a:ext cx="11000232" cy="0"/>
+          </a:xfrm>
+          <a:prstGeom prst="line">
+            <a:avLst/>
+          </a:prstGeom>
+          <a:ln w="152400">
+            <a:solidFill>
+              <a:schemeClr val="accent4"/>
+            </a:solidFill>
+          </a:ln>
+        </p:spPr>
+        <p:style>
+          <a:lnRef idx="1">
+            <a:schemeClr val="accent1"/>
+          </a:lnRef>
+          <a:fillRef idx="0">
+            <a:schemeClr val="accent1"/>
+          </a:fillRef>
+          <a:effectRef idx="0">
+            <a:schemeClr val="accent1"/>
+          </a:effectRef>
+          <a:fontRef idx="minor">
+            <a:schemeClr val="tx1"/>
+          </a:fontRef>
+        </p:style>
+      </p:cxnSp>
+      <p:sp>
+        <p:nvSpPr>
+          <p:cNvPr id="4" name="TextBox 3">
+            <a:extLst>
+              <a:ext uri="{FF2B5EF4-FFF2-40B4-BE49-F238E27FC236}">
+                <a16:creationId xmlns:a16="http://schemas.microsoft.com/office/drawing/2014/main" id="{90AF9110-A0D1-2290-9DA3-CDDB5971F9D0}"/>
+              </a:ext>
+            </a:extLst>
+          </p:cNvPr>
+          <p:cNvSpPr txBox="1"/>
+          <p:nvPr/>
+        </p:nvSpPr>
+        <p:spPr>
+          <a:xfrm>
+            <a:off x="3748839" y="659098"/>
+            <a:ext cx="3559501" cy="707886"/>
+          </a:xfrm>
+          <a:prstGeom prst="rect">
+            <a:avLst/>
+          </a:prstGeom>
+          <a:noFill/>
+        </p:spPr>
+        <p:txBody>
+          <a:bodyPr wrap="none" rtlCol="0">
+            <a:spAutoFit/>
+          </a:bodyPr>
+          <a:lstStyle/>
+          <a:p>
+            <a:r>
+              <a:rPr lang="en-US" sz="4000" b="1" dirty="0">
+                <a:ln w="22225">
+                  <a:solidFill>
+                    <a:schemeClr val="accent2"/>
+                  </a:solidFill>
+                  <a:prstDash val="solid"/>
+                </a:ln>
+                <a:solidFill>
+                  <a:schemeClr val="accent2">
+                    <a:lumMod val="40000"/>
+                    <a:lumOff val="60000"/>
+                  </a:schemeClr>
+                </a:solidFill>
+              </a:rPr>
+              <a:t>Wrong QR Code</a:t>
+            </a:r>
+            <a:endParaRPr lang="en-NZ" sz="4000" b="1" dirty="0">
+              <a:ln w="22225">
+                <a:solidFill>
+                  <a:schemeClr val="accent2"/>
+                </a:solidFill>
+                <a:prstDash val="solid"/>
+              </a:ln>
+              <a:solidFill>
+                <a:schemeClr val="accent2">
+                  <a:lumMod val="40000"/>
+                  <a:lumOff val="60000"/>
+                </a:schemeClr>
+              </a:solidFill>
+            </a:endParaRPr>
+          </a:p>
+        </p:txBody>
+      </p:sp>
+    </p:spTree>
+    <p:extLst>
+      <p:ext uri="{BB962C8B-B14F-4D97-AF65-F5344CB8AC3E}">
+        <p14:creationId xmlns:p14="http://schemas.microsoft.com/office/powerpoint/2010/main" val="2530336201"/>
+      </p:ext>
+    </p:extLst>
+  </p:cSld>
+  <p:clrMapOvr>
+    <a:masterClrMapping/>
+  </p:clrMapOvr>
+</p:sld>
+</file>
+
+<file path=ppt/slides/slide7.xml><?xml version="1.0" encoding="utf-8"?>
+<p:sld xmlns:a="http://schemas.openxmlformats.org/drawingml/2006/main" xmlns:r="http://schemas.openxmlformats.org/officeDocument/2006/relationships" xmlns:p="http://schemas.openxmlformats.org/presentationml/2006/main">
+  <p:cSld>
+    <p:bg>
+      <p:bgPr>
+        <a:solidFill>
+          <a:schemeClr val="bg1"/>
+        </a:solidFill>
+        <a:effectLst/>
+      </p:bgPr>
+    </p:bg>
+    <p:spTree>
+      <p:nvGrpSpPr>
+        <p:cNvPr id="1" name=""/>
+        <p:cNvGrpSpPr/>
+        <p:nvPr/>
+      </p:nvGrpSpPr>
+      <p:grpSpPr>
+        <a:xfrm>
+          <a:off x="0" y="0"/>
+          <a:ext cx="0" cy="0"/>
+          <a:chOff x="0" y="0"/>
+          <a:chExt cx="0" cy="0"/>
+        </a:xfrm>
+      </p:grpSpPr>
+      <p:sp>
+        <p:nvSpPr>
+          <p:cNvPr id="2055" name="Rectangle 2054">
+            <a:extLst>
+              <a:ext uri="{FF2B5EF4-FFF2-40B4-BE49-F238E27FC236}">
+                <a16:creationId xmlns:a16="http://schemas.microsoft.com/office/drawing/2014/main" id="{42A4FC2C-047E-45A5-965D-8E1E3BF09BC6}"/>
+              </a:ext>
+              <a:ext uri="{C183D7F6-B498-43B3-948B-1728B52AA6E4}">
+                <adec:decorative xmlns:adec="http://schemas.microsoft.com/office/drawing/2017/decorative" val="1"/>
+              </a:ext>
+            </a:extLst>
+          </p:cNvPr>
+          <p:cNvSpPr>
+            <a:spLocks noGrp="1" noRot="1" noChangeAspect="1" noMove="1" noResize="1" noEditPoints="1" noAdjustHandles="1" noChangeArrowheads="1" noChangeShapeType="1" noTextEdit="1"/>
+          </p:cNvSpPr>
+          <p:nvPr>
+            <p:extLst>
+              <p:ext uri="{386F3935-93C4-4BCD-93E2-E3B085C9AB24}">
+                <p16:designElem xmlns:p16="http://schemas.microsoft.com/office/powerpoint/2015/main" val="1"/>
+              </p:ext>
+            </p:extLst>
+          </p:nvPr>
+        </p:nvSpPr>
+        <p:spPr bwMode="white">
+          <a:xfrm>
+            <a:off x="1524" y="0"/>
+            <a:ext cx="12188952" cy="6858000"/>
+          </a:xfrm>
+          <a:prstGeom prst="rect">
+            <a:avLst/>
+          </a:prstGeom>
+          <a:noFill/>
+          <a:ln>
+            <a:noFill/>
+          </a:ln>
+        </p:spPr>
+        <p:style>
+          <a:lnRef idx="2">
+            <a:schemeClr val="accent1">
+              <a:shade val="50000"/>
+            </a:schemeClr>
+          </a:lnRef>
+          <a:fillRef idx="1">
+            <a:schemeClr val="accent1"/>
+          </a:fillRef>
+          <a:effectRef idx="0">
+            <a:schemeClr val="accent1"/>
+          </a:effectRef>
+          <a:fontRef idx="minor">
+            <a:schemeClr val="lt1"/>
+          </a:fontRef>
+        </p:style>
+        <p:txBody>
+          <a:bodyPr rtlCol="0" anchor="ctr"/>
+          <a:lstStyle>
+            <a:defPPr>
+              <a:defRPr lang="en-US"/>
+            </a:defPPr>
+            <a:lvl1pPr marL="0" algn="l" defTabSz="914400" rtl="0" eaLnBrk="1" latinLnBrk="0" hangingPunct="1">
+              <a:defRPr sz="1800" kern="1200">
+                <a:solidFill>
+                  <a:schemeClr val="lt1"/>
+                </a:solidFill>
+                <a:latin typeface="+mn-lt"/>
+                <a:ea typeface="+mn-ea"/>
+                <a:cs typeface="+mn-cs"/>
+              </a:defRPr>
+            </a:lvl1pPr>
+            <a:lvl2pPr marL="457200" algn="l" defTabSz="914400" rtl="0" eaLnBrk="1" latinLnBrk="0" hangingPunct="1">
+              <a:defRPr sz="1800" kern="1200">
+                <a:solidFill>
+                  <a:schemeClr val="lt1"/>
+                </a:solidFill>
+                <a:latin typeface="+mn-lt"/>
+                <a:ea typeface="+mn-ea"/>
+                <a:cs typeface="+mn-cs"/>
+              </a:defRPr>
+            </a:lvl2pPr>
+            <a:lvl3pPr marL="914400" algn="l" defTabSz="914400" rtl="0" eaLnBrk="1" latinLnBrk="0" hangingPunct="1">
+              <a:defRPr sz="1800" kern="1200">
+                <a:solidFill>
+                  <a:schemeClr val="lt1"/>
+                </a:solidFill>
+                <a:latin typeface="+mn-lt"/>
+                <a:ea typeface="+mn-ea"/>
+                <a:cs typeface="+mn-cs"/>
+              </a:defRPr>
+            </a:lvl3pPr>
+            <a:lvl4pPr marL="1371600" algn="l" defTabSz="914400" rtl="0" eaLnBrk="1" latinLnBrk="0" hangingPunct="1">
+              <a:defRPr sz="1800" kern="1200">
+                <a:solidFill>
+                  <a:schemeClr val="lt1"/>
+                </a:solidFill>
+                <a:latin typeface="+mn-lt"/>
+                <a:ea typeface="+mn-ea"/>
+                <a:cs typeface="+mn-cs"/>
+              </a:defRPr>
+            </a:lvl4pPr>
+            <a:lvl5pPr marL="1828800" algn="l" defTabSz="914400" rtl="0" eaLnBrk="1" latinLnBrk="0" hangingPunct="1">
+              <a:defRPr sz="1800" kern="1200">
+                <a:solidFill>
+                  <a:schemeClr val="lt1"/>
+                </a:solidFill>
+                <a:latin typeface="+mn-lt"/>
+                <a:ea typeface="+mn-ea"/>
+                <a:cs typeface="+mn-cs"/>
+              </a:defRPr>
+            </a:lvl5pPr>
+            <a:lvl6pPr marL="2286000" algn="l" defTabSz="914400" rtl="0" eaLnBrk="1" latinLnBrk="0" hangingPunct="1">
+              <a:defRPr sz="1800" kern="1200">
+                <a:solidFill>
+                  <a:schemeClr val="lt1"/>
+                </a:solidFill>
+                <a:latin typeface="+mn-lt"/>
+                <a:ea typeface="+mn-ea"/>
+                <a:cs typeface="+mn-cs"/>
+              </a:defRPr>
+            </a:lvl6pPr>
+            <a:lvl7pPr marL="2743200" algn="l" defTabSz="914400" rtl="0" eaLnBrk="1" latinLnBrk="0" hangingPunct="1">
+              <a:defRPr sz="1800" kern="1200">
+                <a:solidFill>
+                  <a:schemeClr val="lt1"/>
+                </a:solidFill>
+                <a:latin typeface="+mn-lt"/>
+                <a:ea typeface="+mn-ea"/>
+                <a:cs typeface="+mn-cs"/>
+              </a:defRPr>
+            </a:lvl7pPr>
+            <a:lvl8pPr marL="3200400" algn="l" defTabSz="914400" rtl="0" eaLnBrk="1" latinLnBrk="0" hangingPunct="1">
+              <a:defRPr sz="1800" kern="1200">
+                <a:solidFill>
+                  <a:schemeClr val="lt1"/>
+                </a:solidFill>
+                <a:latin typeface="+mn-lt"/>
+                <a:ea typeface="+mn-ea"/>
+                <a:cs typeface="+mn-cs"/>
+              </a:defRPr>
+            </a:lvl8pPr>
+            <a:lvl9pPr marL="3657600" algn="l" defTabSz="914400" rtl="0" eaLnBrk="1" latinLnBrk="0" hangingPunct="1">
+              <a:defRPr sz="1800" kern="1200">
+                <a:solidFill>
+                  <a:schemeClr val="lt1"/>
+                </a:solidFill>
+                <a:latin typeface="+mn-lt"/>
+                <a:ea typeface="+mn-ea"/>
+                <a:cs typeface="+mn-cs"/>
+              </a:defRPr>
+            </a:lvl9pPr>
+          </a:lstStyle>
+          <a:p>
+            <a:pPr algn="ctr"/>
+            <a:endParaRPr lang="en-US"/>
+          </a:p>
+        </p:txBody>
+      </p:sp>
+      <p:pic>
+        <p:nvPicPr>
+          <p:cNvPr id="2050" name="Picture 2" descr="Benefits of Treasure Hunt: An Exciting Parenting Tool">
+            <a:extLst>
+              <a:ext uri="{FF2B5EF4-FFF2-40B4-BE49-F238E27FC236}">
+                <a16:creationId xmlns:a16="http://schemas.microsoft.com/office/drawing/2014/main" id="{513BD2BA-ED49-D5FF-9F40-5CFDFD2B39C8}"/>
+              </a:ext>
+            </a:extLst>
+          </p:cNvPr>
+          <p:cNvPicPr>
+            <a:picLocks noChangeAspect="1" noChangeArrowheads="1"/>
+          </p:cNvPicPr>
+          <p:nvPr/>
+        </p:nvPicPr>
+        <p:blipFill rotWithShape="1">
+          <a:blip r:embed="rId2">
+            <a:extLst>
+              <a:ext uri="{28A0092B-C50C-407E-A947-70E740481C1C}">
+                <a14:useLocalDpi xmlns:a14="http://schemas.microsoft.com/office/drawing/2010/main" val="0"/>
+              </a:ext>
+            </a:extLst>
+          </a:blip>
+          <a:srcRect l="9043" r="7386"/>
+          <a:stretch/>
+        </p:blipFill>
+        <p:spPr bwMode="auto">
+          <a:xfrm>
+            <a:off x="20" y="1282"/>
+            <a:ext cx="12191980" cy="6856718"/>
+          </a:xfrm>
+          <a:prstGeom prst="rect">
+            <a:avLst/>
+          </a:prstGeom>
+          <a:noFill/>
+          <a:extLst>
+            <a:ext uri="{909E8E84-426E-40DD-AFC4-6F175D3DCCD1}">
+              <a14:hiddenFill xmlns:a14="http://schemas.microsoft.com/office/drawing/2010/main">
+                <a:solidFill>
+                  <a:srgbClr val="FFFFFF"/>
+                </a:solidFill>
+              </a14:hiddenFill>
+            </a:ext>
+          </a:extLst>
+        </p:spPr>
+      </p:pic>
+      <p:sp>
+        <p:nvSpPr>
+          <p:cNvPr id="4" name="TextBox 3">
+            <a:extLst>
+              <a:ext uri="{FF2B5EF4-FFF2-40B4-BE49-F238E27FC236}">
+                <a16:creationId xmlns:a16="http://schemas.microsoft.com/office/drawing/2014/main" id="{C8D99489-362B-819B-E49E-64B9639B4FE2}"/>
+              </a:ext>
+            </a:extLst>
+          </p:cNvPr>
+          <p:cNvSpPr txBox="1"/>
+          <p:nvPr/>
+        </p:nvSpPr>
+        <p:spPr>
+          <a:xfrm>
+            <a:off x="3759200" y="5219700"/>
+            <a:ext cx="5101076" cy="1107996"/>
+          </a:xfrm>
+          <a:prstGeom prst="rect">
+            <a:avLst/>
+          </a:prstGeom>
+          <a:noFill/>
+        </p:spPr>
+        <p:txBody>
+          <a:bodyPr wrap="none" rtlCol="0">
+            <a:spAutoFit/>
+          </a:bodyPr>
+          <a:lstStyle/>
+          <a:p>
+            <a:r>
+              <a:rPr lang="en-US" sz="6600" b="1" dirty="0">
+                <a:ln w="13462">
+                  <a:solidFill>
+                    <a:schemeClr val="bg1"/>
+                  </a:solidFill>
+                  <a:prstDash val="solid"/>
+                </a:ln>
+                <a:solidFill>
+                  <a:schemeClr val="tx1">
+                    <a:lumMod val="85000"/>
+                    <a:lumOff val="15000"/>
+                  </a:schemeClr>
+                </a:solidFill>
+                <a:effectLst>
+                  <a:outerShdw dist="38100" dir="2700000" algn="bl" rotWithShape="0">
+                    <a:schemeClr val="accent5"/>
+                  </a:outerShdw>
+                </a:effectLst>
+                <a:latin typeface="Baguet Script" panose="020B0604020202020204" pitchFamily="2" charset="0"/>
+              </a:rPr>
+              <a:t>With QR codes</a:t>
+            </a:r>
+            <a:endParaRPr lang="en-NZ" sz="6600" b="1" dirty="0">
+              <a:ln w="13462">
+                <a:solidFill>
+                  <a:schemeClr val="bg1"/>
+                </a:solidFill>
+                <a:prstDash val="solid"/>
+              </a:ln>
+              <a:solidFill>
+                <a:schemeClr val="tx1">
+                  <a:lumMod val="85000"/>
+                  <a:lumOff val="15000"/>
+                </a:schemeClr>
+              </a:solidFill>
+              <a:effectLst>
+                <a:outerShdw dist="38100" dir="2700000" algn="bl" rotWithShape="0">
+                  <a:schemeClr val="accent5"/>
+                </a:outerShdw>
+              </a:effectLst>
+              <a:latin typeface="Baguet Script" panose="020B0604020202020204" pitchFamily="2" charset="0"/>
+            </a:endParaRPr>
+          </a:p>
+        </p:txBody>
+      </p:sp>
+      <p:pic>
+        <p:nvPicPr>
+          <p:cNvPr id="6" name="Picture 5">
+            <a:extLst>
+              <a:ext uri="{FF2B5EF4-FFF2-40B4-BE49-F238E27FC236}">
+                <a16:creationId xmlns:a16="http://schemas.microsoft.com/office/drawing/2014/main" id="{F8A4341B-4A53-3435-FA17-17D27FC61CE8}"/>
+              </a:ext>
+            </a:extLst>
+          </p:cNvPr>
+          <p:cNvPicPr>
+            <a:picLocks noChangeAspect="1"/>
+          </p:cNvPicPr>
+          <p:nvPr/>
+        </p:nvPicPr>
+        <p:blipFill>
+          <a:blip r:embed="rId3"/>
+          <a:stretch>
+            <a:fillRect/>
+          </a:stretch>
+        </p:blipFill>
+        <p:spPr>
+          <a:xfrm>
+            <a:off x="9164732" y="368299"/>
+            <a:ext cx="2379568" cy="2311581"/>
+          </a:xfrm>
+          <a:prstGeom prst="rect">
+            <a:avLst/>
+          </a:prstGeom>
+          <a:ln w="38100" cap="sq">
+            <a:solidFill>
+              <a:srgbClr val="000000"/>
+            </a:solidFill>
+            <a:prstDash val="solid"/>
+            <a:miter lim="800000"/>
+          </a:ln>
+          <a:effectLst>
+            <a:outerShdw blurRad="50800" dist="38100" dir="2700000" algn="tl" rotWithShape="0">
+              <a:srgbClr val="000000">
+                <a:alpha val="43000"/>
+              </a:srgbClr>
+            </a:outerShdw>
+          </a:effectLst>
+        </p:spPr>
+      </p:pic>
+    </p:spTree>
+    <p:extLst>
+      <p:ext uri="{BB962C8B-B14F-4D97-AF65-F5344CB8AC3E}">
+        <p14:creationId xmlns:p14="http://schemas.microsoft.com/office/powerpoint/2010/main" val="628804651"/>
+      </p:ext>
+    </p:extLst>
+  </p:cSld>
+  <p:clrMapOvr>
+    <a:masterClrMapping/>
+  </p:clrMapOvr>
+</p:sld>
+</file>
+
+<file path=ppt/slides/slide8.xml><?xml version="1.0" encoding="utf-8"?>
+<p:sld xmlns:a="http://schemas.openxmlformats.org/drawingml/2006/main" xmlns:r="http://schemas.openxmlformats.org/officeDocument/2006/relationships" xmlns:p="http://schemas.openxmlformats.org/presentationml/2006/main">
+  <p:cSld>
+    <p:spTree>
+      <p:nvGrpSpPr>
+        <p:cNvPr id="1" name=""/>
+        <p:cNvGrpSpPr/>
+        <p:nvPr/>
+      </p:nvGrpSpPr>
+      <p:grpSpPr>
+        <a:xfrm>
+          <a:off x="0" y="0"/>
+          <a:ext cx="0" cy="0"/>
+          <a:chOff x="0" y="0"/>
+          <a:chExt cx="0" cy="0"/>
+        </a:xfrm>
+      </p:grpSpPr>
+      <p:pic>
+        <p:nvPicPr>
+          <p:cNvPr id="2050" name="Picture 2" descr="Benefits of Treasure Hunt: An Exciting Parenting Tool">
+            <a:extLst>
+              <a:ext uri="{FF2B5EF4-FFF2-40B4-BE49-F238E27FC236}">
+                <a16:creationId xmlns:a16="http://schemas.microsoft.com/office/drawing/2014/main" id="{513BD2BA-ED49-D5FF-9F40-5CFDFD2B39C8}"/>
+              </a:ext>
+            </a:extLst>
+          </p:cNvPr>
+          <p:cNvPicPr>
+            <a:picLocks noChangeAspect="1" noChangeArrowheads="1"/>
+          </p:cNvPicPr>
+          <p:nvPr/>
+        </p:nvPicPr>
+        <p:blipFill rotWithShape="1">
+          <a:blip r:embed="rId2">
+            <a:extLst>
+              <a:ext uri="{28A0092B-C50C-407E-A947-70E740481C1C}">
+                <a14:useLocalDpi xmlns:a14="http://schemas.microsoft.com/office/drawing/2010/main" val="0"/>
+              </a:ext>
+            </a:extLst>
+          </a:blip>
+          <a:srcRect l="9043" r="7386"/>
+          <a:stretch/>
+        </p:blipFill>
+        <p:spPr bwMode="auto">
+          <a:xfrm>
+            <a:off x="20" y="1282"/>
+            <a:ext cx="12191980" cy="6856718"/>
+          </a:xfrm>
+          <a:prstGeom prst="rect">
+            <a:avLst/>
+          </a:prstGeom>
+          <a:noFill/>
+          <a:extLst>
+            <a:ext uri="{909E8E84-426E-40DD-AFC4-6F175D3DCCD1}">
+              <a14:hiddenFill xmlns:a14="http://schemas.microsoft.com/office/drawing/2010/main">
+                <a:solidFill>
+                  <a:srgbClr val="FFFFFF"/>
+                </a:solidFill>
+              </a14:hiddenFill>
+            </a:ext>
+          </a:extLst>
+        </p:spPr>
+      </p:pic>
+      <p:sp>
+        <p:nvSpPr>
+          <p:cNvPr id="4" name="TextBox 3">
+            <a:extLst>
+              <a:ext uri="{FF2B5EF4-FFF2-40B4-BE49-F238E27FC236}">
+                <a16:creationId xmlns:a16="http://schemas.microsoft.com/office/drawing/2014/main" id="{C8D99489-362B-819B-E49E-64B9639B4FE2}"/>
+              </a:ext>
+            </a:extLst>
+          </p:cNvPr>
+          <p:cNvSpPr txBox="1"/>
+          <p:nvPr/>
+        </p:nvSpPr>
+        <p:spPr>
+          <a:xfrm>
+            <a:off x="3759200" y="5219700"/>
+            <a:ext cx="5101076" cy="1107996"/>
+          </a:xfrm>
+          <a:prstGeom prst="rect">
+            <a:avLst/>
+          </a:prstGeom>
+          <a:noFill/>
+        </p:spPr>
+        <p:txBody>
+          <a:bodyPr wrap="none" rtlCol="0">
+            <a:spAutoFit/>
+          </a:bodyPr>
+          <a:lstStyle/>
+          <a:p>
+            <a:r>
+              <a:rPr lang="en-US" sz="6600" b="1" dirty="0">
+                <a:ln w="13462">
+                  <a:solidFill>
+                    <a:schemeClr val="bg1"/>
+                  </a:solidFill>
+                  <a:prstDash val="solid"/>
+                </a:ln>
+                <a:solidFill>
+                  <a:schemeClr val="tx1">
+                    <a:lumMod val="85000"/>
+                    <a:lumOff val="15000"/>
+                  </a:schemeClr>
+                </a:solidFill>
+                <a:effectLst>
+                  <a:outerShdw dist="38100" dir="2700000" algn="bl" rotWithShape="0">
+                    <a:schemeClr val="accent5"/>
+                  </a:outerShdw>
+                </a:effectLst>
+                <a:latin typeface="Baguet Script" panose="020B0604020202020204" pitchFamily="2" charset="0"/>
+              </a:rPr>
+              <a:t>With QR codes</a:t>
+            </a:r>
+            <a:endParaRPr lang="en-NZ" sz="6600" b="1" dirty="0">
+              <a:ln w="13462">
+                <a:solidFill>
+                  <a:schemeClr val="bg1"/>
+                </a:solidFill>
+                <a:prstDash val="solid"/>
+              </a:ln>
+              <a:solidFill>
+                <a:schemeClr val="tx1">
+                  <a:lumMod val="85000"/>
+                  <a:lumOff val="15000"/>
+                </a:schemeClr>
+              </a:solidFill>
+              <a:effectLst>
+                <a:outerShdw dist="38100" dir="2700000" algn="bl" rotWithShape="0">
+                  <a:schemeClr val="accent5"/>
+                </a:outerShdw>
+              </a:effectLst>
+              <a:latin typeface="Baguet Script" panose="020B0604020202020204" pitchFamily="2" charset="0"/>
+            </a:endParaRPr>
+          </a:p>
+        </p:txBody>
+      </p:sp>
+      <p:pic>
+        <p:nvPicPr>
+          <p:cNvPr id="6" name="Picture 5">
+            <a:extLst>
+              <a:ext uri="{FF2B5EF4-FFF2-40B4-BE49-F238E27FC236}">
+                <a16:creationId xmlns:a16="http://schemas.microsoft.com/office/drawing/2014/main" id="{F8A4341B-4A53-3435-FA17-17D27FC61CE8}"/>
+              </a:ext>
+            </a:extLst>
+          </p:cNvPr>
+          <p:cNvPicPr>
+            <a:picLocks noChangeAspect="1"/>
+          </p:cNvPicPr>
+          <p:nvPr/>
+        </p:nvPicPr>
+        <p:blipFill>
+          <a:blip r:embed="rId3"/>
+          <a:stretch>
+            <a:fillRect/>
+          </a:stretch>
+        </p:blipFill>
+        <p:spPr>
+          <a:xfrm>
+            <a:off x="9164732" y="368299"/>
+            <a:ext cx="2379568" cy="2311581"/>
+          </a:xfrm>
+          <a:prstGeom prst="rect">
+            <a:avLst/>
+          </a:prstGeom>
+          <a:ln w="38100" cap="sq">
+            <a:solidFill>
+              <a:srgbClr val="000000"/>
+            </a:solidFill>
+            <a:prstDash val="solid"/>
+            <a:miter lim="800000"/>
+          </a:ln>
+          <a:effectLst>
+            <a:outerShdw blurRad="50800" dist="38100" dir="2700000" algn="tl" rotWithShape="0">
+              <a:srgbClr val="000000">
+                <a:alpha val="43000"/>
+              </a:srgbClr>
+            </a:outerShdw>
+          </a:effectLst>
+        </p:spPr>
+      </p:pic>
+      <p:sp>
+        <p:nvSpPr>
+          <p:cNvPr id="2" name="TextBox 1">
+            <a:extLst>
+              <a:ext uri="{FF2B5EF4-FFF2-40B4-BE49-F238E27FC236}">
+                <a16:creationId xmlns:a16="http://schemas.microsoft.com/office/drawing/2014/main" id="{B9DC5504-7341-B85F-DEE7-5F0532591DE3}"/>
+              </a:ext>
+            </a:extLst>
+          </p:cNvPr>
+          <p:cNvSpPr txBox="1"/>
+          <p:nvPr/>
+        </p:nvSpPr>
+        <p:spPr>
+          <a:xfrm>
+            <a:off x="487310" y="368299"/>
+            <a:ext cx="5822428" cy="1323439"/>
+          </a:xfrm>
+          <a:prstGeom prst="rect">
+            <a:avLst/>
+          </a:prstGeom>
+          <a:noFill/>
+        </p:spPr>
+        <p:txBody>
+          <a:bodyPr wrap="none" rtlCol="0">
+            <a:spAutoFit/>
+          </a:bodyPr>
+          <a:lstStyle/>
+          <a:p>
+            <a:r>
+              <a:rPr lang="en-US" sz="8000" b="1" dirty="0">
+                <a:ln w="13462">
+                  <a:solidFill>
+                    <a:srgbClr val="060349"/>
+                  </a:solidFill>
+                  <a:prstDash val="solid"/>
+                </a:ln>
+                <a:solidFill>
+                  <a:srgbClr val="0070C0"/>
+                </a:solidFill>
+                <a:effectLst>
+                  <a:outerShdw dist="38100" dir="2700000" algn="bl" rotWithShape="0">
+                    <a:schemeClr val="accent5"/>
+                  </a:outerShdw>
+                </a:effectLst>
+                <a:latin typeface="Baguet Script" panose="020B0604020202020204" pitchFamily="2" charset="0"/>
+              </a:rPr>
+              <a:t>Please wait …</a:t>
+            </a:r>
+            <a:endParaRPr lang="en-NZ" sz="8000" b="1" dirty="0">
+              <a:ln w="13462">
+                <a:solidFill>
+                  <a:srgbClr val="060349"/>
+                </a:solidFill>
+                <a:prstDash val="solid"/>
+              </a:ln>
+              <a:solidFill>
+                <a:srgbClr val="0070C0"/>
+              </a:solidFill>
+              <a:effectLst>
+                <a:outerShdw dist="38100" dir="2700000" algn="bl" rotWithShape="0">
+                  <a:schemeClr val="accent5"/>
+                </a:outerShdw>
+              </a:effectLst>
+              <a:latin typeface="Baguet Script" panose="020B0604020202020204" pitchFamily="2" charset="0"/>
+            </a:endParaRPr>
+          </a:p>
+        </p:txBody>
+      </p:sp>
+    </p:spTree>
+    <p:extLst>
+      <p:ext uri="{BB962C8B-B14F-4D97-AF65-F5344CB8AC3E}">
+        <p14:creationId xmlns:p14="http://schemas.microsoft.com/office/powerpoint/2010/main" val="1943988136"/>
+      </p:ext>
+    </p:extLst>
+  </p:cSld>
+  <p:clrMapOvr>
+    <a:masterClrMapping/>
+  </p:clrMapOvr>
+</p:sld>
+</file>
+
 <file path=ppt/theme/theme1.xml><?xml version="1.0" encoding="utf-8"?>
 <a:theme xmlns:a="http://schemas.openxmlformats.org/drawingml/2006/main" name="Office Theme">
   <a:themeElements>

--- a/Design.pptx
+++ b/Design.pptx
@@ -7,19 +7,20 @@
   <p:sldIdLst>
     <p:sldId id="265" r:id="rId2"/>
     <p:sldId id="266" r:id="rId3"/>
-    <p:sldId id="267" r:id="rId4"/>
-    <p:sldId id="269" r:id="rId5"/>
-    <p:sldId id="272" r:id="rId6"/>
-    <p:sldId id="271" r:id="rId7"/>
-    <p:sldId id="270" r:id="rId8"/>
-    <p:sldId id="268" r:id="rId9"/>
-    <p:sldId id="260" r:id="rId10"/>
-    <p:sldId id="257" r:id="rId11"/>
-    <p:sldId id="259" r:id="rId12"/>
-    <p:sldId id="261" r:id="rId13"/>
-    <p:sldId id="262" r:id="rId14"/>
-    <p:sldId id="263" r:id="rId15"/>
-    <p:sldId id="264" r:id="rId16"/>
+    <p:sldId id="269" r:id="rId4"/>
+    <p:sldId id="273" r:id="rId5"/>
+    <p:sldId id="267" r:id="rId6"/>
+    <p:sldId id="272" r:id="rId7"/>
+    <p:sldId id="271" r:id="rId8"/>
+    <p:sldId id="270" r:id="rId9"/>
+    <p:sldId id="268" r:id="rId10"/>
+    <p:sldId id="260" r:id="rId11"/>
+    <p:sldId id="257" r:id="rId12"/>
+    <p:sldId id="259" r:id="rId13"/>
+    <p:sldId id="261" r:id="rId14"/>
+    <p:sldId id="262" r:id="rId15"/>
+    <p:sldId id="263" r:id="rId16"/>
+    <p:sldId id="264" r:id="rId17"/>
   </p:sldIdLst>
   <p:sldSz cx="12192000" cy="6858000"/>
   <p:notesSz cx="6858000" cy="9144000"/>
@@ -183,7 +184,7 @@
           <a:noFill/>
           <a:extLst>
             <a:ext uri="{909E8E84-426E-40dd-AFC4-6F175D3DCCD1}">
-              <a14:hiddenFill xmlns="" xmlns:a14="http://schemas.microsoft.com/office/drawing/2010/main">
+              <a14:hiddenFill xmlns:a14="http://schemas.microsoft.com/office/drawing/2010/main" xmlns="">
                 <a:solidFill>
                   <a:srgbClr val="FFFFFF"/>
                 </a:solidFill>
@@ -242,7 +243,7 @@
             </a:ln>
             <a:extLst>
               <a:ext uri="{91240B29-F687-4f45-9708-019B960494DF}">
-                <a14:hiddenLine xmlns="" xmlns:a14="http://schemas.microsoft.com/office/drawing/2010/main" w="9525">
+                <a14:hiddenLine xmlns:a14="http://schemas.microsoft.com/office/drawing/2010/main" xmlns="" w="9525">
                   <a:solidFill>
                     <a:srgbClr val="000000"/>
                   </a:solidFill>
@@ -332,7 +333,7 @@
             </a:ln>
             <a:extLst>
               <a:ext uri="{91240B29-F687-4f45-9708-019B960494DF}">
-                <a14:hiddenLine xmlns="" xmlns:a14="http://schemas.microsoft.com/office/drawing/2010/main" w="9525">
+                <a14:hiddenLine xmlns:a14="http://schemas.microsoft.com/office/drawing/2010/main" xmlns="" w="9525">
                   <a:solidFill>
                     <a:srgbClr val="000000"/>
                   </a:solidFill>
@@ -422,7 +423,7 @@
             </a:ln>
             <a:extLst>
               <a:ext uri="{91240B29-F687-4f45-9708-019B960494DF}">
-                <a14:hiddenLine xmlns="" xmlns:a14="http://schemas.microsoft.com/office/drawing/2010/main" w="9525">
+                <a14:hiddenLine xmlns:a14="http://schemas.microsoft.com/office/drawing/2010/main" xmlns="" w="9525">
                   <a:solidFill>
                     <a:srgbClr val="000000"/>
                   </a:solidFill>
@@ -456,7 +457,7 @@
             </a:ln>
             <a:extLst>
               <a:ext uri="{91240B29-F687-4f45-9708-019B960494DF}">
-                <a14:hiddenLine xmlns="" xmlns:a14="http://schemas.microsoft.com/office/drawing/2010/main" w="9525">
+                <a14:hiddenLine xmlns:a14="http://schemas.microsoft.com/office/drawing/2010/main" xmlns="" w="9525">
                   <a:solidFill>
                     <a:srgbClr val="000000"/>
                   </a:solidFill>
@@ -546,7 +547,7 @@
             </a:ln>
             <a:extLst>
               <a:ext uri="{91240B29-F687-4f45-9708-019B960494DF}">
-                <a14:hiddenLine xmlns="" xmlns:a14="http://schemas.microsoft.com/office/drawing/2010/main" w="9525">
+                <a14:hiddenLine xmlns:a14="http://schemas.microsoft.com/office/drawing/2010/main" xmlns="" w="9525">
                   <a:solidFill>
                     <a:srgbClr val="000000"/>
                   </a:solidFill>
@@ -608,7 +609,7 @@
             </a:ln>
             <a:extLst>
               <a:ext uri="{91240B29-F687-4f45-9708-019B960494DF}">
-                <a14:hiddenLine xmlns="" xmlns:a14="http://schemas.microsoft.com/office/drawing/2010/main" w="9525">
+                <a14:hiddenLine xmlns:a14="http://schemas.microsoft.com/office/drawing/2010/main" xmlns="" w="9525">
                   <a:solidFill>
                     <a:srgbClr val="000000"/>
                   </a:solidFill>
@@ -670,7 +671,7 @@
             </a:ln>
             <a:extLst>
               <a:ext uri="{91240B29-F687-4f45-9708-019B960494DF}">
-                <a14:hiddenLine xmlns="" xmlns:a14="http://schemas.microsoft.com/office/drawing/2010/main" w="9525">
+                <a14:hiddenLine xmlns:a14="http://schemas.microsoft.com/office/drawing/2010/main" xmlns="" w="9525">
                   <a:solidFill>
                     <a:srgbClr val="000000"/>
                   </a:solidFill>
@@ -760,7 +761,7 @@
             </a:ln>
             <a:extLst>
               <a:ext uri="{91240B29-F687-4f45-9708-019B960494DF}">
-                <a14:hiddenLine xmlns="" xmlns:a14="http://schemas.microsoft.com/office/drawing/2010/main" w="9525">
+                <a14:hiddenLine xmlns:a14="http://schemas.microsoft.com/office/drawing/2010/main" xmlns="" w="9525">
                   <a:solidFill>
                     <a:srgbClr val="000000"/>
                   </a:solidFill>
@@ -822,7 +823,7 @@
             </a:ln>
             <a:extLst>
               <a:ext uri="{91240B29-F687-4f45-9708-019B960494DF}">
-                <a14:hiddenLine xmlns="" xmlns:a14="http://schemas.microsoft.com/office/drawing/2010/main" w="9525">
+                <a14:hiddenLine xmlns:a14="http://schemas.microsoft.com/office/drawing/2010/main" xmlns="" w="9525">
                   <a:solidFill>
                     <a:srgbClr val="000000"/>
                   </a:solidFill>
@@ -884,7 +885,7 @@
             </a:ln>
             <a:extLst>
               <a:ext uri="{91240B29-F687-4f45-9708-019B960494DF}">
-                <a14:hiddenLine xmlns="" xmlns:a14="http://schemas.microsoft.com/office/drawing/2010/main" w="9525">
+                <a14:hiddenLine xmlns:a14="http://schemas.microsoft.com/office/drawing/2010/main" xmlns="" w="9525">
                   <a:solidFill>
                     <a:srgbClr val="000000"/>
                   </a:solidFill>
@@ -974,7 +975,7 @@
             </a:ln>
             <a:extLst>
               <a:ext uri="{91240B29-F687-4f45-9708-019B960494DF}">
-                <a14:hiddenLine xmlns="" xmlns:a14="http://schemas.microsoft.com/office/drawing/2010/main" w="9525">
+                <a14:hiddenLine xmlns:a14="http://schemas.microsoft.com/office/drawing/2010/main" xmlns="" w="9525">
                   <a:solidFill>
                     <a:srgbClr val="000000"/>
                   </a:solidFill>
@@ -1064,7 +1065,7 @@
             </a:ln>
             <a:extLst>
               <a:ext uri="{91240B29-F687-4f45-9708-019B960494DF}">
-                <a14:hiddenLine xmlns="" xmlns:a14="http://schemas.microsoft.com/office/drawing/2010/main" w="9525">
+                <a14:hiddenLine xmlns:a14="http://schemas.microsoft.com/office/drawing/2010/main" xmlns="" w="9525">
                   <a:solidFill>
                     <a:srgbClr val="000000"/>
                   </a:solidFill>
@@ -1126,7 +1127,7 @@
             </a:ln>
             <a:extLst>
               <a:ext uri="{91240B29-F687-4f45-9708-019B960494DF}">
-                <a14:hiddenLine xmlns="" xmlns:a14="http://schemas.microsoft.com/office/drawing/2010/main" w="9525">
+                <a14:hiddenLine xmlns:a14="http://schemas.microsoft.com/office/drawing/2010/main" xmlns="" w="9525">
                   <a:solidFill>
                     <a:srgbClr val="000000"/>
                   </a:solidFill>
@@ -1236,7 +1237,7 @@
             </a:ln>
             <a:extLst>
               <a:ext uri="{91240B29-F687-4f45-9708-019B960494DF}">
-                <a14:hiddenLine xmlns="" xmlns:a14="http://schemas.microsoft.com/office/drawing/2010/main" w="9525">
+                <a14:hiddenLine xmlns:a14="http://schemas.microsoft.com/office/drawing/2010/main" xmlns="" w="9525">
                   <a:solidFill>
                     <a:srgbClr val="000000"/>
                   </a:solidFill>
@@ -1298,7 +1299,7 @@
             </a:ln>
             <a:extLst>
               <a:ext uri="{91240B29-F687-4f45-9708-019B960494DF}">
-                <a14:hiddenLine xmlns="" xmlns:a14="http://schemas.microsoft.com/office/drawing/2010/main" w="9525">
+                <a14:hiddenLine xmlns:a14="http://schemas.microsoft.com/office/drawing/2010/main" xmlns="" w="9525">
                   <a:solidFill>
                     <a:srgbClr val="000000"/>
                   </a:solidFill>
@@ -1388,7 +1389,7 @@
             </a:ln>
             <a:extLst>
               <a:ext uri="{91240B29-F687-4f45-9708-019B960494DF}">
-                <a14:hiddenLine xmlns="" xmlns:a14="http://schemas.microsoft.com/office/drawing/2010/main" w="9525">
+                <a14:hiddenLine xmlns:a14="http://schemas.microsoft.com/office/drawing/2010/main" xmlns="" w="9525">
                   <a:solidFill>
                     <a:srgbClr val="000000"/>
                   </a:solidFill>
@@ -1478,7 +1479,7 @@
             </a:ln>
             <a:extLst>
               <a:ext uri="{91240B29-F687-4f45-9708-019B960494DF}">
-                <a14:hiddenLine xmlns="" xmlns:a14="http://schemas.microsoft.com/office/drawing/2010/main" w="9525">
+                <a14:hiddenLine xmlns:a14="http://schemas.microsoft.com/office/drawing/2010/main" xmlns="" w="9525">
                   <a:solidFill>
                     <a:srgbClr val="000000"/>
                   </a:solidFill>
@@ -1540,7 +1541,7 @@
             </a:ln>
             <a:extLst>
               <a:ext uri="{91240B29-F687-4f45-9708-019B960494DF}">
-                <a14:hiddenLine xmlns="" xmlns:a14="http://schemas.microsoft.com/office/drawing/2010/main" w="9525">
+                <a14:hiddenLine xmlns:a14="http://schemas.microsoft.com/office/drawing/2010/main" xmlns="" w="9525">
                   <a:solidFill>
                     <a:srgbClr val="000000"/>
                   </a:solidFill>
@@ -1630,7 +1631,7 @@
             </a:ln>
             <a:extLst>
               <a:ext uri="{91240B29-F687-4f45-9708-019B960494DF}">
-                <a14:hiddenLine xmlns="" xmlns:a14="http://schemas.microsoft.com/office/drawing/2010/main" w="9525">
+                <a14:hiddenLine xmlns:a14="http://schemas.microsoft.com/office/drawing/2010/main" xmlns="" w="9525">
                   <a:solidFill>
                     <a:srgbClr val="000000"/>
                   </a:solidFill>
@@ -1720,7 +1721,7 @@
             </a:ln>
             <a:extLst>
               <a:ext uri="{91240B29-F687-4f45-9708-019B960494DF}">
-                <a14:hiddenLine xmlns="" xmlns:a14="http://schemas.microsoft.com/office/drawing/2010/main" w="9525">
+                <a14:hiddenLine xmlns:a14="http://schemas.microsoft.com/office/drawing/2010/main" xmlns="" w="9525">
                   <a:solidFill>
                     <a:srgbClr val="000000"/>
                   </a:solidFill>
@@ -1776,7 +1777,7 @@
             </a:ln>
             <a:extLst>
               <a:ext uri="{91240B29-F687-4f45-9708-019B960494DF}">
-                <a14:hiddenLine xmlns="" xmlns:a14="http://schemas.microsoft.com/office/drawing/2010/main" w="9525">
+                <a14:hiddenLine xmlns:a14="http://schemas.microsoft.com/office/drawing/2010/main" xmlns="" w="9525">
                   <a:solidFill>
                     <a:srgbClr val="000000"/>
                   </a:solidFill>
@@ -1866,7 +1867,7 @@
             </a:ln>
             <a:extLst>
               <a:ext uri="{91240B29-F687-4f45-9708-019B960494DF}">
-                <a14:hiddenLine xmlns="" xmlns:a14="http://schemas.microsoft.com/office/drawing/2010/main" w="9525">
+                <a14:hiddenLine xmlns:a14="http://schemas.microsoft.com/office/drawing/2010/main" xmlns="" w="9525">
                   <a:solidFill>
                     <a:srgbClr val="000000"/>
                   </a:solidFill>
@@ -1922,7 +1923,7 @@
             </a:ln>
             <a:extLst>
               <a:ext uri="{91240B29-F687-4f45-9708-019B960494DF}">
-                <a14:hiddenLine xmlns="" xmlns:a14="http://schemas.microsoft.com/office/drawing/2010/main" w="9525">
+                <a14:hiddenLine xmlns:a14="http://schemas.microsoft.com/office/drawing/2010/main" xmlns="" w="9525">
                   <a:solidFill>
                     <a:srgbClr val="000000"/>
                   </a:solidFill>
@@ -2012,7 +2013,7 @@
             </a:ln>
             <a:extLst>
               <a:ext uri="{91240B29-F687-4f45-9708-019B960494DF}">
-                <a14:hiddenLine xmlns="" xmlns:a14="http://schemas.microsoft.com/office/drawing/2010/main" w="9525">
+                <a14:hiddenLine xmlns:a14="http://schemas.microsoft.com/office/drawing/2010/main" xmlns="" w="9525">
                   <a:solidFill>
                     <a:srgbClr val="000000"/>
                   </a:solidFill>
@@ -2080,7 +2081,7 @@
             </a:ln>
             <a:extLst>
               <a:ext uri="{91240B29-F687-4f45-9708-019B960494DF}">
-                <a14:hiddenLine xmlns="" xmlns:a14="http://schemas.microsoft.com/office/drawing/2010/main" w="9525">
+                <a14:hiddenLine xmlns:a14="http://schemas.microsoft.com/office/drawing/2010/main" xmlns="" w="9525">
                   <a:solidFill>
                     <a:srgbClr val="000000"/>
                   </a:solidFill>
@@ -2170,7 +2171,7 @@
             </a:ln>
             <a:extLst>
               <a:ext uri="{91240B29-F687-4f45-9708-019B960494DF}">
-                <a14:hiddenLine xmlns="" xmlns:a14="http://schemas.microsoft.com/office/drawing/2010/main" w="9525">
+                <a14:hiddenLine xmlns:a14="http://schemas.microsoft.com/office/drawing/2010/main" xmlns="" w="9525">
                   <a:solidFill>
                     <a:srgbClr val="000000"/>
                   </a:solidFill>
@@ -2238,7 +2239,7 @@
             </a:ln>
             <a:extLst>
               <a:ext uri="{91240B29-F687-4f45-9708-019B960494DF}">
-                <a14:hiddenLine xmlns="" xmlns:a14="http://schemas.microsoft.com/office/drawing/2010/main" w="9525">
+                <a14:hiddenLine xmlns:a14="http://schemas.microsoft.com/office/drawing/2010/main" xmlns="" w="9525">
                   <a:solidFill>
                     <a:srgbClr val="000000"/>
                   </a:solidFill>
@@ -2328,7 +2329,7 @@
             </a:ln>
             <a:extLst>
               <a:ext uri="{91240B29-F687-4f45-9708-019B960494DF}">
-                <a14:hiddenLine xmlns="" xmlns:a14="http://schemas.microsoft.com/office/drawing/2010/main" w="9525">
+                <a14:hiddenLine xmlns:a14="http://schemas.microsoft.com/office/drawing/2010/main" xmlns="" w="9525">
                   <a:solidFill>
                     <a:srgbClr val="000000"/>
                   </a:solidFill>
@@ -2362,7 +2363,7 @@
             </a:ln>
             <a:extLst>
               <a:ext uri="{91240B29-F687-4f45-9708-019B960494DF}">
-                <a14:hiddenLine xmlns="" xmlns:a14="http://schemas.microsoft.com/office/drawing/2010/main" w="9525">
+                <a14:hiddenLine xmlns:a14="http://schemas.microsoft.com/office/drawing/2010/main" xmlns="" w="9525">
                   <a:solidFill>
                     <a:srgbClr val="000000"/>
                   </a:solidFill>
@@ -2452,7 +2453,7 @@
             </a:ln>
             <a:extLst>
               <a:ext uri="{91240B29-F687-4f45-9708-019B960494DF}">
-                <a14:hiddenLine xmlns="" xmlns:a14="http://schemas.microsoft.com/office/drawing/2010/main" w="9525">
+                <a14:hiddenLine xmlns:a14="http://schemas.microsoft.com/office/drawing/2010/main" xmlns="" w="9525">
                   <a:solidFill>
                     <a:srgbClr val="000000"/>
                   </a:solidFill>
@@ -2514,7 +2515,7 @@
             </a:ln>
             <a:extLst>
               <a:ext uri="{91240B29-F687-4f45-9708-019B960494DF}">
-                <a14:hiddenLine xmlns="" xmlns:a14="http://schemas.microsoft.com/office/drawing/2010/main" w="9525">
+                <a14:hiddenLine xmlns:a14="http://schemas.microsoft.com/office/drawing/2010/main" xmlns="" w="9525">
                   <a:solidFill>
                     <a:srgbClr val="000000"/>
                   </a:solidFill>
@@ -2576,7 +2577,7 @@
             </a:ln>
             <a:extLst>
               <a:ext uri="{91240B29-F687-4f45-9708-019B960494DF}">
-                <a14:hiddenLine xmlns="" xmlns:a14="http://schemas.microsoft.com/office/drawing/2010/main" w="9525">
+                <a14:hiddenLine xmlns:a14="http://schemas.microsoft.com/office/drawing/2010/main" xmlns="" w="9525">
                   <a:solidFill>
                     <a:srgbClr val="000000"/>
                   </a:solidFill>
@@ -2666,7 +2667,7 @@
             </a:ln>
             <a:extLst>
               <a:ext uri="{91240B29-F687-4f45-9708-019B960494DF}">
-                <a14:hiddenLine xmlns="" xmlns:a14="http://schemas.microsoft.com/office/drawing/2010/main" w="9525">
+                <a14:hiddenLine xmlns:a14="http://schemas.microsoft.com/office/drawing/2010/main" xmlns="" w="9525">
                   <a:solidFill>
                     <a:srgbClr val="000000"/>
                   </a:solidFill>
@@ -2734,7 +2735,7 @@
             </a:ln>
             <a:extLst>
               <a:ext uri="{91240B29-F687-4f45-9708-019B960494DF}">
-                <a14:hiddenLine xmlns="" xmlns:a14="http://schemas.microsoft.com/office/drawing/2010/main" w="9525">
+                <a14:hiddenLine xmlns:a14="http://schemas.microsoft.com/office/drawing/2010/main" xmlns="" w="9525">
                   <a:solidFill>
                     <a:srgbClr val="000000"/>
                   </a:solidFill>
@@ -2796,7 +2797,7 @@
             </a:ln>
             <a:extLst>
               <a:ext uri="{91240B29-F687-4f45-9708-019B960494DF}">
-                <a14:hiddenLine xmlns="" xmlns:a14="http://schemas.microsoft.com/office/drawing/2010/main" w="9525">
+                <a14:hiddenLine xmlns:a14="http://schemas.microsoft.com/office/drawing/2010/main" xmlns="" w="9525">
                   <a:solidFill>
                     <a:srgbClr val="000000"/>
                   </a:solidFill>
@@ -2886,7 +2887,7 @@
             </a:ln>
             <a:extLst>
               <a:ext uri="{91240B29-F687-4f45-9708-019B960494DF}">
-                <a14:hiddenLine xmlns="" xmlns:a14="http://schemas.microsoft.com/office/drawing/2010/main" w="9525">
+                <a14:hiddenLine xmlns:a14="http://schemas.microsoft.com/office/drawing/2010/main" xmlns="" w="9525">
                   <a:solidFill>
                     <a:srgbClr val="000000"/>
                   </a:solidFill>
@@ -2948,7 +2949,7 @@
             </a:ln>
             <a:extLst>
               <a:ext uri="{91240B29-F687-4f45-9708-019B960494DF}">
-                <a14:hiddenLine xmlns="" xmlns:a14="http://schemas.microsoft.com/office/drawing/2010/main" w="9525">
+                <a14:hiddenLine xmlns:a14="http://schemas.microsoft.com/office/drawing/2010/main" xmlns="" w="9525">
                   <a:solidFill>
                     <a:srgbClr val="000000"/>
                   </a:solidFill>
@@ -3038,7 +3039,7 @@
             </a:ln>
             <a:extLst>
               <a:ext uri="{91240B29-F687-4f45-9708-019B960494DF}">
-                <a14:hiddenLine xmlns="" xmlns:a14="http://schemas.microsoft.com/office/drawing/2010/main" w="9525">
+                <a14:hiddenLine xmlns:a14="http://schemas.microsoft.com/office/drawing/2010/main" xmlns="" w="9525">
                   <a:solidFill>
                     <a:srgbClr val="000000"/>
                   </a:solidFill>
@@ -3100,7 +3101,7 @@
             </a:ln>
             <a:extLst>
               <a:ext uri="{91240B29-F687-4f45-9708-019B960494DF}">
-                <a14:hiddenLine xmlns="" xmlns:a14="http://schemas.microsoft.com/office/drawing/2010/main" w="9525">
+                <a14:hiddenLine xmlns:a14="http://schemas.microsoft.com/office/drawing/2010/main" xmlns="" w="9525">
                   <a:solidFill>
                     <a:srgbClr val="000000"/>
                   </a:solidFill>
@@ -3190,7 +3191,7 @@
             </a:ln>
             <a:extLst>
               <a:ext uri="{91240B29-F687-4f45-9708-019B960494DF}">
-                <a14:hiddenLine xmlns="" xmlns:a14="http://schemas.microsoft.com/office/drawing/2010/main" w="9525">
+                <a14:hiddenLine xmlns:a14="http://schemas.microsoft.com/office/drawing/2010/main" xmlns="" w="9525">
                   <a:solidFill>
                     <a:srgbClr val="000000"/>
                   </a:solidFill>
@@ -3224,7 +3225,7 @@
             </a:ln>
             <a:extLst>
               <a:ext uri="{91240B29-F687-4f45-9708-019B960494DF}">
-                <a14:hiddenLine xmlns="" xmlns:a14="http://schemas.microsoft.com/office/drawing/2010/main" w="9525">
+                <a14:hiddenLine xmlns:a14="http://schemas.microsoft.com/office/drawing/2010/main" xmlns="" w="9525">
                   <a:solidFill>
                     <a:srgbClr val="000000"/>
                   </a:solidFill>
@@ -3289,7 +3290,7 @@
             </a:ln>
             <a:extLst>
               <a:ext uri="{91240B29-F687-4f45-9708-019B960494DF}">
-                <a14:hiddenLine xmlns="" xmlns:a14="http://schemas.microsoft.com/office/drawing/2010/main" w="9525">
+                <a14:hiddenLine xmlns:a14="http://schemas.microsoft.com/office/drawing/2010/main" xmlns="" w="9525">
                   <a:solidFill>
                     <a:srgbClr val="000000"/>
                   </a:solidFill>
@@ -3379,7 +3380,7 @@
             </a:ln>
             <a:extLst>
               <a:ext uri="{91240B29-F687-4f45-9708-019B960494DF}">
-                <a14:hiddenLine xmlns="" xmlns:a14="http://schemas.microsoft.com/office/drawing/2010/main" w="9525">
+                <a14:hiddenLine xmlns:a14="http://schemas.microsoft.com/office/drawing/2010/main" xmlns="" w="9525">
                   <a:solidFill>
                     <a:srgbClr val="000000"/>
                   </a:solidFill>
@@ -3441,7 +3442,7 @@
             </a:ln>
             <a:extLst>
               <a:ext uri="{91240B29-F687-4f45-9708-019B960494DF}">
-                <a14:hiddenLine xmlns="" xmlns:a14="http://schemas.microsoft.com/office/drawing/2010/main" w="9525">
+                <a14:hiddenLine xmlns:a14="http://schemas.microsoft.com/office/drawing/2010/main" xmlns="" w="9525">
                   <a:solidFill>
                     <a:srgbClr val="000000"/>
                   </a:solidFill>
@@ -3531,7 +3532,7 @@
             </a:ln>
             <a:extLst>
               <a:ext uri="{91240B29-F687-4f45-9708-019B960494DF}">
-                <a14:hiddenLine xmlns="" xmlns:a14="http://schemas.microsoft.com/office/drawing/2010/main" w="9525">
+                <a14:hiddenLine xmlns:a14="http://schemas.microsoft.com/office/drawing/2010/main" xmlns="" w="9525">
                   <a:solidFill>
                     <a:srgbClr val="000000"/>
                   </a:solidFill>
@@ -3621,7 +3622,7 @@
             </a:ln>
             <a:extLst>
               <a:ext uri="{91240B29-F687-4f45-9708-019B960494DF}">
-                <a14:hiddenLine xmlns="" xmlns:a14="http://schemas.microsoft.com/office/drawing/2010/main" w="9525">
+                <a14:hiddenLine xmlns:a14="http://schemas.microsoft.com/office/drawing/2010/main" xmlns="" w="9525">
                   <a:solidFill>
                     <a:srgbClr val="000000"/>
                   </a:solidFill>
@@ -3686,7 +3687,7 @@
             </a:ln>
             <a:extLst>
               <a:ext uri="{91240B29-F687-4f45-9708-019B960494DF}">
-                <a14:hiddenLine xmlns="" xmlns:a14="http://schemas.microsoft.com/office/drawing/2010/main" w="9525">
+                <a14:hiddenLine xmlns:a14="http://schemas.microsoft.com/office/drawing/2010/main" xmlns="" w="9525">
                   <a:solidFill>
                     <a:srgbClr val="000000"/>
                   </a:solidFill>
@@ -3748,7 +3749,7 @@
             </a:ln>
             <a:extLst>
               <a:ext uri="{91240B29-F687-4f45-9708-019B960494DF}">
-                <a14:hiddenLine xmlns="" xmlns:a14="http://schemas.microsoft.com/office/drawing/2010/main" w="9525">
+                <a14:hiddenLine xmlns:a14="http://schemas.microsoft.com/office/drawing/2010/main" xmlns="" w="9525">
                   <a:solidFill>
                     <a:srgbClr val="000000"/>
                   </a:solidFill>
@@ -3838,7 +3839,7 @@
             </a:ln>
             <a:extLst>
               <a:ext uri="{91240B29-F687-4f45-9708-019B960494DF}">
-                <a14:hiddenLine xmlns="" xmlns:a14="http://schemas.microsoft.com/office/drawing/2010/main" w="9525">
+                <a14:hiddenLine xmlns:a14="http://schemas.microsoft.com/office/drawing/2010/main" xmlns="" w="9525">
                   <a:solidFill>
                     <a:srgbClr val="000000"/>
                   </a:solidFill>
@@ -3928,7 +3929,7 @@
             </a:ln>
             <a:extLst>
               <a:ext uri="{91240B29-F687-4f45-9708-019B960494DF}">
-                <a14:hiddenLine xmlns="" xmlns:a14="http://schemas.microsoft.com/office/drawing/2010/main" w="9525">
+                <a14:hiddenLine xmlns:a14="http://schemas.microsoft.com/office/drawing/2010/main" xmlns="" w="9525">
                   <a:solidFill>
                     <a:srgbClr val="000000"/>
                   </a:solidFill>
@@ -3990,7 +3991,7 @@
             </a:ln>
             <a:extLst>
               <a:ext uri="{91240B29-F687-4f45-9708-019B960494DF}">
-                <a14:hiddenLine xmlns="" xmlns:a14="http://schemas.microsoft.com/office/drawing/2010/main" w="9525">
+                <a14:hiddenLine xmlns:a14="http://schemas.microsoft.com/office/drawing/2010/main" xmlns="" w="9525">
                   <a:solidFill>
                     <a:srgbClr val="000000"/>
                   </a:solidFill>
@@ -4110,7 +4111,7 @@
             </a:ln>
             <a:extLst>
               <a:ext uri="{91240B29-F687-4f45-9708-019B960494DF}">
-                <a14:hiddenLine xmlns="" xmlns:a14="http://schemas.microsoft.com/office/drawing/2010/main" w="9525">
+                <a14:hiddenLine xmlns:a14="http://schemas.microsoft.com/office/drawing/2010/main" xmlns="" w="9525">
                   <a:solidFill>
                     <a:srgbClr val="000000"/>
                   </a:solidFill>
@@ -4178,7 +4179,7 @@
             </a:ln>
             <a:extLst>
               <a:ext uri="{91240B29-F687-4f45-9708-019B960494DF}">
-                <a14:hiddenLine xmlns="" xmlns:a14="http://schemas.microsoft.com/office/drawing/2010/main" w="9525">
+                <a14:hiddenLine xmlns:a14="http://schemas.microsoft.com/office/drawing/2010/main" xmlns="" w="9525">
                   <a:solidFill>
                     <a:srgbClr val="000000"/>
                   </a:solidFill>
@@ -4268,7 +4269,7 @@
             </a:ln>
             <a:extLst>
               <a:ext uri="{91240B29-F687-4f45-9708-019B960494DF}">
-                <a14:hiddenLine xmlns="" xmlns:a14="http://schemas.microsoft.com/office/drawing/2010/main" w="9525">
+                <a14:hiddenLine xmlns:a14="http://schemas.microsoft.com/office/drawing/2010/main" xmlns="" w="9525">
                   <a:solidFill>
                     <a:srgbClr val="000000"/>
                   </a:solidFill>
@@ -4408,7 +4409,7 @@
           <a:p>
             <a:fld id="{C92431A8-17CE-4556-BA8C-872543424DAF}" type="datetimeFigureOut">
               <a:rPr lang="en-NZ" smtClean="0"/>
-              <a:t>8/06/2023</a:t>
+              <a:t>9/06/2023</a:t>
             </a:fld>
             <a:endParaRPr lang="en-NZ"/>
           </a:p>
@@ -4675,7 +4676,7 @@
           <a:p>
             <a:fld id="{C92431A8-17CE-4556-BA8C-872543424DAF}" type="datetimeFigureOut">
               <a:rPr lang="en-NZ" smtClean="0"/>
-              <a:t>8/06/2023</a:t>
+              <a:t>9/06/2023</a:t>
             </a:fld>
             <a:endParaRPr lang="en-NZ"/>
           </a:p>
@@ -4871,7 +4872,7 @@
           <a:p>
             <a:fld id="{C92431A8-17CE-4556-BA8C-872543424DAF}" type="datetimeFigureOut">
               <a:rPr lang="en-NZ" smtClean="0"/>
-              <a:t>8/06/2023</a:t>
+              <a:t>9/06/2023</a:t>
             </a:fld>
             <a:endParaRPr lang="en-NZ"/>
           </a:p>
@@ -5134,7 +5135,7 @@
           <a:p>
             <a:fld id="{C92431A8-17CE-4556-BA8C-872543424DAF}" type="datetimeFigureOut">
               <a:rPr lang="en-NZ" smtClean="0"/>
-              <a:t>8/06/2023</a:t>
+              <a:t>9/06/2023</a:t>
             </a:fld>
             <a:endParaRPr lang="en-NZ"/>
           </a:p>
@@ -5568,7 +5569,7 @@
           <a:p>
             <a:fld id="{C92431A8-17CE-4556-BA8C-872543424DAF}" type="datetimeFigureOut">
               <a:rPr lang="en-NZ" smtClean="0"/>
-              <a:t>8/06/2023</a:t>
+              <a:t>9/06/2023</a:t>
             </a:fld>
             <a:endParaRPr lang="en-NZ"/>
           </a:p>
@@ -6114,7 +6115,7 @@
           <a:p>
             <a:fld id="{C92431A8-17CE-4556-BA8C-872543424DAF}" type="datetimeFigureOut">
               <a:rPr lang="en-NZ" smtClean="0"/>
-              <a:t>8/06/2023</a:t>
+              <a:t>9/06/2023</a:t>
             </a:fld>
             <a:endParaRPr lang="en-NZ"/>
           </a:p>
@@ -6834,7 +6835,7 @@
           <a:p>
             <a:fld id="{C92431A8-17CE-4556-BA8C-872543424DAF}" type="datetimeFigureOut">
               <a:rPr lang="en-NZ" smtClean="0"/>
-              <a:t>8/06/2023</a:t>
+              <a:t>9/06/2023</a:t>
             </a:fld>
             <a:endParaRPr lang="en-NZ"/>
           </a:p>
@@ -7004,7 +7005,7 @@
           <a:p>
             <a:fld id="{C92431A8-17CE-4556-BA8C-872543424DAF}" type="datetimeFigureOut">
               <a:rPr lang="en-NZ" smtClean="0"/>
-              <a:t>8/06/2023</a:t>
+              <a:t>9/06/2023</a:t>
             </a:fld>
             <a:endParaRPr lang="en-NZ"/>
           </a:p>
@@ -7184,7 +7185,7 @@
           <a:p>
             <a:fld id="{C92431A8-17CE-4556-BA8C-872543424DAF}" type="datetimeFigureOut">
               <a:rPr lang="en-NZ" smtClean="0"/>
-              <a:t>8/06/2023</a:t>
+              <a:t>9/06/2023</a:t>
             </a:fld>
             <a:endParaRPr lang="en-NZ"/>
           </a:p>
@@ -7354,7 +7355,7 @@
           <a:p>
             <a:fld id="{C92431A8-17CE-4556-BA8C-872543424DAF}" type="datetimeFigureOut">
               <a:rPr lang="en-NZ" smtClean="0"/>
-              <a:t>8/06/2023</a:t>
+              <a:t>9/06/2023</a:t>
             </a:fld>
             <a:endParaRPr lang="en-NZ"/>
           </a:p>
@@ -7604,7 +7605,7 @@
           <a:p>
             <a:fld id="{C92431A8-17CE-4556-BA8C-872543424DAF}" type="datetimeFigureOut">
               <a:rPr lang="en-NZ" smtClean="0"/>
-              <a:t>8/06/2023</a:t>
+              <a:t>9/06/2023</a:t>
             </a:fld>
             <a:endParaRPr lang="en-NZ"/>
           </a:p>
@@ -7836,7 +7837,7 @@
           <a:p>
             <a:fld id="{C92431A8-17CE-4556-BA8C-872543424DAF}" type="datetimeFigureOut">
               <a:rPr lang="en-NZ" smtClean="0"/>
-              <a:t>8/06/2023</a:t>
+              <a:t>9/06/2023</a:t>
             </a:fld>
             <a:endParaRPr lang="en-NZ"/>
           </a:p>
@@ -8217,7 +8218,7 @@
           <a:p>
             <a:fld id="{C92431A8-17CE-4556-BA8C-872543424DAF}" type="datetimeFigureOut">
               <a:rPr lang="en-NZ" smtClean="0"/>
-              <a:t>8/06/2023</a:t>
+              <a:t>9/06/2023</a:t>
             </a:fld>
             <a:endParaRPr lang="en-NZ"/>
           </a:p>
@@ -8335,7 +8336,7 @@
           <a:p>
             <a:fld id="{C92431A8-17CE-4556-BA8C-872543424DAF}" type="datetimeFigureOut">
               <a:rPr lang="en-NZ" smtClean="0"/>
-              <a:t>8/06/2023</a:t>
+              <a:t>9/06/2023</a:t>
             </a:fld>
             <a:endParaRPr lang="en-NZ"/>
           </a:p>
@@ -8430,7 +8431,7 @@
           <a:p>
             <a:fld id="{C92431A8-17CE-4556-BA8C-872543424DAF}" type="datetimeFigureOut">
               <a:rPr lang="en-NZ" smtClean="0"/>
-              <a:t>8/06/2023</a:t>
+              <a:t>9/06/2023</a:t>
             </a:fld>
             <a:endParaRPr lang="en-NZ"/>
           </a:p>
@@ -8679,7 +8680,7 @@
           <a:p>
             <a:fld id="{C92431A8-17CE-4556-BA8C-872543424DAF}" type="datetimeFigureOut">
               <a:rPr lang="en-NZ" smtClean="0"/>
-              <a:t>8/06/2023</a:t>
+              <a:t>9/06/2023</a:t>
             </a:fld>
             <a:endParaRPr lang="en-NZ"/>
           </a:p>
@@ -8959,7 +8960,7 @@
           <a:p>
             <a:fld id="{C92431A8-17CE-4556-BA8C-872543424DAF}" type="datetimeFigureOut">
               <a:rPr lang="en-NZ" smtClean="0"/>
-              <a:t>8/06/2023</a:t>
+              <a:t>9/06/2023</a:t>
             </a:fld>
             <a:endParaRPr lang="en-NZ"/>
           </a:p>
@@ -9082,7 +9083,7 @@
           <a:noFill/>
           <a:extLst>
             <a:ext uri="{909E8E84-426E-40dd-AFC4-6F175D3DCCD1}">
-              <a14:hiddenFill xmlns="" xmlns:a14="http://schemas.microsoft.com/office/drawing/2010/main">
+              <a14:hiddenFill xmlns:a14="http://schemas.microsoft.com/office/drawing/2010/main" xmlns="">
                 <a:solidFill>
                   <a:srgbClr val="FFFFFF"/>
                 </a:solidFill>
@@ -9156,7 +9157,7 @@
               </a:ln>
               <a:extLst>
                 <a:ext uri="{91240B29-F687-4f45-9708-019B960494DF}">
-                  <a14:hiddenLine xmlns="" xmlns:a14="http://schemas.microsoft.com/office/drawing/2010/main" w="9525">
+                  <a14:hiddenLine xmlns:a14="http://schemas.microsoft.com/office/drawing/2010/main" xmlns="" w="9525">
                     <a:solidFill>
                       <a:srgbClr val="000000"/>
                     </a:solidFill>
@@ -9246,7 +9247,7 @@
               </a:ln>
               <a:extLst>
                 <a:ext uri="{91240B29-F687-4f45-9708-019B960494DF}">
-                  <a14:hiddenLine xmlns="" xmlns:a14="http://schemas.microsoft.com/office/drawing/2010/main" w="9525">
+                  <a14:hiddenLine xmlns:a14="http://schemas.microsoft.com/office/drawing/2010/main" xmlns="" w="9525">
                     <a:solidFill>
                       <a:srgbClr val="000000"/>
                     </a:solidFill>
@@ -9336,7 +9337,7 @@
               </a:ln>
               <a:extLst>
                 <a:ext uri="{91240B29-F687-4f45-9708-019B960494DF}">
-                  <a14:hiddenLine xmlns="" xmlns:a14="http://schemas.microsoft.com/office/drawing/2010/main" w="9525">
+                  <a14:hiddenLine xmlns:a14="http://schemas.microsoft.com/office/drawing/2010/main" xmlns="" w="9525">
                     <a:solidFill>
                       <a:srgbClr val="000000"/>
                     </a:solidFill>
@@ -9398,7 +9399,7 @@
               </a:ln>
               <a:extLst>
                 <a:ext uri="{91240B29-F687-4f45-9708-019B960494DF}">
-                  <a14:hiddenLine xmlns="" xmlns:a14="http://schemas.microsoft.com/office/drawing/2010/main" w="9525">
+                  <a14:hiddenLine xmlns:a14="http://schemas.microsoft.com/office/drawing/2010/main" xmlns="" w="9525">
                     <a:solidFill>
                       <a:srgbClr val="000000"/>
                     </a:solidFill>
@@ -9488,7 +9489,7 @@
               </a:ln>
               <a:extLst>
                 <a:ext uri="{91240B29-F687-4f45-9708-019B960494DF}">
-                  <a14:hiddenLine xmlns="" xmlns:a14="http://schemas.microsoft.com/office/drawing/2010/main" w="9525">
+                  <a14:hiddenLine xmlns:a14="http://schemas.microsoft.com/office/drawing/2010/main" xmlns="" w="9525">
                     <a:solidFill>
                       <a:srgbClr val="000000"/>
                     </a:solidFill>
@@ -9550,7 +9551,7 @@
               </a:ln>
               <a:extLst>
                 <a:ext uri="{91240B29-F687-4f45-9708-019B960494DF}">
-                  <a14:hiddenLine xmlns="" xmlns:a14="http://schemas.microsoft.com/office/drawing/2010/main" w="9525">
+                  <a14:hiddenLine xmlns:a14="http://schemas.microsoft.com/office/drawing/2010/main" xmlns="" w="9525">
                     <a:solidFill>
                       <a:srgbClr val="000000"/>
                     </a:solidFill>
@@ -9612,7 +9613,7 @@
               </a:ln>
               <a:extLst>
                 <a:ext uri="{91240B29-F687-4f45-9708-019B960494DF}">
-                  <a14:hiddenLine xmlns="" xmlns:a14="http://schemas.microsoft.com/office/drawing/2010/main" w="9525">
+                  <a14:hiddenLine xmlns:a14="http://schemas.microsoft.com/office/drawing/2010/main" xmlns="" w="9525">
                     <a:solidFill>
                       <a:srgbClr val="000000"/>
                     </a:solidFill>
@@ -9702,7 +9703,7 @@
               </a:ln>
               <a:extLst>
                 <a:ext uri="{91240B29-F687-4f45-9708-019B960494DF}">
-                  <a14:hiddenLine xmlns="" xmlns:a14="http://schemas.microsoft.com/office/drawing/2010/main" w="9525">
+                  <a14:hiddenLine xmlns:a14="http://schemas.microsoft.com/office/drawing/2010/main" xmlns="" w="9525">
                     <a:solidFill>
                       <a:srgbClr val="000000"/>
                     </a:solidFill>
@@ -9792,7 +9793,7 @@
               </a:ln>
               <a:extLst>
                 <a:ext uri="{91240B29-F687-4f45-9708-019B960494DF}">
-                  <a14:hiddenLine xmlns="" xmlns:a14="http://schemas.microsoft.com/office/drawing/2010/main" w="9525">
+                  <a14:hiddenLine xmlns:a14="http://schemas.microsoft.com/office/drawing/2010/main" xmlns="" w="9525">
                     <a:solidFill>
                       <a:srgbClr val="000000"/>
                     </a:solidFill>
@@ -9854,7 +9855,7 @@
               </a:ln>
               <a:extLst>
                 <a:ext uri="{91240B29-F687-4f45-9708-019B960494DF}">
-                  <a14:hiddenLine xmlns="" xmlns:a14="http://schemas.microsoft.com/office/drawing/2010/main" w="9525">
+                  <a14:hiddenLine xmlns:a14="http://schemas.microsoft.com/office/drawing/2010/main" xmlns="" w="9525">
                     <a:solidFill>
                       <a:srgbClr val="000000"/>
                     </a:solidFill>
@@ -9964,7 +9965,7 @@
               </a:ln>
               <a:extLst>
                 <a:ext uri="{91240B29-F687-4f45-9708-019B960494DF}">
-                  <a14:hiddenLine xmlns="" xmlns:a14="http://schemas.microsoft.com/office/drawing/2010/main" w="9525">
+                  <a14:hiddenLine xmlns:a14="http://schemas.microsoft.com/office/drawing/2010/main" xmlns="" w="9525">
                     <a:solidFill>
                       <a:srgbClr val="000000"/>
                     </a:solidFill>
@@ -10048,7 +10049,7 @@
               </a:ln>
               <a:extLst>
                 <a:ext uri="{91240B29-F687-4f45-9708-019B960494DF}">
-                  <a14:hiddenLine xmlns="" xmlns:a14="http://schemas.microsoft.com/office/drawing/2010/main" w="9525">
+                  <a14:hiddenLine xmlns:a14="http://schemas.microsoft.com/office/drawing/2010/main" xmlns="" w="9525">
                     <a:solidFill>
                       <a:srgbClr val="000000"/>
                     </a:solidFill>
@@ -10110,7 +10111,7 @@
               </a:ln>
               <a:extLst>
                 <a:ext uri="{91240B29-F687-4f45-9708-019B960494DF}">
-                  <a14:hiddenLine xmlns="" xmlns:a14="http://schemas.microsoft.com/office/drawing/2010/main" w="9525">
+                  <a14:hiddenLine xmlns:a14="http://schemas.microsoft.com/office/drawing/2010/main" xmlns="" w="9525">
                     <a:solidFill>
                       <a:srgbClr val="000000"/>
                     </a:solidFill>
@@ -10172,7 +10173,7 @@
               </a:ln>
               <a:extLst>
                 <a:ext uri="{91240B29-F687-4f45-9708-019B960494DF}">
-                  <a14:hiddenLine xmlns="" xmlns:a14="http://schemas.microsoft.com/office/drawing/2010/main" w="9525">
+                  <a14:hiddenLine xmlns:a14="http://schemas.microsoft.com/office/drawing/2010/main" xmlns="" w="9525">
                     <a:solidFill>
                       <a:srgbClr val="000000"/>
                     </a:solidFill>
@@ -10262,7 +10263,7 @@
               </a:ln>
               <a:extLst>
                 <a:ext uri="{91240B29-F687-4f45-9708-019B960494DF}">
-                  <a14:hiddenLine xmlns="" xmlns:a14="http://schemas.microsoft.com/office/drawing/2010/main" w="9525">
+                  <a14:hiddenLine xmlns:a14="http://schemas.microsoft.com/office/drawing/2010/main" xmlns="" w="9525">
                     <a:solidFill>
                       <a:srgbClr val="000000"/>
                     </a:solidFill>
@@ -10296,7 +10297,7 @@
               </a:ln>
               <a:extLst>
                 <a:ext uri="{91240B29-F687-4f45-9708-019B960494DF}">
-                  <a14:hiddenLine xmlns="" xmlns:a14="http://schemas.microsoft.com/office/drawing/2010/main" w="9525">
+                  <a14:hiddenLine xmlns:a14="http://schemas.microsoft.com/office/drawing/2010/main" xmlns="" w="9525">
                     <a:solidFill>
                       <a:srgbClr val="000000"/>
                     </a:solidFill>
@@ -10361,7 +10362,7 @@
               </a:ln>
               <a:extLst>
                 <a:ext uri="{91240B29-F687-4f45-9708-019B960494DF}">
-                  <a14:hiddenLine xmlns="" xmlns:a14="http://schemas.microsoft.com/office/drawing/2010/main" w="9525">
+                  <a14:hiddenLine xmlns:a14="http://schemas.microsoft.com/office/drawing/2010/main" xmlns="" w="9525">
                     <a:solidFill>
                       <a:srgbClr val="000000"/>
                     </a:solidFill>
@@ -10451,7 +10452,7 @@
               </a:ln>
               <a:extLst>
                 <a:ext uri="{91240B29-F687-4f45-9708-019B960494DF}">
-                  <a14:hiddenLine xmlns="" xmlns:a14="http://schemas.microsoft.com/office/drawing/2010/main" w="9525">
+                  <a14:hiddenLine xmlns:a14="http://schemas.microsoft.com/office/drawing/2010/main" xmlns="" w="9525">
                     <a:solidFill>
                       <a:srgbClr val="000000"/>
                     </a:solidFill>
@@ -10513,7 +10514,7 @@
               </a:ln>
               <a:extLst>
                 <a:ext uri="{91240B29-F687-4f45-9708-019B960494DF}">
-                  <a14:hiddenLine xmlns="" xmlns:a14="http://schemas.microsoft.com/office/drawing/2010/main" w="9525">
+                  <a14:hiddenLine xmlns:a14="http://schemas.microsoft.com/office/drawing/2010/main" xmlns="" w="9525">
                     <a:solidFill>
                       <a:srgbClr val="000000"/>
                     </a:solidFill>
@@ -10603,7 +10604,7 @@
               </a:ln>
               <a:extLst>
                 <a:ext uri="{91240B29-F687-4f45-9708-019B960494DF}">
-                  <a14:hiddenLine xmlns="" xmlns:a14="http://schemas.microsoft.com/office/drawing/2010/main" w="9525">
+                  <a14:hiddenLine xmlns:a14="http://schemas.microsoft.com/office/drawing/2010/main" xmlns="" w="9525">
                     <a:solidFill>
                       <a:srgbClr val="000000"/>
                     </a:solidFill>
@@ -10668,7 +10669,7 @@
               </a:ln>
               <a:extLst>
                 <a:ext uri="{91240B29-F687-4f45-9708-019B960494DF}">
-                  <a14:hiddenLine xmlns="" xmlns:a14="http://schemas.microsoft.com/office/drawing/2010/main" w="9525">
+                  <a14:hiddenLine xmlns:a14="http://schemas.microsoft.com/office/drawing/2010/main" xmlns="" w="9525">
                     <a:solidFill>
                       <a:srgbClr val="000000"/>
                     </a:solidFill>
@@ -10730,7 +10731,7 @@
               </a:ln>
               <a:extLst>
                 <a:ext uri="{91240B29-F687-4f45-9708-019B960494DF}">
-                  <a14:hiddenLine xmlns="" xmlns:a14="http://schemas.microsoft.com/office/drawing/2010/main" w="9525">
+                  <a14:hiddenLine xmlns:a14="http://schemas.microsoft.com/office/drawing/2010/main" xmlns="" w="9525">
                     <a:solidFill>
                       <a:srgbClr val="000000"/>
                     </a:solidFill>
@@ -10820,7 +10821,7 @@
               </a:ln>
               <a:extLst>
                 <a:ext uri="{91240B29-F687-4f45-9708-019B960494DF}">
-                  <a14:hiddenLine xmlns="" xmlns:a14="http://schemas.microsoft.com/office/drawing/2010/main" w="9525">
+                  <a14:hiddenLine xmlns:a14="http://schemas.microsoft.com/office/drawing/2010/main" xmlns="" w="9525">
                     <a:solidFill>
                       <a:srgbClr val="000000"/>
                     </a:solidFill>
@@ -10910,7 +10911,7 @@
               </a:ln>
               <a:extLst>
                 <a:ext uri="{91240B29-F687-4f45-9708-019B960494DF}">
-                  <a14:hiddenLine xmlns="" xmlns:a14="http://schemas.microsoft.com/office/drawing/2010/main" w="9525">
+                  <a14:hiddenLine xmlns:a14="http://schemas.microsoft.com/office/drawing/2010/main" xmlns="" w="9525">
                     <a:solidFill>
                       <a:srgbClr val="000000"/>
                     </a:solidFill>
@@ -10975,7 +10976,7 @@
               </a:ln>
               <a:extLst>
                 <a:ext uri="{91240B29-F687-4f45-9708-019B960494DF}">
-                  <a14:hiddenLine xmlns="" xmlns:a14="http://schemas.microsoft.com/office/drawing/2010/main" w="9525">
+                  <a14:hiddenLine xmlns:a14="http://schemas.microsoft.com/office/drawing/2010/main" xmlns="" w="9525">
                     <a:solidFill>
                       <a:srgbClr val="000000"/>
                     </a:solidFill>
@@ -11095,7 +11096,7 @@
               </a:ln>
               <a:extLst>
                 <a:ext uri="{91240B29-F687-4f45-9708-019B960494DF}">
-                  <a14:hiddenLine xmlns="" xmlns:a14="http://schemas.microsoft.com/office/drawing/2010/main" w="9525">
+                  <a14:hiddenLine xmlns:a14="http://schemas.microsoft.com/office/drawing/2010/main" xmlns="" w="9525">
                     <a:solidFill>
                       <a:srgbClr val="000000"/>
                     </a:solidFill>
@@ -11176,7 +11177,7 @@
               </a:ln>
               <a:extLst>
                 <a:ext uri="{91240B29-F687-4f45-9708-019B960494DF}">
-                  <a14:hiddenLine xmlns="" xmlns:a14="http://schemas.microsoft.com/office/drawing/2010/main" w="9525">
+                  <a14:hiddenLine xmlns:a14="http://schemas.microsoft.com/office/drawing/2010/main" xmlns="" w="9525">
                     <a:solidFill>
                       <a:srgbClr val="000000"/>
                     </a:solidFill>
@@ -11291,7 +11292,7 @@
               </a:ln>
               <a:extLst>
                 <a:ext uri="{91240B29-F687-4f45-9708-019B960494DF}">
-                  <a14:hiddenLine xmlns="" xmlns:a14="http://schemas.microsoft.com/office/drawing/2010/main" w="9525">
+                  <a14:hiddenLine xmlns:a14="http://schemas.microsoft.com/office/drawing/2010/main" xmlns="" w="9525">
                     <a:solidFill>
                       <a:srgbClr val="000000"/>
                     </a:solidFill>
@@ -11381,7 +11382,7 @@
               </a:ln>
               <a:extLst>
                 <a:ext uri="{91240B29-F687-4f45-9708-019B960494DF}">
-                  <a14:hiddenLine xmlns="" xmlns:a14="http://schemas.microsoft.com/office/drawing/2010/main" w="9525">
+                  <a14:hiddenLine xmlns:a14="http://schemas.microsoft.com/office/drawing/2010/main" xmlns="" w="9525">
                     <a:solidFill>
                       <a:srgbClr val="000000"/>
                     </a:solidFill>
@@ -11446,7 +11447,7 @@
               </a:ln>
               <a:extLst>
                 <a:ext uri="{91240B29-F687-4f45-9708-019B960494DF}">
-                  <a14:hiddenLine xmlns="" xmlns:a14="http://schemas.microsoft.com/office/drawing/2010/main" w="9525">
+                  <a14:hiddenLine xmlns:a14="http://schemas.microsoft.com/office/drawing/2010/main" xmlns="" w="9525">
                     <a:solidFill>
                       <a:srgbClr val="000000"/>
                     </a:solidFill>
@@ -11536,7 +11537,7 @@
               </a:ln>
               <a:extLst>
                 <a:ext uri="{91240B29-F687-4f45-9708-019B960494DF}">
-                  <a14:hiddenLine xmlns="" xmlns:a14="http://schemas.microsoft.com/office/drawing/2010/main" w="9525">
+                  <a14:hiddenLine xmlns:a14="http://schemas.microsoft.com/office/drawing/2010/main" xmlns="" w="9525">
                     <a:solidFill>
                       <a:srgbClr val="000000"/>
                     </a:solidFill>
@@ -11604,7 +11605,7 @@
               </a:ln>
               <a:extLst>
                 <a:ext uri="{91240B29-F687-4f45-9708-019B960494DF}">
-                  <a14:hiddenLine xmlns="" xmlns:a14="http://schemas.microsoft.com/office/drawing/2010/main" w="9525">
+                  <a14:hiddenLine xmlns:a14="http://schemas.microsoft.com/office/drawing/2010/main" xmlns="" w="9525">
                     <a:solidFill>
                       <a:srgbClr val="000000"/>
                     </a:solidFill>
@@ -11694,7 +11695,7 @@
               </a:ln>
               <a:extLst>
                 <a:ext uri="{91240B29-F687-4f45-9708-019B960494DF}">
-                  <a14:hiddenLine xmlns="" xmlns:a14="http://schemas.microsoft.com/office/drawing/2010/main" w="9525">
+                  <a14:hiddenLine xmlns:a14="http://schemas.microsoft.com/office/drawing/2010/main" xmlns="" w="9525">
                     <a:solidFill>
                       <a:srgbClr val="000000"/>
                     </a:solidFill>
@@ -11762,7 +11763,7 @@
               </a:ln>
               <a:extLst>
                 <a:ext uri="{91240B29-F687-4f45-9708-019B960494DF}">
-                  <a14:hiddenLine xmlns="" xmlns:a14="http://schemas.microsoft.com/office/drawing/2010/main" w="9525">
+                  <a14:hiddenLine xmlns:a14="http://schemas.microsoft.com/office/drawing/2010/main" xmlns="" w="9525">
                     <a:solidFill>
                       <a:srgbClr val="000000"/>
                     </a:solidFill>
@@ -11852,7 +11853,7 @@
               </a:ln>
               <a:extLst>
                 <a:ext uri="{91240B29-F687-4f45-9708-019B960494DF}">
-                  <a14:hiddenLine xmlns="" xmlns:a14="http://schemas.microsoft.com/office/drawing/2010/main" w="9525">
+                  <a14:hiddenLine xmlns:a14="http://schemas.microsoft.com/office/drawing/2010/main" xmlns="" w="9525">
                     <a:solidFill>
                       <a:srgbClr val="000000"/>
                     </a:solidFill>
@@ -11886,7 +11887,7 @@
               </a:ln>
               <a:extLst>
                 <a:ext uri="{91240B29-F687-4f45-9708-019B960494DF}">
-                  <a14:hiddenLine xmlns="" xmlns:a14="http://schemas.microsoft.com/office/drawing/2010/main" w="9525">
+                  <a14:hiddenLine xmlns:a14="http://schemas.microsoft.com/office/drawing/2010/main" xmlns="" w="9525">
                     <a:solidFill>
                       <a:srgbClr val="000000"/>
                     </a:solidFill>
@@ -12026,7 +12027,7 @@
           <a:p>
             <a:fld id="{C92431A8-17CE-4556-BA8C-872543424DAF}" type="datetimeFigureOut">
               <a:rPr lang="en-NZ" smtClean="0"/>
-              <a:t>8/06/2023</a:t>
+              <a:t>9/06/2023</a:t>
             </a:fld>
             <a:endParaRPr lang="en-NZ"/>
           </a:p>
@@ -12610,6 +12611,99 @@
           <p:cNvPr id="2" name="Title 1">
             <a:extLst>
               <a:ext uri="{FF2B5EF4-FFF2-40B4-BE49-F238E27FC236}">
+                <a16:creationId xmlns:a16="http://schemas.microsoft.com/office/drawing/2014/main" id="{322272B0-C94C-7A6F-CF78-48534DF59E2B}"/>
+              </a:ext>
+            </a:extLst>
+          </p:cNvPr>
+          <p:cNvSpPr>
+            <a:spLocks noGrp="1"/>
+          </p:cNvSpPr>
+          <p:nvPr>
+            <p:ph type="title"/>
+          </p:nvPr>
+        </p:nvSpPr>
+        <p:spPr/>
+        <p:txBody>
+          <a:bodyPr/>
+          <a:lstStyle/>
+          <a:p>
+            <a:r>
+              <a:rPr lang="en-US" dirty="0"/>
+              <a:t>Codes</a:t>
+            </a:r>
+            <a:endParaRPr lang="en-NZ" dirty="0"/>
+          </a:p>
+        </p:txBody>
+      </p:sp>
+      <p:sp>
+        <p:nvSpPr>
+          <p:cNvPr id="3" name="Content Placeholder 2">
+            <a:extLst>
+              <a:ext uri="{FF2B5EF4-FFF2-40B4-BE49-F238E27FC236}">
+                <a16:creationId xmlns:a16="http://schemas.microsoft.com/office/drawing/2014/main" id="{3EE87927-DB69-C21A-1C6C-5072A9C98FA3}"/>
+              </a:ext>
+            </a:extLst>
+          </p:cNvPr>
+          <p:cNvSpPr>
+            <a:spLocks noGrp="1"/>
+          </p:cNvSpPr>
+          <p:nvPr>
+            <p:ph idx="1"/>
+          </p:nvPr>
+        </p:nvSpPr>
+        <p:spPr/>
+        <p:txBody>
+          <a:bodyPr/>
+          <a:lstStyle/>
+          <a:p>
+            <a:r>
+              <a:rPr lang="en-US" dirty="0"/>
+              <a:t>Decimal Integer Numbers</a:t>
+            </a:r>
+          </a:p>
+          <a:p>
+            <a:r>
+              <a:rPr lang="en-NZ" dirty="0"/>
+              <a:t>Cannot be 0</a:t>
+            </a:r>
+          </a:p>
+        </p:txBody>
+      </p:sp>
+    </p:spTree>
+    <p:extLst>
+      <p:ext uri="{BB962C8B-B14F-4D97-AF65-F5344CB8AC3E}">
+        <p14:creationId xmlns:p14="http://schemas.microsoft.com/office/powerpoint/2010/main" val="1071676372"/>
+      </p:ext>
+    </p:extLst>
+  </p:cSld>
+  <p:clrMapOvr>
+    <a:masterClrMapping/>
+  </p:clrMapOvr>
+</p:sld>
+</file>
+
+<file path=ppt/slides/slide11.xml><?xml version="1.0" encoding="utf-8"?>
+<p:sld xmlns:a="http://schemas.openxmlformats.org/drawingml/2006/main" xmlns:r="http://schemas.openxmlformats.org/officeDocument/2006/relationships" xmlns:p="http://schemas.openxmlformats.org/presentationml/2006/main">
+  <p:cSld>
+    <p:spTree>
+      <p:nvGrpSpPr>
+        <p:cNvPr id="1" name=""/>
+        <p:cNvGrpSpPr/>
+        <p:nvPr/>
+      </p:nvGrpSpPr>
+      <p:grpSpPr>
+        <a:xfrm>
+          <a:off x="0" y="0"/>
+          <a:ext cx="0" cy="0"/>
+          <a:chOff x="0" y="0"/>
+          <a:chExt cx="0" cy="0"/>
+        </a:xfrm>
+      </p:grpSpPr>
+      <p:sp>
+        <p:nvSpPr>
+          <p:cNvPr id="2" name="Title 1">
+            <a:extLst>
+              <a:ext uri="{FF2B5EF4-FFF2-40B4-BE49-F238E27FC236}">
                 <a16:creationId xmlns:a16="http://schemas.microsoft.com/office/drawing/2014/main" id="{2D702B25-81C5-D62F-6E5E-623D98938AEF}"/>
               </a:ext>
             </a:extLst>
@@ -12837,7 +12931,7 @@
 </p:sld>
 </file>
 
-<file path=ppt/slides/slide11.xml><?xml version="1.0" encoding="utf-8"?>
+<file path=ppt/slides/slide12.xml><?xml version="1.0" encoding="utf-8"?>
 <p:sld xmlns:a="http://schemas.openxmlformats.org/drawingml/2006/main" xmlns:r="http://schemas.openxmlformats.org/officeDocument/2006/relationships" xmlns:p="http://schemas.openxmlformats.org/presentationml/2006/main">
   <p:cSld>
     <p:spTree>
@@ -12935,7 +13029,7 @@
 </p:sld>
 </file>
 
-<file path=ppt/slides/slide12.xml><?xml version="1.0" encoding="utf-8"?>
+<file path=ppt/slides/slide13.xml><?xml version="1.0" encoding="utf-8"?>
 <p:sld xmlns:a="http://schemas.openxmlformats.org/drawingml/2006/main" xmlns:r="http://schemas.openxmlformats.org/officeDocument/2006/relationships" xmlns:p="http://schemas.openxmlformats.org/presentationml/2006/main">
   <p:cSld>
     <p:spTree>
@@ -13019,7 +13113,7 @@
 </p:sld>
 </file>
 
-<file path=ppt/slides/slide13.xml><?xml version="1.0" encoding="utf-8"?>
+<file path=ppt/slides/slide14.xml><?xml version="1.0" encoding="utf-8"?>
 <p:sld xmlns:a="http://schemas.openxmlformats.org/drawingml/2006/main" xmlns:r="http://schemas.openxmlformats.org/officeDocument/2006/relationships" xmlns:p="http://schemas.openxmlformats.org/presentationml/2006/main">
   <p:cSld>
     <p:bg>
@@ -13164,7 +13258,7 @@
 </p:sld>
 </file>
 
-<file path=ppt/slides/slide14.xml><?xml version="1.0" encoding="utf-8"?>
+<file path=ppt/slides/slide15.xml><?xml version="1.0" encoding="utf-8"?>
 <p:sld xmlns:a="http://schemas.openxmlformats.org/drawingml/2006/main" xmlns:r="http://schemas.openxmlformats.org/officeDocument/2006/relationships" xmlns:p="http://schemas.openxmlformats.org/presentationml/2006/main">
   <p:cSld>
     <p:bg>
@@ -13365,7 +13459,7 @@
 </p:sld>
 </file>
 
-<file path=ppt/slides/slide15.xml><?xml version="1.0" encoding="utf-8"?>
+<file path=ppt/slides/slide16.xml><?xml version="1.0" encoding="utf-8"?>
 <p:sld xmlns:a="http://schemas.openxmlformats.org/drawingml/2006/main" xmlns:r="http://schemas.openxmlformats.org/officeDocument/2006/relationships" xmlns:p="http://schemas.openxmlformats.org/presentationml/2006/main">
   <p:cSld>
     <p:spTree>
@@ -14044,116 +14138,6 @@
 <file path=ppt/slides/slide3.xml><?xml version="1.0" encoding="utf-8"?>
 <p:sld xmlns:a="http://schemas.openxmlformats.org/drawingml/2006/main" xmlns:r="http://schemas.openxmlformats.org/officeDocument/2006/relationships" xmlns:p="http://schemas.openxmlformats.org/presentationml/2006/main">
   <p:cSld>
-    <p:spTree>
-      <p:nvGrpSpPr>
-        <p:cNvPr id="1" name=""/>
-        <p:cNvGrpSpPr/>
-        <p:nvPr/>
-      </p:nvGrpSpPr>
-      <p:grpSpPr>
-        <a:xfrm>
-          <a:off x="0" y="0"/>
-          <a:ext cx="0" cy="0"/>
-          <a:chOff x="0" y="0"/>
-          <a:chExt cx="0" cy="0"/>
-        </a:xfrm>
-      </p:grpSpPr>
-      <p:sp>
-        <p:nvSpPr>
-          <p:cNvPr id="2" name="Title 1">
-            <a:extLst>
-              <a:ext uri="{FF2B5EF4-FFF2-40B4-BE49-F238E27FC236}">
-                <a16:creationId xmlns:a16="http://schemas.microsoft.com/office/drawing/2014/main" id="{4410BFBA-2A93-9EB9-E75E-7F2480D8C150}"/>
-              </a:ext>
-            </a:extLst>
-          </p:cNvPr>
-          <p:cNvSpPr>
-            <a:spLocks noGrp="1"/>
-          </p:cNvSpPr>
-          <p:nvPr>
-            <p:ph type="title"/>
-          </p:nvPr>
-        </p:nvSpPr>
-        <p:spPr>
-          <a:xfrm>
-            <a:off x="1312863" y="0"/>
-            <a:ext cx="9905998" cy="1478570"/>
-          </a:xfrm>
-        </p:spPr>
-        <p:txBody>
-          <a:bodyPr/>
-          <a:lstStyle/>
-          <a:p>
-            <a:r>
-              <a:rPr lang="en-US"/>
-              <a:t>Example Game Dashboard</a:t>
-            </a:r>
-            <a:endParaRPr lang="en-NZ" dirty="0"/>
-          </a:p>
-        </p:txBody>
-      </p:sp>
-      <p:pic>
-        <p:nvPicPr>
-          <p:cNvPr id="7" name="Picture 6">
-            <a:extLst>
-              <a:ext uri="{FF2B5EF4-FFF2-40B4-BE49-F238E27FC236}">
-                <a16:creationId xmlns:a16="http://schemas.microsoft.com/office/drawing/2014/main" id="{B4223E4B-E06B-8E9B-E5CB-1D97FF00DDA3}"/>
-              </a:ext>
-            </a:extLst>
-          </p:cNvPr>
-          <p:cNvPicPr>
-            <a:picLocks noChangeAspect="1"/>
-          </p:cNvPicPr>
-          <p:nvPr/>
-        </p:nvPicPr>
-        <p:blipFill>
-          <a:blip r:embed="rId2"/>
-          <a:stretch>
-            <a:fillRect/>
-          </a:stretch>
-        </p:blipFill>
-        <p:spPr>
-          <a:xfrm>
-            <a:off x="1924050" y="1071033"/>
-            <a:ext cx="9226548" cy="5491692"/>
-          </a:xfrm>
-          <a:prstGeom prst="round2DiagRect">
-            <a:avLst>
-              <a:gd name="adj1" fmla="val 16667"/>
-              <a:gd name="adj2" fmla="val 0"/>
-            </a:avLst>
-          </a:prstGeom>
-          <a:ln w="88900" cap="sq">
-            <a:solidFill>
-              <a:srgbClr val="FFFFFF"/>
-            </a:solidFill>
-            <a:miter lim="800000"/>
-          </a:ln>
-          <a:effectLst>
-            <a:outerShdw blurRad="254000" algn="tl" rotWithShape="0">
-              <a:srgbClr val="000000">
-                <a:alpha val="43000"/>
-              </a:srgbClr>
-            </a:outerShdw>
-          </a:effectLst>
-        </p:spPr>
-      </p:pic>
-    </p:spTree>
-    <p:extLst>
-      <p:ext uri="{BB962C8B-B14F-4D97-AF65-F5344CB8AC3E}">
-        <p14:creationId xmlns:p14="http://schemas.microsoft.com/office/powerpoint/2010/main" val="3493921332"/>
-      </p:ext>
-    </p:extLst>
-  </p:cSld>
-  <p:clrMapOvr>
-    <a:masterClrMapping/>
-  </p:clrMapOvr>
-</p:sld>
-</file>
-
-<file path=ppt/slides/slide4.xml><?xml version="1.0" encoding="utf-8"?>
-<p:sld xmlns:a="http://schemas.openxmlformats.org/drawingml/2006/main" xmlns:r="http://schemas.openxmlformats.org/officeDocument/2006/relationships" xmlns:p="http://schemas.openxmlformats.org/presentationml/2006/main">
-  <p:cSld>
     <p:bg>
       <p:bgPr>
         <a:blipFill>
@@ -14336,7 +14320,7 @@
             <a:noFill/>
             <a:extLst>
               <a:ext uri="{909E8E84-426E-40dd-AFC4-6F175D3DCCD1}">
-                <a14:hiddenFill xmlns:p14="http://schemas.microsoft.com/office/powerpoint/2010/main" xmlns:a14="http://schemas.microsoft.com/office/drawing/2010/main" xmlns:a16="http://schemas.microsoft.com/office/drawing/2014/main" xmlns="">
+                <a14:hiddenFill xmlns="" xmlns:a16="http://schemas.microsoft.com/office/drawing/2014/main" xmlns:a14="http://schemas.microsoft.com/office/drawing/2010/main" xmlns:p14="http://schemas.microsoft.com/office/powerpoint/2010/main">
                   <a:solidFill>
                     <a:srgbClr val="FFFFFF"/>
                   </a:solidFill>
@@ -14501,7 +14485,7 @@
             </a:ln>
             <a:extLst>
               <a:ext uri="{91240B29-F687-4f45-9708-019B960494DF}">
-                <a14:hiddenLine xmlns:p14="http://schemas.microsoft.com/office/powerpoint/2010/main" xmlns:a14="http://schemas.microsoft.com/office/drawing/2010/main" xmlns:a16="http://schemas.microsoft.com/office/drawing/2014/main" xmlns="" w="9525">
+                <a14:hiddenLine xmlns="" xmlns:a16="http://schemas.microsoft.com/office/drawing/2014/main" xmlns:a14="http://schemas.microsoft.com/office/drawing/2010/main" xmlns:p14="http://schemas.microsoft.com/office/powerpoint/2010/main" w="9525">
                   <a:solidFill>
                     <a:srgbClr val="000000"/>
                   </a:solidFill>
@@ -14606,7 +14590,7 @@
             </a:ln>
             <a:extLst>
               <a:ext uri="{91240B29-F687-4f45-9708-019B960494DF}">
-                <a14:hiddenLine xmlns:p14="http://schemas.microsoft.com/office/powerpoint/2010/main" xmlns:a14="http://schemas.microsoft.com/office/drawing/2010/main" xmlns:a16="http://schemas.microsoft.com/office/drawing/2014/main" xmlns="" w="9525">
+                <a14:hiddenLine xmlns="" xmlns:a16="http://schemas.microsoft.com/office/drawing/2014/main" xmlns:a14="http://schemas.microsoft.com/office/drawing/2010/main" xmlns:p14="http://schemas.microsoft.com/office/powerpoint/2010/main" w="9525">
                   <a:solidFill>
                     <a:srgbClr val="000000"/>
                   </a:solidFill>
@@ -14711,7 +14695,7 @@
             </a:ln>
             <a:extLst>
               <a:ext uri="{91240B29-F687-4f45-9708-019B960494DF}">
-                <a14:hiddenLine xmlns:p14="http://schemas.microsoft.com/office/powerpoint/2010/main" xmlns:a14="http://schemas.microsoft.com/office/drawing/2010/main" xmlns:a16="http://schemas.microsoft.com/office/drawing/2014/main" xmlns="" w="9525">
+                <a14:hiddenLine xmlns="" xmlns:a16="http://schemas.microsoft.com/office/drawing/2014/main" xmlns:a14="http://schemas.microsoft.com/office/drawing/2010/main" xmlns:p14="http://schemas.microsoft.com/office/powerpoint/2010/main" w="9525">
                   <a:solidFill>
                     <a:srgbClr val="000000"/>
                   </a:solidFill>
@@ -14760,7 +14744,7 @@
             </a:ln>
             <a:extLst>
               <a:ext uri="{91240B29-F687-4f45-9708-019B960494DF}">
-                <a14:hiddenLine xmlns:p14="http://schemas.microsoft.com/office/powerpoint/2010/main" xmlns:a14="http://schemas.microsoft.com/office/drawing/2010/main" xmlns:a16="http://schemas.microsoft.com/office/drawing/2014/main" xmlns="" w="9525">
+                <a14:hiddenLine xmlns="" xmlns:a16="http://schemas.microsoft.com/office/drawing/2014/main" xmlns:a14="http://schemas.microsoft.com/office/drawing/2010/main" xmlns:p14="http://schemas.microsoft.com/office/powerpoint/2010/main" w="9525">
                   <a:solidFill>
                     <a:srgbClr val="000000"/>
                   </a:solidFill>
@@ -14865,7 +14849,7 @@
             </a:ln>
             <a:extLst>
               <a:ext uri="{91240B29-F687-4f45-9708-019B960494DF}">
-                <a14:hiddenLine xmlns:p14="http://schemas.microsoft.com/office/powerpoint/2010/main" xmlns:a14="http://schemas.microsoft.com/office/drawing/2010/main" xmlns:a16="http://schemas.microsoft.com/office/drawing/2014/main" xmlns="" w="9525">
+                <a14:hiddenLine xmlns="" xmlns:a16="http://schemas.microsoft.com/office/drawing/2014/main" xmlns:a14="http://schemas.microsoft.com/office/drawing/2010/main" xmlns:p14="http://schemas.microsoft.com/office/powerpoint/2010/main" w="9525">
                   <a:solidFill>
                     <a:srgbClr val="000000"/>
                   </a:solidFill>
@@ -14942,7 +14926,7 @@
             </a:ln>
             <a:extLst>
               <a:ext uri="{91240B29-F687-4f45-9708-019B960494DF}">
-                <a14:hiddenLine xmlns:p14="http://schemas.microsoft.com/office/powerpoint/2010/main" xmlns:a14="http://schemas.microsoft.com/office/drawing/2010/main" xmlns:a16="http://schemas.microsoft.com/office/drawing/2014/main" xmlns="" w="9525">
+                <a14:hiddenLine xmlns="" xmlns:a16="http://schemas.microsoft.com/office/drawing/2014/main" xmlns:a14="http://schemas.microsoft.com/office/drawing/2010/main" xmlns:p14="http://schemas.microsoft.com/office/powerpoint/2010/main" w="9525">
                   <a:solidFill>
                     <a:srgbClr val="000000"/>
                   </a:solidFill>
@@ -15019,7 +15003,7 @@
             </a:ln>
             <a:extLst>
               <a:ext uri="{91240B29-F687-4f45-9708-019B960494DF}">
-                <a14:hiddenLine xmlns:p14="http://schemas.microsoft.com/office/powerpoint/2010/main" xmlns:a14="http://schemas.microsoft.com/office/drawing/2010/main" xmlns:a16="http://schemas.microsoft.com/office/drawing/2014/main" xmlns="" w="9525">
+                <a14:hiddenLine xmlns="" xmlns:a16="http://schemas.microsoft.com/office/drawing/2014/main" xmlns:a14="http://schemas.microsoft.com/office/drawing/2010/main" xmlns:p14="http://schemas.microsoft.com/office/powerpoint/2010/main" w="9525">
                   <a:solidFill>
                     <a:srgbClr val="000000"/>
                   </a:solidFill>
@@ -15124,7 +15108,7 @@
             </a:ln>
             <a:extLst>
               <a:ext uri="{91240B29-F687-4f45-9708-019B960494DF}">
-                <a14:hiddenLine xmlns:p14="http://schemas.microsoft.com/office/powerpoint/2010/main" xmlns:a14="http://schemas.microsoft.com/office/drawing/2010/main" xmlns:a16="http://schemas.microsoft.com/office/drawing/2014/main" xmlns="" w="9525">
+                <a14:hiddenLine xmlns="" xmlns:a16="http://schemas.microsoft.com/office/drawing/2014/main" xmlns:a14="http://schemas.microsoft.com/office/drawing/2010/main" xmlns:p14="http://schemas.microsoft.com/office/powerpoint/2010/main" w="9525">
                   <a:solidFill>
                     <a:srgbClr val="000000"/>
                   </a:solidFill>
@@ -15201,7 +15185,7 @@
             </a:ln>
             <a:extLst>
               <a:ext uri="{91240B29-F687-4f45-9708-019B960494DF}">
-                <a14:hiddenLine xmlns:p14="http://schemas.microsoft.com/office/powerpoint/2010/main" xmlns:a14="http://schemas.microsoft.com/office/drawing/2010/main" xmlns:a16="http://schemas.microsoft.com/office/drawing/2014/main" xmlns="" w="9525">
+                <a14:hiddenLine xmlns="" xmlns:a16="http://schemas.microsoft.com/office/drawing/2014/main" xmlns:a14="http://schemas.microsoft.com/office/drawing/2010/main" xmlns:p14="http://schemas.microsoft.com/office/powerpoint/2010/main" w="9525">
                   <a:solidFill>
                     <a:srgbClr val="000000"/>
                   </a:solidFill>
@@ -15278,7 +15262,7 @@
             </a:ln>
             <a:extLst>
               <a:ext uri="{91240B29-F687-4f45-9708-019B960494DF}">
-                <a14:hiddenLine xmlns:p14="http://schemas.microsoft.com/office/powerpoint/2010/main" xmlns:a14="http://schemas.microsoft.com/office/drawing/2010/main" xmlns:a16="http://schemas.microsoft.com/office/drawing/2014/main" xmlns="" w="9525">
+                <a14:hiddenLine xmlns="" xmlns:a16="http://schemas.microsoft.com/office/drawing/2014/main" xmlns:a14="http://schemas.microsoft.com/office/drawing/2010/main" xmlns:p14="http://schemas.microsoft.com/office/powerpoint/2010/main" w="9525">
                   <a:solidFill>
                     <a:srgbClr val="000000"/>
                   </a:solidFill>
@@ -15383,7 +15367,7 @@
             </a:ln>
             <a:extLst>
               <a:ext uri="{91240B29-F687-4f45-9708-019B960494DF}">
-                <a14:hiddenLine xmlns:p14="http://schemas.microsoft.com/office/powerpoint/2010/main" xmlns:a14="http://schemas.microsoft.com/office/drawing/2010/main" xmlns:a16="http://schemas.microsoft.com/office/drawing/2014/main" xmlns="" w="9525">
+                <a14:hiddenLine xmlns="" xmlns:a16="http://schemas.microsoft.com/office/drawing/2014/main" xmlns:a14="http://schemas.microsoft.com/office/drawing/2010/main" xmlns:p14="http://schemas.microsoft.com/office/powerpoint/2010/main" w="9525">
                   <a:solidFill>
                     <a:srgbClr val="000000"/>
                   </a:solidFill>
@@ -15488,7 +15472,7 @@
             </a:ln>
             <a:extLst>
               <a:ext uri="{91240B29-F687-4f45-9708-019B960494DF}">
-                <a14:hiddenLine xmlns:p14="http://schemas.microsoft.com/office/powerpoint/2010/main" xmlns:a14="http://schemas.microsoft.com/office/drawing/2010/main" xmlns:a16="http://schemas.microsoft.com/office/drawing/2014/main" xmlns="" w="9525">
+                <a14:hiddenLine xmlns="" xmlns:a16="http://schemas.microsoft.com/office/drawing/2014/main" xmlns:a14="http://schemas.microsoft.com/office/drawing/2010/main" xmlns:p14="http://schemas.microsoft.com/office/powerpoint/2010/main" w="9525">
                   <a:solidFill>
                     <a:srgbClr val="000000"/>
                   </a:solidFill>
@@ -15565,7 +15549,7 @@
             </a:ln>
             <a:extLst>
               <a:ext uri="{91240B29-F687-4f45-9708-019B960494DF}">
-                <a14:hiddenLine xmlns:p14="http://schemas.microsoft.com/office/powerpoint/2010/main" xmlns:a14="http://schemas.microsoft.com/office/drawing/2010/main" xmlns:a16="http://schemas.microsoft.com/office/drawing/2014/main" xmlns="" w="9525">
+                <a14:hiddenLine xmlns="" xmlns:a16="http://schemas.microsoft.com/office/drawing/2014/main" xmlns:a14="http://schemas.microsoft.com/office/drawing/2010/main" xmlns:p14="http://schemas.microsoft.com/office/powerpoint/2010/main" w="9525">
                   <a:solidFill>
                     <a:srgbClr val="000000"/>
                   </a:solidFill>
@@ -15690,7 +15674,7 @@
             </a:ln>
             <a:extLst>
               <a:ext uri="{91240B29-F687-4f45-9708-019B960494DF}">
-                <a14:hiddenLine xmlns:p14="http://schemas.microsoft.com/office/powerpoint/2010/main" xmlns:a14="http://schemas.microsoft.com/office/drawing/2010/main" xmlns:a16="http://schemas.microsoft.com/office/drawing/2014/main" xmlns="" w="9525">
+                <a14:hiddenLine xmlns="" xmlns:a16="http://schemas.microsoft.com/office/drawing/2014/main" xmlns:a14="http://schemas.microsoft.com/office/drawing/2010/main" xmlns:p14="http://schemas.microsoft.com/office/powerpoint/2010/main" w="9525">
                   <a:solidFill>
                     <a:srgbClr val="000000"/>
                   </a:solidFill>
@@ -15767,7 +15751,7 @@
             </a:ln>
             <a:extLst>
               <a:ext uri="{91240B29-F687-4f45-9708-019B960494DF}">
-                <a14:hiddenLine xmlns:p14="http://schemas.microsoft.com/office/powerpoint/2010/main" xmlns:a14="http://schemas.microsoft.com/office/drawing/2010/main" xmlns:a16="http://schemas.microsoft.com/office/drawing/2014/main" xmlns="" w="9525">
+                <a14:hiddenLine xmlns="" xmlns:a16="http://schemas.microsoft.com/office/drawing/2014/main" xmlns:a14="http://schemas.microsoft.com/office/drawing/2010/main" xmlns:p14="http://schemas.microsoft.com/office/powerpoint/2010/main" w="9525">
                   <a:solidFill>
                     <a:srgbClr val="000000"/>
                   </a:solidFill>
@@ -15872,7 +15856,7 @@
             </a:ln>
             <a:extLst>
               <a:ext uri="{91240B29-F687-4f45-9708-019B960494DF}">
-                <a14:hiddenLine xmlns:p14="http://schemas.microsoft.com/office/powerpoint/2010/main" xmlns:a14="http://schemas.microsoft.com/office/drawing/2010/main" xmlns:a16="http://schemas.microsoft.com/office/drawing/2014/main" xmlns="" w="9525">
+                <a14:hiddenLine xmlns="" xmlns:a16="http://schemas.microsoft.com/office/drawing/2014/main" xmlns:a14="http://schemas.microsoft.com/office/drawing/2010/main" xmlns:p14="http://schemas.microsoft.com/office/powerpoint/2010/main" w="9525">
                   <a:solidFill>
                     <a:srgbClr val="000000"/>
                   </a:solidFill>
@@ -15977,7 +15961,7 @@
             </a:ln>
             <a:extLst>
               <a:ext uri="{91240B29-F687-4f45-9708-019B960494DF}">
-                <a14:hiddenLine xmlns:p14="http://schemas.microsoft.com/office/powerpoint/2010/main" xmlns:a14="http://schemas.microsoft.com/office/drawing/2010/main" xmlns:a16="http://schemas.microsoft.com/office/drawing/2014/main" xmlns="" w="9525">
+                <a14:hiddenLine xmlns="" xmlns:a16="http://schemas.microsoft.com/office/drawing/2014/main" xmlns:a14="http://schemas.microsoft.com/office/drawing/2010/main" xmlns:p14="http://schemas.microsoft.com/office/powerpoint/2010/main" w="9525">
                   <a:solidFill>
                     <a:srgbClr val="000000"/>
                   </a:solidFill>
@@ -16054,7 +16038,7 @@
             </a:ln>
             <a:extLst>
               <a:ext uri="{91240B29-F687-4f45-9708-019B960494DF}">
-                <a14:hiddenLine xmlns:p14="http://schemas.microsoft.com/office/powerpoint/2010/main" xmlns:a14="http://schemas.microsoft.com/office/drawing/2010/main" xmlns:a16="http://schemas.microsoft.com/office/drawing/2014/main" xmlns="" w="9525">
+                <a14:hiddenLine xmlns="" xmlns:a16="http://schemas.microsoft.com/office/drawing/2014/main" xmlns:a14="http://schemas.microsoft.com/office/drawing/2010/main" xmlns:p14="http://schemas.microsoft.com/office/powerpoint/2010/main" w="9525">
                   <a:solidFill>
                     <a:srgbClr val="000000"/>
                   </a:solidFill>
@@ -16159,7 +16143,7 @@
             </a:ln>
             <a:extLst>
               <a:ext uri="{91240B29-F687-4f45-9708-019B960494DF}">
-                <a14:hiddenLine xmlns:p14="http://schemas.microsoft.com/office/powerpoint/2010/main" xmlns:a14="http://schemas.microsoft.com/office/drawing/2010/main" xmlns:a16="http://schemas.microsoft.com/office/drawing/2014/main" xmlns="" w="9525">
+                <a14:hiddenLine xmlns="" xmlns:a16="http://schemas.microsoft.com/office/drawing/2014/main" xmlns:a14="http://schemas.microsoft.com/office/drawing/2010/main" xmlns:p14="http://schemas.microsoft.com/office/powerpoint/2010/main" w="9525">
                   <a:solidFill>
                     <a:srgbClr val="000000"/>
                   </a:solidFill>
@@ -16264,7 +16248,7 @@
             </a:ln>
             <a:extLst>
               <a:ext uri="{91240B29-F687-4f45-9708-019B960494DF}">
-                <a14:hiddenLine xmlns:p14="http://schemas.microsoft.com/office/powerpoint/2010/main" xmlns:a14="http://schemas.microsoft.com/office/drawing/2010/main" xmlns:a16="http://schemas.microsoft.com/office/drawing/2014/main" xmlns="" w="9525">
+                <a14:hiddenLine xmlns="" xmlns:a16="http://schemas.microsoft.com/office/drawing/2014/main" xmlns:a14="http://schemas.microsoft.com/office/drawing/2010/main" xmlns:p14="http://schemas.microsoft.com/office/powerpoint/2010/main" w="9525">
                   <a:solidFill>
                     <a:srgbClr val="000000"/>
                   </a:solidFill>
@@ -16335,7 +16319,7 @@
             </a:ln>
             <a:extLst>
               <a:ext uri="{91240B29-F687-4f45-9708-019B960494DF}">
-                <a14:hiddenLine xmlns:p14="http://schemas.microsoft.com/office/powerpoint/2010/main" xmlns:a14="http://schemas.microsoft.com/office/drawing/2010/main" xmlns:a16="http://schemas.microsoft.com/office/drawing/2014/main" xmlns="" w="9525">
+                <a14:hiddenLine xmlns="" xmlns:a16="http://schemas.microsoft.com/office/drawing/2014/main" xmlns:a14="http://schemas.microsoft.com/office/drawing/2010/main" xmlns:p14="http://schemas.microsoft.com/office/powerpoint/2010/main" w="9525">
                   <a:solidFill>
                     <a:srgbClr val="000000"/>
                   </a:solidFill>
@@ -16440,7 +16424,7 @@
             </a:ln>
             <a:extLst>
               <a:ext uri="{91240B29-F687-4f45-9708-019B960494DF}">
-                <a14:hiddenLine xmlns:p14="http://schemas.microsoft.com/office/powerpoint/2010/main" xmlns:a14="http://schemas.microsoft.com/office/drawing/2010/main" xmlns:a16="http://schemas.microsoft.com/office/drawing/2014/main" xmlns="" w="9525">
+                <a14:hiddenLine xmlns="" xmlns:a16="http://schemas.microsoft.com/office/drawing/2014/main" xmlns:a14="http://schemas.microsoft.com/office/drawing/2010/main" xmlns:p14="http://schemas.microsoft.com/office/powerpoint/2010/main" w="9525">
                   <a:solidFill>
                     <a:srgbClr val="000000"/>
                   </a:solidFill>
@@ -16511,7 +16495,7 @@
             </a:ln>
             <a:extLst>
               <a:ext uri="{91240B29-F687-4f45-9708-019B960494DF}">
-                <a14:hiddenLine xmlns:p14="http://schemas.microsoft.com/office/powerpoint/2010/main" xmlns:a14="http://schemas.microsoft.com/office/drawing/2010/main" xmlns:a16="http://schemas.microsoft.com/office/drawing/2014/main" xmlns="" w="9525">
+                <a14:hiddenLine xmlns="" xmlns:a16="http://schemas.microsoft.com/office/drawing/2014/main" xmlns:a14="http://schemas.microsoft.com/office/drawing/2010/main" xmlns:p14="http://schemas.microsoft.com/office/powerpoint/2010/main" w="9525">
                   <a:solidFill>
                     <a:srgbClr val="000000"/>
                   </a:solidFill>
@@ -16616,7 +16600,7 @@
             </a:ln>
             <a:extLst>
               <a:ext uri="{91240B29-F687-4f45-9708-019B960494DF}">
-                <a14:hiddenLine xmlns:p14="http://schemas.microsoft.com/office/powerpoint/2010/main" xmlns:a14="http://schemas.microsoft.com/office/drawing/2010/main" xmlns:a16="http://schemas.microsoft.com/office/drawing/2014/main" xmlns="" w="9525">
+                <a14:hiddenLine xmlns="" xmlns:a16="http://schemas.microsoft.com/office/drawing/2014/main" xmlns:a14="http://schemas.microsoft.com/office/drawing/2010/main" xmlns:p14="http://schemas.microsoft.com/office/powerpoint/2010/main" w="9525">
                   <a:solidFill>
                     <a:srgbClr val="000000"/>
                   </a:solidFill>
@@ -16699,7 +16683,7 @@
             </a:ln>
             <a:extLst>
               <a:ext uri="{91240B29-F687-4f45-9708-019B960494DF}">
-                <a14:hiddenLine xmlns:p14="http://schemas.microsoft.com/office/powerpoint/2010/main" xmlns:a14="http://schemas.microsoft.com/office/drawing/2010/main" xmlns:a16="http://schemas.microsoft.com/office/drawing/2014/main" xmlns="" w="9525">
+                <a14:hiddenLine xmlns="" xmlns:a16="http://schemas.microsoft.com/office/drawing/2014/main" xmlns:a14="http://schemas.microsoft.com/office/drawing/2010/main" xmlns:p14="http://schemas.microsoft.com/office/powerpoint/2010/main" w="9525">
                   <a:solidFill>
                     <a:srgbClr val="000000"/>
                   </a:solidFill>
@@ -16804,7 +16788,7 @@
             </a:ln>
             <a:extLst>
               <a:ext uri="{91240B29-F687-4f45-9708-019B960494DF}">
-                <a14:hiddenLine xmlns:p14="http://schemas.microsoft.com/office/powerpoint/2010/main" xmlns:a14="http://schemas.microsoft.com/office/drawing/2010/main" xmlns:a16="http://schemas.microsoft.com/office/drawing/2014/main" xmlns="" w="9525">
+                <a14:hiddenLine xmlns="" xmlns:a16="http://schemas.microsoft.com/office/drawing/2014/main" xmlns:a14="http://schemas.microsoft.com/office/drawing/2010/main" xmlns:p14="http://schemas.microsoft.com/office/powerpoint/2010/main" w="9525">
                   <a:solidFill>
                     <a:srgbClr val="000000"/>
                   </a:solidFill>
@@ -16887,7 +16871,7 @@
             </a:ln>
             <a:extLst>
               <a:ext uri="{91240B29-F687-4f45-9708-019B960494DF}">
-                <a14:hiddenLine xmlns:p14="http://schemas.microsoft.com/office/powerpoint/2010/main" xmlns:a14="http://schemas.microsoft.com/office/drawing/2010/main" xmlns:a16="http://schemas.microsoft.com/office/drawing/2014/main" xmlns="" w="9525">
+                <a14:hiddenLine xmlns="" xmlns:a16="http://schemas.microsoft.com/office/drawing/2014/main" xmlns:a14="http://schemas.microsoft.com/office/drawing/2010/main" xmlns:p14="http://schemas.microsoft.com/office/powerpoint/2010/main" w="9525">
                   <a:solidFill>
                     <a:srgbClr val="000000"/>
                   </a:solidFill>
@@ -16992,7 +16976,7 @@
             </a:ln>
             <a:extLst>
               <a:ext uri="{91240B29-F687-4f45-9708-019B960494DF}">
-                <a14:hiddenLine xmlns:p14="http://schemas.microsoft.com/office/powerpoint/2010/main" xmlns:a14="http://schemas.microsoft.com/office/drawing/2010/main" xmlns:a16="http://schemas.microsoft.com/office/drawing/2014/main" xmlns="" w="9525">
+                <a14:hiddenLine xmlns="" xmlns:a16="http://schemas.microsoft.com/office/drawing/2014/main" xmlns:a14="http://schemas.microsoft.com/office/drawing/2010/main" xmlns:p14="http://schemas.microsoft.com/office/powerpoint/2010/main" w="9525">
                   <a:solidFill>
                     <a:srgbClr val="000000"/>
                   </a:solidFill>
@@ -17041,7 +17025,7 @@
             </a:ln>
             <a:extLst>
               <a:ext uri="{91240B29-F687-4f45-9708-019B960494DF}">
-                <a14:hiddenLine xmlns:p14="http://schemas.microsoft.com/office/powerpoint/2010/main" xmlns:a14="http://schemas.microsoft.com/office/drawing/2010/main" xmlns:a16="http://schemas.microsoft.com/office/drawing/2014/main" xmlns="" w="9525">
+                <a14:hiddenLine xmlns="" xmlns:a16="http://schemas.microsoft.com/office/drawing/2014/main" xmlns:a14="http://schemas.microsoft.com/office/drawing/2010/main" xmlns:p14="http://schemas.microsoft.com/office/powerpoint/2010/main" w="9525">
                   <a:solidFill>
                     <a:srgbClr val="000000"/>
                   </a:solidFill>
@@ -17146,7 +17130,7 @@
             </a:ln>
             <a:extLst>
               <a:ext uri="{91240B29-F687-4f45-9708-019B960494DF}">
-                <a14:hiddenLine xmlns:p14="http://schemas.microsoft.com/office/powerpoint/2010/main" xmlns:a14="http://schemas.microsoft.com/office/drawing/2010/main" xmlns:a16="http://schemas.microsoft.com/office/drawing/2014/main" xmlns="" w="9525">
+                <a14:hiddenLine xmlns="" xmlns:a16="http://schemas.microsoft.com/office/drawing/2014/main" xmlns:a14="http://schemas.microsoft.com/office/drawing/2010/main" xmlns:p14="http://schemas.microsoft.com/office/powerpoint/2010/main" w="9525">
                   <a:solidFill>
                     <a:srgbClr val="000000"/>
                   </a:solidFill>
@@ -17223,7 +17207,7 @@
             </a:ln>
             <a:extLst>
               <a:ext uri="{91240B29-F687-4f45-9708-019B960494DF}">
-                <a14:hiddenLine xmlns:p14="http://schemas.microsoft.com/office/powerpoint/2010/main" xmlns:a14="http://schemas.microsoft.com/office/drawing/2010/main" xmlns:a16="http://schemas.microsoft.com/office/drawing/2014/main" xmlns="" w="9525">
+                <a14:hiddenLine xmlns="" xmlns:a16="http://schemas.microsoft.com/office/drawing/2014/main" xmlns:a14="http://schemas.microsoft.com/office/drawing/2010/main" xmlns:p14="http://schemas.microsoft.com/office/powerpoint/2010/main" w="9525">
                   <a:solidFill>
                     <a:srgbClr val="000000"/>
                   </a:solidFill>
@@ -17300,7 +17284,7 @@
             </a:ln>
             <a:extLst>
               <a:ext uri="{91240B29-F687-4f45-9708-019B960494DF}">
-                <a14:hiddenLine xmlns:p14="http://schemas.microsoft.com/office/powerpoint/2010/main" xmlns:a14="http://schemas.microsoft.com/office/drawing/2010/main" xmlns:a16="http://schemas.microsoft.com/office/drawing/2014/main" xmlns="" w="9525">
+                <a14:hiddenLine xmlns="" xmlns:a16="http://schemas.microsoft.com/office/drawing/2014/main" xmlns:a14="http://schemas.microsoft.com/office/drawing/2010/main" xmlns:p14="http://schemas.microsoft.com/office/powerpoint/2010/main" w="9525">
                   <a:solidFill>
                     <a:srgbClr val="000000"/>
                   </a:solidFill>
@@ -17405,7 +17389,7 @@
             </a:ln>
             <a:extLst>
               <a:ext uri="{91240B29-F687-4f45-9708-019B960494DF}">
-                <a14:hiddenLine xmlns:p14="http://schemas.microsoft.com/office/powerpoint/2010/main" xmlns:a14="http://schemas.microsoft.com/office/drawing/2010/main" xmlns:a16="http://schemas.microsoft.com/office/drawing/2014/main" xmlns="" w="9525">
+                <a14:hiddenLine xmlns="" xmlns:a16="http://schemas.microsoft.com/office/drawing/2014/main" xmlns:a14="http://schemas.microsoft.com/office/drawing/2010/main" xmlns:p14="http://schemas.microsoft.com/office/powerpoint/2010/main" w="9525">
                   <a:solidFill>
                     <a:srgbClr val="000000"/>
                   </a:solidFill>
@@ -17488,7 +17472,7 @@
             </a:ln>
             <a:extLst>
               <a:ext uri="{91240B29-F687-4f45-9708-019B960494DF}">
-                <a14:hiddenLine xmlns:p14="http://schemas.microsoft.com/office/powerpoint/2010/main" xmlns:a14="http://schemas.microsoft.com/office/drawing/2010/main" xmlns:a16="http://schemas.microsoft.com/office/drawing/2014/main" xmlns="" w="9525">
+                <a14:hiddenLine xmlns="" xmlns:a16="http://schemas.microsoft.com/office/drawing/2014/main" xmlns:a14="http://schemas.microsoft.com/office/drawing/2010/main" xmlns:p14="http://schemas.microsoft.com/office/powerpoint/2010/main" w="9525">
                   <a:solidFill>
                     <a:srgbClr val="000000"/>
                   </a:solidFill>
@@ -17565,7 +17549,7 @@
             </a:ln>
             <a:extLst>
               <a:ext uri="{91240B29-F687-4f45-9708-019B960494DF}">
-                <a14:hiddenLine xmlns:p14="http://schemas.microsoft.com/office/powerpoint/2010/main" xmlns:a14="http://schemas.microsoft.com/office/drawing/2010/main" xmlns:a16="http://schemas.microsoft.com/office/drawing/2014/main" xmlns="" w="9525">
+                <a14:hiddenLine xmlns="" xmlns:a16="http://schemas.microsoft.com/office/drawing/2014/main" xmlns:a14="http://schemas.microsoft.com/office/drawing/2010/main" xmlns:p14="http://schemas.microsoft.com/office/powerpoint/2010/main" w="9525">
                   <a:solidFill>
                     <a:srgbClr val="000000"/>
                   </a:solidFill>
@@ -17670,7 +17654,7 @@
             </a:ln>
             <a:extLst>
               <a:ext uri="{91240B29-F687-4f45-9708-019B960494DF}">
-                <a14:hiddenLine xmlns:p14="http://schemas.microsoft.com/office/powerpoint/2010/main" xmlns:a14="http://schemas.microsoft.com/office/drawing/2010/main" xmlns:a16="http://schemas.microsoft.com/office/drawing/2014/main" xmlns="" w="9525">
+                <a14:hiddenLine xmlns="" xmlns:a16="http://schemas.microsoft.com/office/drawing/2014/main" xmlns:a14="http://schemas.microsoft.com/office/drawing/2010/main" xmlns:p14="http://schemas.microsoft.com/office/powerpoint/2010/main" w="9525">
                   <a:solidFill>
                     <a:srgbClr val="000000"/>
                   </a:solidFill>
@@ -17747,7 +17731,7 @@
             </a:ln>
             <a:extLst>
               <a:ext uri="{91240B29-F687-4f45-9708-019B960494DF}">
-                <a14:hiddenLine xmlns:p14="http://schemas.microsoft.com/office/powerpoint/2010/main" xmlns:a14="http://schemas.microsoft.com/office/drawing/2010/main" xmlns:a16="http://schemas.microsoft.com/office/drawing/2014/main" xmlns="" w="9525">
+                <a14:hiddenLine xmlns="" xmlns:a16="http://schemas.microsoft.com/office/drawing/2014/main" xmlns:a14="http://schemas.microsoft.com/office/drawing/2010/main" xmlns:p14="http://schemas.microsoft.com/office/powerpoint/2010/main" w="9525">
                   <a:solidFill>
                     <a:srgbClr val="000000"/>
                   </a:solidFill>
@@ -17852,7 +17836,7 @@
             </a:ln>
             <a:extLst>
               <a:ext uri="{91240B29-F687-4f45-9708-019B960494DF}">
-                <a14:hiddenLine xmlns:p14="http://schemas.microsoft.com/office/powerpoint/2010/main" xmlns:a14="http://schemas.microsoft.com/office/drawing/2010/main" xmlns:a16="http://schemas.microsoft.com/office/drawing/2014/main" xmlns="" w="9525">
+                <a14:hiddenLine xmlns="" xmlns:a16="http://schemas.microsoft.com/office/drawing/2014/main" xmlns:a14="http://schemas.microsoft.com/office/drawing/2010/main" xmlns:p14="http://schemas.microsoft.com/office/powerpoint/2010/main" w="9525">
                   <a:solidFill>
                     <a:srgbClr val="000000"/>
                   </a:solidFill>
@@ -17929,7 +17913,7 @@
             </a:ln>
             <a:extLst>
               <a:ext uri="{91240B29-F687-4f45-9708-019B960494DF}">
-                <a14:hiddenLine xmlns:p14="http://schemas.microsoft.com/office/powerpoint/2010/main" xmlns:a14="http://schemas.microsoft.com/office/drawing/2010/main" xmlns:a16="http://schemas.microsoft.com/office/drawing/2014/main" xmlns="" w="9525">
+                <a14:hiddenLine xmlns="" xmlns:a16="http://schemas.microsoft.com/office/drawing/2014/main" xmlns:a14="http://schemas.microsoft.com/office/drawing/2010/main" xmlns:p14="http://schemas.microsoft.com/office/powerpoint/2010/main" w="9525">
                   <a:solidFill>
                     <a:srgbClr val="000000"/>
                   </a:solidFill>
@@ -18034,7 +18018,7 @@
             </a:ln>
             <a:extLst>
               <a:ext uri="{91240B29-F687-4f45-9708-019B960494DF}">
-                <a14:hiddenLine xmlns:p14="http://schemas.microsoft.com/office/powerpoint/2010/main" xmlns:a14="http://schemas.microsoft.com/office/drawing/2010/main" xmlns:a16="http://schemas.microsoft.com/office/drawing/2014/main" xmlns="" w="9525">
+                <a14:hiddenLine xmlns="" xmlns:a16="http://schemas.microsoft.com/office/drawing/2014/main" xmlns:a14="http://schemas.microsoft.com/office/drawing/2010/main" xmlns:p14="http://schemas.microsoft.com/office/powerpoint/2010/main" w="9525">
                   <a:solidFill>
                     <a:srgbClr val="000000"/>
                   </a:solidFill>
@@ -18083,7 +18067,7 @@
             </a:ln>
             <a:extLst>
               <a:ext uri="{91240B29-F687-4f45-9708-019B960494DF}">
-                <a14:hiddenLine xmlns:p14="http://schemas.microsoft.com/office/powerpoint/2010/main" xmlns:a14="http://schemas.microsoft.com/office/drawing/2010/main" xmlns:a16="http://schemas.microsoft.com/office/drawing/2014/main" xmlns="" w="9525">
+                <a14:hiddenLine xmlns="" xmlns:a16="http://schemas.microsoft.com/office/drawing/2014/main" xmlns:a14="http://schemas.microsoft.com/office/drawing/2010/main" xmlns:p14="http://schemas.microsoft.com/office/powerpoint/2010/main" w="9525">
                   <a:solidFill>
                     <a:srgbClr val="000000"/>
                   </a:solidFill>
@@ -18163,7 +18147,7 @@
             </a:ln>
             <a:extLst>
               <a:ext uri="{91240B29-F687-4f45-9708-019B960494DF}">
-                <a14:hiddenLine xmlns:p14="http://schemas.microsoft.com/office/powerpoint/2010/main" xmlns:a14="http://schemas.microsoft.com/office/drawing/2010/main" xmlns:a16="http://schemas.microsoft.com/office/drawing/2014/main" xmlns="" w="9525">
+                <a14:hiddenLine xmlns="" xmlns:a16="http://schemas.microsoft.com/office/drawing/2014/main" xmlns:a14="http://schemas.microsoft.com/office/drawing/2010/main" xmlns:p14="http://schemas.microsoft.com/office/powerpoint/2010/main" w="9525">
                   <a:solidFill>
                     <a:srgbClr val="000000"/>
                   </a:solidFill>
@@ -18268,7 +18252,7 @@
             </a:ln>
             <a:extLst>
               <a:ext uri="{91240B29-F687-4f45-9708-019B960494DF}">
-                <a14:hiddenLine xmlns:p14="http://schemas.microsoft.com/office/powerpoint/2010/main" xmlns:a14="http://schemas.microsoft.com/office/drawing/2010/main" xmlns:a16="http://schemas.microsoft.com/office/drawing/2014/main" xmlns="" w="9525">
+                <a14:hiddenLine xmlns="" xmlns:a16="http://schemas.microsoft.com/office/drawing/2014/main" xmlns:a14="http://schemas.microsoft.com/office/drawing/2010/main" xmlns:p14="http://schemas.microsoft.com/office/powerpoint/2010/main" w="9525">
                   <a:solidFill>
                     <a:srgbClr val="000000"/>
                   </a:solidFill>
@@ -18345,7 +18329,7 @@
             </a:ln>
             <a:extLst>
               <a:ext uri="{91240B29-F687-4f45-9708-019B960494DF}">
-                <a14:hiddenLine xmlns:p14="http://schemas.microsoft.com/office/powerpoint/2010/main" xmlns:a14="http://schemas.microsoft.com/office/drawing/2010/main" xmlns:a16="http://schemas.microsoft.com/office/drawing/2014/main" xmlns="" w="9525">
+                <a14:hiddenLine xmlns="" xmlns:a16="http://schemas.microsoft.com/office/drawing/2014/main" xmlns:a14="http://schemas.microsoft.com/office/drawing/2010/main" xmlns:p14="http://schemas.microsoft.com/office/powerpoint/2010/main" w="9525">
                   <a:solidFill>
                     <a:srgbClr val="000000"/>
                   </a:solidFill>
@@ -18450,7 +18434,7 @@
             </a:ln>
             <a:extLst>
               <a:ext uri="{91240B29-F687-4f45-9708-019B960494DF}">
-                <a14:hiddenLine xmlns:p14="http://schemas.microsoft.com/office/powerpoint/2010/main" xmlns:a14="http://schemas.microsoft.com/office/drawing/2010/main" xmlns:a16="http://schemas.microsoft.com/office/drawing/2014/main" xmlns="" w="9525">
+                <a14:hiddenLine xmlns="" xmlns:a16="http://schemas.microsoft.com/office/drawing/2014/main" xmlns:a14="http://schemas.microsoft.com/office/drawing/2010/main" xmlns:p14="http://schemas.microsoft.com/office/powerpoint/2010/main" w="9525">
                   <a:solidFill>
                     <a:srgbClr val="000000"/>
                   </a:solidFill>
@@ -18555,7 +18539,7 @@
             </a:ln>
             <a:extLst>
               <a:ext uri="{91240B29-F687-4f45-9708-019B960494DF}">
-                <a14:hiddenLine xmlns:p14="http://schemas.microsoft.com/office/powerpoint/2010/main" xmlns:a14="http://schemas.microsoft.com/office/drawing/2010/main" xmlns:a16="http://schemas.microsoft.com/office/drawing/2014/main" xmlns="" w="9525">
+                <a14:hiddenLine xmlns="" xmlns:a16="http://schemas.microsoft.com/office/drawing/2014/main" xmlns:a14="http://schemas.microsoft.com/office/drawing/2010/main" xmlns:p14="http://schemas.microsoft.com/office/powerpoint/2010/main" w="9525">
                   <a:solidFill>
                     <a:srgbClr val="000000"/>
                   </a:solidFill>
@@ -18635,7 +18619,7 @@
             </a:ln>
             <a:extLst>
               <a:ext uri="{91240B29-F687-4f45-9708-019B960494DF}">
-                <a14:hiddenLine xmlns:p14="http://schemas.microsoft.com/office/powerpoint/2010/main" xmlns:a14="http://schemas.microsoft.com/office/drawing/2010/main" xmlns:a16="http://schemas.microsoft.com/office/drawing/2014/main" xmlns="" w="9525">
+                <a14:hiddenLine xmlns="" xmlns:a16="http://schemas.microsoft.com/office/drawing/2014/main" xmlns:a14="http://schemas.microsoft.com/office/drawing/2010/main" xmlns:p14="http://schemas.microsoft.com/office/powerpoint/2010/main" w="9525">
                   <a:solidFill>
                     <a:srgbClr val="000000"/>
                   </a:solidFill>
@@ -18712,7 +18696,7 @@
             </a:ln>
             <a:extLst>
               <a:ext uri="{91240B29-F687-4f45-9708-019B960494DF}">
-                <a14:hiddenLine xmlns:p14="http://schemas.microsoft.com/office/powerpoint/2010/main" xmlns:a14="http://schemas.microsoft.com/office/drawing/2010/main" xmlns:a16="http://schemas.microsoft.com/office/drawing/2014/main" xmlns="" w="9525">
+                <a14:hiddenLine xmlns="" xmlns:a16="http://schemas.microsoft.com/office/drawing/2014/main" xmlns:a14="http://schemas.microsoft.com/office/drawing/2010/main" xmlns:p14="http://schemas.microsoft.com/office/powerpoint/2010/main" w="9525">
                   <a:solidFill>
                     <a:srgbClr val="000000"/>
                   </a:solidFill>
@@ -18817,7 +18801,7 @@
             </a:ln>
             <a:extLst>
               <a:ext uri="{91240B29-F687-4f45-9708-019B960494DF}">
-                <a14:hiddenLine xmlns:p14="http://schemas.microsoft.com/office/powerpoint/2010/main" xmlns:a14="http://schemas.microsoft.com/office/drawing/2010/main" xmlns:a16="http://schemas.microsoft.com/office/drawing/2014/main" xmlns="" w="9525">
+                <a14:hiddenLine xmlns="" xmlns:a16="http://schemas.microsoft.com/office/drawing/2014/main" xmlns:a14="http://schemas.microsoft.com/office/drawing/2010/main" xmlns:p14="http://schemas.microsoft.com/office/powerpoint/2010/main" w="9525">
                   <a:solidFill>
                     <a:srgbClr val="000000"/>
                   </a:solidFill>
@@ -18922,7 +18906,7 @@
             </a:ln>
             <a:extLst>
               <a:ext uri="{91240B29-F687-4f45-9708-019B960494DF}">
-                <a14:hiddenLine xmlns:p14="http://schemas.microsoft.com/office/powerpoint/2010/main" xmlns:a14="http://schemas.microsoft.com/office/drawing/2010/main" xmlns:a16="http://schemas.microsoft.com/office/drawing/2014/main" xmlns="" w="9525">
+                <a14:hiddenLine xmlns="" xmlns:a16="http://schemas.microsoft.com/office/drawing/2014/main" xmlns:a14="http://schemas.microsoft.com/office/drawing/2010/main" xmlns:p14="http://schemas.microsoft.com/office/powerpoint/2010/main" w="9525">
                   <a:solidFill>
                     <a:srgbClr val="000000"/>
                   </a:solidFill>
@@ -18999,7 +18983,7 @@
             </a:ln>
             <a:extLst>
               <a:ext uri="{91240B29-F687-4f45-9708-019B960494DF}">
-                <a14:hiddenLine xmlns:p14="http://schemas.microsoft.com/office/powerpoint/2010/main" xmlns:a14="http://schemas.microsoft.com/office/drawing/2010/main" xmlns:a16="http://schemas.microsoft.com/office/drawing/2014/main" xmlns="" w="9525">
+                <a14:hiddenLine xmlns="" xmlns:a16="http://schemas.microsoft.com/office/drawing/2014/main" xmlns:a14="http://schemas.microsoft.com/office/drawing/2010/main" xmlns:p14="http://schemas.microsoft.com/office/powerpoint/2010/main" w="9525">
                   <a:solidFill>
                     <a:srgbClr val="000000"/>
                   </a:solidFill>
@@ -19134,7 +19118,7 @@
             </a:ln>
             <a:extLst>
               <a:ext uri="{91240B29-F687-4f45-9708-019B960494DF}">
-                <a14:hiddenLine xmlns:p14="http://schemas.microsoft.com/office/powerpoint/2010/main" xmlns:a14="http://schemas.microsoft.com/office/drawing/2010/main" xmlns:a16="http://schemas.microsoft.com/office/drawing/2014/main" xmlns="" w="9525">
+                <a14:hiddenLine xmlns="" xmlns:a16="http://schemas.microsoft.com/office/drawing/2014/main" xmlns:a14="http://schemas.microsoft.com/office/drawing/2010/main" xmlns:p14="http://schemas.microsoft.com/office/powerpoint/2010/main" w="9525">
                   <a:solidFill>
                     <a:srgbClr val="000000"/>
                   </a:solidFill>
@@ -19217,7 +19201,7 @@
             </a:ln>
             <a:extLst>
               <a:ext uri="{91240B29-F687-4f45-9708-019B960494DF}">
-                <a14:hiddenLine xmlns:p14="http://schemas.microsoft.com/office/powerpoint/2010/main" xmlns:a14="http://schemas.microsoft.com/office/drawing/2010/main" xmlns:a16="http://schemas.microsoft.com/office/drawing/2014/main" xmlns="" w="9525">
+                <a14:hiddenLine xmlns="" xmlns:a16="http://schemas.microsoft.com/office/drawing/2014/main" xmlns:a14="http://schemas.microsoft.com/office/drawing/2010/main" xmlns:p14="http://schemas.microsoft.com/office/powerpoint/2010/main" w="9525">
                   <a:solidFill>
                     <a:srgbClr val="000000"/>
                   </a:solidFill>
@@ -19322,7 +19306,7 @@
             </a:ln>
             <a:extLst>
               <a:ext uri="{91240B29-F687-4f45-9708-019B960494DF}">
-                <a14:hiddenLine xmlns:p14="http://schemas.microsoft.com/office/powerpoint/2010/main" xmlns:a14="http://schemas.microsoft.com/office/drawing/2010/main" xmlns:a16="http://schemas.microsoft.com/office/drawing/2014/main" xmlns="" w="9525">
+                <a14:hiddenLine xmlns="" xmlns:a16="http://schemas.microsoft.com/office/drawing/2014/main" xmlns:a14="http://schemas.microsoft.com/office/drawing/2010/main" xmlns:p14="http://schemas.microsoft.com/office/powerpoint/2010/main" w="9525">
                   <a:solidFill>
                     <a:srgbClr val="000000"/>
                   </a:solidFill>
@@ -19359,26 +19343,82 @@
         </p:spPr>
         <p:txBody>
           <a:bodyPr>
-            <a:normAutofit fontScale="92500" lnSpcReduction="10000"/>
+            <a:normAutofit fontScale="62500" lnSpcReduction="20000"/>
           </a:bodyPr>
           <a:lstStyle/>
           <a:p>
             <a:r>
               <a:rPr lang="en-US" dirty="0"/>
-              <a:t>No running, snatching, fighting etc.</a:t>
+              <a:t>No running, snatching, fighting etc. You will </a:t>
+            </a:r>
+            <a:r>
+              <a:rPr lang="en-US" b="1" dirty="0">
+                <a:solidFill>
+                  <a:srgbClr val="FF0000"/>
+                </a:solidFill>
+              </a:rPr>
+              <a:t>lose</a:t>
+            </a:r>
+            <a:r>
+              <a:rPr lang="en-US" dirty="0"/>
+              <a:t> </a:t>
+            </a:r>
+            <a:r>
+              <a:rPr lang="en-US" b="1" dirty="0">
+                <a:solidFill>
+                  <a:srgbClr val="FF0000"/>
+                </a:solidFill>
+              </a:rPr>
+              <a:t>-2 </a:t>
+            </a:r>
+            <a:r>
+              <a:rPr lang="en-US" dirty="0"/>
+              <a:t>points if you do so.</a:t>
             </a:r>
           </a:p>
           <a:p>
             <a:r>
               <a:rPr lang="en-US" dirty="0"/>
-              <a:t>On stairs, only ONE person can go for scan.</a:t>
+              <a:t>On stairs, </a:t>
+            </a:r>
+            <a:r>
+              <a:rPr lang="en-US" b="1" dirty="0">
+                <a:solidFill>
+                  <a:srgbClr val="FFFF00"/>
+                </a:solidFill>
+              </a:rPr>
+              <a:t>only ONE </a:t>
+            </a:r>
+            <a:r>
+              <a:rPr lang="en-US" dirty="0"/>
+              <a:t>person can go for scan.</a:t>
             </a:r>
           </a:p>
           <a:p>
             <a:r>
               <a:rPr lang="en-US" dirty="0"/>
-              <a:t>No rush, winner is based on Points</a:t>
+              <a:t>Right QR code </a:t>
             </a:r>
+            <a:r>
+              <a:rPr lang="en-US" dirty="0">
+                <a:sym typeface="Wingdings" panose="05000000000000000000" pitchFamily="2" charset="2"/>
+              </a:rPr>
+              <a:t> </a:t>
+            </a:r>
+            <a:r>
+              <a:rPr lang="en-US" b="1" dirty="0">
+                <a:solidFill>
+                  <a:srgbClr val="00B050"/>
+                </a:solidFill>
+                <a:sym typeface="Wingdings" panose="05000000000000000000" pitchFamily="2" charset="2"/>
+              </a:rPr>
+              <a:t>+10</a:t>
+            </a:r>
+            <a:endParaRPr lang="en-US" b="1" dirty="0">
+              <a:solidFill>
+                <a:srgbClr val="00B050"/>
+              </a:solidFill>
+            </a:endParaRPr>
           </a:p>
           <a:p>
             <a:r>
@@ -19389,14 +19429,48 @@
               <a:rPr lang="en-US" dirty="0">
                 <a:sym typeface="Wingdings" panose="05000000000000000000" pitchFamily="2" charset="2"/>
               </a:rPr>
-              <a:t> -1 or -2</a:t>
+              <a:t> </a:t>
             </a:r>
-            <a:endParaRPr lang="en-US" dirty="0"/>
+            <a:r>
+              <a:rPr lang="en-US" b="1" dirty="0">
+                <a:solidFill>
+                  <a:srgbClr val="FF0000"/>
+                </a:solidFill>
+                <a:sym typeface="Wingdings" panose="05000000000000000000" pitchFamily="2" charset="2"/>
+              </a:rPr>
+              <a:t>-1 or -2</a:t>
+            </a:r>
+            <a:endParaRPr lang="en-US" b="1" dirty="0">
+              <a:solidFill>
+                <a:srgbClr val="FF0000"/>
+              </a:solidFill>
+            </a:endParaRPr>
+          </a:p>
+          <a:p>
+            <a:pPr lvl="1"/>
+            <a:r>
+              <a:rPr lang="en-US" dirty="0"/>
+              <a:t>Remember your game code (D, M or H)</a:t>
+            </a:r>
           </a:p>
           <a:p>
             <a:r>
               <a:rPr lang="en-US" dirty="0"/>
-              <a:t>Everyone in team will get fair chance</a:t>
+              <a:t>Don’t rush, winner is based on Points. However, first team </a:t>
+            </a:r>
+            <a:r>
+              <a:rPr lang="en-US" b="1" dirty="0">
+                <a:solidFill>
+                  <a:srgbClr val="00B050"/>
+                </a:solidFill>
+              </a:rPr>
+              <a:t>4 points</a:t>
+            </a:r>
+          </a:p>
+          <a:p>
+            <a:r>
+              <a:rPr lang="en-US" dirty="0"/>
+              <a:t>Everyone in team should get fair chance</a:t>
             </a:r>
           </a:p>
           <a:p>
@@ -19775,6 +19849,618 @@
                       </p:childTnLst>
                     </p:cTn>
                   </p:par>
+                  <p:par>
+                    <p:cTn id="31" fill="hold">
+                      <p:stCondLst>
+                        <p:cond delay="indefinite"/>
+                      </p:stCondLst>
+                      <p:childTnLst>
+                        <p:par>
+                          <p:cTn id="32" fill="hold">
+                            <p:stCondLst>
+                              <p:cond delay="0"/>
+                            </p:stCondLst>
+                            <p:childTnLst>
+                              <p:par>
+                                <p:cTn id="33" presetID="1" presetClass="entr" presetSubtype="0" fill="hold" nodeType="clickEffect">
+                                  <p:stCondLst>
+                                    <p:cond delay="0"/>
+                                  </p:stCondLst>
+                                  <p:childTnLst>
+                                    <p:set>
+                                      <p:cBhvr>
+                                        <p:cTn id="34" dur="1" fill="hold">
+                                          <p:stCondLst>
+                                            <p:cond delay="0"/>
+                                          </p:stCondLst>
+                                        </p:cTn>
+                                        <p:tgtEl>
+                                          <p:spTgt spid="3">
+                                            <p:txEl>
+                                              <p:pRg st="7" end="7"/>
+                                            </p:txEl>
+                                          </p:spTgt>
+                                        </p:tgtEl>
+                                        <p:attrNameLst>
+                                          <p:attrName>style.visibility</p:attrName>
+                                        </p:attrNameLst>
+                                      </p:cBhvr>
+                                      <p:to>
+                                        <p:strVal val="visible"/>
+                                      </p:to>
+                                    </p:set>
+                                  </p:childTnLst>
+                                </p:cTn>
+                              </p:par>
+                            </p:childTnLst>
+                          </p:cTn>
+                        </p:par>
+                      </p:childTnLst>
+                    </p:cTn>
+                  </p:par>
+                  <p:par>
+                    <p:cTn id="35" fill="hold">
+                      <p:stCondLst>
+                        <p:cond delay="indefinite"/>
+                      </p:stCondLst>
+                      <p:childTnLst>
+                        <p:par>
+                          <p:cTn id="36" fill="hold">
+                            <p:stCondLst>
+                              <p:cond delay="0"/>
+                            </p:stCondLst>
+                            <p:childTnLst>
+                              <p:par>
+                                <p:cTn id="37" presetID="1" presetClass="entr" presetSubtype="0" fill="hold" nodeType="clickEffect">
+                                  <p:stCondLst>
+                                    <p:cond delay="0"/>
+                                  </p:stCondLst>
+                                  <p:childTnLst>
+                                    <p:set>
+                                      <p:cBhvr>
+                                        <p:cTn id="38" dur="1" fill="hold">
+                                          <p:stCondLst>
+                                            <p:cond delay="0"/>
+                                          </p:stCondLst>
+                                        </p:cTn>
+                                        <p:tgtEl>
+                                          <p:spTgt spid="3">
+                                            <p:txEl>
+                                              <p:pRg st="8" end="8"/>
+                                            </p:txEl>
+                                          </p:spTgt>
+                                        </p:tgtEl>
+                                        <p:attrNameLst>
+                                          <p:attrName>style.visibility</p:attrName>
+                                        </p:attrNameLst>
+                                      </p:cBhvr>
+                                      <p:to>
+                                        <p:strVal val="visible"/>
+                                      </p:to>
+                                    </p:set>
+                                  </p:childTnLst>
+                                </p:cTn>
+                              </p:par>
+                            </p:childTnLst>
+                          </p:cTn>
+                        </p:par>
+                      </p:childTnLst>
+                    </p:cTn>
+                  </p:par>
+                </p:childTnLst>
+              </p:cTn>
+              <p:prevCondLst>
+                <p:cond evt="onPrev" delay="0">
+                  <p:tgtEl>
+                    <p:sldTgt/>
+                  </p:tgtEl>
+                </p:cond>
+              </p:prevCondLst>
+              <p:nextCondLst>
+                <p:cond evt="onNext" delay="0">
+                  <p:tgtEl>
+                    <p:sldTgt/>
+                  </p:tgtEl>
+                </p:cond>
+              </p:nextCondLst>
+            </p:seq>
+          </p:childTnLst>
+        </p:cTn>
+      </p:par>
+    </p:tnLst>
+  </p:timing>
+</p:sld>
+</file>
+
+<file path=ppt/slides/slide4.xml><?xml version="1.0" encoding="utf-8"?>
+<p:sld xmlns:a="http://schemas.openxmlformats.org/drawingml/2006/main" xmlns:r="http://schemas.openxmlformats.org/officeDocument/2006/relationships" xmlns:p="http://schemas.openxmlformats.org/presentationml/2006/main">
+  <p:cSld>
+    <p:spTree>
+      <p:nvGrpSpPr>
+        <p:cNvPr id="1" name=""/>
+        <p:cNvGrpSpPr/>
+        <p:nvPr/>
+      </p:nvGrpSpPr>
+      <p:grpSpPr>
+        <a:xfrm>
+          <a:off x="0" y="0"/>
+          <a:ext cx="0" cy="0"/>
+          <a:chOff x="0" y="0"/>
+          <a:chExt cx="0" cy="0"/>
+        </a:xfrm>
+      </p:grpSpPr>
+      <p:sp>
+        <p:nvSpPr>
+          <p:cNvPr id="2" name="Title 1">
+            <a:extLst>
+              <a:ext uri="{FF2B5EF4-FFF2-40B4-BE49-F238E27FC236}">
+                <a16:creationId xmlns:a16="http://schemas.microsoft.com/office/drawing/2014/main" id="{54B9F368-565C-E5E7-8451-1FB3A3B6996C}"/>
+              </a:ext>
+            </a:extLst>
+          </p:cNvPr>
+          <p:cNvSpPr>
+            <a:spLocks noGrp="1"/>
+          </p:cNvSpPr>
+          <p:nvPr>
+            <p:ph type="title"/>
+          </p:nvPr>
+        </p:nvSpPr>
+        <p:spPr/>
+        <p:txBody>
+          <a:bodyPr/>
+          <a:lstStyle/>
+          <a:p>
+            <a:r>
+              <a:rPr lang="en-US" dirty="0"/>
+              <a:t>Example QR Codes</a:t>
+            </a:r>
+            <a:endParaRPr lang="en-NZ" dirty="0"/>
+          </a:p>
+        </p:txBody>
+      </p:sp>
+      <p:grpSp>
+        <p:nvGrpSpPr>
+          <p:cNvPr id="20" name="Group 19">
+            <a:extLst>
+              <a:ext uri="{FF2B5EF4-FFF2-40B4-BE49-F238E27FC236}">
+                <a16:creationId xmlns:a16="http://schemas.microsoft.com/office/drawing/2014/main" id="{0A0D0F40-6FA0-EED5-0916-2EA36CE4FA5C}"/>
+              </a:ext>
+            </a:extLst>
+          </p:cNvPr>
+          <p:cNvGrpSpPr/>
+          <p:nvPr/>
+        </p:nvGrpSpPr>
+        <p:grpSpPr>
+          <a:xfrm>
+            <a:off x="973622" y="2933700"/>
+            <a:ext cx="1584973" cy="2063195"/>
+            <a:chOff x="973622" y="2933700"/>
+            <a:chExt cx="1584973" cy="2063195"/>
+          </a:xfrm>
+          <a:effectLst>
+            <a:glow rad="228600">
+              <a:schemeClr val="accent6">
+                <a:satMod val="175000"/>
+                <a:alpha val="40000"/>
+              </a:schemeClr>
+            </a:glow>
+          </a:effectLst>
+        </p:grpSpPr>
+        <p:pic>
+          <p:nvPicPr>
+            <p:cNvPr id="5" name="Picture 4">
+              <a:extLst>
+                <a:ext uri="{FF2B5EF4-FFF2-40B4-BE49-F238E27FC236}">
+                  <a16:creationId xmlns:a16="http://schemas.microsoft.com/office/drawing/2014/main" id="{1D7B08EF-E522-D89F-34DE-F86115D7D8E9}"/>
+                </a:ext>
+              </a:extLst>
+            </p:cNvPr>
+            <p:cNvPicPr>
+              <a:picLocks noChangeAspect="1"/>
+            </p:cNvPicPr>
+            <p:nvPr/>
+          </p:nvPicPr>
+          <p:blipFill>
+            <a:blip r:embed="rId2"/>
+            <a:stretch>
+              <a:fillRect/>
+            </a:stretch>
+          </p:blipFill>
+          <p:spPr>
+            <a:xfrm>
+              <a:off x="973622" y="2933700"/>
+              <a:ext cx="1584973" cy="1620000"/>
+            </a:xfrm>
+            <a:prstGeom prst="rect">
+              <a:avLst/>
+            </a:prstGeom>
+          </p:spPr>
+        </p:pic>
+        <p:sp>
+          <p:nvSpPr>
+            <p:cNvPr id="12" name="TextBox 11">
+              <a:extLst>
+                <a:ext uri="{FF2B5EF4-FFF2-40B4-BE49-F238E27FC236}">
+                  <a16:creationId xmlns:a16="http://schemas.microsoft.com/office/drawing/2014/main" id="{BF7A0A8D-F435-00C7-1620-0F32A1FE116E}"/>
+                </a:ext>
+              </a:extLst>
+            </p:cNvPr>
+            <p:cNvSpPr txBox="1"/>
+            <p:nvPr/>
+          </p:nvSpPr>
+          <p:spPr>
+            <a:xfrm>
+              <a:off x="1333500" y="4627563"/>
+              <a:ext cx="708848" cy="369332"/>
+            </a:xfrm>
+            <a:prstGeom prst="rect">
+              <a:avLst/>
+            </a:prstGeom>
+            <a:noFill/>
+          </p:spPr>
+          <p:txBody>
+            <a:bodyPr wrap="none" rtlCol="0">
+              <a:spAutoFit/>
+            </a:bodyPr>
+            <a:lstStyle/>
+            <a:p>
+              <a:r>
+                <a:rPr lang="en-US" dirty="0"/>
+                <a:t>Demo</a:t>
+              </a:r>
+              <a:endParaRPr lang="en-NZ" dirty="0"/>
+            </a:p>
+          </p:txBody>
+        </p:sp>
+      </p:grpSp>
+      <p:grpSp>
+        <p:nvGrpSpPr>
+          <p:cNvPr id="19" name="Group 18">
+            <a:extLst>
+              <a:ext uri="{FF2B5EF4-FFF2-40B4-BE49-F238E27FC236}">
+                <a16:creationId xmlns:a16="http://schemas.microsoft.com/office/drawing/2014/main" id="{B5C4217D-AE0B-6ACE-4540-9D44BD034E27}"/>
+              </a:ext>
+            </a:extLst>
+          </p:cNvPr>
+          <p:cNvGrpSpPr/>
+          <p:nvPr/>
+        </p:nvGrpSpPr>
+        <p:grpSpPr>
+          <a:xfrm>
+            <a:off x="3204917" y="2924550"/>
+            <a:ext cx="1628828" cy="2072345"/>
+            <a:chOff x="3204917" y="2924550"/>
+            <a:chExt cx="1628828" cy="2072345"/>
+          </a:xfrm>
+          <a:effectLst>
+            <a:glow rad="228600">
+              <a:schemeClr val="accent6">
+                <a:satMod val="175000"/>
+                <a:alpha val="40000"/>
+              </a:schemeClr>
+            </a:glow>
+          </a:effectLst>
+        </p:grpSpPr>
+        <p:pic>
+          <p:nvPicPr>
+            <p:cNvPr id="7" name="Picture 6">
+              <a:extLst>
+                <a:ext uri="{FF2B5EF4-FFF2-40B4-BE49-F238E27FC236}">
+                  <a16:creationId xmlns:a16="http://schemas.microsoft.com/office/drawing/2014/main" id="{947514CA-2ABE-3F28-0A99-75D3C628E087}"/>
+                </a:ext>
+              </a:extLst>
+            </p:cNvPr>
+            <p:cNvPicPr>
+              <a:picLocks noChangeAspect="1"/>
+            </p:cNvPicPr>
+            <p:nvPr/>
+          </p:nvPicPr>
+          <p:blipFill>
+            <a:blip r:embed="rId3"/>
+            <a:stretch>
+              <a:fillRect/>
+            </a:stretch>
+          </p:blipFill>
+          <p:spPr>
+            <a:xfrm>
+              <a:off x="3204917" y="2924550"/>
+              <a:ext cx="1628828" cy="1620000"/>
+            </a:xfrm>
+            <a:prstGeom prst="rect">
+              <a:avLst/>
+            </a:prstGeom>
+          </p:spPr>
+        </p:pic>
+        <p:sp>
+          <p:nvSpPr>
+            <p:cNvPr id="13" name="TextBox 12">
+              <a:extLst>
+                <a:ext uri="{FF2B5EF4-FFF2-40B4-BE49-F238E27FC236}">
+                  <a16:creationId xmlns:a16="http://schemas.microsoft.com/office/drawing/2014/main" id="{CB219DF0-C3B7-D003-43CF-17C995073F4E}"/>
+                </a:ext>
+              </a:extLst>
+            </p:cNvPr>
+            <p:cNvSpPr txBox="1"/>
+            <p:nvPr/>
+          </p:nvSpPr>
+          <p:spPr>
+            <a:xfrm>
+              <a:off x="3563917" y="4627563"/>
+              <a:ext cx="910827" cy="369332"/>
+            </a:xfrm>
+            <a:prstGeom prst="rect">
+              <a:avLst/>
+            </a:prstGeom>
+            <a:noFill/>
+          </p:spPr>
+          <p:txBody>
+            <a:bodyPr wrap="none" rtlCol="0">
+              <a:spAutoFit/>
+            </a:bodyPr>
+            <a:lstStyle/>
+            <a:p>
+              <a:r>
+                <a:rPr lang="en-US" dirty="0"/>
+                <a:t>Medium</a:t>
+              </a:r>
+              <a:endParaRPr lang="en-NZ" dirty="0"/>
+            </a:p>
+          </p:txBody>
+        </p:sp>
+      </p:grpSp>
+      <p:grpSp>
+        <p:nvGrpSpPr>
+          <p:cNvPr id="18" name="Group 17">
+            <a:extLst>
+              <a:ext uri="{FF2B5EF4-FFF2-40B4-BE49-F238E27FC236}">
+                <a16:creationId xmlns:a16="http://schemas.microsoft.com/office/drawing/2014/main" id="{F8A411D0-F223-5D06-4C88-340D85EE5DCC}"/>
+              </a:ext>
+            </a:extLst>
+          </p:cNvPr>
+          <p:cNvGrpSpPr/>
+          <p:nvPr/>
+        </p:nvGrpSpPr>
+        <p:grpSpPr>
+          <a:xfrm>
+            <a:off x="5686180" y="2933700"/>
+            <a:ext cx="1602580" cy="2084349"/>
+            <a:chOff x="5686180" y="2933700"/>
+            <a:chExt cx="1602580" cy="2084349"/>
+          </a:xfrm>
+          <a:effectLst>
+            <a:glow rad="228600">
+              <a:schemeClr val="accent6">
+                <a:satMod val="175000"/>
+                <a:alpha val="40000"/>
+              </a:schemeClr>
+            </a:glow>
+          </a:effectLst>
+        </p:grpSpPr>
+        <p:pic>
+          <p:nvPicPr>
+            <p:cNvPr id="9" name="Picture 8">
+              <a:extLst>
+                <a:ext uri="{FF2B5EF4-FFF2-40B4-BE49-F238E27FC236}">
+                  <a16:creationId xmlns:a16="http://schemas.microsoft.com/office/drawing/2014/main" id="{8A67FA1F-D34A-C69D-F744-E6A733B06E34}"/>
+                </a:ext>
+              </a:extLst>
+            </p:cNvPr>
+            <p:cNvPicPr>
+              <a:picLocks noChangeAspect="1"/>
+            </p:cNvPicPr>
+            <p:nvPr/>
+          </p:nvPicPr>
+          <p:blipFill>
+            <a:blip r:embed="rId4"/>
+            <a:stretch>
+              <a:fillRect/>
+            </a:stretch>
+          </p:blipFill>
+          <p:spPr>
+            <a:xfrm>
+              <a:off x="5686180" y="2933700"/>
+              <a:ext cx="1602580" cy="1620000"/>
+            </a:xfrm>
+            <a:prstGeom prst="rect">
+              <a:avLst/>
+            </a:prstGeom>
+          </p:spPr>
+        </p:pic>
+        <p:sp>
+          <p:nvSpPr>
+            <p:cNvPr id="14" name="TextBox 13">
+              <a:extLst>
+                <a:ext uri="{FF2B5EF4-FFF2-40B4-BE49-F238E27FC236}">
+                  <a16:creationId xmlns:a16="http://schemas.microsoft.com/office/drawing/2014/main" id="{772C2FCF-8F85-4BBD-A84F-B1C174BB5AB1}"/>
+                </a:ext>
+              </a:extLst>
+            </p:cNvPr>
+            <p:cNvSpPr txBox="1"/>
+            <p:nvPr/>
+          </p:nvSpPr>
+          <p:spPr>
+            <a:xfrm>
+              <a:off x="5996313" y="4648717"/>
+              <a:ext cx="654346" cy="369332"/>
+            </a:xfrm>
+            <a:prstGeom prst="rect">
+              <a:avLst/>
+            </a:prstGeom>
+            <a:noFill/>
+          </p:spPr>
+          <p:txBody>
+            <a:bodyPr wrap="none" rtlCol="0">
+              <a:spAutoFit/>
+            </a:bodyPr>
+            <a:lstStyle/>
+            <a:p>
+              <a:r>
+                <a:rPr lang="en-US" dirty="0"/>
+                <a:t>Hard</a:t>
+              </a:r>
+              <a:endParaRPr lang="en-NZ" dirty="0"/>
+            </a:p>
+          </p:txBody>
+        </p:sp>
+      </p:grpSp>
+      <p:grpSp>
+        <p:nvGrpSpPr>
+          <p:cNvPr id="16" name="Group 15">
+            <a:extLst>
+              <a:ext uri="{FF2B5EF4-FFF2-40B4-BE49-F238E27FC236}">
+                <a16:creationId xmlns:a16="http://schemas.microsoft.com/office/drawing/2014/main" id="{2EE6B880-D317-053F-7514-D5BC144996CC}"/>
+              </a:ext>
+            </a:extLst>
+          </p:cNvPr>
+          <p:cNvGrpSpPr/>
+          <p:nvPr/>
+        </p:nvGrpSpPr>
+        <p:grpSpPr>
+          <a:xfrm>
+            <a:off x="8220752" y="2933700"/>
+            <a:ext cx="2147447" cy="2063195"/>
+            <a:chOff x="8220752" y="2933700"/>
+            <a:chExt cx="2147447" cy="2063195"/>
+          </a:xfrm>
+          <a:effectLst>
+            <a:glow rad="228600">
+              <a:schemeClr val="accent5">
+                <a:satMod val="175000"/>
+                <a:alpha val="40000"/>
+              </a:schemeClr>
+            </a:glow>
+          </a:effectLst>
+        </p:grpSpPr>
+        <p:pic>
+          <p:nvPicPr>
+            <p:cNvPr id="11" name="Picture 10">
+              <a:extLst>
+                <a:ext uri="{FF2B5EF4-FFF2-40B4-BE49-F238E27FC236}">
+                  <a16:creationId xmlns:a16="http://schemas.microsoft.com/office/drawing/2014/main" id="{096FBA52-F2C3-7DA9-0883-C94D2FAA9184}"/>
+                </a:ext>
+              </a:extLst>
+            </p:cNvPr>
+            <p:cNvPicPr>
+              <a:picLocks noChangeAspect="1"/>
+            </p:cNvPicPr>
+            <p:nvPr/>
+          </p:nvPicPr>
+          <p:blipFill>
+            <a:blip r:embed="rId5"/>
+            <a:stretch>
+              <a:fillRect/>
+            </a:stretch>
+          </p:blipFill>
+          <p:spPr>
+            <a:xfrm>
+              <a:off x="8276981" y="2933700"/>
+              <a:ext cx="1602487" cy="1620000"/>
+            </a:xfrm>
+            <a:prstGeom prst="rect">
+              <a:avLst/>
+            </a:prstGeom>
+          </p:spPr>
+        </p:pic>
+        <p:sp>
+          <p:nvSpPr>
+            <p:cNvPr id="15" name="TextBox 14">
+              <a:extLst>
+                <a:ext uri="{FF2B5EF4-FFF2-40B4-BE49-F238E27FC236}">
+                  <a16:creationId xmlns:a16="http://schemas.microsoft.com/office/drawing/2014/main" id="{969138F3-6B78-23C0-81FE-E9F5C48CBBF4}"/>
+                </a:ext>
+              </a:extLst>
+            </p:cNvPr>
+            <p:cNvSpPr txBox="1"/>
+            <p:nvPr/>
+          </p:nvSpPr>
+          <p:spPr>
+            <a:xfrm>
+              <a:off x="8220752" y="4627563"/>
+              <a:ext cx="2147447" cy="369332"/>
+            </a:xfrm>
+            <a:prstGeom prst="rect">
+              <a:avLst/>
+            </a:prstGeom>
+            <a:noFill/>
+          </p:spPr>
+          <p:txBody>
+            <a:bodyPr wrap="none" rtlCol="0">
+              <a:spAutoFit/>
+            </a:bodyPr>
+            <a:lstStyle/>
+            <a:p>
+              <a:r>
+                <a:rPr lang="en-US" dirty="0"/>
+                <a:t>Failed/Wrong Codes</a:t>
+              </a:r>
+              <a:endParaRPr lang="en-NZ" dirty="0"/>
+            </a:p>
+          </p:txBody>
+        </p:sp>
+      </p:grpSp>
+    </p:spTree>
+    <p:extLst>
+      <p:ext uri="{BB962C8B-B14F-4D97-AF65-F5344CB8AC3E}">
+        <p14:creationId xmlns:p14="http://schemas.microsoft.com/office/powerpoint/2010/main" val="394066433"/>
+      </p:ext>
+    </p:extLst>
+  </p:cSld>
+  <p:clrMapOvr>
+    <a:masterClrMapping/>
+  </p:clrMapOvr>
+  <p:timing>
+    <p:tnLst>
+      <p:par>
+        <p:cTn id="1" dur="indefinite" restart="never" nodeType="tmRoot">
+          <p:childTnLst>
+            <p:seq concurrent="1" nextAc="seek">
+              <p:cTn id="2" dur="indefinite" nodeType="mainSeq">
+                <p:childTnLst>
+                  <p:par>
+                    <p:cTn id="3" fill="hold">
+                      <p:stCondLst>
+                        <p:cond delay="indefinite"/>
+                      </p:stCondLst>
+                      <p:childTnLst>
+                        <p:par>
+                          <p:cTn id="4" fill="hold">
+                            <p:stCondLst>
+                              <p:cond delay="0"/>
+                            </p:stCondLst>
+                            <p:childTnLst>
+                              <p:par>
+                                <p:cTn id="5" presetID="1" presetClass="entr" presetSubtype="0" fill="hold" nodeType="clickEffect">
+                                  <p:stCondLst>
+                                    <p:cond delay="0"/>
+                                  </p:stCondLst>
+                                  <p:childTnLst>
+                                    <p:set>
+                                      <p:cBhvr>
+                                        <p:cTn id="6" dur="1" fill="hold">
+                                          <p:stCondLst>
+                                            <p:cond delay="0"/>
+                                          </p:stCondLst>
+                                        </p:cTn>
+                                        <p:tgtEl>
+                                          <p:spTgt spid="16"/>
+                                        </p:tgtEl>
+                                        <p:attrNameLst>
+                                          <p:attrName>style.visibility</p:attrName>
+                                        </p:attrNameLst>
+                                      </p:cBhvr>
+                                      <p:to>
+                                        <p:strVal val="visible"/>
+                                      </p:to>
+                                    </p:set>
+                                  </p:childTnLst>
+                                </p:cTn>
+                              </p:par>
+                            </p:childTnLst>
+                          </p:cTn>
+                        </p:par>
+                      </p:childTnLst>
+                    </p:cTn>
+                  </p:par>
                 </p:childTnLst>
               </p:cTn>
               <p:prevCondLst>
@@ -19801,6 +20487,116 @@
 </file>
 
 <file path=ppt/slides/slide5.xml><?xml version="1.0" encoding="utf-8"?>
+<p:sld xmlns:a="http://schemas.openxmlformats.org/drawingml/2006/main" xmlns:r="http://schemas.openxmlformats.org/officeDocument/2006/relationships" xmlns:p="http://schemas.openxmlformats.org/presentationml/2006/main">
+  <p:cSld>
+    <p:spTree>
+      <p:nvGrpSpPr>
+        <p:cNvPr id="1" name=""/>
+        <p:cNvGrpSpPr/>
+        <p:nvPr/>
+      </p:nvGrpSpPr>
+      <p:grpSpPr>
+        <a:xfrm>
+          <a:off x="0" y="0"/>
+          <a:ext cx="0" cy="0"/>
+          <a:chOff x="0" y="0"/>
+          <a:chExt cx="0" cy="0"/>
+        </a:xfrm>
+      </p:grpSpPr>
+      <p:sp>
+        <p:nvSpPr>
+          <p:cNvPr id="2" name="Title 1">
+            <a:extLst>
+              <a:ext uri="{FF2B5EF4-FFF2-40B4-BE49-F238E27FC236}">
+                <a16:creationId xmlns:a16="http://schemas.microsoft.com/office/drawing/2014/main" id="{4410BFBA-2A93-9EB9-E75E-7F2480D8C150}"/>
+              </a:ext>
+            </a:extLst>
+          </p:cNvPr>
+          <p:cNvSpPr>
+            <a:spLocks noGrp="1"/>
+          </p:cNvSpPr>
+          <p:nvPr>
+            <p:ph type="title"/>
+          </p:nvPr>
+        </p:nvSpPr>
+        <p:spPr>
+          <a:xfrm>
+            <a:off x="1312863" y="0"/>
+            <a:ext cx="9905998" cy="1478570"/>
+          </a:xfrm>
+        </p:spPr>
+        <p:txBody>
+          <a:bodyPr/>
+          <a:lstStyle/>
+          <a:p>
+            <a:r>
+              <a:rPr lang="en-US"/>
+              <a:t>Example Game Dashboard</a:t>
+            </a:r>
+            <a:endParaRPr lang="en-NZ" dirty="0"/>
+          </a:p>
+        </p:txBody>
+      </p:sp>
+      <p:pic>
+        <p:nvPicPr>
+          <p:cNvPr id="7" name="Picture 6">
+            <a:extLst>
+              <a:ext uri="{FF2B5EF4-FFF2-40B4-BE49-F238E27FC236}">
+                <a16:creationId xmlns:a16="http://schemas.microsoft.com/office/drawing/2014/main" id="{B4223E4B-E06B-8E9B-E5CB-1D97FF00DDA3}"/>
+              </a:ext>
+            </a:extLst>
+          </p:cNvPr>
+          <p:cNvPicPr>
+            <a:picLocks noChangeAspect="1"/>
+          </p:cNvPicPr>
+          <p:nvPr/>
+        </p:nvPicPr>
+        <p:blipFill>
+          <a:blip r:embed="rId2"/>
+          <a:stretch>
+            <a:fillRect/>
+          </a:stretch>
+        </p:blipFill>
+        <p:spPr>
+          <a:xfrm>
+            <a:off x="1924050" y="1071033"/>
+            <a:ext cx="9226548" cy="5491692"/>
+          </a:xfrm>
+          <a:prstGeom prst="round2DiagRect">
+            <a:avLst>
+              <a:gd name="adj1" fmla="val 16667"/>
+              <a:gd name="adj2" fmla="val 0"/>
+            </a:avLst>
+          </a:prstGeom>
+          <a:ln w="88900" cap="sq">
+            <a:solidFill>
+              <a:srgbClr val="FFFFFF"/>
+            </a:solidFill>
+            <a:miter lim="800000"/>
+          </a:ln>
+          <a:effectLst>
+            <a:outerShdw blurRad="254000" algn="tl" rotWithShape="0">
+              <a:srgbClr val="000000">
+                <a:alpha val="43000"/>
+              </a:srgbClr>
+            </a:outerShdw>
+          </a:effectLst>
+        </p:spPr>
+      </p:pic>
+    </p:spTree>
+    <p:extLst>
+      <p:ext uri="{BB962C8B-B14F-4D97-AF65-F5344CB8AC3E}">
+        <p14:creationId xmlns:p14="http://schemas.microsoft.com/office/powerpoint/2010/main" val="3493921332"/>
+      </p:ext>
+    </p:extLst>
+  </p:cSld>
+  <p:clrMapOvr>
+    <a:masterClrMapping/>
+  </p:clrMapOvr>
+</p:sld>
+</file>
+
+<file path=ppt/slides/slide6.xml><?xml version="1.0" encoding="utf-8"?>
 <p:sld xmlns:a="http://schemas.openxmlformats.org/drawingml/2006/main" xmlns:r="http://schemas.openxmlformats.org/officeDocument/2006/relationships" xmlns:p="http://schemas.openxmlformats.org/presentationml/2006/main">
   <p:cSld>
     <p:spTree>
@@ -19919,7 +20715,7 @@
 </p:sld>
 </file>
 
-<file path=ppt/slides/slide6.xml><?xml version="1.0" encoding="utf-8"?>
+<file path=ppt/slides/slide7.xml><?xml version="1.0" encoding="utf-8"?>
 <p:sld xmlns:a="http://schemas.openxmlformats.org/drawingml/2006/main" xmlns:r="http://schemas.openxmlformats.org/officeDocument/2006/relationships" xmlns:p="http://schemas.openxmlformats.org/presentationml/2006/main">
   <p:cSld>
     <p:spTree>
@@ -20539,7 +21335,7 @@
 </p:sld>
 </file>
 
-<file path=ppt/slides/slide7.xml><?xml version="1.0" encoding="utf-8"?>
+<file path=ppt/slides/slide8.xml><?xml version="1.0" encoding="utf-8"?>
 <p:sld xmlns:a="http://schemas.openxmlformats.org/drawingml/2006/main" xmlns:r="http://schemas.openxmlformats.org/officeDocument/2006/relationships" xmlns:p="http://schemas.openxmlformats.org/presentationml/2006/main">
   <p:cSld>
     <p:spTree>
@@ -20556,40 +21352,51 @@
           <a:chExt cx="0" cy="0"/>
         </a:xfrm>
       </p:grpSpPr>
-      <p:sp>
-        <p:nvSpPr>
-          <p:cNvPr id="2" name="Title 1">
+      <p:pic>
+        <p:nvPicPr>
+          <p:cNvPr id="1026" name="Picture 2" descr="411,693 Thank You Images, Stock Photos &amp; Vectors | Shutterstock">
             <a:extLst>
               <a:ext uri="{FF2B5EF4-FFF2-40B4-BE49-F238E27FC236}">
-                <a16:creationId xmlns:a16="http://schemas.microsoft.com/office/drawing/2014/main" id="{2B42160E-27E3-A818-F211-026408843DE9}"/>
+                <a16:creationId xmlns:a16="http://schemas.microsoft.com/office/drawing/2014/main" id="{FE9BE672-F5D6-C8A8-DE0E-2D233CEF8E6A}"/>
               </a:ext>
             </a:extLst>
           </p:cNvPr>
-          <p:cNvSpPr>
-            <a:spLocks noGrp="1"/>
-          </p:cNvSpPr>
-          <p:nvPr>
-            <p:ph type="title"/>
-          </p:nvPr>
-        </p:nvSpPr>
-        <p:spPr>
+          <p:cNvPicPr>
+            <a:picLocks noChangeAspect="1" noChangeArrowheads="1"/>
+          </p:cNvPicPr>
+          <p:nvPr/>
+        </p:nvPicPr>
+        <p:blipFill rotWithShape="1">
+          <a:blip r:embed="rId2">
+            <a:extLst>
+              <a:ext uri="{28A0092B-C50C-407E-A947-70E740481C1C}">
+                <a14:useLocalDpi xmlns:a14="http://schemas.microsoft.com/office/drawing/2010/main" val="0"/>
+              </a:ext>
+            </a:extLst>
+          </a:blip>
+          <a:srcRect b="7758"/>
+          <a:stretch/>
+        </p:blipFill>
+        <p:spPr bwMode="auto">
           <a:xfrm>
-            <a:off x="1646739" y="2505972"/>
-            <a:ext cx="9935661" cy="1478570"/>
+            <a:off x="1609939" y="2403725"/>
+            <a:ext cx="7410450" cy="2460105"/>
           </a:xfrm>
+          <a:prstGeom prst="rect">
+            <a:avLst/>
+          </a:prstGeom>
+          <a:noFill/>
+          <a:extLst>
+            <a:ext uri="{909E8E84-426E-40DD-AFC4-6F175D3DCCD1}">
+              <a14:hiddenFill xmlns:a14="http://schemas.microsoft.com/office/drawing/2010/main">
+                <a:solidFill>
+                  <a:srgbClr val="FFFFFF"/>
+                </a:solidFill>
+              </a14:hiddenFill>
+            </a:ext>
+          </a:extLst>
         </p:spPr>
-        <p:txBody>
-          <a:bodyPr/>
-          <a:lstStyle/>
-          <a:p>
-            <a:r>
-              <a:rPr lang="en-US" dirty="0"/>
-              <a:t>Thank YOU.. Let’s get ready….</a:t>
-            </a:r>
-            <a:endParaRPr lang="en-NZ" dirty="0"/>
-          </a:p>
-        </p:txBody>
-      </p:sp>
+      </p:pic>
     </p:spTree>
     <p:extLst>
       <p:ext uri="{BB962C8B-B14F-4D97-AF65-F5344CB8AC3E}">
@@ -20600,10 +21407,172 @@
   <p:clrMapOvr>
     <a:masterClrMapping/>
   </p:clrMapOvr>
+  <p:timing>
+    <p:tnLst>
+      <p:par>
+        <p:cTn id="1" dur="indefinite" restart="never" nodeType="tmRoot">
+          <p:childTnLst>
+            <p:seq concurrent="1" nextAc="seek">
+              <p:cTn id="2" dur="indefinite" nodeType="mainSeq">
+                <p:childTnLst>
+                  <p:par>
+                    <p:cTn id="3" fill="hold">
+                      <p:stCondLst>
+                        <p:cond delay="indefinite"/>
+                        <p:cond evt="onBegin" delay="0">
+                          <p:tn val="2"/>
+                        </p:cond>
+                      </p:stCondLst>
+                      <p:childTnLst>
+                        <p:par>
+                          <p:cTn id="4" fill="hold">
+                            <p:stCondLst>
+                              <p:cond delay="0"/>
+                            </p:stCondLst>
+                            <p:childTnLst>
+                              <p:par>
+                                <p:cTn id="5" presetID="31" presetClass="entr" presetSubtype="0" repeatCount="indefinite" fill="hold" nodeType="withEffect">
+                                  <p:stCondLst>
+                                    <p:cond delay="0"/>
+                                  </p:stCondLst>
+                                  <p:endCondLst>
+                                    <p:cond evt="onNext" delay="0">
+                                      <p:tgtEl>
+                                        <p:sldTgt/>
+                                      </p:tgtEl>
+                                    </p:cond>
+                                  </p:endCondLst>
+                                  <p:childTnLst>
+                                    <p:set>
+                                      <p:cBhvr>
+                                        <p:cTn id="6" dur="1" fill="hold">
+                                          <p:stCondLst>
+                                            <p:cond delay="0"/>
+                                          </p:stCondLst>
+                                        </p:cTn>
+                                        <p:tgtEl>
+                                          <p:spTgt spid="1026"/>
+                                        </p:tgtEl>
+                                        <p:attrNameLst>
+                                          <p:attrName>style.visibility</p:attrName>
+                                        </p:attrNameLst>
+                                      </p:cBhvr>
+                                      <p:to>
+                                        <p:strVal val="visible"/>
+                                      </p:to>
+                                    </p:set>
+                                    <p:anim calcmode="lin" valueType="num">
+                                      <p:cBhvr>
+                                        <p:cTn id="7" dur="2000" fill="hold"/>
+                                        <p:tgtEl>
+                                          <p:spTgt spid="1026"/>
+                                        </p:tgtEl>
+                                        <p:attrNameLst>
+                                          <p:attrName>ppt_w</p:attrName>
+                                        </p:attrNameLst>
+                                      </p:cBhvr>
+                                      <p:tavLst>
+                                        <p:tav tm="0">
+                                          <p:val>
+                                            <p:fltVal val="0"/>
+                                          </p:val>
+                                        </p:tav>
+                                        <p:tav tm="100000">
+                                          <p:val>
+                                            <p:strVal val="#ppt_w"/>
+                                          </p:val>
+                                        </p:tav>
+                                      </p:tavLst>
+                                    </p:anim>
+                                    <p:anim calcmode="lin" valueType="num">
+                                      <p:cBhvr>
+                                        <p:cTn id="8" dur="2000" fill="hold"/>
+                                        <p:tgtEl>
+                                          <p:spTgt spid="1026"/>
+                                        </p:tgtEl>
+                                        <p:attrNameLst>
+                                          <p:attrName>ppt_h</p:attrName>
+                                        </p:attrNameLst>
+                                      </p:cBhvr>
+                                      <p:tavLst>
+                                        <p:tav tm="0">
+                                          <p:val>
+                                            <p:fltVal val="0"/>
+                                          </p:val>
+                                        </p:tav>
+                                        <p:tav tm="100000">
+                                          <p:val>
+                                            <p:strVal val="#ppt_h"/>
+                                          </p:val>
+                                        </p:tav>
+                                      </p:tavLst>
+                                    </p:anim>
+                                    <p:anim calcmode="lin" valueType="num">
+                                      <p:cBhvr>
+                                        <p:cTn id="9" dur="2000" fill="hold"/>
+                                        <p:tgtEl>
+                                          <p:spTgt spid="1026"/>
+                                        </p:tgtEl>
+                                        <p:attrNameLst>
+                                          <p:attrName>style.rotation</p:attrName>
+                                        </p:attrNameLst>
+                                      </p:cBhvr>
+                                      <p:tavLst>
+                                        <p:tav tm="0">
+                                          <p:val>
+                                            <p:fltVal val="90"/>
+                                          </p:val>
+                                        </p:tav>
+                                        <p:tav tm="100000">
+                                          <p:val>
+                                            <p:fltVal val="0"/>
+                                          </p:val>
+                                        </p:tav>
+                                      </p:tavLst>
+                                    </p:anim>
+                                    <p:animEffect transition="in" filter="fade">
+                                      <p:cBhvr>
+                                        <p:cTn id="10" dur="2000"/>
+                                        <p:tgtEl>
+                                          <p:spTgt spid="1026"/>
+                                        </p:tgtEl>
+                                      </p:cBhvr>
+                                    </p:animEffect>
+                                  </p:childTnLst>
+                                </p:cTn>
+                              </p:par>
+                            </p:childTnLst>
+                          </p:cTn>
+                        </p:par>
+                      </p:childTnLst>
+                    </p:cTn>
+                  </p:par>
+                </p:childTnLst>
+              </p:cTn>
+              <p:prevCondLst>
+                <p:cond evt="onPrev" delay="0">
+                  <p:tgtEl>
+                    <p:sldTgt/>
+                  </p:tgtEl>
+                </p:cond>
+              </p:prevCondLst>
+              <p:nextCondLst>
+                <p:cond evt="onNext" delay="0">
+                  <p:tgtEl>
+                    <p:sldTgt/>
+                  </p:tgtEl>
+                </p:cond>
+              </p:nextCondLst>
+            </p:seq>
+          </p:childTnLst>
+        </p:cTn>
+      </p:par>
+    </p:tnLst>
+  </p:timing>
 </p:sld>
 </file>
 
-<file path=ppt/slides/slide8.xml><?xml version="1.0" encoding="utf-8"?>
+<file path=ppt/slides/slide9.xml><?xml version="1.0" encoding="utf-8"?>
 <p:sld xmlns:a="http://schemas.openxmlformats.org/drawingml/2006/main" xmlns:r="http://schemas.openxmlformats.org/officeDocument/2006/relationships" xmlns:p="http://schemas.openxmlformats.org/presentationml/2006/main">
   <p:cSld>
     <p:spTree>
@@ -20678,99 +21647,6 @@
     <p:extLst>
       <p:ext uri="{BB962C8B-B14F-4D97-AF65-F5344CB8AC3E}">
         <p14:creationId xmlns:p14="http://schemas.microsoft.com/office/powerpoint/2010/main" val="1964576572"/>
-      </p:ext>
-    </p:extLst>
-  </p:cSld>
-  <p:clrMapOvr>
-    <a:masterClrMapping/>
-  </p:clrMapOvr>
-</p:sld>
-</file>
-
-<file path=ppt/slides/slide9.xml><?xml version="1.0" encoding="utf-8"?>
-<p:sld xmlns:a="http://schemas.openxmlformats.org/drawingml/2006/main" xmlns:r="http://schemas.openxmlformats.org/officeDocument/2006/relationships" xmlns:p="http://schemas.openxmlformats.org/presentationml/2006/main">
-  <p:cSld>
-    <p:spTree>
-      <p:nvGrpSpPr>
-        <p:cNvPr id="1" name=""/>
-        <p:cNvGrpSpPr/>
-        <p:nvPr/>
-      </p:nvGrpSpPr>
-      <p:grpSpPr>
-        <a:xfrm>
-          <a:off x="0" y="0"/>
-          <a:ext cx="0" cy="0"/>
-          <a:chOff x="0" y="0"/>
-          <a:chExt cx="0" cy="0"/>
-        </a:xfrm>
-      </p:grpSpPr>
-      <p:sp>
-        <p:nvSpPr>
-          <p:cNvPr id="2" name="Title 1">
-            <a:extLst>
-              <a:ext uri="{FF2B5EF4-FFF2-40B4-BE49-F238E27FC236}">
-                <a16:creationId xmlns:a16="http://schemas.microsoft.com/office/drawing/2014/main" id="{322272B0-C94C-7A6F-CF78-48534DF59E2B}"/>
-              </a:ext>
-            </a:extLst>
-          </p:cNvPr>
-          <p:cNvSpPr>
-            <a:spLocks noGrp="1"/>
-          </p:cNvSpPr>
-          <p:nvPr>
-            <p:ph type="title"/>
-          </p:nvPr>
-        </p:nvSpPr>
-        <p:spPr/>
-        <p:txBody>
-          <a:bodyPr/>
-          <a:lstStyle/>
-          <a:p>
-            <a:r>
-              <a:rPr lang="en-US" dirty="0"/>
-              <a:t>Codes</a:t>
-            </a:r>
-            <a:endParaRPr lang="en-NZ" dirty="0"/>
-          </a:p>
-        </p:txBody>
-      </p:sp>
-      <p:sp>
-        <p:nvSpPr>
-          <p:cNvPr id="3" name="Content Placeholder 2">
-            <a:extLst>
-              <a:ext uri="{FF2B5EF4-FFF2-40B4-BE49-F238E27FC236}">
-                <a16:creationId xmlns:a16="http://schemas.microsoft.com/office/drawing/2014/main" id="{3EE87927-DB69-C21A-1C6C-5072A9C98FA3}"/>
-              </a:ext>
-            </a:extLst>
-          </p:cNvPr>
-          <p:cNvSpPr>
-            <a:spLocks noGrp="1"/>
-          </p:cNvSpPr>
-          <p:nvPr>
-            <p:ph idx="1"/>
-          </p:nvPr>
-        </p:nvSpPr>
-        <p:spPr/>
-        <p:txBody>
-          <a:bodyPr/>
-          <a:lstStyle/>
-          <a:p>
-            <a:r>
-              <a:rPr lang="en-US" dirty="0"/>
-              <a:t>Decimal Integer Numbers</a:t>
-            </a:r>
-          </a:p>
-          <a:p>
-            <a:r>
-              <a:rPr lang="en-NZ" dirty="0"/>
-              <a:t>Cannot be 0</a:t>
-            </a:r>
-          </a:p>
-        </p:txBody>
-      </p:sp>
-    </p:spTree>
-    <p:extLst>
-      <p:ext uri="{BB962C8B-B14F-4D97-AF65-F5344CB8AC3E}">
-        <p14:creationId xmlns:p14="http://schemas.microsoft.com/office/powerpoint/2010/main" val="1071676372"/>
       </p:ext>
     </p:extLst>
   </p:cSld>

--- a/Design.pptx
+++ b/Design.pptx
@@ -184,7 +184,7 @@
           <a:noFill/>
           <a:extLst>
             <a:ext uri="{909E8E84-426E-40dd-AFC4-6F175D3DCCD1}">
-              <a14:hiddenFill xmlns:a14="http://schemas.microsoft.com/office/drawing/2010/main" xmlns="">
+              <a14:hiddenFill xmlns="" xmlns:a14="http://schemas.microsoft.com/office/drawing/2010/main">
                 <a:solidFill>
                   <a:srgbClr val="FFFFFF"/>
                 </a:solidFill>
@@ -243,7 +243,7 @@
             </a:ln>
             <a:extLst>
               <a:ext uri="{91240B29-F687-4f45-9708-019B960494DF}">
-                <a14:hiddenLine xmlns:a14="http://schemas.microsoft.com/office/drawing/2010/main" xmlns="" w="9525">
+                <a14:hiddenLine xmlns="" xmlns:a14="http://schemas.microsoft.com/office/drawing/2010/main" w="9525">
                   <a:solidFill>
                     <a:srgbClr val="000000"/>
                   </a:solidFill>
@@ -333,7 +333,7 @@
             </a:ln>
             <a:extLst>
               <a:ext uri="{91240B29-F687-4f45-9708-019B960494DF}">
-                <a14:hiddenLine xmlns:a14="http://schemas.microsoft.com/office/drawing/2010/main" xmlns="" w="9525">
+                <a14:hiddenLine xmlns="" xmlns:a14="http://schemas.microsoft.com/office/drawing/2010/main" w="9525">
                   <a:solidFill>
                     <a:srgbClr val="000000"/>
                   </a:solidFill>
@@ -423,7 +423,7 @@
             </a:ln>
             <a:extLst>
               <a:ext uri="{91240B29-F687-4f45-9708-019B960494DF}">
-                <a14:hiddenLine xmlns:a14="http://schemas.microsoft.com/office/drawing/2010/main" xmlns="" w="9525">
+                <a14:hiddenLine xmlns="" xmlns:a14="http://schemas.microsoft.com/office/drawing/2010/main" w="9525">
                   <a:solidFill>
                     <a:srgbClr val="000000"/>
                   </a:solidFill>
@@ -457,7 +457,7 @@
             </a:ln>
             <a:extLst>
               <a:ext uri="{91240B29-F687-4f45-9708-019B960494DF}">
-                <a14:hiddenLine xmlns:a14="http://schemas.microsoft.com/office/drawing/2010/main" xmlns="" w="9525">
+                <a14:hiddenLine xmlns="" xmlns:a14="http://schemas.microsoft.com/office/drawing/2010/main" w="9525">
                   <a:solidFill>
                     <a:srgbClr val="000000"/>
                   </a:solidFill>
@@ -547,7 +547,7 @@
             </a:ln>
             <a:extLst>
               <a:ext uri="{91240B29-F687-4f45-9708-019B960494DF}">
-                <a14:hiddenLine xmlns:a14="http://schemas.microsoft.com/office/drawing/2010/main" xmlns="" w="9525">
+                <a14:hiddenLine xmlns="" xmlns:a14="http://schemas.microsoft.com/office/drawing/2010/main" w="9525">
                   <a:solidFill>
                     <a:srgbClr val="000000"/>
                   </a:solidFill>
@@ -609,7 +609,7 @@
             </a:ln>
             <a:extLst>
               <a:ext uri="{91240B29-F687-4f45-9708-019B960494DF}">
-                <a14:hiddenLine xmlns:a14="http://schemas.microsoft.com/office/drawing/2010/main" xmlns="" w="9525">
+                <a14:hiddenLine xmlns="" xmlns:a14="http://schemas.microsoft.com/office/drawing/2010/main" w="9525">
                   <a:solidFill>
                     <a:srgbClr val="000000"/>
                   </a:solidFill>
@@ -671,7 +671,7 @@
             </a:ln>
             <a:extLst>
               <a:ext uri="{91240B29-F687-4f45-9708-019B960494DF}">
-                <a14:hiddenLine xmlns:a14="http://schemas.microsoft.com/office/drawing/2010/main" xmlns="" w="9525">
+                <a14:hiddenLine xmlns="" xmlns:a14="http://schemas.microsoft.com/office/drawing/2010/main" w="9525">
                   <a:solidFill>
                     <a:srgbClr val="000000"/>
                   </a:solidFill>
@@ -761,7 +761,7 @@
             </a:ln>
             <a:extLst>
               <a:ext uri="{91240B29-F687-4f45-9708-019B960494DF}">
-                <a14:hiddenLine xmlns:a14="http://schemas.microsoft.com/office/drawing/2010/main" xmlns="" w="9525">
+                <a14:hiddenLine xmlns="" xmlns:a14="http://schemas.microsoft.com/office/drawing/2010/main" w="9525">
                   <a:solidFill>
                     <a:srgbClr val="000000"/>
                   </a:solidFill>
@@ -823,7 +823,7 @@
             </a:ln>
             <a:extLst>
               <a:ext uri="{91240B29-F687-4f45-9708-019B960494DF}">
-                <a14:hiddenLine xmlns:a14="http://schemas.microsoft.com/office/drawing/2010/main" xmlns="" w="9525">
+                <a14:hiddenLine xmlns="" xmlns:a14="http://schemas.microsoft.com/office/drawing/2010/main" w="9525">
                   <a:solidFill>
                     <a:srgbClr val="000000"/>
                   </a:solidFill>
@@ -885,7 +885,7 @@
             </a:ln>
             <a:extLst>
               <a:ext uri="{91240B29-F687-4f45-9708-019B960494DF}">
-                <a14:hiddenLine xmlns:a14="http://schemas.microsoft.com/office/drawing/2010/main" xmlns="" w="9525">
+                <a14:hiddenLine xmlns="" xmlns:a14="http://schemas.microsoft.com/office/drawing/2010/main" w="9525">
                   <a:solidFill>
                     <a:srgbClr val="000000"/>
                   </a:solidFill>
@@ -975,7 +975,7 @@
             </a:ln>
             <a:extLst>
               <a:ext uri="{91240B29-F687-4f45-9708-019B960494DF}">
-                <a14:hiddenLine xmlns:a14="http://schemas.microsoft.com/office/drawing/2010/main" xmlns="" w="9525">
+                <a14:hiddenLine xmlns="" xmlns:a14="http://schemas.microsoft.com/office/drawing/2010/main" w="9525">
                   <a:solidFill>
                     <a:srgbClr val="000000"/>
                   </a:solidFill>
@@ -1065,7 +1065,7 @@
             </a:ln>
             <a:extLst>
               <a:ext uri="{91240B29-F687-4f45-9708-019B960494DF}">
-                <a14:hiddenLine xmlns:a14="http://schemas.microsoft.com/office/drawing/2010/main" xmlns="" w="9525">
+                <a14:hiddenLine xmlns="" xmlns:a14="http://schemas.microsoft.com/office/drawing/2010/main" w="9525">
                   <a:solidFill>
                     <a:srgbClr val="000000"/>
                   </a:solidFill>
@@ -1127,7 +1127,7 @@
             </a:ln>
             <a:extLst>
               <a:ext uri="{91240B29-F687-4f45-9708-019B960494DF}">
-                <a14:hiddenLine xmlns:a14="http://schemas.microsoft.com/office/drawing/2010/main" xmlns="" w="9525">
+                <a14:hiddenLine xmlns="" xmlns:a14="http://schemas.microsoft.com/office/drawing/2010/main" w="9525">
                   <a:solidFill>
                     <a:srgbClr val="000000"/>
                   </a:solidFill>
@@ -1237,7 +1237,7 @@
             </a:ln>
             <a:extLst>
               <a:ext uri="{91240B29-F687-4f45-9708-019B960494DF}">
-                <a14:hiddenLine xmlns:a14="http://schemas.microsoft.com/office/drawing/2010/main" xmlns="" w="9525">
+                <a14:hiddenLine xmlns="" xmlns:a14="http://schemas.microsoft.com/office/drawing/2010/main" w="9525">
                   <a:solidFill>
                     <a:srgbClr val="000000"/>
                   </a:solidFill>
@@ -1299,7 +1299,7 @@
             </a:ln>
             <a:extLst>
               <a:ext uri="{91240B29-F687-4f45-9708-019B960494DF}">
-                <a14:hiddenLine xmlns:a14="http://schemas.microsoft.com/office/drawing/2010/main" xmlns="" w="9525">
+                <a14:hiddenLine xmlns="" xmlns:a14="http://schemas.microsoft.com/office/drawing/2010/main" w="9525">
                   <a:solidFill>
                     <a:srgbClr val="000000"/>
                   </a:solidFill>
@@ -1389,7 +1389,7 @@
             </a:ln>
             <a:extLst>
               <a:ext uri="{91240B29-F687-4f45-9708-019B960494DF}">
-                <a14:hiddenLine xmlns:a14="http://schemas.microsoft.com/office/drawing/2010/main" xmlns="" w="9525">
+                <a14:hiddenLine xmlns="" xmlns:a14="http://schemas.microsoft.com/office/drawing/2010/main" w="9525">
                   <a:solidFill>
                     <a:srgbClr val="000000"/>
                   </a:solidFill>
@@ -1479,7 +1479,7 @@
             </a:ln>
             <a:extLst>
               <a:ext uri="{91240B29-F687-4f45-9708-019B960494DF}">
-                <a14:hiddenLine xmlns:a14="http://schemas.microsoft.com/office/drawing/2010/main" xmlns="" w="9525">
+                <a14:hiddenLine xmlns="" xmlns:a14="http://schemas.microsoft.com/office/drawing/2010/main" w="9525">
                   <a:solidFill>
                     <a:srgbClr val="000000"/>
                   </a:solidFill>
@@ -1541,7 +1541,7 @@
             </a:ln>
             <a:extLst>
               <a:ext uri="{91240B29-F687-4f45-9708-019B960494DF}">
-                <a14:hiddenLine xmlns:a14="http://schemas.microsoft.com/office/drawing/2010/main" xmlns="" w="9525">
+                <a14:hiddenLine xmlns="" xmlns:a14="http://schemas.microsoft.com/office/drawing/2010/main" w="9525">
                   <a:solidFill>
                     <a:srgbClr val="000000"/>
                   </a:solidFill>
@@ -1631,7 +1631,7 @@
             </a:ln>
             <a:extLst>
               <a:ext uri="{91240B29-F687-4f45-9708-019B960494DF}">
-                <a14:hiddenLine xmlns:a14="http://schemas.microsoft.com/office/drawing/2010/main" xmlns="" w="9525">
+                <a14:hiddenLine xmlns="" xmlns:a14="http://schemas.microsoft.com/office/drawing/2010/main" w="9525">
                   <a:solidFill>
                     <a:srgbClr val="000000"/>
                   </a:solidFill>
@@ -1721,7 +1721,7 @@
             </a:ln>
             <a:extLst>
               <a:ext uri="{91240B29-F687-4f45-9708-019B960494DF}">
-                <a14:hiddenLine xmlns:a14="http://schemas.microsoft.com/office/drawing/2010/main" xmlns="" w="9525">
+                <a14:hiddenLine xmlns="" xmlns:a14="http://schemas.microsoft.com/office/drawing/2010/main" w="9525">
                   <a:solidFill>
                     <a:srgbClr val="000000"/>
                   </a:solidFill>
@@ -1777,7 +1777,7 @@
             </a:ln>
             <a:extLst>
               <a:ext uri="{91240B29-F687-4f45-9708-019B960494DF}">
-                <a14:hiddenLine xmlns:a14="http://schemas.microsoft.com/office/drawing/2010/main" xmlns="" w="9525">
+                <a14:hiddenLine xmlns="" xmlns:a14="http://schemas.microsoft.com/office/drawing/2010/main" w="9525">
                   <a:solidFill>
                     <a:srgbClr val="000000"/>
                   </a:solidFill>
@@ -1867,7 +1867,7 @@
             </a:ln>
             <a:extLst>
               <a:ext uri="{91240B29-F687-4f45-9708-019B960494DF}">
-                <a14:hiddenLine xmlns:a14="http://schemas.microsoft.com/office/drawing/2010/main" xmlns="" w="9525">
+                <a14:hiddenLine xmlns="" xmlns:a14="http://schemas.microsoft.com/office/drawing/2010/main" w="9525">
                   <a:solidFill>
                     <a:srgbClr val="000000"/>
                   </a:solidFill>
@@ -1923,7 +1923,7 @@
             </a:ln>
             <a:extLst>
               <a:ext uri="{91240B29-F687-4f45-9708-019B960494DF}">
-                <a14:hiddenLine xmlns:a14="http://schemas.microsoft.com/office/drawing/2010/main" xmlns="" w="9525">
+                <a14:hiddenLine xmlns="" xmlns:a14="http://schemas.microsoft.com/office/drawing/2010/main" w="9525">
                   <a:solidFill>
                     <a:srgbClr val="000000"/>
                   </a:solidFill>
@@ -2013,7 +2013,7 @@
             </a:ln>
             <a:extLst>
               <a:ext uri="{91240B29-F687-4f45-9708-019B960494DF}">
-                <a14:hiddenLine xmlns:a14="http://schemas.microsoft.com/office/drawing/2010/main" xmlns="" w="9525">
+                <a14:hiddenLine xmlns="" xmlns:a14="http://schemas.microsoft.com/office/drawing/2010/main" w="9525">
                   <a:solidFill>
                     <a:srgbClr val="000000"/>
                   </a:solidFill>
@@ -2081,7 +2081,7 @@
             </a:ln>
             <a:extLst>
               <a:ext uri="{91240B29-F687-4f45-9708-019B960494DF}">
-                <a14:hiddenLine xmlns:a14="http://schemas.microsoft.com/office/drawing/2010/main" xmlns="" w="9525">
+                <a14:hiddenLine xmlns="" xmlns:a14="http://schemas.microsoft.com/office/drawing/2010/main" w="9525">
                   <a:solidFill>
                     <a:srgbClr val="000000"/>
                   </a:solidFill>
@@ -2171,7 +2171,7 @@
             </a:ln>
             <a:extLst>
               <a:ext uri="{91240B29-F687-4f45-9708-019B960494DF}">
-                <a14:hiddenLine xmlns:a14="http://schemas.microsoft.com/office/drawing/2010/main" xmlns="" w="9525">
+                <a14:hiddenLine xmlns="" xmlns:a14="http://schemas.microsoft.com/office/drawing/2010/main" w="9525">
                   <a:solidFill>
                     <a:srgbClr val="000000"/>
                   </a:solidFill>
@@ -2239,7 +2239,7 @@
             </a:ln>
             <a:extLst>
               <a:ext uri="{91240B29-F687-4f45-9708-019B960494DF}">
-                <a14:hiddenLine xmlns:a14="http://schemas.microsoft.com/office/drawing/2010/main" xmlns="" w="9525">
+                <a14:hiddenLine xmlns="" xmlns:a14="http://schemas.microsoft.com/office/drawing/2010/main" w="9525">
                   <a:solidFill>
                     <a:srgbClr val="000000"/>
                   </a:solidFill>
@@ -2329,7 +2329,7 @@
             </a:ln>
             <a:extLst>
               <a:ext uri="{91240B29-F687-4f45-9708-019B960494DF}">
-                <a14:hiddenLine xmlns:a14="http://schemas.microsoft.com/office/drawing/2010/main" xmlns="" w="9525">
+                <a14:hiddenLine xmlns="" xmlns:a14="http://schemas.microsoft.com/office/drawing/2010/main" w="9525">
                   <a:solidFill>
                     <a:srgbClr val="000000"/>
                   </a:solidFill>
@@ -2363,7 +2363,7 @@
             </a:ln>
             <a:extLst>
               <a:ext uri="{91240B29-F687-4f45-9708-019B960494DF}">
-                <a14:hiddenLine xmlns:a14="http://schemas.microsoft.com/office/drawing/2010/main" xmlns="" w="9525">
+                <a14:hiddenLine xmlns="" xmlns:a14="http://schemas.microsoft.com/office/drawing/2010/main" w="9525">
                   <a:solidFill>
                     <a:srgbClr val="000000"/>
                   </a:solidFill>
@@ -2453,7 +2453,7 @@
             </a:ln>
             <a:extLst>
               <a:ext uri="{91240B29-F687-4f45-9708-019B960494DF}">
-                <a14:hiddenLine xmlns:a14="http://schemas.microsoft.com/office/drawing/2010/main" xmlns="" w="9525">
+                <a14:hiddenLine xmlns="" xmlns:a14="http://schemas.microsoft.com/office/drawing/2010/main" w="9525">
                   <a:solidFill>
                     <a:srgbClr val="000000"/>
                   </a:solidFill>
@@ -2515,7 +2515,7 @@
             </a:ln>
             <a:extLst>
               <a:ext uri="{91240B29-F687-4f45-9708-019B960494DF}">
-                <a14:hiddenLine xmlns:a14="http://schemas.microsoft.com/office/drawing/2010/main" xmlns="" w="9525">
+                <a14:hiddenLine xmlns="" xmlns:a14="http://schemas.microsoft.com/office/drawing/2010/main" w="9525">
                   <a:solidFill>
                     <a:srgbClr val="000000"/>
                   </a:solidFill>
@@ -2577,7 +2577,7 @@
             </a:ln>
             <a:extLst>
               <a:ext uri="{91240B29-F687-4f45-9708-019B960494DF}">
-                <a14:hiddenLine xmlns:a14="http://schemas.microsoft.com/office/drawing/2010/main" xmlns="" w="9525">
+                <a14:hiddenLine xmlns="" xmlns:a14="http://schemas.microsoft.com/office/drawing/2010/main" w="9525">
                   <a:solidFill>
                     <a:srgbClr val="000000"/>
                   </a:solidFill>
@@ -2667,7 +2667,7 @@
             </a:ln>
             <a:extLst>
               <a:ext uri="{91240B29-F687-4f45-9708-019B960494DF}">
-                <a14:hiddenLine xmlns:a14="http://schemas.microsoft.com/office/drawing/2010/main" xmlns="" w="9525">
+                <a14:hiddenLine xmlns="" xmlns:a14="http://schemas.microsoft.com/office/drawing/2010/main" w="9525">
                   <a:solidFill>
                     <a:srgbClr val="000000"/>
                   </a:solidFill>
@@ -2735,7 +2735,7 @@
             </a:ln>
             <a:extLst>
               <a:ext uri="{91240B29-F687-4f45-9708-019B960494DF}">
-                <a14:hiddenLine xmlns:a14="http://schemas.microsoft.com/office/drawing/2010/main" xmlns="" w="9525">
+                <a14:hiddenLine xmlns="" xmlns:a14="http://schemas.microsoft.com/office/drawing/2010/main" w="9525">
                   <a:solidFill>
                     <a:srgbClr val="000000"/>
                   </a:solidFill>
@@ -2797,7 +2797,7 @@
             </a:ln>
             <a:extLst>
               <a:ext uri="{91240B29-F687-4f45-9708-019B960494DF}">
-                <a14:hiddenLine xmlns:a14="http://schemas.microsoft.com/office/drawing/2010/main" xmlns="" w="9525">
+                <a14:hiddenLine xmlns="" xmlns:a14="http://schemas.microsoft.com/office/drawing/2010/main" w="9525">
                   <a:solidFill>
                     <a:srgbClr val="000000"/>
                   </a:solidFill>
@@ -2887,7 +2887,7 @@
             </a:ln>
             <a:extLst>
               <a:ext uri="{91240B29-F687-4f45-9708-019B960494DF}">
-                <a14:hiddenLine xmlns:a14="http://schemas.microsoft.com/office/drawing/2010/main" xmlns="" w="9525">
+                <a14:hiddenLine xmlns="" xmlns:a14="http://schemas.microsoft.com/office/drawing/2010/main" w="9525">
                   <a:solidFill>
                     <a:srgbClr val="000000"/>
                   </a:solidFill>
@@ -2949,7 +2949,7 @@
             </a:ln>
             <a:extLst>
               <a:ext uri="{91240B29-F687-4f45-9708-019B960494DF}">
-                <a14:hiddenLine xmlns:a14="http://schemas.microsoft.com/office/drawing/2010/main" xmlns="" w="9525">
+                <a14:hiddenLine xmlns="" xmlns:a14="http://schemas.microsoft.com/office/drawing/2010/main" w="9525">
                   <a:solidFill>
                     <a:srgbClr val="000000"/>
                   </a:solidFill>
@@ -3039,7 +3039,7 @@
             </a:ln>
             <a:extLst>
               <a:ext uri="{91240B29-F687-4f45-9708-019B960494DF}">
-                <a14:hiddenLine xmlns:a14="http://schemas.microsoft.com/office/drawing/2010/main" xmlns="" w="9525">
+                <a14:hiddenLine xmlns="" xmlns:a14="http://schemas.microsoft.com/office/drawing/2010/main" w="9525">
                   <a:solidFill>
                     <a:srgbClr val="000000"/>
                   </a:solidFill>
@@ -3101,7 +3101,7 @@
             </a:ln>
             <a:extLst>
               <a:ext uri="{91240B29-F687-4f45-9708-019B960494DF}">
-                <a14:hiddenLine xmlns:a14="http://schemas.microsoft.com/office/drawing/2010/main" xmlns="" w="9525">
+                <a14:hiddenLine xmlns="" xmlns:a14="http://schemas.microsoft.com/office/drawing/2010/main" w="9525">
                   <a:solidFill>
                     <a:srgbClr val="000000"/>
                   </a:solidFill>
@@ -3191,7 +3191,7 @@
             </a:ln>
             <a:extLst>
               <a:ext uri="{91240B29-F687-4f45-9708-019B960494DF}">
-                <a14:hiddenLine xmlns:a14="http://schemas.microsoft.com/office/drawing/2010/main" xmlns="" w="9525">
+                <a14:hiddenLine xmlns="" xmlns:a14="http://schemas.microsoft.com/office/drawing/2010/main" w="9525">
                   <a:solidFill>
                     <a:srgbClr val="000000"/>
                   </a:solidFill>
@@ -3225,7 +3225,7 @@
             </a:ln>
             <a:extLst>
               <a:ext uri="{91240B29-F687-4f45-9708-019B960494DF}">
-                <a14:hiddenLine xmlns:a14="http://schemas.microsoft.com/office/drawing/2010/main" xmlns="" w="9525">
+                <a14:hiddenLine xmlns="" xmlns:a14="http://schemas.microsoft.com/office/drawing/2010/main" w="9525">
                   <a:solidFill>
                     <a:srgbClr val="000000"/>
                   </a:solidFill>
@@ -3290,7 +3290,7 @@
             </a:ln>
             <a:extLst>
               <a:ext uri="{91240B29-F687-4f45-9708-019B960494DF}">
-                <a14:hiddenLine xmlns:a14="http://schemas.microsoft.com/office/drawing/2010/main" xmlns="" w="9525">
+                <a14:hiddenLine xmlns="" xmlns:a14="http://schemas.microsoft.com/office/drawing/2010/main" w="9525">
                   <a:solidFill>
                     <a:srgbClr val="000000"/>
                   </a:solidFill>
@@ -3380,7 +3380,7 @@
             </a:ln>
             <a:extLst>
               <a:ext uri="{91240B29-F687-4f45-9708-019B960494DF}">
-                <a14:hiddenLine xmlns:a14="http://schemas.microsoft.com/office/drawing/2010/main" xmlns="" w="9525">
+                <a14:hiddenLine xmlns="" xmlns:a14="http://schemas.microsoft.com/office/drawing/2010/main" w="9525">
                   <a:solidFill>
                     <a:srgbClr val="000000"/>
                   </a:solidFill>
@@ -3442,7 +3442,7 @@
             </a:ln>
             <a:extLst>
               <a:ext uri="{91240B29-F687-4f45-9708-019B960494DF}">
-                <a14:hiddenLine xmlns:a14="http://schemas.microsoft.com/office/drawing/2010/main" xmlns="" w="9525">
+                <a14:hiddenLine xmlns="" xmlns:a14="http://schemas.microsoft.com/office/drawing/2010/main" w="9525">
                   <a:solidFill>
                     <a:srgbClr val="000000"/>
                   </a:solidFill>
@@ -3532,7 +3532,7 @@
             </a:ln>
             <a:extLst>
               <a:ext uri="{91240B29-F687-4f45-9708-019B960494DF}">
-                <a14:hiddenLine xmlns:a14="http://schemas.microsoft.com/office/drawing/2010/main" xmlns="" w="9525">
+                <a14:hiddenLine xmlns="" xmlns:a14="http://schemas.microsoft.com/office/drawing/2010/main" w="9525">
                   <a:solidFill>
                     <a:srgbClr val="000000"/>
                   </a:solidFill>
@@ -3622,7 +3622,7 @@
             </a:ln>
             <a:extLst>
               <a:ext uri="{91240B29-F687-4f45-9708-019B960494DF}">
-                <a14:hiddenLine xmlns:a14="http://schemas.microsoft.com/office/drawing/2010/main" xmlns="" w="9525">
+                <a14:hiddenLine xmlns="" xmlns:a14="http://schemas.microsoft.com/office/drawing/2010/main" w="9525">
                   <a:solidFill>
                     <a:srgbClr val="000000"/>
                   </a:solidFill>
@@ -3687,7 +3687,7 @@
             </a:ln>
             <a:extLst>
               <a:ext uri="{91240B29-F687-4f45-9708-019B960494DF}">
-                <a14:hiddenLine xmlns:a14="http://schemas.microsoft.com/office/drawing/2010/main" xmlns="" w="9525">
+                <a14:hiddenLine xmlns="" xmlns:a14="http://schemas.microsoft.com/office/drawing/2010/main" w="9525">
                   <a:solidFill>
                     <a:srgbClr val="000000"/>
                   </a:solidFill>
@@ -3749,7 +3749,7 @@
             </a:ln>
             <a:extLst>
               <a:ext uri="{91240B29-F687-4f45-9708-019B960494DF}">
-                <a14:hiddenLine xmlns:a14="http://schemas.microsoft.com/office/drawing/2010/main" xmlns="" w="9525">
+                <a14:hiddenLine xmlns="" xmlns:a14="http://schemas.microsoft.com/office/drawing/2010/main" w="9525">
                   <a:solidFill>
                     <a:srgbClr val="000000"/>
                   </a:solidFill>
@@ -3839,7 +3839,7 @@
             </a:ln>
             <a:extLst>
               <a:ext uri="{91240B29-F687-4f45-9708-019B960494DF}">
-                <a14:hiddenLine xmlns:a14="http://schemas.microsoft.com/office/drawing/2010/main" xmlns="" w="9525">
+                <a14:hiddenLine xmlns="" xmlns:a14="http://schemas.microsoft.com/office/drawing/2010/main" w="9525">
                   <a:solidFill>
                     <a:srgbClr val="000000"/>
                   </a:solidFill>
@@ -3929,7 +3929,7 @@
             </a:ln>
             <a:extLst>
               <a:ext uri="{91240B29-F687-4f45-9708-019B960494DF}">
-                <a14:hiddenLine xmlns:a14="http://schemas.microsoft.com/office/drawing/2010/main" xmlns="" w="9525">
+                <a14:hiddenLine xmlns="" xmlns:a14="http://schemas.microsoft.com/office/drawing/2010/main" w="9525">
                   <a:solidFill>
                     <a:srgbClr val="000000"/>
                   </a:solidFill>
@@ -3991,7 +3991,7 @@
             </a:ln>
             <a:extLst>
               <a:ext uri="{91240B29-F687-4f45-9708-019B960494DF}">
-                <a14:hiddenLine xmlns:a14="http://schemas.microsoft.com/office/drawing/2010/main" xmlns="" w="9525">
+                <a14:hiddenLine xmlns="" xmlns:a14="http://schemas.microsoft.com/office/drawing/2010/main" w="9525">
                   <a:solidFill>
                     <a:srgbClr val="000000"/>
                   </a:solidFill>
@@ -4111,7 +4111,7 @@
             </a:ln>
             <a:extLst>
               <a:ext uri="{91240B29-F687-4f45-9708-019B960494DF}">
-                <a14:hiddenLine xmlns:a14="http://schemas.microsoft.com/office/drawing/2010/main" xmlns="" w="9525">
+                <a14:hiddenLine xmlns="" xmlns:a14="http://schemas.microsoft.com/office/drawing/2010/main" w="9525">
                   <a:solidFill>
                     <a:srgbClr val="000000"/>
                   </a:solidFill>
@@ -4179,7 +4179,7 @@
             </a:ln>
             <a:extLst>
               <a:ext uri="{91240B29-F687-4f45-9708-019B960494DF}">
-                <a14:hiddenLine xmlns:a14="http://schemas.microsoft.com/office/drawing/2010/main" xmlns="" w="9525">
+                <a14:hiddenLine xmlns="" xmlns:a14="http://schemas.microsoft.com/office/drawing/2010/main" w="9525">
                   <a:solidFill>
                     <a:srgbClr val="000000"/>
                   </a:solidFill>
@@ -4269,7 +4269,7 @@
             </a:ln>
             <a:extLst>
               <a:ext uri="{91240B29-F687-4f45-9708-019B960494DF}">
-                <a14:hiddenLine xmlns:a14="http://schemas.microsoft.com/office/drawing/2010/main" xmlns="" w="9525">
+                <a14:hiddenLine xmlns="" xmlns:a14="http://schemas.microsoft.com/office/drawing/2010/main" w="9525">
                   <a:solidFill>
                     <a:srgbClr val="000000"/>
                   </a:solidFill>
@@ -9083,7 +9083,7 @@
           <a:noFill/>
           <a:extLst>
             <a:ext uri="{909E8E84-426E-40dd-AFC4-6F175D3DCCD1}">
-              <a14:hiddenFill xmlns:a14="http://schemas.microsoft.com/office/drawing/2010/main" xmlns="">
+              <a14:hiddenFill xmlns="" xmlns:a14="http://schemas.microsoft.com/office/drawing/2010/main">
                 <a:solidFill>
                   <a:srgbClr val="FFFFFF"/>
                 </a:solidFill>
@@ -9157,7 +9157,7 @@
               </a:ln>
               <a:extLst>
                 <a:ext uri="{91240B29-F687-4f45-9708-019B960494DF}">
-                  <a14:hiddenLine xmlns:a14="http://schemas.microsoft.com/office/drawing/2010/main" xmlns="" w="9525">
+                  <a14:hiddenLine xmlns="" xmlns:a14="http://schemas.microsoft.com/office/drawing/2010/main" w="9525">
                     <a:solidFill>
                       <a:srgbClr val="000000"/>
                     </a:solidFill>
@@ -9247,7 +9247,7 @@
               </a:ln>
               <a:extLst>
                 <a:ext uri="{91240B29-F687-4f45-9708-019B960494DF}">
-                  <a14:hiddenLine xmlns:a14="http://schemas.microsoft.com/office/drawing/2010/main" xmlns="" w="9525">
+                  <a14:hiddenLine xmlns="" xmlns:a14="http://schemas.microsoft.com/office/drawing/2010/main" w="9525">
                     <a:solidFill>
                       <a:srgbClr val="000000"/>
                     </a:solidFill>
@@ -9337,7 +9337,7 @@
               </a:ln>
               <a:extLst>
                 <a:ext uri="{91240B29-F687-4f45-9708-019B960494DF}">
-                  <a14:hiddenLine xmlns:a14="http://schemas.microsoft.com/office/drawing/2010/main" xmlns="" w="9525">
+                  <a14:hiddenLine xmlns="" xmlns:a14="http://schemas.microsoft.com/office/drawing/2010/main" w="9525">
                     <a:solidFill>
                       <a:srgbClr val="000000"/>
                     </a:solidFill>
@@ -9399,7 +9399,7 @@
               </a:ln>
               <a:extLst>
                 <a:ext uri="{91240B29-F687-4f45-9708-019B960494DF}">
-                  <a14:hiddenLine xmlns:a14="http://schemas.microsoft.com/office/drawing/2010/main" xmlns="" w="9525">
+                  <a14:hiddenLine xmlns="" xmlns:a14="http://schemas.microsoft.com/office/drawing/2010/main" w="9525">
                     <a:solidFill>
                       <a:srgbClr val="000000"/>
                     </a:solidFill>
@@ -9489,7 +9489,7 @@
               </a:ln>
               <a:extLst>
                 <a:ext uri="{91240B29-F687-4f45-9708-019B960494DF}">
-                  <a14:hiddenLine xmlns:a14="http://schemas.microsoft.com/office/drawing/2010/main" xmlns="" w="9525">
+                  <a14:hiddenLine xmlns="" xmlns:a14="http://schemas.microsoft.com/office/drawing/2010/main" w="9525">
                     <a:solidFill>
                       <a:srgbClr val="000000"/>
                     </a:solidFill>
@@ -9551,7 +9551,7 @@
               </a:ln>
               <a:extLst>
                 <a:ext uri="{91240B29-F687-4f45-9708-019B960494DF}">
-                  <a14:hiddenLine xmlns:a14="http://schemas.microsoft.com/office/drawing/2010/main" xmlns="" w="9525">
+                  <a14:hiddenLine xmlns="" xmlns:a14="http://schemas.microsoft.com/office/drawing/2010/main" w="9525">
                     <a:solidFill>
                       <a:srgbClr val="000000"/>
                     </a:solidFill>
@@ -9613,7 +9613,7 @@
               </a:ln>
               <a:extLst>
                 <a:ext uri="{91240B29-F687-4f45-9708-019B960494DF}">
-                  <a14:hiddenLine xmlns:a14="http://schemas.microsoft.com/office/drawing/2010/main" xmlns="" w="9525">
+                  <a14:hiddenLine xmlns="" xmlns:a14="http://schemas.microsoft.com/office/drawing/2010/main" w="9525">
                     <a:solidFill>
                       <a:srgbClr val="000000"/>
                     </a:solidFill>
@@ -9703,7 +9703,7 @@
               </a:ln>
               <a:extLst>
                 <a:ext uri="{91240B29-F687-4f45-9708-019B960494DF}">
-                  <a14:hiddenLine xmlns:a14="http://schemas.microsoft.com/office/drawing/2010/main" xmlns="" w="9525">
+                  <a14:hiddenLine xmlns="" xmlns:a14="http://schemas.microsoft.com/office/drawing/2010/main" w="9525">
                     <a:solidFill>
                       <a:srgbClr val="000000"/>
                     </a:solidFill>
@@ -9793,7 +9793,7 @@
               </a:ln>
               <a:extLst>
                 <a:ext uri="{91240B29-F687-4f45-9708-019B960494DF}">
-                  <a14:hiddenLine xmlns:a14="http://schemas.microsoft.com/office/drawing/2010/main" xmlns="" w="9525">
+                  <a14:hiddenLine xmlns="" xmlns:a14="http://schemas.microsoft.com/office/drawing/2010/main" w="9525">
                     <a:solidFill>
                       <a:srgbClr val="000000"/>
                     </a:solidFill>
@@ -9855,7 +9855,7 @@
               </a:ln>
               <a:extLst>
                 <a:ext uri="{91240B29-F687-4f45-9708-019B960494DF}">
-                  <a14:hiddenLine xmlns:a14="http://schemas.microsoft.com/office/drawing/2010/main" xmlns="" w="9525">
+                  <a14:hiddenLine xmlns="" xmlns:a14="http://schemas.microsoft.com/office/drawing/2010/main" w="9525">
                     <a:solidFill>
                       <a:srgbClr val="000000"/>
                     </a:solidFill>
@@ -9965,7 +9965,7 @@
               </a:ln>
               <a:extLst>
                 <a:ext uri="{91240B29-F687-4f45-9708-019B960494DF}">
-                  <a14:hiddenLine xmlns:a14="http://schemas.microsoft.com/office/drawing/2010/main" xmlns="" w="9525">
+                  <a14:hiddenLine xmlns="" xmlns:a14="http://schemas.microsoft.com/office/drawing/2010/main" w="9525">
                     <a:solidFill>
                       <a:srgbClr val="000000"/>
                     </a:solidFill>
@@ -10049,7 +10049,7 @@
               </a:ln>
               <a:extLst>
                 <a:ext uri="{91240B29-F687-4f45-9708-019B960494DF}">
-                  <a14:hiddenLine xmlns:a14="http://schemas.microsoft.com/office/drawing/2010/main" xmlns="" w="9525">
+                  <a14:hiddenLine xmlns="" xmlns:a14="http://schemas.microsoft.com/office/drawing/2010/main" w="9525">
                     <a:solidFill>
                       <a:srgbClr val="000000"/>
                     </a:solidFill>
@@ -10111,7 +10111,7 @@
               </a:ln>
               <a:extLst>
                 <a:ext uri="{91240B29-F687-4f45-9708-019B960494DF}">
-                  <a14:hiddenLine xmlns:a14="http://schemas.microsoft.com/office/drawing/2010/main" xmlns="" w="9525">
+                  <a14:hiddenLine xmlns="" xmlns:a14="http://schemas.microsoft.com/office/drawing/2010/main" w="9525">
                     <a:solidFill>
                       <a:srgbClr val="000000"/>
                     </a:solidFill>
@@ -10173,7 +10173,7 @@
               </a:ln>
               <a:extLst>
                 <a:ext uri="{91240B29-F687-4f45-9708-019B960494DF}">
-                  <a14:hiddenLine xmlns:a14="http://schemas.microsoft.com/office/drawing/2010/main" xmlns="" w="9525">
+                  <a14:hiddenLine xmlns="" xmlns:a14="http://schemas.microsoft.com/office/drawing/2010/main" w="9525">
                     <a:solidFill>
                       <a:srgbClr val="000000"/>
                     </a:solidFill>
@@ -10263,7 +10263,7 @@
               </a:ln>
               <a:extLst>
                 <a:ext uri="{91240B29-F687-4f45-9708-019B960494DF}">
-                  <a14:hiddenLine xmlns:a14="http://schemas.microsoft.com/office/drawing/2010/main" xmlns="" w="9525">
+                  <a14:hiddenLine xmlns="" xmlns:a14="http://schemas.microsoft.com/office/drawing/2010/main" w="9525">
                     <a:solidFill>
                       <a:srgbClr val="000000"/>
                     </a:solidFill>
@@ -10297,7 +10297,7 @@
               </a:ln>
               <a:extLst>
                 <a:ext uri="{91240B29-F687-4f45-9708-019B960494DF}">
-                  <a14:hiddenLine xmlns:a14="http://schemas.microsoft.com/office/drawing/2010/main" xmlns="" w="9525">
+                  <a14:hiddenLine xmlns="" xmlns:a14="http://schemas.microsoft.com/office/drawing/2010/main" w="9525">
                     <a:solidFill>
                       <a:srgbClr val="000000"/>
                     </a:solidFill>
@@ -10362,7 +10362,7 @@
               </a:ln>
               <a:extLst>
                 <a:ext uri="{91240B29-F687-4f45-9708-019B960494DF}">
-                  <a14:hiddenLine xmlns:a14="http://schemas.microsoft.com/office/drawing/2010/main" xmlns="" w="9525">
+                  <a14:hiddenLine xmlns="" xmlns:a14="http://schemas.microsoft.com/office/drawing/2010/main" w="9525">
                     <a:solidFill>
                       <a:srgbClr val="000000"/>
                     </a:solidFill>
@@ -10452,7 +10452,7 @@
               </a:ln>
               <a:extLst>
                 <a:ext uri="{91240B29-F687-4f45-9708-019B960494DF}">
-                  <a14:hiddenLine xmlns:a14="http://schemas.microsoft.com/office/drawing/2010/main" xmlns="" w="9525">
+                  <a14:hiddenLine xmlns="" xmlns:a14="http://schemas.microsoft.com/office/drawing/2010/main" w="9525">
                     <a:solidFill>
                       <a:srgbClr val="000000"/>
                     </a:solidFill>
@@ -10514,7 +10514,7 @@
               </a:ln>
               <a:extLst>
                 <a:ext uri="{91240B29-F687-4f45-9708-019B960494DF}">
-                  <a14:hiddenLine xmlns:a14="http://schemas.microsoft.com/office/drawing/2010/main" xmlns="" w="9525">
+                  <a14:hiddenLine xmlns="" xmlns:a14="http://schemas.microsoft.com/office/drawing/2010/main" w="9525">
                     <a:solidFill>
                       <a:srgbClr val="000000"/>
                     </a:solidFill>
@@ -10604,7 +10604,7 @@
               </a:ln>
               <a:extLst>
                 <a:ext uri="{91240B29-F687-4f45-9708-019B960494DF}">
-                  <a14:hiddenLine xmlns:a14="http://schemas.microsoft.com/office/drawing/2010/main" xmlns="" w="9525">
+                  <a14:hiddenLine xmlns="" xmlns:a14="http://schemas.microsoft.com/office/drawing/2010/main" w="9525">
                     <a:solidFill>
                       <a:srgbClr val="000000"/>
                     </a:solidFill>
@@ -10669,7 +10669,7 @@
               </a:ln>
               <a:extLst>
                 <a:ext uri="{91240B29-F687-4f45-9708-019B960494DF}">
-                  <a14:hiddenLine xmlns:a14="http://schemas.microsoft.com/office/drawing/2010/main" xmlns="" w="9525">
+                  <a14:hiddenLine xmlns="" xmlns:a14="http://schemas.microsoft.com/office/drawing/2010/main" w="9525">
                     <a:solidFill>
                       <a:srgbClr val="000000"/>
                     </a:solidFill>
@@ -10731,7 +10731,7 @@
               </a:ln>
               <a:extLst>
                 <a:ext uri="{91240B29-F687-4f45-9708-019B960494DF}">
-                  <a14:hiddenLine xmlns:a14="http://schemas.microsoft.com/office/drawing/2010/main" xmlns="" w="9525">
+                  <a14:hiddenLine xmlns="" xmlns:a14="http://schemas.microsoft.com/office/drawing/2010/main" w="9525">
                     <a:solidFill>
                       <a:srgbClr val="000000"/>
                     </a:solidFill>
@@ -10821,7 +10821,7 @@
               </a:ln>
               <a:extLst>
                 <a:ext uri="{91240B29-F687-4f45-9708-019B960494DF}">
-                  <a14:hiddenLine xmlns:a14="http://schemas.microsoft.com/office/drawing/2010/main" xmlns="" w="9525">
+                  <a14:hiddenLine xmlns="" xmlns:a14="http://schemas.microsoft.com/office/drawing/2010/main" w="9525">
                     <a:solidFill>
                       <a:srgbClr val="000000"/>
                     </a:solidFill>
@@ -10911,7 +10911,7 @@
               </a:ln>
               <a:extLst>
                 <a:ext uri="{91240B29-F687-4f45-9708-019B960494DF}">
-                  <a14:hiddenLine xmlns:a14="http://schemas.microsoft.com/office/drawing/2010/main" xmlns="" w="9525">
+                  <a14:hiddenLine xmlns="" xmlns:a14="http://schemas.microsoft.com/office/drawing/2010/main" w="9525">
                     <a:solidFill>
                       <a:srgbClr val="000000"/>
                     </a:solidFill>
@@ -10976,7 +10976,7 @@
               </a:ln>
               <a:extLst>
                 <a:ext uri="{91240B29-F687-4f45-9708-019B960494DF}">
-                  <a14:hiddenLine xmlns:a14="http://schemas.microsoft.com/office/drawing/2010/main" xmlns="" w="9525">
+                  <a14:hiddenLine xmlns="" xmlns:a14="http://schemas.microsoft.com/office/drawing/2010/main" w="9525">
                     <a:solidFill>
                       <a:srgbClr val="000000"/>
                     </a:solidFill>
@@ -11096,7 +11096,7 @@
               </a:ln>
               <a:extLst>
                 <a:ext uri="{91240B29-F687-4f45-9708-019B960494DF}">
-                  <a14:hiddenLine xmlns:a14="http://schemas.microsoft.com/office/drawing/2010/main" xmlns="" w="9525">
+                  <a14:hiddenLine xmlns="" xmlns:a14="http://schemas.microsoft.com/office/drawing/2010/main" w="9525">
                     <a:solidFill>
                       <a:srgbClr val="000000"/>
                     </a:solidFill>
@@ -11177,7 +11177,7 @@
               </a:ln>
               <a:extLst>
                 <a:ext uri="{91240B29-F687-4f45-9708-019B960494DF}">
-                  <a14:hiddenLine xmlns:a14="http://schemas.microsoft.com/office/drawing/2010/main" xmlns="" w="9525">
+                  <a14:hiddenLine xmlns="" xmlns:a14="http://schemas.microsoft.com/office/drawing/2010/main" w="9525">
                     <a:solidFill>
                       <a:srgbClr val="000000"/>
                     </a:solidFill>
@@ -11292,7 +11292,7 @@
               </a:ln>
               <a:extLst>
                 <a:ext uri="{91240B29-F687-4f45-9708-019B960494DF}">
-                  <a14:hiddenLine xmlns:a14="http://schemas.microsoft.com/office/drawing/2010/main" xmlns="" w="9525">
+                  <a14:hiddenLine xmlns="" xmlns:a14="http://schemas.microsoft.com/office/drawing/2010/main" w="9525">
                     <a:solidFill>
                       <a:srgbClr val="000000"/>
                     </a:solidFill>
@@ -11382,7 +11382,7 @@
               </a:ln>
               <a:extLst>
                 <a:ext uri="{91240B29-F687-4f45-9708-019B960494DF}">
-                  <a14:hiddenLine xmlns:a14="http://schemas.microsoft.com/office/drawing/2010/main" xmlns="" w="9525">
+                  <a14:hiddenLine xmlns="" xmlns:a14="http://schemas.microsoft.com/office/drawing/2010/main" w="9525">
                     <a:solidFill>
                       <a:srgbClr val="000000"/>
                     </a:solidFill>
@@ -11447,7 +11447,7 @@
               </a:ln>
               <a:extLst>
                 <a:ext uri="{91240B29-F687-4f45-9708-019B960494DF}">
-                  <a14:hiddenLine xmlns:a14="http://schemas.microsoft.com/office/drawing/2010/main" xmlns="" w="9525">
+                  <a14:hiddenLine xmlns="" xmlns:a14="http://schemas.microsoft.com/office/drawing/2010/main" w="9525">
                     <a:solidFill>
                       <a:srgbClr val="000000"/>
                     </a:solidFill>
@@ -11537,7 +11537,7 @@
               </a:ln>
               <a:extLst>
                 <a:ext uri="{91240B29-F687-4f45-9708-019B960494DF}">
-                  <a14:hiddenLine xmlns:a14="http://schemas.microsoft.com/office/drawing/2010/main" xmlns="" w="9525">
+                  <a14:hiddenLine xmlns="" xmlns:a14="http://schemas.microsoft.com/office/drawing/2010/main" w="9525">
                     <a:solidFill>
                       <a:srgbClr val="000000"/>
                     </a:solidFill>
@@ -11605,7 +11605,7 @@
               </a:ln>
               <a:extLst>
                 <a:ext uri="{91240B29-F687-4f45-9708-019B960494DF}">
-                  <a14:hiddenLine xmlns:a14="http://schemas.microsoft.com/office/drawing/2010/main" xmlns="" w="9525">
+                  <a14:hiddenLine xmlns="" xmlns:a14="http://schemas.microsoft.com/office/drawing/2010/main" w="9525">
                     <a:solidFill>
                       <a:srgbClr val="000000"/>
                     </a:solidFill>
@@ -11695,7 +11695,7 @@
               </a:ln>
               <a:extLst>
                 <a:ext uri="{91240B29-F687-4f45-9708-019B960494DF}">
-                  <a14:hiddenLine xmlns:a14="http://schemas.microsoft.com/office/drawing/2010/main" xmlns="" w="9525">
+                  <a14:hiddenLine xmlns="" xmlns:a14="http://schemas.microsoft.com/office/drawing/2010/main" w="9525">
                     <a:solidFill>
                       <a:srgbClr val="000000"/>
                     </a:solidFill>
@@ -11763,7 +11763,7 @@
               </a:ln>
               <a:extLst>
                 <a:ext uri="{91240B29-F687-4f45-9708-019B960494DF}">
-                  <a14:hiddenLine xmlns:a14="http://schemas.microsoft.com/office/drawing/2010/main" xmlns="" w="9525">
+                  <a14:hiddenLine xmlns="" xmlns:a14="http://schemas.microsoft.com/office/drawing/2010/main" w="9525">
                     <a:solidFill>
                       <a:srgbClr val="000000"/>
                     </a:solidFill>
@@ -11853,7 +11853,7 @@
               </a:ln>
               <a:extLst>
                 <a:ext uri="{91240B29-F687-4f45-9708-019B960494DF}">
-                  <a14:hiddenLine xmlns:a14="http://schemas.microsoft.com/office/drawing/2010/main" xmlns="" w="9525">
+                  <a14:hiddenLine xmlns="" xmlns:a14="http://schemas.microsoft.com/office/drawing/2010/main" w="9525">
                     <a:solidFill>
                       <a:srgbClr val="000000"/>
                     </a:solidFill>
@@ -11887,7 +11887,7 @@
               </a:ln>
               <a:extLst>
                 <a:ext uri="{91240B29-F687-4f45-9708-019B960494DF}">
-                  <a14:hiddenLine xmlns:a14="http://schemas.microsoft.com/office/drawing/2010/main" xmlns="" w="9525">
+                  <a14:hiddenLine xmlns="" xmlns:a14="http://schemas.microsoft.com/office/drawing/2010/main" w="9525">
                     <a:solidFill>
                       <a:srgbClr val="000000"/>
                     </a:solidFill>
@@ -13328,80 +13328,6 @@
           </a:extLst>
         </p:spPr>
       </p:pic>
-      <p:sp>
-        <p:nvSpPr>
-          <p:cNvPr id="4" name="TextBox 3">
-            <a:extLst>
-              <a:ext uri="{FF2B5EF4-FFF2-40B4-BE49-F238E27FC236}">
-                <a16:creationId xmlns:a16="http://schemas.microsoft.com/office/drawing/2014/main" id="{C8D99489-362B-819B-E49E-64B9639B4FE2}"/>
-              </a:ext>
-            </a:extLst>
-          </p:cNvPr>
-          <p:cNvSpPr txBox="1"/>
-          <p:nvPr/>
-        </p:nvSpPr>
-        <p:spPr>
-          <a:xfrm>
-            <a:off x="3759200" y="5219700"/>
-            <a:ext cx="5101076" cy="1107996"/>
-          </a:xfrm>
-          <a:prstGeom prst="rect">
-            <a:avLst/>
-          </a:prstGeom>
-          <a:noFill/>
-        </p:spPr>
-        <p:txBody>
-          <a:bodyPr wrap="none" rtlCol="0">
-            <a:spAutoFit/>
-          </a:bodyPr>
-          <a:lstStyle/>
-          <a:p>
-            <a:r>
-              <a:rPr lang="en-US" sz="6600" b="1" dirty="0">
-                <a:ln w="13462">
-                  <a:solidFill>
-                    <a:schemeClr val="bg1"/>
-                  </a:solidFill>
-                  <a:prstDash val="solid"/>
-                </a:ln>
-                <a:solidFill>
-                  <a:schemeClr val="tx1">
-                    <a:lumMod val="85000"/>
-                    <a:lumOff val="15000"/>
-                  </a:schemeClr>
-                </a:solidFill>
-                <a:effectLst>
-                  <a:outerShdw dist="38100" dir="2700000" algn="bl" rotWithShape="0">
-                    <a:schemeClr val="accent5"/>
-                  </a:outerShdw>
-                </a:effectLst>
-                <a:latin typeface="Baguet Script" panose="020B0604020202020204" pitchFamily="2" charset="0"/>
-              </a:rPr>
-              <a:t>With QR codes</a:t>
-            </a:r>
-            <a:endParaRPr lang="en-NZ" sz="6600" b="1" dirty="0">
-              <a:ln w="13462">
-                <a:solidFill>
-                  <a:schemeClr val="bg1"/>
-                </a:solidFill>
-                <a:prstDash val="solid"/>
-              </a:ln>
-              <a:solidFill>
-                <a:schemeClr val="tx1">
-                  <a:lumMod val="85000"/>
-                  <a:lumOff val="15000"/>
-                </a:schemeClr>
-              </a:solidFill>
-              <a:effectLst>
-                <a:outerShdw dist="38100" dir="2700000" algn="bl" rotWithShape="0">
-                  <a:schemeClr val="accent5"/>
-                </a:outerShdw>
-              </a:effectLst>
-              <a:latin typeface="Baguet Script" panose="020B0604020202020204" pitchFamily="2" charset="0"/>
-            </a:endParaRPr>
-          </a:p>
-        </p:txBody>
-      </p:sp>
       <p:pic>
         <p:nvPicPr>
           <p:cNvPr id="6" name="Picture 5">
@@ -13446,6 +13372,110 @@
           </a:effectLst>
         </p:spPr>
       </p:pic>
+      <p:sp>
+        <p:nvSpPr>
+          <p:cNvPr id="4" name="TextBox 3">
+            <a:extLst>
+              <a:ext uri="{FF2B5EF4-FFF2-40B4-BE49-F238E27FC236}">
+                <a16:creationId xmlns:a16="http://schemas.microsoft.com/office/drawing/2014/main" id="{C8D99489-362B-819B-E49E-64B9639B4FE2}"/>
+              </a:ext>
+            </a:extLst>
+          </p:cNvPr>
+          <p:cNvSpPr txBox="1"/>
+          <p:nvPr/>
+        </p:nvSpPr>
+        <p:spPr>
+          <a:xfrm>
+            <a:off x="3759200" y="5219700"/>
+            <a:ext cx="5101076" cy="1107996"/>
+          </a:xfrm>
+          <a:prstGeom prst="rect">
+            <a:avLst/>
+          </a:prstGeom>
+          <a:noFill/>
+        </p:spPr>
+        <p:txBody>
+          <a:bodyPr wrap="none" rtlCol="0">
+            <a:spAutoFit/>
+          </a:bodyPr>
+          <a:lstStyle/>
+          <a:p>
+            <a:r>
+              <a:rPr lang="en-US" sz="6600" b="1" dirty="0">
+                <a:ln w="13462">
+                  <a:solidFill>
+                    <a:sysClr val="windowText" lastClr="000000"/>
+                  </a:solidFill>
+                  <a:prstDash val="solid"/>
+                </a:ln>
+                <a:solidFill>
+                  <a:srgbClr val="00B0F0"/>
+                </a:solidFill>
+                <a:effectLst>
+                  <a:outerShdw dist="38100" dir="2700000" algn="bl" rotWithShape="0">
+                    <a:schemeClr val="accent5"/>
+                  </a:outerShdw>
+                </a:effectLst>
+                <a:latin typeface="Baguet Script" panose="020B0604020202020204" pitchFamily="2" charset="0"/>
+              </a:rPr>
+              <a:t>With QR codes</a:t>
+            </a:r>
+            <a:endParaRPr lang="en-NZ" sz="6600" b="1" dirty="0">
+              <a:ln w="13462">
+                <a:solidFill>
+                  <a:sysClr val="windowText" lastClr="000000"/>
+                </a:solidFill>
+                <a:prstDash val="solid"/>
+              </a:ln>
+              <a:solidFill>
+                <a:srgbClr val="00B0F0"/>
+              </a:solidFill>
+              <a:effectLst>
+                <a:outerShdw dist="38100" dir="2700000" algn="bl" rotWithShape="0">
+                  <a:schemeClr val="accent5"/>
+                </a:outerShdw>
+              </a:effectLst>
+              <a:latin typeface="Baguet Script" panose="020B0604020202020204" pitchFamily="2" charset="0"/>
+            </a:endParaRPr>
+          </a:p>
+        </p:txBody>
+      </p:sp>
+      <p:sp>
+        <p:nvSpPr>
+          <p:cNvPr id="2" name="TextBox 1">
+            <a:extLst>
+              <a:ext uri="{FF2B5EF4-FFF2-40B4-BE49-F238E27FC236}">
+                <a16:creationId xmlns:a16="http://schemas.microsoft.com/office/drawing/2014/main" id="{EA96FE1D-444A-5B25-8954-50ADDED5513C}"/>
+              </a:ext>
+            </a:extLst>
+          </p:cNvPr>
+          <p:cNvSpPr txBox="1"/>
+          <p:nvPr/>
+        </p:nvSpPr>
+        <p:spPr>
+          <a:xfrm>
+            <a:off x="3176337" y="705853"/>
+            <a:ext cx="2698175" cy="369332"/>
+          </a:xfrm>
+          <a:prstGeom prst="rect">
+            <a:avLst/>
+          </a:prstGeom>
+          <a:noFill/>
+        </p:spPr>
+        <p:txBody>
+          <a:bodyPr wrap="none" rtlCol="0">
+            <a:spAutoFit/>
+          </a:bodyPr>
+          <a:lstStyle/>
+          <a:p>
+            <a:r>
+              <a:rPr lang="en-US" dirty="0"/>
+              <a:t>Get real-time Game results</a:t>
+            </a:r>
+            <a:endParaRPr lang="en-NZ" dirty="0"/>
+          </a:p>
+        </p:txBody>
+      </p:sp>
     </p:spTree>
     <p:extLst>
       <p:ext uri="{BB962C8B-B14F-4D97-AF65-F5344CB8AC3E}">
@@ -14320,7 +14350,7 @@
             <a:noFill/>
             <a:extLst>
               <a:ext uri="{909E8E84-426E-40dd-AFC4-6F175D3DCCD1}">
-                <a14:hiddenFill xmlns="" xmlns:a16="http://schemas.microsoft.com/office/drawing/2014/main" xmlns:a14="http://schemas.microsoft.com/office/drawing/2010/main" xmlns:p14="http://schemas.microsoft.com/office/powerpoint/2010/main">
+                <a14:hiddenFill xmlns:p14="http://schemas.microsoft.com/office/powerpoint/2010/main" xmlns:a14="http://schemas.microsoft.com/office/drawing/2010/main" xmlns:a16="http://schemas.microsoft.com/office/drawing/2014/main" xmlns="">
                   <a:solidFill>
                     <a:srgbClr val="FFFFFF"/>
                   </a:solidFill>
@@ -14485,7 +14515,7 @@
             </a:ln>
             <a:extLst>
               <a:ext uri="{91240B29-F687-4f45-9708-019B960494DF}">
-                <a14:hiddenLine xmlns="" xmlns:a16="http://schemas.microsoft.com/office/drawing/2014/main" xmlns:a14="http://schemas.microsoft.com/office/drawing/2010/main" xmlns:p14="http://schemas.microsoft.com/office/powerpoint/2010/main" w="9525">
+                <a14:hiddenLine xmlns:p14="http://schemas.microsoft.com/office/powerpoint/2010/main" xmlns:a14="http://schemas.microsoft.com/office/drawing/2010/main" xmlns:a16="http://schemas.microsoft.com/office/drawing/2014/main" xmlns="" w="9525">
                   <a:solidFill>
                     <a:srgbClr val="000000"/>
                   </a:solidFill>
@@ -14590,7 +14620,7 @@
             </a:ln>
             <a:extLst>
               <a:ext uri="{91240B29-F687-4f45-9708-019B960494DF}">
-                <a14:hiddenLine xmlns="" xmlns:a16="http://schemas.microsoft.com/office/drawing/2014/main" xmlns:a14="http://schemas.microsoft.com/office/drawing/2010/main" xmlns:p14="http://schemas.microsoft.com/office/powerpoint/2010/main" w="9525">
+                <a14:hiddenLine xmlns:p14="http://schemas.microsoft.com/office/powerpoint/2010/main" xmlns:a14="http://schemas.microsoft.com/office/drawing/2010/main" xmlns:a16="http://schemas.microsoft.com/office/drawing/2014/main" xmlns="" w="9525">
                   <a:solidFill>
                     <a:srgbClr val="000000"/>
                   </a:solidFill>
@@ -14695,7 +14725,7 @@
             </a:ln>
             <a:extLst>
               <a:ext uri="{91240B29-F687-4f45-9708-019B960494DF}">
-                <a14:hiddenLine xmlns="" xmlns:a16="http://schemas.microsoft.com/office/drawing/2014/main" xmlns:a14="http://schemas.microsoft.com/office/drawing/2010/main" xmlns:p14="http://schemas.microsoft.com/office/powerpoint/2010/main" w="9525">
+                <a14:hiddenLine xmlns:p14="http://schemas.microsoft.com/office/powerpoint/2010/main" xmlns:a14="http://schemas.microsoft.com/office/drawing/2010/main" xmlns:a16="http://schemas.microsoft.com/office/drawing/2014/main" xmlns="" w="9525">
                   <a:solidFill>
                     <a:srgbClr val="000000"/>
                   </a:solidFill>
@@ -14744,7 +14774,7 @@
             </a:ln>
             <a:extLst>
               <a:ext uri="{91240B29-F687-4f45-9708-019B960494DF}">
-                <a14:hiddenLine xmlns="" xmlns:a16="http://schemas.microsoft.com/office/drawing/2014/main" xmlns:a14="http://schemas.microsoft.com/office/drawing/2010/main" xmlns:p14="http://schemas.microsoft.com/office/powerpoint/2010/main" w="9525">
+                <a14:hiddenLine xmlns:p14="http://schemas.microsoft.com/office/powerpoint/2010/main" xmlns:a14="http://schemas.microsoft.com/office/drawing/2010/main" xmlns:a16="http://schemas.microsoft.com/office/drawing/2014/main" xmlns="" w="9525">
                   <a:solidFill>
                     <a:srgbClr val="000000"/>
                   </a:solidFill>
@@ -14849,7 +14879,7 @@
             </a:ln>
             <a:extLst>
               <a:ext uri="{91240B29-F687-4f45-9708-019B960494DF}">
-                <a14:hiddenLine xmlns="" xmlns:a16="http://schemas.microsoft.com/office/drawing/2014/main" xmlns:a14="http://schemas.microsoft.com/office/drawing/2010/main" xmlns:p14="http://schemas.microsoft.com/office/powerpoint/2010/main" w="9525">
+                <a14:hiddenLine xmlns:p14="http://schemas.microsoft.com/office/powerpoint/2010/main" xmlns:a14="http://schemas.microsoft.com/office/drawing/2010/main" xmlns:a16="http://schemas.microsoft.com/office/drawing/2014/main" xmlns="" w="9525">
                   <a:solidFill>
                     <a:srgbClr val="000000"/>
                   </a:solidFill>
@@ -14926,7 +14956,7 @@
             </a:ln>
             <a:extLst>
               <a:ext uri="{91240B29-F687-4f45-9708-019B960494DF}">
-                <a14:hiddenLine xmlns="" xmlns:a16="http://schemas.microsoft.com/office/drawing/2014/main" xmlns:a14="http://schemas.microsoft.com/office/drawing/2010/main" xmlns:p14="http://schemas.microsoft.com/office/powerpoint/2010/main" w="9525">
+                <a14:hiddenLine xmlns:p14="http://schemas.microsoft.com/office/powerpoint/2010/main" xmlns:a14="http://schemas.microsoft.com/office/drawing/2010/main" xmlns:a16="http://schemas.microsoft.com/office/drawing/2014/main" xmlns="" w="9525">
                   <a:solidFill>
                     <a:srgbClr val="000000"/>
                   </a:solidFill>
@@ -15003,7 +15033,7 @@
             </a:ln>
             <a:extLst>
               <a:ext uri="{91240B29-F687-4f45-9708-019B960494DF}">
-                <a14:hiddenLine xmlns="" xmlns:a16="http://schemas.microsoft.com/office/drawing/2014/main" xmlns:a14="http://schemas.microsoft.com/office/drawing/2010/main" xmlns:p14="http://schemas.microsoft.com/office/powerpoint/2010/main" w="9525">
+                <a14:hiddenLine xmlns:p14="http://schemas.microsoft.com/office/powerpoint/2010/main" xmlns:a14="http://schemas.microsoft.com/office/drawing/2010/main" xmlns:a16="http://schemas.microsoft.com/office/drawing/2014/main" xmlns="" w="9525">
                   <a:solidFill>
                     <a:srgbClr val="000000"/>
                   </a:solidFill>
@@ -15108,7 +15138,7 @@
             </a:ln>
             <a:extLst>
               <a:ext uri="{91240B29-F687-4f45-9708-019B960494DF}">
-                <a14:hiddenLine xmlns="" xmlns:a16="http://schemas.microsoft.com/office/drawing/2014/main" xmlns:a14="http://schemas.microsoft.com/office/drawing/2010/main" xmlns:p14="http://schemas.microsoft.com/office/powerpoint/2010/main" w="9525">
+                <a14:hiddenLine xmlns:p14="http://schemas.microsoft.com/office/powerpoint/2010/main" xmlns:a14="http://schemas.microsoft.com/office/drawing/2010/main" xmlns:a16="http://schemas.microsoft.com/office/drawing/2014/main" xmlns="" w="9525">
                   <a:solidFill>
                     <a:srgbClr val="000000"/>
                   </a:solidFill>
@@ -15185,7 +15215,7 @@
             </a:ln>
             <a:extLst>
               <a:ext uri="{91240B29-F687-4f45-9708-019B960494DF}">
-                <a14:hiddenLine xmlns="" xmlns:a16="http://schemas.microsoft.com/office/drawing/2014/main" xmlns:a14="http://schemas.microsoft.com/office/drawing/2010/main" xmlns:p14="http://schemas.microsoft.com/office/powerpoint/2010/main" w="9525">
+                <a14:hiddenLine xmlns:p14="http://schemas.microsoft.com/office/powerpoint/2010/main" xmlns:a14="http://schemas.microsoft.com/office/drawing/2010/main" xmlns:a16="http://schemas.microsoft.com/office/drawing/2014/main" xmlns="" w="9525">
                   <a:solidFill>
                     <a:srgbClr val="000000"/>
                   </a:solidFill>
@@ -15262,7 +15292,7 @@
             </a:ln>
             <a:extLst>
               <a:ext uri="{91240B29-F687-4f45-9708-019B960494DF}">
-                <a14:hiddenLine xmlns="" xmlns:a16="http://schemas.microsoft.com/office/drawing/2014/main" xmlns:a14="http://schemas.microsoft.com/office/drawing/2010/main" xmlns:p14="http://schemas.microsoft.com/office/powerpoint/2010/main" w="9525">
+                <a14:hiddenLine xmlns:p14="http://schemas.microsoft.com/office/powerpoint/2010/main" xmlns:a14="http://schemas.microsoft.com/office/drawing/2010/main" xmlns:a16="http://schemas.microsoft.com/office/drawing/2014/main" xmlns="" w="9525">
                   <a:solidFill>
                     <a:srgbClr val="000000"/>
                   </a:solidFill>
@@ -15367,7 +15397,7 @@
             </a:ln>
             <a:extLst>
               <a:ext uri="{91240B29-F687-4f45-9708-019B960494DF}">
-                <a14:hiddenLine xmlns="" xmlns:a16="http://schemas.microsoft.com/office/drawing/2014/main" xmlns:a14="http://schemas.microsoft.com/office/drawing/2010/main" xmlns:p14="http://schemas.microsoft.com/office/powerpoint/2010/main" w="9525">
+                <a14:hiddenLine xmlns:p14="http://schemas.microsoft.com/office/powerpoint/2010/main" xmlns:a14="http://schemas.microsoft.com/office/drawing/2010/main" xmlns:a16="http://schemas.microsoft.com/office/drawing/2014/main" xmlns="" w="9525">
                   <a:solidFill>
                     <a:srgbClr val="000000"/>
                   </a:solidFill>
@@ -15472,7 +15502,7 @@
             </a:ln>
             <a:extLst>
               <a:ext uri="{91240B29-F687-4f45-9708-019B960494DF}">
-                <a14:hiddenLine xmlns="" xmlns:a16="http://schemas.microsoft.com/office/drawing/2014/main" xmlns:a14="http://schemas.microsoft.com/office/drawing/2010/main" xmlns:p14="http://schemas.microsoft.com/office/powerpoint/2010/main" w="9525">
+                <a14:hiddenLine xmlns:p14="http://schemas.microsoft.com/office/powerpoint/2010/main" xmlns:a14="http://schemas.microsoft.com/office/drawing/2010/main" xmlns:a16="http://schemas.microsoft.com/office/drawing/2014/main" xmlns="" w="9525">
                   <a:solidFill>
                     <a:srgbClr val="000000"/>
                   </a:solidFill>
@@ -15549,7 +15579,7 @@
             </a:ln>
             <a:extLst>
               <a:ext uri="{91240B29-F687-4f45-9708-019B960494DF}">
-                <a14:hiddenLine xmlns="" xmlns:a16="http://schemas.microsoft.com/office/drawing/2014/main" xmlns:a14="http://schemas.microsoft.com/office/drawing/2010/main" xmlns:p14="http://schemas.microsoft.com/office/powerpoint/2010/main" w="9525">
+                <a14:hiddenLine xmlns:p14="http://schemas.microsoft.com/office/powerpoint/2010/main" xmlns:a14="http://schemas.microsoft.com/office/drawing/2010/main" xmlns:a16="http://schemas.microsoft.com/office/drawing/2014/main" xmlns="" w="9525">
                   <a:solidFill>
                     <a:srgbClr val="000000"/>
                   </a:solidFill>
@@ -15674,7 +15704,7 @@
             </a:ln>
             <a:extLst>
               <a:ext uri="{91240B29-F687-4f45-9708-019B960494DF}">
-                <a14:hiddenLine xmlns="" xmlns:a16="http://schemas.microsoft.com/office/drawing/2014/main" xmlns:a14="http://schemas.microsoft.com/office/drawing/2010/main" xmlns:p14="http://schemas.microsoft.com/office/powerpoint/2010/main" w="9525">
+                <a14:hiddenLine xmlns:p14="http://schemas.microsoft.com/office/powerpoint/2010/main" xmlns:a14="http://schemas.microsoft.com/office/drawing/2010/main" xmlns:a16="http://schemas.microsoft.com/office/drawing/2014/main" xmlns="" w="9525">
                   <a:solidFill>
                     <a:srgbClr val="000000"/>
                   </a:solidFill>
@@ -15751,7 +15781,7 @@
             </a:ln>
             <a:extLst>
               <a:ext uri="{91240B29-F687-4f45-9708-019B960494DF}">
-                <a14:hiddenLine xmlns="" xmlns:a16="http://schemas.microsoft.com/office/drawing/2014/main" xmlns:a14="http://schemas.microsoft.com/office/drawing/2010/main" xmlns:p14="http://schemas.microsoft.com/office/powerpoint/2010/main" w="9525">
+                <a14:hiddenLine xmlns:p14="http://schemas.microsoft.com/office/powerpoint/2010/main" xmlns:a14="http://schemas.microsoft.com/office/drawing/2010/main" xmlns:a16="http://schemas.microsoft.com/office/drawing/2014/main" xmlns="" w="9525">
                   <a:solidFill>
                     <a:srgbClr val="000000"/>
                   </a:solidFill>
@@ -15856,7 +15886,7 @@
             </a:ln>
             <a:extLst>
               <a:ext uri="{91240B29-F687-4f45-9708-019B960494DF}">
-                <a14:hiddenLine xmlns="" xmlns:a16="http://schemas.microsoft.com/office/drawing/2014/main" xmlns:a14="http://schemas.microsoft.com/office/drawing/2010/main" xmlns:p14="http://schemas.microsoft.com/office/powerpoint/2010/main" w="9525">
+                <a14:hiddenLine xmlns:p14="http://schemas.microsoft.com/office/powerpoint/2010/main" xmlns:a14="http://schemas.microsoft.com/office/drawing/2010/main" xmlns:a16="http://schemas.microsoft.com/office/drawing/2014/main" xmlns="" w="9525">
                   <a:solidFill>
                     <a:srgbClr val="000000"/>
                   </a:solidFill>
@@ -15961,7 +15991,7 @@
             </a:ln>
             <a:extLst>
               <a:ext uri="{91240B29-F687-4f45-9708-019B960494DF}">
-                <a14:hiddenLine xmlns="" xmlns:a16="http://schemas.microsoft.com/office/drawing/2014/main" xmlns:a14="http://schemas.microsoft.com/office/drawing/2010/main" xmlns:p14="http://schemas.microsoft.com/office/powerpoint/2010/main" w="9525">
+                <a14:hiddenLine xmlns:p14="http://schemas.microsoft.com/office/powerpoint/2010/main" xmlns:a14="http://schemas.microsoft.com/office/drawing/2010/main" xmlns:a16="http://schemas.microsoft.com/office/drawing/2014/main" xmlns="" w="9525">
                   <a:solidFill>
                     <a:srgbClr val="000000"/>
                   </a:solidFill>
@@ -16038,7 +16068,7 @@
             </a:ln>
             <a:extLst>
               <a:ext uri="{91240B29-F687-4f45-9708-019B960494DF}">
-                <a14:hiddenLine xmlns="" xmlns:a16="http://schemas.microsoft.com/office/drawing/2014/main" xmlns:a14="http://schemas.microsoft.com/office/drawing/2010/main" xmlns:p14="http://schemas.microsoft.com/office/powerpoint/2010/main" w="9525">
+                <a14:hiddenLine xmlns:p14="http://schemas.microsoft.com/office/powerpoint/2010/main" xmlns:a14="http://schemas.microsoft.com/office/drawing/2010/main" xmlns:a16="http://schemas.microsoft.com/office/drawing/2014/main" xmlns="" w="9525">
                   <a:solidFill>
                     <a:srgbClr val="000000"/>
                   </a:solidFill>
@@ -16143,7 +16173,7 @@
             </a:ln>
             <a:extLst>
               <a:ext uri="{91240B29-F687-4f45-9708-019B960494DF}">
-                <a14:hiddenLine xmlns="" xmlns:a16="http://schemas.microsoft.com/office/drawing/2014/main" xmlns:a14="http://schemas.microsoft.com/office/drawing/2010/main" xmlns:p14="http://schemas.microsoft.com/office/powerpoint/2010/main" w="9525">
+                <a14:hiddenLine xmlns:p14="http://schemas.microsoft.com/office/powerpoint/2010/main" xmlns:a14="http://schemas.microsoft.com/office/drawing/2010/main" xmlns:a16="http://schemas.microsoft.com/office/drawing/2014/main" xmlns="" w="9525">
                   <a:solidFill>
                     <a:srgbClr val="000000"/>
                   </a:solidFill>
@@ -16248,7 +16278,7 @@
             </a:ln>
             <a:extLst>
               <a:ext uri="{91240B29-F687-4f45-9708-019B960494DF}">
-                <a14:hiddenLine xmlns="" xmlns:a16="http://schemas.microsoft.com/office/drawing/2014/main" xmlns:a14="http://schemas.microsoft.com/office/drawing/2010/main" xmlns:p14="http://schemas.microsoft.com/office/powerpoint/2010/main" w="9525">
+                <a14:hiddenLine xmlns:p14="http://schemas.microsoft.com/office/powerpoint/2010/main" xmlns:a14="http://schemas.microsoft.com/office/drawing/2010/main" xmlns:a16="http://schemas.microsoft.com/office/drawing/2014/main" xmlns="" w="9525">
                   <a:solidFill>
                     <a:srgbClr val="000000"/>
                   </a:solidFill>
@@ -16319,7 +16349,7 @@
             </a:ln>
             <a:extLst>
               <a:ext uri="{91240B29-F687-4f45-9708-019B960494DF}">
-                <a14:hiddenLine xmlns="" xmlns:a16="http://schemas.microsoft.com/office/drawing/2014/main" xmlns:a14="http://schemas.microsoft.com/office/drawing/2010/main" xmlns:p14="http://schemas.microsoft.com/office/powerpoint/2010/main" w="9525">
+                <a14:hiddenLine xmlns:p14="http://schemas.microsoft.com/office/powerpoint/2010/main" xmlns:a14="http://schemas.microsoft.com/office/drawing/2010/main" xmlns:a16="http://schemas.microsoft.com/office/drawing/2014/main" xmlns="" w="9525">
                   <a:solidFill>
                     <a:srgbClr val="000000"/>
                   </a:solidFill>
@@ -16424,7 +16454,7 @@
             </a:ln>
             <a:extLst>
               <a:ext uri="{91240B29-F687-4f45-9708-019B960494DF}">
-                <a14:hiddenLine xmlns="" xmlns:a16="http://schemas.microsoft.com/office/drawing/2014/main" xmlns:a14="http://schemas.microsoft.com/office/drawing/2010/main" xmlns:p14="http://schemas.microsoft.com/office/powerpoint/2010/main" w="9525">
+                <a14:hiddenLine xmlns:p14="http://schemas.microsoft.com/office/powerpoint/2010/main" xmlns:a14="http://schemas.microsoft.com/office/drawing/2010/main" xmlns:a16="http://schemas.microsoft.com/office/drawing/2014/main" xmlns="" w="9525">
                   <a:solidFill>
                     <a:srgbClr val="000000"/>
                   </a:solidFill>
@@ -16495,7 +16525,7 @@
             </a:ln>
             <a:extLst>
               <a:ext uri="{91240B29-F687-4f45-9708-019B960494DF}">
-                <a14:hiddenLine xmlns="" xmlns:a16="http://schemas.microsoft.com/office/drawing/2014/main" xmlns:a14="http://schemas.microsoft.com/office/drawing/2010/main" xmlns:p14="http://schemas.microsoft.com/office/powerpoint/2010/main" w="9525">
+                <a14:hiddenLine xmlns:p14="http://schemas.microsoft.com/office/powerpoint/2010/main" xmlns:a14="http://schemas.microsoft.com/office/drawing/2010/main" xmlns:a16="http://schemas.microsoft.com/office/drawing/2014/main" xmlns="" w="9525">
                   <a:solidFill>
                     <a:srgbClr val="000000"/>
                   </a:solidFill>
@@ -16600,7 +16630,7 @@
             </a:ln>
             <a:extLst>
               <a:ext uri="{91240B29-F687-4f45-9708-019B960494DF}">
-                <a14:hiddenLine xmlns="" xmlns:a16="http://schemas.microsoft.com/office/drawing/2014/main" xmlns:a14="http://schemas.microsoft.com/office/drawing/2010/main" xmlns:p14="http://schemas.microsoft.com/office/powerpoint/2010/main" w="9525">
+                <a14:hiddenLine xmlns:p14="http://schemas.microsoft.com/office/powerpoint/2010/main" xmlns:a14="http://schemas.microsoft.com/office/drawing/2010/main" xmlns:a16="http://schemas.microsoft.com/office/drawing/2014/main" xmlns="" w="9525">
                   <a:solidFill>
                     <a:srgbClr val="000000"/>
                   </a:solidFill>
@@ -16683,7 +16713,7 @@
             </a:ln>
             <a:extLst>
               <a:ext uri="{91240B29-F687-4f45-9708-019B960494DF}">
-                <a14:hiddenLine xmlns="" xmlns:a16="http://schemas.microsoft.com/office/drawing/2014/main" xmlns:a14="http://schemas.microsoft.com/office/drawing/2010/main" xmlns:p14="http://schemas.microsoft.com/office/powerpoint/2010/main" w="9525">
+                <a14:hiddenLine xmlns:p14="http://schemas.microsoft.com/office/powerpoint/2010/main" xmlns:a14="http://schemas.microsoft.com/office/drawing/2010/main" xmlns:a16="http://schemas.microsoft.com/office/drawing/2014/main" xmlns="" w="9525">
                   <a:solidFill>
                     <a:srgbClr val="000000"/>
                   </a:solidFill>
@@ -16788,7 +16818,7 @@
             </a:ln>
             <a:extLst>
               <a:ext uri="{91240B29-F687-4f45-9708-019B960494DF}">
-                <a14:hiddenLine xmlns="" xmlns:a16="http://schemas.microsoft.com/office/drawing/2014/main" xmlns:a14="http://schemas.microsoft.com/office/drawing/2010/main" xmlns:p14="http://schemas.microsoft.com/office/powerpoint/2010/main" w="9525">
+                <a14:hiddenLine xmlns:p14="http://schemas.microsoft.com/office/powerpoint/2010/main" xmlns:a14="http://schemas.microsoft.com/office/drawing/2010/main" xmlns:a16="http://schemas.microsoft.com/office/drawing/2014/main" xmlns="" w="9525">
                   <a:solidFill>
                     <a:srgbClr val="000000"/>
                   </a:solidFill>
@@ -16871,7 +16901,7 @@
             </a:ln>
             <a:extLst>
               <a:ext uri="{91240B29-F687-4f45-9708-019B960494DF}">
-                <a14:hiddenLine xmlns="" xmlns:a16="http://schemas.microsoft.com/office/drawing/2014/main" xmlns:a14="http://schemas.microsoft.com/office/drawing/2010/main" xmlns:p14="http://schemas.microsoft.com/office/powerpoint/2010/main" w="9525">
+                <a14:hiddenLine xmlns:p14="http://schemas.microsoft.com/office/powerpoint/2010/main" xmlns:a14="http://schemas.microsoft.com/office/drawing/2010/main" xmlns:a16="http://schemas.microsoft.com/office/drawing/2014/main" xmlns="" w="9525">
                   <a:solidFill>
                     <a:srgbClr val="000000"/>
                   </a:solidFill>
@@ -16976,7 +17006,7 @@
             </a:ln>
             <a:extLst>
               <a:ext uri="{91240B29-F687-4f45-9708-019B960494DF}">
-                <a14:hiddenLine xmlns="" xmlns:a16="http://schemas.microsoft.com/office/drawing/2014/main" xmlns:a14="http://schemas.microsoft.com/office/drawing/2010/main" xmlns:p14="http://schemas.microsoft.com/office/powerpoint/2010/main" w="9525">
+                <a14:hiddenLine xmlns:p14="http://schemas.microsoft.com/office/powerpoint/2010/main" xmlns:a14="http://schemas.microsoft.com/office/drawing/2010/main" xmlns:a16="http://schemas.microsoft.com/office/drawing/2014/main" xmlns="" w="9525">
                   <a:solidFill>
                     <a:srgbClr val="000000"/>
                   </a:solidFill>
@@ -17025,7 +17055,7 @@
             </a:ln>
             <a:extLst>
               <a:ext uri="{91240B29-F687-4f45-9708-019B960494DF}">
-                <a14:hiddenLine xmlns="" xmlns:a16="http://schemas.microsoft.com/office/drawing/2014/main" xmlns:a14="http://schemas.microsoft.com/office/drawing/2010/main" xmlns:p14="http://schemas.microsoft.com/office/powerpoint/2010/main" w="9525">
+                <a14:hiddenLine xmlns:p14="http://schemas.microsoft.com/office/powerpoint/2010/main" xmlns:a14="http://schemas.microsoft.com/office/drawing/2010/main" xmlns:a16="http://schemas.microsoft.com/office/drawing/2014/main" xmlns="" w="9525">
                   <a:solidFill>
                     <a:srgbClr val="000000"/>
                   </a:solidFill>
@@ -17130,7 +17160,7 @@
             </a:ln>
             <a:extLst>
               <a:ext uri="{91240B29-F687-4f45-9708-019B960494DF}">
-                <a14:hiddenLine xmlns="" xmlns:a16="http://schemas.microsoft.com/office/drawing/2014/main" xmlns:a14="http://schemas.microsoft.com/office/drawing/2010/main" xmlns:p14="http://schemas.microsoft.com/office/powerpoint/2010/main" w="9525">
+                <a14:hiddenLine xmlns:p14="http://schemas.microsoft.com/office/powerpoint/2010/main" xmlns:a14="http://schemas.microsoft.com/office/drawing/2010/main" xmlns:a16="http://schemas.microsoft.com/office/drawing/2014/main" xmlns="" w="9525">
                   <a:solidFill>
                     <a:srgbClr val="000000"/>
                   </a:solidFill>
@@ -17207,7 +17237,7 @@
             </a:ln>
             <a:extLst>
               <a:ext uri="{91240B29-F687-4f45-9708-019B960494DF}">
-                <a14:hiddenLine xmlns="" xmlns:a16="http://schemas.microsoft.com/office/drawing/2014/main" xmlns:a14="http://schemas.microsoft.com/office/drawing/2010/main" xmlns:p14="http://schemas.microsoft.com/office/powerpoint/2010/main" w="9525">
+                <a14:hiddenLine xmlns:p14="http://schemas.microsoft.com/office/powerpoint/2010/main" xmlns:a14="http://schemas.microsoft.com/office/drawing/2010/main" xmlns:a16="http://schemas.microsoft.com/office/drawing/2014/main" xmlns="" w="9525">
                   <a:solidFill>
                     <a:srgbClr val="000000"/>
                   </a:solidFill>
@@ -17284,7 +17314,7 @@
             </a:ln>
             <a:extLst>
               <a:ext uri="{91240B29-F687-4f45-9708-019B960494DF}">
-                <a14:hiddenLine xmlns="" xmlns:a16="http://schemas.microsoft.com/office/drawing/2014/main" xmlns:a14="http://schemas.microsoft.com/office/drawing/2010/main" xmlns:p14="http://schemas.microsoft.com/office/powerpoint/2010/main" w="9525">
+                <a14:hiddenLine xmlns:p14="http://schemas.microsoft.com/office/powerpoint/2010/main" xmlns:a14="http://schemas.microsoft.com/office/drawing/2010/main" xmlns:a16="http://schemas.microsoft.com/office/drawing/2014/main" xmlns="" w="9525">
                   <a:solidFill>
                     <a:srgbClr val="000000"/>
                   </a:solidFill>
@@ -17389,7 +17419,7 @@
             </a:ln>
             <a:extLst>
               <a:ext uri="{91240B29-F687-4f45-9708-019B960494DF}">
-                <a14:hiddenLine xmlns="" xmlns:a16="http://schemas.microsoft.com/office/drawing/2014/main" xmlns:a14="http://schemas.microsoft.com/office/drawing/2010/main" xmlns:p14="http://schemas.microsoft.com/office/powerpoint/2010/main" w="9525">
+                <a14:hiddenLine xmlns:p14="http://schemas.microsoft.com/office/powerpoint/2010/main" xmlns:a14="http://schemas.microsoft.com/office/drawing/2010/main" xmlns:a16="http://schemas.microsoft.com/office/drawing/2014/main" xmlns="" w="9525">
                   <a:solidFill>
                     <a:srgbClr val="000000"/>
                   </a:solidFill>
@@ -17472,7 +17502,7 @@
             </a:ln>
             <a:extLst>
               <a:ext uri="{91240B29-F687-4f45-9708-019B960494DF}">
-                <a14:hiddenLine xmlns="" xmlns:a16="http://schemas.microsoft.com/office/drawing/2014/main" xmlns:a14="http://schemas.microsoft.com/office/drawing/2010/main" xmlns:p14="http://schemas.microsoft.com/office/powerpoint/2010/main" w="9525">
+                <a14:hiddenLine xmlns:p14="http://schemas.microsoft.com/office/powerpoint/2010/main" xmlns:a14="http://schemas.microsoft.com/office/drawing/2010/main" xmlns:a16="http://schemas.microsoft.com/office/drawing/2014/main" xmlns="" w="9525">
                   <a:solidFill>
                     <a:srgbClr val="000000"/>
                   </a:solidFill>
@@ -17549,7 +17579,7 @@
             </a:ln>
             <a:extLst>
               <a:ext uri="{91240B29-F687-4f45-9708-019B960494DF}">
-                <a14:hiddenLine xmlns="" xmlns:a16="http://schemas.microsoft.com/office/drawing/2014/main" xmlns:a14="http://schemas.microsoft.com/office/drawing/2010/main" xmlns:p14="http://schemas.microsoft.com/office/powerpoint/2010/main" w="9525">
+                <a14:hiddenLine xmlns:p14="http://schemas.microsoft.com/office/powerpoint/2010/main" xmlns:a14="http://schemas.microsoft.com/office/drawing/2010/main" xmlns:a16="http://schemas.microsoft.com/office/drawing/2014/main" xmlns="" w="9525">
                   <a:solidFill>
                     <a:srgbClr val="000000"/>
                   </a:solidFill>
@@ -17654,7 +17684,7 @@
             </a:ln>
             <a:extLst>
               <a:ext uri="{91240B29-F687-4f45-9708-019B960494DF}">
-                <a14:hiddenLine xmlns="" xmlns:a16="http://schemas.microsoft.com/office/drawing/2014/main" xmlns:a14="http://schemas.microsoft.com/office/drawing/2010/main" xmlns:p14="http://schemas.microsoft.com/office/powerpoint/2010/main" w="9525">
+                <a14:hiddenLine xmlns:p14="http://schemas.microsoft.com/office/powerpoint/2010/main" xmlns:a14="http://schemas.microsoft.com/office/drawing/2010/main" xmlns:a16="http://schemas.microsoft.com/office/drawing/2014/main" xmlns="" w="9525">
                   <a:solidFill>
                     <a:srgbClr val="000000"/>
                   </a:solidFill>
@@ -17731,7 +17761,7 @@
             </a:ln>
             <a:extLst>
               <a:ext uri="{91240B29-F687-4f45-9708-019B960494DF}">
-                <a14:hiddenLine xmlns="" xmlns:a16="http://schemas.microsoft.com/office/drawing/2014/main" xmlns:a14="http://schemas.microsoft.com/office/drawing/2010/main" xmlns:p14="http://schemas.microsoft.com/office/powerpoint/2010/main" w="9525">
+                <a14:hiddenLine xmlns:p14="http://schemas.microsoft.com/office/powerpoint/2010/main" xmlns:a14="http://schemas.microsoft.com/office/drawing/2010/main" xmlns:a16="http://schemas.microsoft.com/office/drawing/2014/main" xmlns="" w="9525">
                   <a:solidFill>
                     <a:srgbClr val="000000"/>
                   </a:solidFill>
@@ -17836,7 +17866,7 @@
             </a:ln>
             <a:extLst>
               <a:ext uri="{91240B29-F687-4f45-9708-019B960494DF}">
-                <a14:hiddenLine xmlns="" xmlns:a16="http://schemas.microsoft.com/office/drawing/2014/main" xmlns:a14="http://schemas.microsoft.com/office/drawing/2010/main" xmlns:p14="http://schemas.microsoft.com/office/powerpoint/2010/main" w="9525">
+                <a14:hiddenLine xmlns:p14="http://schemas.microsoft.com/office/powerpoint/2010/main" xmlns:a14="http://schemas.microsoft.com/office/drawing/2010/main" xmlns:a16="http://schemas.microsoft.com/office/drawing/2014/main" xmlns="" w="9525">
                   <a:solidFill>
                     <a:srgbClr val="000000"/>
                   </a:solidFill>
@@ -17913,7 +17943,7 @@
             </a:ln>
             <a:extLst>
               <a:ext uri="{91240B29-F687-4f45-9708-019B960494DF}">
-                <a14:hiddenLine xmlns="" xmlns:a16="http://schemas.microsoft.com/office/drawing/2014/main" xmlns:a14="http://schemas.microsoft.com/office/drawing/2010/main" xmlns:p14="http://schemas.microsoft.com/office/powerpoint/2010/main" w="9525">
+                <a14:hiddenLine xmlns:p14="http://schemas.microsoft.com/office/powerpoint/2010/main" xmlns:a14="http://schemas.microsoft.com/office/drawing/2010/main" xmlns:a16="http://schemas.microsoft.com/office/drawing/2014/main" xmlns="" w="9525">
                   <a:solidFill>
                     <a:srgbClr val="000000"/>
                   </a:solidFill>
@@ -18018,7 +18048,7 @@
             </a:ln>
             <a:extLst>
               <a:ext uri="{91240B29-F687-4f45-9708-019B960494DF}">
-                <a14:hiddenLine xmlns="" xmlns:a16="http://schemas.microsoft.com/office/drawing/2014/main" xmlns:a14="http://schemas.microsoft.com/office/drawing/2010/main" xmlns:p14="http://schemas.microsoft.com/office/powerpoint/2010/main" w="9525">
+                <a14:hiddenLine xmlns:p14="http://schemas.microsoft.com/office/powerpoint/2010/main" xmlns:a14="http://schemas.microsoft.com/office/drawing/2010/main" xmlns:a16="http://schemas.microsoft.com/office/drawing/2014/main" xmlns="" w="9525">
                   <a:solidFill>
                     <a:srgbClr val="000000"/>
                   </a:solidFill>
@@ -18067,7 +18097,7 @@
             </a:ln>
             <a:extLst>
               <a:ext uri="{91240B29-F687-4f45-9708-019B960494DF}">
-                <a14:hiddenLine xmlns="" xmlns:a16="http://schemas.microsoft.com/office/drawing/2014/main" xmlns:a14="http://schemas.microsoft.com/office/drawing/2010/main" xmlns:p14="http://schemas.microsoft.com/office/powerpoint/2010/main" w="9525">
+                <a14:hiddenLine xmlns:p14="http://schemas.microsoft.com/office/powerpoint/2010/main" xmlns:a14="http://schemas.microsoft.com/office/drawing/2010/main" xmlns:a16="http://schemas.microsoft.com/office/drawing/2014/main" xmlns="" w="9525">
                   <a:solidFill>
                     <a:srgbClr val="000000"/>
                   </a:solidFill>
@@ -18147,7 +18177,7 @@
             </a:ln>
             <a:extLst>
               <a:ext uri="{91240B29-F687-4f45-9708-019B960494DF}">
-                <a14:hiddenLine xmlns="" xmlns:a16="http://schemas.microsoft.com/office/drawing/2014/main" xmlns:a14="http://schemas.microsoft.com/office/drawing/2010/main" xmlns:p14="http://schemas.microsoft.com/office/powerpoint/2010/main" w="9525">
+                <a14:hiddenLine xmlns:p14="http://schemas.microsoft.com/office/powerpoint/2010/main" xmlns:a14="http://schemas.microsoft.com/office/drawing/2010/main" xmlns:a16="http://schemas.microsoft.com/office/drawing/2014/main" xmlns="" w="9525">
                   <a:solidFill>
                     <a:srgbClr val="000000"/>
                   </a:solidFill>
@@ -18252,7 +18282,7 @@
             </a:ln>
             <a:extLst>
               <a:ext uri="{91240B29-F687-4f45-9708-019B960494DF}">
-                <a14:hiddenLine xmlns="" xmlns:a16="http://schemas.microsoft.com/office/drawing/2014/main" xmlns:a14="http://schemas.microsoft.com/office/drawing/2010/main" xmlns:p14="http://schemas.microsoft.com/office/powerpoint/2010/main" w="9525">
+                <a14:hiddenLine xmlns:p14="http://schemas.microsoft.com/office/powerpoint/2010/main" xmlns:a14="http://schemas.microsoft.com/office/drawing/2010/main" xmlns:a16="http://schemas.microsoft.com/office/drawing/2014/main" xmlns="" w="9525">
                   <a:solidFill>
                     <a:srgbClr val="000000"/>
                   </a:solidFill>
@@ -18329,7 +18359,7 @@
             </a:ln>
             <a:extLst>
               <a:ext uri="{91240B29-F687-4f45-9708-019B960494DF}">
-                <a14:hiddenLine xmlns="" xmlns:a16="http://schemas.microsoft.com/office/drawing/2014/main" xmlns:a14="http://schemas.microsoft.com/office/drawing/2010/main" xmlns:p14="http://schemas.microsoft.com/office/powerpoint/2010/main" w="9525">
+                <a14:hiddenLine xmlns:p14="http://schemas.microsoft.com/office/powerpoint/2010/main" xmlns:a14="http://schemas.microsoft.com/office/drawing/2010/main" xmlns:a16="http://schemas.microsoft.com/office/drawing/2014/main" xmlns="" w="9525">
                   <a:solidFill>
                     <a:srgbClr val="000000"/>
                   </a:solidFill>
@@ -18434,7 +18464,7 @@
             </a:ln>
             <a:extLst>
               <a:ext uri="{91240B29-F687-4f45-9708-019B960494DF}">
-                <a14:hiddenLine xmlns="" xmlns:a16="http://schemas.microsoft.com/office/drawing/2014/main" xmlns:a14="http://schemas.microsoft.com/office/drawing/2010/main" xmlns:p14="http://schemas.microsoft.com/office/powerpoint/2010/main" w="9525">
+                <a14:hiddenLine xmlns:p14="http://schemas.microsoft.com/office/powerpoint/2010/main" xmlns:a14="http://schemas.microsoft.com/office/drawing/2010/main" xmlns:a16="http://schemas.microsoft.com/office/drawing/2014/main" xmlns="" w="9525">
                   <a:solidFill>
                     <a:srgbClr val="000000"/>
                   </a:solidFill>
@@ -18539,7 +18569,7 @@
             </a:ln>
             <a:extLst>
               <a:ext uri="{91240B29-F687-4f45-9708-019B960494DF}">
-                <a14:hiddenLine xmlns="" xmlns:a16="http://schemas.microsoft.com/office/drawing/2014/main" xmlns:a14="http://schemas.microsoft.com/office/drawing/2010/main" xmlns:p14="http://schemas.microsoft.com/office/powerpoint/2010/main" w="9525">
+                <a14:hiddenLine xmlns:p14="http://schemas.microsoft.com/office/powerpoint/2010/main" xmlns:a14="http://schemas.microsoft.com/office/drawing/2010/main" xmlns:a16="http://schemas.microsoft.com/office/drawing/2014/main" xmlns="" w="9525">
                   <a:solidFill>
                     <a:srgbClr val="000000"/>
                   </a:solidFill>
@@ -18619,7 +18649,7 @@
             </a:ln>
             <a:extLst>
               <a:ext uri="{91240B29-F687-4f45-9708-019B960494DF}">
-                <a14:hiddenLine xmlns="" xmlns:a16="http://schemas.microsoft.com/office/drawing/2014/main" xmlns:a14="http://schemas.microsoft.com/office/drawing/2010/main" xmlns:p14="http://schemas.microsoft.com/office/powerpoint/2010/main" w="9525">
+                <a14:hiddenLine xmlns:p14="http://schemas.microsoft.com/office/powerpoint/2010/main" xmlns:a14="http://schemas.microsoft.com/office/drawing/2010/main" xmlns:a16="http://schemas.microsoft.com/office/drawing/2014/main" xmlns="" w="9525">
                   <a:solidFill>
                     <a:srgbClr val="000000"/>
                   </a:solidFill>
@@ -18696,7 +18726,7 @@
             </a:ln>
             <a:extLst>
               <a:ext uri="{91240B29-F687-4f45-9708-019B960494DF}">
-                <a14:hiddenLine xmlns="" xmlns:a16="http://schemas.microsoft.com/office/drawing/2014/main" xmlns:a14="http://schemas.microsoft.com/office/drawing/2010/main" xmlns:p14="http://schemas.microsoft.com/office/powerpoint/2010/main" w="9525">
+                <a14:hiddenLine xmlns:p14="http://schemas.microsoft.com/office/powerpoint/2010/main" xmlns:a14="http://schemas.microsoft.com/office/drawing/2010/main" xmlns:a16="http://schemas.microsoft.com/office/drawing/2014/main" xmlns="" w="9525">
                   <a:solidFill>
                     <a:srgbClr val="000000"/>
                   </a:solidFill>
@@ -18801,7 +18831,7 @@
             </a:ln>
             <a:extLst>
               <a:ext uri="{91240B29-F687-4f45-9708-019B960494DF}">
-                <a14:hiddenLine xmlns="" xmlns:a16="http://schemas.microsoft.com/office/drawing/2014/main" xmlns:a14="http://schemas.microsoft.com/office/drawing/2010/main" xmlns:p14="http://schemas.microsoft.com/office/powerpoint/2010/main" w="9525">
+                <a14:hiddenLine xmlns:p14="http://schemas.microsoft.com/office/powerpoint/2010/main" xmlns:a14="http://schemas.microsoft.com/office/drawing/2010/main" xmlns:a16="http://schemas.microsoft.com/office/drawing/2014/main" xmlns="" w="9525">
                   <a:solidFill>
                     <a:srgbClr val="000000"/>
                   </a:solidFill>
@@ -18906,7 +18936,7 @@
             </a:ln>
             <a:extLst>
               <a:ext uri="{91240B29-F687-4f45-9708-019B960494DF}">
-                <a14:hiddenLine xmlns="" xmlns:a16="http://schemas.microsoft.com/office/drawing/2014/main" xmlns:a14="http://schemas.microsoft.com/office/drawing/2010/main" xmlns:p14="http://schemas.microsoft.com/office/powerpoint/2010/main" w="9525">
+                <a14:hiddenLine xmlns:p14="http://schemas.microsoft.com/office/powerpoint/2010/main" xmlns:a14="http://schemas.microsoft.com/office/drawing/2010/main" xmlns:a16="http://schemas.microsoft.com/office/drawing/2014/main" xmlns="" w="9525">
                   <a:solidFill>
                     <a:srgbClr val="000000"/>
                   </a:solidFill>
@@ -18983,7 +19013,7 @@
             </a:ln>
             <a:extLst>
               <a:ext uri="{91240B29-F687-4f45-9708-019B960494DF}">
-                <a14:hiddenLine xmlns="" xmlns:a16="http://schemas.microsoft.com/office/drawing/2014/main" xmlns:a14="http://schemas.microsoft.com/office/drawing/2010/main" xmlns:p14="http://schemas.microsoft.com/office/powerpoint/2010/main" w="9525">
+                <a14:hiddenLine xmlns:p14="http://schemas.microsoft.com/office/powerpoint/2010/main" xmlns:a14="http://schemas.microsoft.com/office/drawing/2010/main" xmlns:a16="http://schemas.microsoft.com/office/drawing/2014/main" xmlns="" w="9525">
                   <a:solidFill>
                     <a:srgbClr val="000000"/>
                   </a:solidFill>
@@ -19118,7 +19148,7 @@
             </a:ln>
             <a:extLst>
               <a:ext uri="{91240B29-F687-4f45-9708-019B960494DF}">
-                <a14:hiddenLine xmlns="" xmlns:a16="http://schemas.microsoft.com/office/drawing/2014/main" xmlns:a14="http://schemas.microsoft.com/office/drawing/2010/main" xmlns:p14="http://schemas.microsoft.com/office/powerpoint/2010/main" w="9525">
+                <a14:hiddenLine xmlns:p14="http://schemas.microsoft.com/office/powerpoint/2010/main" xmlns:a14="http://schemas.microsoft.com/office/drawing/2010/main" xmlns:a16="http://schemas.microsoft.com/office/drawing/2014/main" xmlns="" w="9525">
                   <a:solidFill>
                     <a:srgbClr val="000000"/>
                   </a:solidFill>
@@ -19201,7 +19231,7 @@
             </a:ln>
             <a:extLst>
               <a:ext uri="{91240B29-F687-4f45-9708-019B960494DF}">
-                <a14:hiddenLine xmlns="" xmlns:a16="http://schemas.microsoft.com/office/drawing/2014/main" xmlns:a14="http://schemas.microsoft.com/office/drawing/2010/main" xmlns:p14="http://schemas.microsoft.com/office/powerpoint/2010/main" w="9525">
+                <a14:hiddenLine xmlns:p14="http://schemas.microsoft.com/office/powerpoint/2010/main" xmlns:a14="http://schemas.microsoft.com/office/drawing/2010/main" xmlns:a16="http://schemas.microsoft.com/office/drawing/2014/main" xmlns="" w="9525">
                   <a:solidFill>
                     <a:srgbClr val="000000"/>
                   </a:solidFill>
@@ -19306,7 +19336,7 @@
             </a:ln>
             <a:extLst>
               <a:ext uri="{91240B29-F687-4f45-9708-019B960494DF}">
-                <a14:hiddenLine xmlns="" xmlns:a16="http://schemas.microsoft.com/office/drawing/2014/main" xmlns:a14="http://schemas.microsoft.com/office/drawing/2010/main" xmlns:p14="http://schemas.microsoft.com/office/powerpoint/2010/main" w="9525">
+                <a14:hiddenLine xmlns:p14="http://schemas.microsoft.com/office/powerpoint/2010/main" xmlns:a14="http://schemas.microsoft.com/office/drawing/2010/main" xmlns:a16="http://schemas.microsoft.com/office/drawing/2014/main" xmlns="" w="9525">
                   <a:solidFill>
                     <a:srgbClr val="000000"/>
                   </a:solidFill>

--- a/Design.pptx
+++ b/Design.pptx
@@ -184,7 +184,7 @@
           <a:noFill/>
           <a:extLst>
             <a:ext uri="{909E8E84-426E-40dd-AFC4-6F175D3DCCD1}">
-              <a14:hiddenFill xmlns="" xmlns:a14="http://schemas.microsoft.com/office/drawing/2010/main">
+              <a14:hiddenFill xmlns:a14="http://schemas.microsoft.com/office/drawing/2010/main" xmlns="">
                 <a:solidFill>
                   <a:srgbClr val="FFFFFF"/>
                 </a:solidFill>
@@ -243,7 +243,7 @@
             </a:ln>
             <a:extLst>
               <a:ext uri="{91240B29-F687-4f45-9708-019B960494DF}">
-                <a14:hiddenLine xmlns="" xmlns:a14="http://schemas.microsoft.com/office/drawing/2010/main" w="9525">
+                <a14:hiddenLine xmlns:a14="http://schemas.microsoft.com/office/drawing/2010/main" xmlns="" w="9525">
                   <a:solidFill>
                     <a:srgbClr val="000000"/>
                   </a:solidFill>
@@ -333,7 +333,7 @@
             </a:ln>
             <a:extLst>
               <a:ext uri="{91240B29-F687-4f45-9708-019B960494DF}">
-                <a14:hiddenLine xmlns="" xmlns:a14="http://schemas.microsoft.com/office/drawing/2010/main" w="9525">
+                <a14:hiddenLine xmlns:a14="http://schemas.microsoft.com/office/drawing/2010/main" xmlns="" w="9525">
                   <a:solidFill>
                     <a:srgbClr val="000000"/>
                   </a:solidFill>
@@ -423,7 +423,7 @@
             </a:ln>
             <a:extLst>
               <a:ext uri="{91240B29-F687-4f45-9708-019B960494DF}">
-                <a14:hiddenLine xmlns="" xmlns:a14="http://schemas.microsoft.com/office/drawing/2010/main" w="9525">
+                <a14:hiddenLine xmlns:a14="http://schemas.microsoft.com/office/drawing/2010/main" xmlns="" w="9525">
                   <a:solidFill>
                     <a:srgbClr val="000000"/>
                   </a:solidFill>
@@ -457,7 +457,7 @@
             </a:ln>
             <a:extLst>
               <a:ext uri="{91240B29-F687-4f45-9708-019B960494DF}">
-                <a14:hiddenLine xmlns="" xmlns:a14="http://schemas.microsoft.com/office/drawing/2010/main" w="9525">
+                <a14:hiddenLine xmlns:a14="http://schemas.microsoft.com/office/drawing/2010/main" xmlns="" w="9525">
                   <a:solidFill>
                     <a:srgbClr val="000000"/>
                   </a:solidFill>
@@ -547,7 +547,7 @@
             </a:ln>
             <a:extLst>
               <a:ext uri="{91240B29-F687-4f45-9708-019B960494DF}">
-                <a14:hiddenLine xmlns="" xmlns:a14="http://schemas.microsoft.com/office/drawing/2010/main" w="9525">
+                <a14:hiddenLine xmlns:a14="http://schemas.microsoft.com/office/drawing/2010/main" xmlns="" w="9525">
                   <a:solidFill>
                     <a:srgbClr val="000000"/>
                   </a:solidFill>
@@ -609,7 +609,7 @@
             </a:ln>
             <a:extLst>
               <a:ext uri="{91240B29-F687-4f45-9708-019B960494DF}">
-                <a14:hiddenLine xmlns="" xmlns:a14="http://schemas.microsoft.com/office/drawing/2010/main" w="9525">
+                <a14:hiddenLine xmlns:a14="http://schemas.microsoft.com/office/drawing/2010/main" xmlns="" w="9525">
                   <a:solidFill>
                     <a:srgbClr val="000000"/>
                   </a:solidFill>
@@ -671,7 +671,7 @@
             </a:ln>
             <a:extLst>
               <a:ext uri="{91240B29-F687-4f45-9708-019B960494DF}">
-                <a14:hiddenLine xmlns="" xmlns:a14="http://schemas.microsoft.com/office/drawing/2010/main" w="9525">
+                <a14:hiddenLine xmlns:a14="http://schemas.microsoft.com/office/drawing/2010/main" xmlns="" w="9525">
                   <a:solidFill>
                     <a:srgbClr val="000000"/>
                   </a:solidFill>
@@ -761,7 +761,7 @@
             </a:ln>
             <a:extLst>
               <a:ext uri="{91240B29-F687-4f45-9708-019B960494DF}">
-                <a14:hiddenLine xmlns="" xmlns:a14="http://schemas.microsoft.com/office/drawing/2010/main" w="9525">
+                <a14:hiddenLine xmlns:a14="http://schemas.microsoft.com/office/drawing/2010/main" xmlns="" w="9525">
                   <a:solidFill>
                     <a:srgbClr val="000000"/>
                   </a:solidFill>
@@ -823,7 +823,7 @@
             </a:ln>
             <a:extLst>
               <a:ext uri="{91240B29-F687-4f45-9708-019B960494DF}">
-                <a14:hiddenLine xmlns="" xmlns:a14="http://schemas.microsoft.com/office/drawing/2010/main" w="9525">
+                <a14:hiddenLine xmlns:a14="http://schemas.microsoft.com/office/drawing/2010/main" xmlns="" w="9525">
                   <a:solidFill>
                     <a:srgbClr val="000000"/>
                   </a:solidFill>
@@ -885,7 +885,7 @@
             </a:ln>
             <a:extLst>
               <a:ext uri="{91240B29-F687-4f45-9708-019B960494DF}">
-                <a14:hiddenLine xmlns="" xmlns:a14="http://schemas.microsoft.com/office/drawing/2010/main" w="9525">
+                <a14:hiddenLine xmlns:a14="http://schemas.microsoft.com/office/drawing/2010/main" xmlns="" w="9525">
                   <a:solidFill>
                     <a:srgbClr val="000000"/>
                   </a:solidFill>
@@ -975,7 +975,7 @@
             </a:ln>
             <a:extLst>
               <a:ext uri="{91240B29-F687-4f45-9708-019B960494DF}">
-                <a14:hiddenLine xmlns="" xmlns:a14="http://schemas.microsoft.com/office/drawing/2010/main" w="9525">
+                <a14:hiddenLine xmlns:a14="http://schemas.microsoft.com/office/drawing/2010/main" xmlns="" w="9525">
                   <a:solidFill>
                     <a:srgbClr val="000000"/>
                   </a:solidFill>
@@ -1065,7 +1065,7 @@
             </a:ln>
             <a:extLst>
               <a:ext uri="{91240B29-F687-4f45-9708-019B960494DF}">
-                <a14:hiddenLine xmlns="" xmlns:a14="http://schemas.microsoft.com/office/drawing/2010/main" w="9525">
+                <a14:hiddenLine xmlns:a14="http://schemas.microsoft.com/office/drawing/2010/main" xmlns="" w="9525">
                   <a:solidFill>
                     <a:srgbClr val="000000"/>
                   </a:solidFill>
@@ -1127,7 +1127,7 @@
             </a:ln>
             <a:extLst>
               <a:ext uri="{91240B29-F687-4f45-9708-019B960494DF}">
-                <a14:hiddenLine xmlns="" xmlns:a14="http://schemas.microsoft.com/office/drawing/2010/main" w="9525">
+                <a14:hiddenLine xmlns:a14="http://schemas.microsoft.com/office/drawing/2010/main" xmlns="" w="9525">
                   <a:solidFill>
                     <a:srgbClr val="000000"/>
                   </a:solidFill>
@@ -1237,7 +1237,7 @@
             </a:ln>
             <a:extLst>
               <a:ext uri="{91240B29-F687-4f45-9708-019B960494DF}">
-                <a14:hiddenLine xmlns="" xmlns:a14="http://schemas.microsoft.com/office/drawing/2010/main" w="9525">
+                <a14:hiddenLine xmlns:a14="http://schemas.microsoft.com/office/drawing/2010/main" xmlns="" w="9525">
                   <a:solidFill>
                     <a:srgbClr val="000000"/>
                   </a:solidFill>
@@ -1299,7 +1299,7 @@
             </a:ln>
             <a:extLst>
               <a:ext uri="{91240B29-F687-4f45-9708-019B960494DF}">
-                <a14:hiddenLine xmlns="" xmlns:a14="http://schemas.microsoft.com/office/drawing/2010/main" w="9525">
+                <a14:hiddenLine xmlns:a14="http://schemas.microsoft.com/office/drawing/2010/main" xmlns="" w="9525">
                   <a:solidFill>
                     <a:srgbClr val="000000"/>
                   </a:solidFill>
@@ -1389,7 +1389,7 @@
             </a:ln>
             <a:extLst>
               <a:ext uri="{91240B29-F687-4f45-9708-019B960494DF}">
-                <a14:hiddenLine xmlns="" xmlns:a14="http://schemas.microsoft.com/office/drawing/2010/main" w="9525">
+                <a14:hiddenLine xmlns:a14="http://schemas.microsoft.com/office/drawing/2010/main" xmlns="" w="9525">
                   <a:solidFill>
                     <a:srgbClr val="000000"/>
                   </a:solidFill>
@@ -1479,7 +1479,7 @@
             </a:ln>
             <a:extLst>
               <a:ext uri="{91240B29-F687-4f45-9708-019B960494DF}">
-                <a14:hiddenLine xmlns="" xmlns:a14="http://schemas.microsoft.com/office/drawing/2010/main" w="9525">
+                <a14:hiddenLine xmlns:a14="http://schemas.microsoft.com/office/drawing/2010/main" xmlns="" w="9525">
                   <a:solidFill>
                     <a:srgbClr val="000000"/>
                   </a:solidFill>
@@ -1541,7 +1541,7 @@
             </a:ln>
             <a:extLst>
               <a:ext uri="{91240B29-F687-4f45-9708-019B960494DF}">
-                <a14:hiddenLine xmlns="" xmlns:a14="http://schemas.microsoft.com/office/drawing/2010/main" w="9525">
+                <a14:hiddenLine xmlns:a14="http://schemas.microsoft.com/office/drawing/2010/main" xmlns="" w="9525">
                   <a:solidFill>
                     <a:srgbClr val="000000"/>
                   </a:solidFill>
@@ -1631,7 +1631,7 @@
             </a:ln>
             <a:extLst>
               <a:ext uri="{91240B29-F687-4f45-9708-019B960494DF}">
-                <a14:hiddenLine xmlns="" xmlns:a14="http://schemas.microsoft.com/office/drawing/2010/main" w="9525">
+                <a14:hiddenLine xmlns:a14="http://schemas.microsoft.com/office/drawing/2010/main" xmlns="" w="9525">
                   <a:solidFill>
                     <a:srgbClr val="000000"/>
                   </a:solidFill>
@@ -1721,7 +1721,7 @@
             </a:ln>
             <a:extLst>
               <a:ext uri="{91240B29-F687-4f45-9708-019B960494DF}">
-                <a14:hiddenLine xmlns="" xmlns:a14="http://schemas.microsoft.com/office/drawing/2010/main" w="9525">
+                <a14:hiddenLine xmlns:a14="http://schemas.microsoft.com/office/drawing/2010/main" xmlns="" w="9525">
                   <a:solidFill>
                     <a:srgbClr val="000000"/>
                   </a:solidFill>
@@ -1777,7 +1777,7 @@
             </a:ln>
             <a:extLst>
               <a:ext uri="{91240B29-F687-4f45-9708-019B960494DF}">
-                <a14:hiddenLine xmlns="" xmlns:a14="http://schemas.microsoft.com/office/drawing/2010/main" w="9525">
+                <a14:hiddenLine xmlns:a14="http://schemas.microsoft.com/office/drawing/2010/main" xmlns="" w="9525">
                   <a:solidFill>
                     <a:srgbClr val="000000"/>
                   </a:solidFill>
@@ -1867,7 +1867,7 @@
             </a:ln>
             <a:extLst>
               <a:ext uri="{91240B29-F687-4f45-9708-019B960494DF}">
-                <a14:hiddenLine xmlns="" xmlns:a14="http://schemas.microsoft.com/office/drawing/2010/main" w="9525">
+                <a14:hiddenLine xmlns:a14="http://schemas.microsoft.com/office/drawing/2010/main" xmlns="" w="9525">
                   <a:solidFill>
                     <a:srgbClr val="000000"/>
                   </a:solidFill>
@@ -1923,7 +1923,7 @@
             </a:ln>
             <a:extLst>
               <a:ext uri="{91240B29-F687-4f45-9708-019B960494DF}">
-                <a14:hiddenLine xmlns="" xmlns:a14="http://schemas.microsoft.com/office/drawing/2010/main" w="9525">
+                <a14:hiddenLine xmlns:a14="http://schemas.microsoft.com/office/drawing/2010/main" xmlns="" w="9525">
                   <a:solidFill>
                     <a:srgbClr val="000000"/>
                   </a:solidFill>
@@ -2013,7 +2013,7 @@
             </a:ln>
             <a:extLst>
               <a:ext uri="{91240B29-F687-4f45-9708-019B960494DF}">
-                <a14:hiddenLine xmlns="" xmlns:a14="http://schemas.microsoft.com/office/drawing/2010/main" w="9525">
+                <a14:hiddenLine xmlns:a14="http://schemas.microsoft.com/office/drawing/2010/main" xmlns="" w="9525">
                   <a:solidFill>
                     <a:srgbClr val="000000"/>
                   </a:solidFill>
@@ -2081,7 +2081,7 @@
             </a:ln>
             <a:extLst>
               <a:ext uri="{91240B29-F687-4f45-9708-019B960494DF}">
-                <a14:hiddenLine xmlns="" xmlns:a14="http://schemas.microsoft.com/office/drawing/2010/main" w="9525">
+                <a14:hiddenLine xmlns:a14="http://schemas.microsoft.com/office/drawing/2010/main" xmlns="" w="9525">
                   <a:solidFill>
                     <a:srgbClr val="000000"/>
                   </a:solidFill>
@@ -2171,7 +2171,7 @@
             </a:ln>
             <a:extLst>
               <a:ext uri="{91240B29-F687-4f45-9708-019B960494DF}">
-                <a14:hiddenLine xmlns="" xmlns:a14="http://schemas.microsoft.com/office/drawing/2010/main" w="9525">
+                <a14:hiddenLine xmlns:a14="http://schemas.microsoft.com/office/drawing/2010/main" xmlns="" w="9525">
                   <a:solidFill>
                     <a:srgbClr val="000000"/>
                   </a:solidFill>
@@ -2239,7 +2239,7 @@
             </a:ln>
             <a:extLst>
               <a:ext uri="{91240B29-F687-4f45-9708-019B960494DF}">
-                <a14:hiddenLine xmlns="" xmlns:a14="http://schemas.microsoft.com/office/drawing/2010/main" w="9525">
+                <a14:hiddenLine xmlns:a14="http://schemas.microsoft.com/office/drawing/2010/main" xmlns="" w="9525">
                   <a:solidFill>
                     <a:srgbClr val="000000"/>
                   </a:solidFill>
@@ -2329,7 +2329,7 @@
             </a:ln>
             <a:extLst>
               <a:ext uri="{91240B29-F687-4f45-9708-019B960494DF}">
-                <a14:hiddenLine xmlns="" xmlns:a14="http://schemas.microsoft.com/office/drawing/2010/main" w="9525">
+                <a14:hiddenLine xmlns:a14="http://schemas.microsoft.com/office/drawing/2010/main" xmlns="" w="9525">
                   <a:solidFill>
                     <a:srgbClr val="000000"/>
                   </a:solidFill>
@@ -2363,7 +2363,7 @@
             </a:ln>
             <a:extLst>
               <a:ext uri="{91240B29-F687-4f45-9708-019B960494DF}">
-                <a14:hiddenLine xmlns="" xmlns:a14="http://schemas.microsoft.com/office/drawing/2010/main" w="9525">
+                <a14:hiddenLine xmlns:a14="http://schemas.microsoft.com/office/drawing/2010/main" xmlns="" w="9525">
                   <a:solidFill>
                     <a:srgbClr val="000000"/>
                   </a:solidFill>
@@ -2453,7 +2453,7 @@
             </a:ln>
             <a:extLst>
               <a:ext uri="{91240B29-F687-4f45-9708-019B960494DF}">
-                <a14:hiddenLine xmlns="" xmlns:a14="http://schemas.microsoft.com/office/drawing/2010/main" w="9525">
+                <a14:hiddenLine xmlns:a14="http://schemas.microsoft.com/office/drawing/2010/main" xmlns="" w="9525">
                   <a:solidFill>
                     <a:srgbClr val="000000"/>
                   </a:solidFill>
@@ -2515,7 +2515,7 @@
             </a:ln>
             <a:extLst>
               <a:ext uri="{91240B29-F687-4f45-9708-019B960494DF}">
-                <a14:hiddenLine xmlns="" xmlns:a14="http://schemas.microsoft.com/office/drawing/2010/main" w="9525">
+                <a14:hiddenLine xmlns:a14="http://schemas.microsoft.com/office/drawing/2010/main" xmlns="" w="9525">
                   <a:solidFill>
                     <a:srgbClr val="000000"/>
                   </a:solidFill>
@@ -2577,7 +2577,7 @@
             </a:ln>
             <a:extLst>
               <a:ext uri="{91240B29-F687-4f45-9708-019B960494DF}">
-                <a14:hiddenLine xmlns="" xmlns:a14="http://schemas.microsoft.com/office/drawing/2010/main" w="9525">
+                <a14:hiddenLine xmlns:a14="http://schemas.microsoft.com/office/drawing/2010/main" xmlns="" w="9525">
                   <a:solidFill>
                     <a:srgbClr val="000000"/>
                   </a:solidFill>
@@ -2667,7 +2667,7 @@
             </a:ln>
             <a:extLst>
               <a:ext uri="{91240B29-F687-4f45-9708-019B960494DF}">
-                <a14:hiddenLine xmlns="" xmlns:a14="http://schemas.microsoft.com/office/drawing/2010/main" w="9525">
+                <a14:hiddenLine xmlns:a14="http://schemas.microsoft.com/office/drawing/2010/main" xmlns="" w="9525">
                   <a:solidFill>
                     <a:srgbClr val="000000"/>
                   </a:solidFill>
@@ -2735,7 +2735,7 @@
             </a:ln>
             <a:extLst>
               <a:ext uri="{91240B29-F687-4f45-9708-019B960494DF}">
-                <a14:hiddenLine xmlns="" xmlns:a14="http://schemas.microsoft.com/office/drawing/2010/main" w="9525">
+                <a14:hiddenLine xmlns:a14="http://schemas.microsoft.com/office/drawing/2010/main" xmlns="" w="9525">
                   <a:solidFill>
                     <a:srgbClr val="000000"/>
                   </a:solidFill>
@@ -2797,7 +2797,7 @@
             </a:ln>
             <a:extLst>
               <a:ext uri="{91240B29-F687-4f45-9708-019B960494DF}">
-                <a14:hiddenLine xmlns="" xmlns:a14="http://schemas.microsoft.com/office/drawing/2010/main" w="9525">
+                <a14:hiddenLine xmlns:a14="http://schemas.microsoft.com/office/drawing/2010/main" xmlns="" w="9525">
                   <a:solidFill>
                     <a:srgbClr val="000000"/>
                   </a:solidFill>
@@ -2887,7 +2887,7 @@
             </a:ln>
             <a:extLst>
               <a:ext uri="{91240B29-F687-4f45-9708-019B960494DF}">
-                <a14:hiddenLine xmlns="" xmlns:a14="http://schemas.microsoft.com/office/drawing/2010/main" w="9525">
+                <a14:hiddenLine xmlns:a14="http://schemas.microsoft.com/office/drawing/2010/main" xmlns="" w="9525">
                   <a:solidFill>
                     <a:srgbClr val="000000"/>
                   </a:solidFill>
@@ -2949,7 +2949,7 @@
             </a:ln>
             <a:extLst>
               <a:ext uri="{91240B29-F687-4f45-9708-019B960494DF}">
-                <a14:hiddenLine xmlns="" xmlns:a14="http://schemas.microsoft.com/office/drawing/2010/main" w="9525">
+                <a14:hiddenLine xmlns:a14="http://schemas.microsoft.com/office/drawing/2010/main" xmlns="" w="9525">
                   <a:solidFill>
                     <a:srgbClr val="000000"/>
                   </a:solidFill>
@@ -3039,7 +3039,7 @@
             </a:ln>
             <a:extLst>
               <a:ext uri="{91240B29-F687-4f45-9708-019B960494DF}">
-                <a14:hiddenLine xmlns="" xmlns:a14="http://schemas.microsoft.com/office/drawing/2010/main" w="9525">
+                <a14:hiddenLine xmlns:a14="http://schemas.microsoft.com/office/drawing/2010/main" xmlns="" w="9525">
                   <a:solidFill>
                     <a:srgbClr val="000000"/>
                   </a:solidFill>
@@ -3101,7 +3101,7 @@
             </a:ln>
             <a:extLst>
               <a:ext uri="{91240B29-F687-4f45-9708-019B960494DF}">
-                <a14:hiddenLine xmlns="" xmlns:a14="http://schemas.microsoft.com/office/drawing/2010/main" w="9525">
+                <a14:hiddenLine xmlns:a14="http://schemas.microsoft.com/office/drawing/2010/main" xmlns="" w="9525">
                   <a:solidFill>
                     <a:srgbClr val="000000"/>
                   </a:solidFill>
@@ -3191,7 +3191,7 @@
             </a:ln>
             <a:extLst>
               <a:ext uri="{91240B29-F687-4f45-9708-019B960494DF}">
-                <a14:hiddenLine xmlns="" xmlns:a14="http://schemas.microsoft.com/office/drawing/2010/main" w="9525">
+                <a14:hiddenLine xmlns:a14="http://schemas.microsoft.com/office/drawing/2010/main" xmlns="" w="9525">
                   <a:solidFill>
                     <a:srgbClr val="000000"/>
                   </a:solidFill>
@@ -3225,7 +3225,7 @@
             </a:ln>
             <a:extLst>
               <a:ext uri="{91240B29-F687-4f45-9708-019B960494DF}">
-                <a14:hiddenLine xmlns="" xmlns:a14="http://schemas.microsoft.com/office/drawing/2010/main" w="9525">
+                <a14:hiddenLine xmlns:a14="http://schemas.microsoft.com/office/drawing/2010/main" xmlns="" w="9525">
                   <a:solidFill>
                     <a:srgbClr val="000000"/>
                   </a:solidFill>
@@ -3290,7 +3290,7 @@
             </a:ln>
             <a:extLst>
               <a:ext uri="{91240B29-F687-4f45-9708-019B960494DF}">
-                <a14:hiddenLine xmlns="" xmlns:a14="http://schemas.microsoft.com/office/drawing/2010/main" w="9525">
+                <a14:hiddenLine xmlns:a14="http://schemas.microsoft.com/office/drawing/2010/main" xmlns="" w="9525">
                   <a:solidFill>
                     <a:srgbClr val="000000"/>
                   </a:solidFill>
@@ -3380,7 +3380,7 @@
             </a:ln>
             <a:extLst>
               <a:ext uri="{91240B29-F687-4f45-9708-019B960494DF}">
-                <a14:hiddenLine xmlns="" xmlns:a14="http://schemas.microsoft.com/office/drawing/2010/main" w="9525">
+                <a14:hiddenLine xmlns:a14="http://schemas.microsoft.com/office/drawing/2010/main" xmlns="" w="9525">
                   <a:solidFill>
                     <a:srgbClr val="000000"/>
                   </a:solidFill>
@@ -3442,7 +3442,7 @@
             </a:ln>
             <a:extLst>
               <a:ext uri="{91240B29-F687-4f45-9708-019B960494DF}">
-                <a14:hiddenLine xmlns="" xmlns:a14="http://schemas.microsoft.com/office/drawing/2010/main" w="9525">
+                <a14:hiddenLine xmlns:a14="http://schemas.microsoft.com/office/drawing/2010/main" xmlns="" w="9525">
                   <a:solidFill>
                     <a:srgbClr val="000000"/>
                   </a:solidFill>
@@ -3532,7 +3532,7 @@
             </a:ln>
             <a:extLst>
               <a:ext uri="{91240B29-F687-4f45-9708-019B960494DF}">
-                <a14:hiddenLine xmlns="" xmlns:a14="http://schemas.microsoft.com/office/drawing/2010/main" w="9525">
+                <a14:hiddenLine xmlns:a14="http://schemas.microsoft.com/office/drawing/2010/main" xmlns="" w="9525">
                   <a:solidFill>
                     <a:srgbClr val="000000"/>
                   </a:solidFill>
@@ -3622,7 +3622,7 @@
             </a:ln>
             <a:extLst>
               <a:ext uri="{91240B29-F687-4f45-9708-019B960494DF}">
-                <a14:hiddenLine xmlns="" xmlns:a14="http://schemas.microsoft.com/office/drawing/2010/main" w="9525">
+                <a14:hiddenLine xmlns:a14="http://schemas.microsoft.com/office/drawing/2010/main" xmlns="" w="9525">
                   <a:solidFill>
                     <a:srgbClr val="000000"/>
                   </a:solidFill>
@@ -3687,7 +3687,7 @@
             </a:ln>
             <a:extLst>
               <a:ext uri="{91240B29-F687-4f45-9708-019B960494DF}">
-                <a14:hiddenLine xmlns="" xmlns:a14="http://schemas.microsoft.com/office/drawing/2010/main" w="9525">
+                <a14:hiddenLine xmlns:a14="http://schemas.microsoft.com/office/drawing/2010/main" xmlns="" w="9525">
                   <a:solidFill>
                     <a:srgbClr val="000000"/>
                   </a:solidFill>
@@ -3749,7 +3749,7 @@
             </a:ln>
             <a:extLst>
               <a:ext uri="{91240B29-F687-4f45-9708-019B960494DF}">
-                <a14:hiddenLine xmlns="" xmlns:a14="http://schemas.microsoft.com/office/drawing/2010/main" w="9525">
+                <a14:hiddenLine xmlns:a14="http://schemas.microsoft.com/office/drawing/2010/main" xmlns="" w="9525">
                   <a:solidFill>
                     <a:srgbClr val="000000"/>
                   </a:solidFill>
@@ -3839,7 +3839,7 @@
             </a:ln>
             <a:extLst>
               <a:ext uri="{91240B29-F687-4f45-9708-019B960494DF}">
-                <a14:hiddenLine xmlns="" xmlns:a14="http://schemas.microsoft.com/office/drawing/2010/main" w="9525">
+                <a14:hiddenLine xmlns:a14="http://schemas.microsoft.com/office/drawing/2010/main" xmlns="" w="9525">
                   <a:solidFill>
                     <a:srgbClr val="000000"/>
                   </a:solidFill>
@@ -3929,7 +3929,7 @@
             </a:ln>
             <a:extLst>
               <a:ext uri="{91240B29-F687-4f45-9708-019B960494DF}">
-                <a14:hiddenLine xmlns="" xmlns:a14="http://schemas.microsoft.com/office/drawing/2010/main" w="9525">
+                <a14:hiddenLine xmlns:a14="http://schemas.microsoft.com/office/drawing/2010/main" xmlns="" w="9525">
                   <a:solidFill>
                     <a:srgbClr val="000000"/>
                   </a:solidFill>
@@ -3991,7 +3991,7 @@
             </a:ln>
             <a:extLst>
               <a:ext uri="{91240B29-F687-4f45-9708-019B960494DF}">
-                <a14:hiddenLine xmlns="" xmlns:a14="http://schemas.microsoft.com/office/drawing/2010/main" w="9525">
+                <a14:hiddenLine xmlns:a14="http://schemas.microsoft.com/office/drawing/2010/main" xmlns="" w="9525">
                   <a:solidFill>
                     <a:srgbClr val="000000"/>
                   </a:solidFill>
@@ -4111,7 +4111,7 @@
             </a:ln>
             <a:extLst>
               <a:ext uri="{91240B29-F687-4f45-9708-019B960494DF}">
-                <a14:hiddenLine xmlns="" xmlns:a14="http://schemas.microsoft.com/office/drawing/2010/main" w="9525">
+                <a14:hiddenLine xmlns:a14="http://schemas.microsoft.com/office/drawing/2010/main" xmlns="" w="9525">
                   <a:solidFill>
                     <a:srgbClr val="000000"/>
                   </a:solidFill>
@@ -4179,7 +4179,7 @@
             </a:ln>
             <a:extLst>
               <a:ext uri="{91240B29-F687-4f45-9708-019B960494DF}">
-                <a14:hiddenLine xmlns="" xmlns:a14="http://schemas.microsoft.com/office/drawing/2010/main" w="9525">
+                <a14:hiddenLine xmlns:a14="http://schemas.microsoft.com/office/drawing/2010/main" xmlns="" w="9525">
                   <a:solidFill>
                     <a:srgbClr val="000000"/>
                   </a:solidFill>
@@ -4269,7 +4269,7 @@
             </a:ln>
             <a:extLst>
               <a:ext uri="{91240B29-F687-4f45-9708-019B960494DF}">
-                <a14:hiddenLine xmlns="" xmlns:a14="http://schemas.microsoft.com/office/drawing/2010/main" w="9525">
+                <a14:hiddenLine xmlns:a14="http://schemas.microsoft.com/office/drawing/2010/main" xmlns="" w="9525">
                   <a:solidFill>
                     <a:srgbClr val="000000"/>
                   </a:solidFill>
@@ -4409,7 +4409,7 @@
           <a:p>
             <a:fld id="{C92431A8-17CE-4556-BA8C-872543424DAF}" type="datetimeFigureOut">
               <a:rPr lang="en-NZ" smtClean="0"/>
-              <a:t>9/06/2023</a:t>
+              <a:t>10/06/2023</a:t>
             </a:fld>
             <a:endParaRPr lang="en-NZ"/>
           </a:p>
@@ -4676,7 +4676,7 @@
           <a:p>
             <a:fld id="{C92431A8-17CE-4556-BA8C-872543424DAF}" type="datetimeFigureOut">
               <a:rPr lang="en-NZ" smtClean="0"/>
-              <a:t>9/06/2023</a:t>
+              <a:t>10/06/2023</a:t>
             </a:fld>
             <a:endParaRPr lang="en-NZ"/>
           </a:p>
@@ -4872,7 +4872,7 @@
           <a:p>
             <a:fld id="{C92431A8-17CE-4556-BA8C-872543424DAF}" type="datetimeFigureOut">
               <a:rPr lang="en-NZ" smtClean="0"/>
-              <a:t>9/06/2023</a:t>
+              <a:t>10/06/2023</a:t>
             </a:fld>
             <a:endParaRPr lang="en-NZ"/>
           </a:p>
@@ -5135,7 +5135,7 @@
           <a:p>
             <a:fld id="{C92431A8-17CE-4556-BA8C-872543424DAF}" type="datetimeFigureOut">
               <a:rPr lang="en-NZ" smtClean="0"/>
-              <a:t>9/06/2023</a:t>
+              <a:t>10/06/2023</a:t>
             </a:fld>
             <a:endParaRPr lang="en-NZ"/>
           </a:p>
@@ -5569,7 +5569,7 @@
           <a:p>
             <a:fld id="{C92431A8-17CE-4556-BA8C-872543424DAF}" type="datetimeFigureOut">
               <a:rPr lang="en-NZ" smtClean="0"/>
-              <a:t>9/06/2023</a:t>
+              <a:t>10/06/2023</a:t>
             </a:fld>
             <a:endParaRPr lang="en-NZ"/>
           </a:p>
@@ -6115,7 +6115,7 @@
           <a:p>
             <a:fld id="{C92431A8-17CE-4556-BA8C-872543424DAF}" type="datetimeFigureOut">
               <a:rPr lang="en-NZ" smtClean="0"/>
-              <a:t>9/06/2023</a:t>
+              <a:t>10/06/2023</a:t>
             </a:fld>
             <a:endParaRPr lang="en-NZ"/>
           </a:p>
@@ -6835,7 +6835,7 @@
           <a:p>
             <a:fld id="{C92431A8-17CE-4556-BA8C-872543424DAF}" type="datetimeFigureOut">
               <a:rPr lang="en-NZ" smtClean="0"/>
-              <a:t>9/06/2023</a:t>
+              <a:t>10/06/2023</a:t>
             </a:fld>
             <a:endParaRPr lang="en-NZ"/>
           </a:p>
@@ -7005,7 +7005,7 @@
           <a:p>
             <a:fld id="{C92431A8-17CE-4556-BA8C-872543424DAF}" type="datetimeFigureOut">
               <a:rPr lang="en-NZ" smtClean="0"/>
-              <a:t>9/06/2023</a:t>
+              <a:t>10/06/2023</a:t>
             </a:fld>
             <a:endParaRPr lang="en-NZ"/>
           </a:p>
@@ -7185,7 +7185,7 @@
           <a:p>
             <a:fld id="{C92431A8-17CE-4556-BA8C-872543424DAF}" type="datetimeFigureOut">
               <a:rPr lang="en-NZ" smtClean="0"/>
-              <a:t>9/06/2023</a:t>
+              <a:t>10/06/2023</a:t>
             </a:fld>
             <a:endParaRPr lang="en-NZ"/>
           </a:p>
@@ -7355,7 +7355,7 @@
           <a:p>
             <a:fld id="{C92431A8-17CE-4556-BA8C-872543424DAF}" type="datetimeFigureOut">
               <a:rPr lang="en-NZ" smtClean="0"/>
-              <a:t>9/06/2023</a:t>
+              <a:t>10/06/2023</a:t>
             </a:fld>
             <a:endParaRPr lang="en-NZ"/>
           </a:p>
@@ -7605,7 +7605,7 @@
           <a:p>
             <a:fld id="{C92431A8-17CE-4556-BA8C-872543424DAF}" type="datetimeFigureOut">
               <a:rPr lang="en-NZ" smtClean="0"/>
-              <a:t>9/06/2023</a:t>
+              <a:t>10/06/2023</a:t>
             </a:fld>
             <a:endParaRPr lang="en-NZ"/>
           </a:p>
@@ -7837,7 +7837,7 @@
           <a:p>
             <a:fld id="{C92431A8-17CE-4556-BA8C-872543424DAF}" type="datetimeFigureOut">
               <a:rPr lang="en-NZ" smtClean="0"/>
-              <a:t>9/06/2023</a:t>
+              <a:t>10/06/2023</a:t>
             </a:fld>
             <a:endParaRPr lang="en-NZ"/>
           </a:p>
@@ -8218,7 +8218,7 @@
           <a:p>
             <a:fld id="{C92431A8-17CE-4556-BA8C-872543424DAF}" type="datetimeFigureOut">
               <a:rPr lang="en-NZ" smtClean="0"/>
-              <a:t>9/06/2023</a:t>
+              <a:t>10/06/2023</a:t>
             </a:fld>
             <a:endParaRPr lang="en-NZ"/>
           </a:p>
@@ -8336,7 +8336,7 @@
           <a:p>
             <a:fld id="{C92431A8-17CE-4556-BA8C-872543424DAF}" type="datetimeFigureOut">
               <a:rPr lang="en-NZ" smtClean="0"/>
-              <a:t>9/06/2023</a:t>
+              <a:t>10/06/2023</a:t>
             </a:fld>
             <a:endParaRPr lang="en-NZ"/>
           </a:p>
@@ -8431,7 +8431,7 @@
           <a:p>
             <a:fld id="{C92431A8-17CE-4556-BA8C-872543424DAF}" type="datetimeFigureOut">
               <a:rPr lang="en-NZ" smtClean="0"/>
-              <a:t>9/06/2023</a:t>
+              <a:t>10/06/2023</a:t>
             </a:fld>
             <a:endParaRPr lang="en-NZ"/>
           </a:p>
@@ -8680,7 +8680,7 @@
           <a:p>
             <a:fld id="{C92431A8-17CE-4556-BA8C-872543424DAF}" type="datetimeFigureOut">
               <a:rPr lang="en-NZ" smtClean="0"/>
-              <a:t>9/06/2023</a:t>
+              <a:t>10/06/2023</a:t>
             </a:fld>
             <a:endParaRPr lang="en-NZ"/>
           </a:p>
@@ -8960,7 +8960,7 @@
           <a:p>
             <a:fld id="{C92431A8-17CE-4556-BA8C-872543424DAF}" type="datetimeFigureOut">
               <a:rPr lang="en-NZ" smtClean="0"/>
-              <a:t>9/06/2023</a:t>
+              <a:t>10/06/2023</a:t>
             </a:fld>
             <a:endParaRPr lang="en-NZ"/>
           </a:p>
@@ -9083,7 +9083,7 @@
           <a:noFill/>
           <a:extLst>
             <a:ext uri="{909E8E84-426E-40dd-AFC4-6F175D3DCCD1}">
-              <a14:hiddenFill xmlns="" xmlns:a14="http://schemas.microsoft.com/office/drawing/2010/main">
+              <a14:hiddenFill xmlns:a14="http://schemas.microsoft.com/office/drawing/2010/main" xmlns="">
                 <a:solidFill>
                   <a:srgbClr val="FFFFFF"/>
                 </a:solidFill>
@@ -9157,7 +9157,7 @@
               </a:ln>
               <a:extLst>
                 <a:ext uri="{91240B29-F687-4f45-9708-019B960494DF}">
-                  <a14:hiddenLine xmlns="" xmlns:a14="http://schemas.microsoft.com/office/drawing/2010/main" w="9525">
+                  <a14:hiddenLine xmlns:a14="http://schemas.microsoft.com/office/drawing/2010/main" xmlns="" w="9525">
                     <a:solidFill>
                       <a:srgbClr val="000000"/>
                     </a:solidFill>
@@ -9247,7 +9247,7 @@
               </a:ln>
               <a:extLst>
                 <a:ext uri="{91240B29-F687-4f45-9708-019B960494DF}">
-                  <a14:hiddenLine xmlns="" xmlns:a14="http://schemas.microsoft.com/office/drawing/2010/main" w="9525">
+                  <a14:hiddenLine xmlns:a14="http://schemas.microsoft.com/office/drawing/2010/main" xmlns="" w="9525">
                     <a:solidFill>
                       <a:srgbClr val="000000"/>
                     </a:solidFill>
@@ -9337,7 +9337,7 @@
               </a:ln>
               <a:extLst>
                 <a:ext uri="{91240B29-F687-4f45-9708-019B960494DF}">
-                  <a14:hiddenLine xmlns="" xmlns:a14="http://schemas.microsoft.com/office/drawing/2010/main" w="9525">
+                  <a14:hiddenLine xmlns:a14="http://schemas.microsoft.com/office/drawing/2010/main" xmlns="" w="9525">
                     <a:solidFill>
                       <a:srgbClr val="000000"/>
                     </a:solidFill>
@@ -9399,7 +9399,7 @@
               </a:ln>
               <a:extLst>
                 <a:ext uri="{91240B29-F687-4f45-9708-019B960494DF}">
-                  <a14:hiddenLine xmlns="" xmlns:a14="http://schemas.microsoft.com/office/drawing/2010/main" w="9525">
+                  <a14:hiddenLine xmlns:a14="http://schemas.microsoft.com/office/drawing/2010/main" xmlns="" w="9525">
                     <a:solidFill>
                       <a:srgbClr val="000000"/>
                     </a:solidFill>
@@ -9489,7 +9489,7 @@
               </a:ln>
               <a:extLst>
                 <a:ext uri="{91240B29-F687-4f45-9708-019B960494DF}">
-                  <a14:hiddenLine xmlns="" xmlns:a14="http://schemas.microsoft.com/office/drawing/2010/main" w="9525">
+                  <a14:hiddenLine xmlns:a14="http://schemas.microsoft.com/office/drawing/2010/main" xmlns="" w="9525">
                     <a:solidFill>
                       <a:srgbClr val="000000"/>
                     </a:solidFill>
@@ -9551,7 +9551,7 @@
               </a:ln>
               <a:extLst>
                 <a:ext uri="{91240B29-F687-4f45-9708-019B960494DF}">
-                  <a14:hiddenLine xmlns="" xmlns:a14="http://schemas.microsoft.com/office/drawing/2010/main" w="9525">
+                  <a14:hiddenLine xmlns:a14="http://schemas.microsoft.com/office/drawing/2010/main" xmlns="" w="9525">
                     <a:solidFill>
                       <a:srgbClr val="000000"/>
                     </a:solidFill>
@@ -9613,7 +9613,7 @@
               </a:ln>
               <a:extLst>
                 <a:ext uri="{91240B29-F687-4f45-9708-019B960494DF}">
-                  <a14:hiddenLine xmlns="" xmlns:a14="http://schemas.microsoft.com/office/drawing/2010/main" w="9525">
+                  <a14:hiddenLine xmlns:a14="http://schemas.microsoft.com/office/drawing/2010/main" xmlns="" w="9525">
                     <a:solidFill>
                       <a:srgbClr val="000000"/>
                     </a:solidFill>
@@ -9703,7 +9703,7 @@
               </a:ln>
               <a:extLst>
                 <a:ext uri="{91240B29-F687-4f45-9708-019B960494DF}">
-                  <a14:hiddenLine xmlns="" xmlns:a14="http://schemas.microsoft.com/office/drawing/2010/main" w="9525">
+                  <a14:hiddenLine xmlns:a14="http://schemas.microsoft.com/office/drawing/2010/main" xmlns="" w="9525">
                     <a:solidFill>
                       <a:srgbClr val="000000"/>
                     </a:solidFill>
@@ -9793,7 +9793,7 @@
               </a:ln>
               <a:extLst>
                 <a:ext uri="{91240B29-F687-4f45-9708-019B960494DF}">
-                  <a14:hiddenLine xmlns="" xmlns:a14="http://schemas.microsoft.com/office/drawing/2010/main" w="9525">
+                  <a14:hiddenLine xmlns:a14="http://schemas.microsoft.com/office/drawing/2010/main" xmlns="" w="9525">
                     <a:solidFill>
                       <a:srgbClr val="000000"/>
                     </a:solidFill>
@@ -9855,7 +9855,7 @@
               </a:ln>
               <a:extLst>
                 <a:ext uri="{91240B29-F687-4f45-9708-019B960494DF}">
-                  <a14:hiddenLine xmlns="" xmlns:a14="http://schemas.microsoft.com/office/drawing/2010/main" w="9525">
+                  <a14:hiddenLine xmlns:a14="http://schemas.microsoft.com/office/drawing/2010/main" xmlns="" w="9525">
                     <a:solidFill>
                       <a:srgbClr val="000000"/>
                     </a:solidFill>
@@ -9965,7 +9965,7 @@
               </a:ln>
               <a:extLst>
                 <a:ext uri="{91240B29-F687-4f45-9708-019B960494DF}">
-                  <a14:hiddenLine xmlns="" xmlns:a14="http://schemas.microsoft.com/office/drawing/2010/main" w="9525">
+                  <a14:hiddenLine xmlns:a14="http://schemas.microsoft.com/office/drawing/2010/main" xmlns="" w="9525">
                     <a:solidFill>
                       <a:srgbClr val="000000"/>
                     </a:solidFill>
@@ -10049,7 +10049,7 @@
               </a:ln>
               <a:extLst>
                 <a:ext uri="{91240B29-F687-4f45-9708-019B960494DF}">
-                  <a14:hiddenLine xmlns="" xmlns:a14="http://schemas.microsoft.com/office/drawing/2010/main" w="9525">
+                  <a14:hiddenLine xmlns:a14="http://schemas.microsoft.com/office/drawing/2010/main" xmlns="" w="9525">
                     <a:solidFill>
                       <a:srgbClr val="000000"/>
                     </a:solidFill>
@@ -10111,7 +10111,7 @@
               </a:ln>
               <a:extLst>
                 <a:ext uri="{91240B29-F687-4f45-9708-019B960494DF}">
-                  <a14:hiddenLine xmlns="" xmlns:a14="http://schemas.microsoft.com/office/drawing/2010/main" w="9525">
+                  <a14:hiddenLine xmlns:a14="http://schemas.microsoft.com/office/drawing/2010/main" xmlns="" w="9525">
                     <a:solidFill>
                       <a:srgbClr val="000000"/>
                     </a:solidFill>
@@ -10173,7 +10173,7 @@
               </a:ln>
               <a:extLst>
                 <a:ext uri="{91240B29-F687-4f45-9708-019B960494DF}">
-                  <a14:hiddenLine xmlns="" xmlns:a14="http://schemas.microsoft.com/office/drawing/2010/main" w="9525">
+                  <a14:hiddenLine xmlns:a14="http://schemas.microsoft.com/office/drawing/2010/main" xmlns="" w="9525">
                     <a:solidFill>
                       <a:srgbClr val="000000"/>
                     </a:solidFill>
@@ -10263,7 +10263,7 @@
               </a:ln>
               <a:extLst>
                 <a:ext uri="{91240B29-F687-4f45-9708-019B960494DF}">
-                  <a14:hiddenLine xmlns="" xmlns:a14="http://schemas.microsoft.com/office/drawing/2010/main" w="9525">
+                  <a14:hiddenLine xmlns:a14="http://schemas.microsoft.com/office/drawing/2010/main" xmlns="" w="9525">
                     <a:solidFill>
                       <a:srgbClr val="000000"/>
                     </a:solidFill>
@@ -10297,7 +10297,7 @@
               </a:ln>
               <a:extLst>
                 <a:ext uri="{91240B29-F687-4f45-9708-019B960494DF}">
-                  <a14:hiddenLine xmlns="" xmlns:a14="http://schemas.microsoft.com/office/drawing/2010/main" w="9525">
+                  <a14:hiddenLine xmlns:a14="http://schemas.microsoft.com/office/drawing/2010/main" xmlns="" w="9525">
                     <a:solidFill>
                       <a:srgbClr val="000000"/>
                     </a:solidFill>
@@ -10362,7 +10362,7 @@
               </a:ln>
               <a:extLst>
                 <a:ext uri="{91240B29-F687-4f45-9708-019B960494DF}">
-                  <a14:hiddenLine xmlns="" xmlns:a14="http://schemas.microsoft.com/office/drawing/2010/main" w="9525">
+                  <a14:hiddenLine xmlns:a14="http://schemas.microsoft.com/office/drawing/2010/main" xmlns="" w="9525">
                     <a:solidFill>
                       <a:srgbClr val="000000"/>
                     </a:solidFill>
@@ -10452,7 +10452,7 @@
               </a:ln>
               <a:extLst>
                 <a:ext uri="{91240B29-F687-4f45-9708-019B960494DF}">
-                  <a14:hiddenLine xmlns="" xmlns:a14="http://schemas.microsoft.com/office/drawing/2010/main" w="9525">
+                  <a14:hiddenLine xmlns:a14="http://schemas.microsoft.com/office/drawing/2010/main" xmlns="" w="9525">
                     <a:solidFill>
                       <a:srgbClr val="000000"/>
                     </a:solidFill>
@@ -10514,7 +10514,7 @@
               </a:ln>
               <a:extLst>
                 <a:ext uri="{91240B29-F687-4f45-9708-019B960494DF}">
-                  <a14:hiddenLine xmlns="" xmlns:a14="http://schemas.microsoft.com/office/drawing/2010/main" w="9525">
+                  <a14:hiddenLine xmlns:a14="http://schemas.microsoft.com/office/drawing/2010/main" xmlns="" w="9525">
                     <a:solidFill>
                       <a:srgbClr val="000000"/>
                     </a:solidFill>
@@ -10604,7 +10604,7 @@
               </a:ln>
               <a:extLst>
                 <a:ext uri="{91240B29-F687-4f45-9708-019B960494DF}">
-                  <a14:hiddenLine xmlns="" xmlns:a14="http://schemas.microsoft.com/office/drawing/2010/main" w="9525">
+                  <a14:hiddenLine xmlns:a14="http://schemas.microsoft.com/office/drawing/2010/main" xmlns="" w="9525">
                     <a:solidFill>
                       <a:srgbClr val="000000"/>
                     </a:solidFill>
@@ -10669,7 +10669,7 @@
               </a:ln>
               <a:extLst>
                 <a:ext uri="{91240B29-F687-4f45-9708-019B960494DF}">
-                  <a14:hiddenLine xmlns="" xmlns:a14="http://schemas.microsoft.com/office/drawing/2010/main" w="9525">
+                  <a14:hiddenLine xmlns:a14="http://schemas.microsoft.com/office/drawing/2010/main" xmlns="" w="9525">
                     <a:solidFill>
                       <a:srgbClr val="000000"/>
                     </a:solidFill>
@@ -10731,7 +10731,7 @@
               </a:ln>
               <a:extLst>
                 <a:ext uri="{91240B29-F687-4f45-9708-019B960494DF}">
-                  <a14:hiddenLine xmlns="" xmlns:a14="http://schemas.microsoft.com/office/drawing/2010/main" w="9525">
+                  <a14:hiddenLine xmlns:a14="http://schemas.microsoft.com/office/drawing/2010/main" xmlns="" w="9525">
                     <a:solidFill>
                       <a:srgbClr val="000000"/>
                     </a:solidFill>
@@ -10821,7 +10821,7 @@
               </a:ln>
               <a:extLst>
                 <a:ext uri="{91240B29-F687-4f45-9708-019B960494DF}">
-                  <a14:hiddenLine xmlns="" xmlns:a14="http://schemas.microsoft.com/office/drawing/2010/main" w="9525">
+                  <a14:hiddenLine xmlns:a14="http://schemas.microsoft.com/office/drawing/2010/main" xmlns="" w="9525">
                     <a:solidFill>
                       <a:srgbClr val="000000"/>
                     </a:solidFill>
@@ -10911,7 +10911,7 @@
               </a:ln>
               <a:extLst>
                 <a:ext uri="{91240B29-F687-4f45-9708-019B960494DF}">
-                  <a14:hiddenLine xmlns="" xmlns:a14="http://schemas.microsoft.com/office/drawing/2010/main" w="9525">
+                  <a14:hiddenLine xmlns:a14="http://schemas.microsoft.com/office/drawing/2010/main" xmlns="" w="9525">
                     <a:solidFill>
                       <a:srgbClr val="000000"/>
                     </a:solidFill>
@@ -10976,7 +10976,7 @@
               </a:ln>
               <a:extLst>
                 <a:ext uri="{91240B29-F687-4f45-9708-019B960494DF}">
-                  <a14:hiddenLine xmlns="" xmlns:a14="http://schemas.microsoft.com/office/drawing/2010/main" w="9525">
+                  <a14:hiddenLine xmlns:a14="http://schemas.microsoft.com/office/drawing/2010/main" xmlns="" w="9525">
                     <a:solidFill>
                       <a:srgbClr val="000000"/>
                     </a:solidFill>
@@ -11096,7 +11096,7 @@
               </a:ln>
               <a:extLst>
                 <a:ext uri="{91240B29-F687-4f45-9708-019B960494DF}">
-                  <a14:hiddenLine xmlns="" xmlns:a14="http://schemas.microsoft.com/office/drawing/2010/main" w="9525">
+                  <a14:hiddenLine xmlns:a14="http://schemas.microsoft.com/office/drawing/2010/main" xmlns="" w="9525">
                     <a:solidFill>
                       <a:srgbClr val="000000"/>
                     </a:solidFill>
@@ -11177,7 +11177,7 @@
               </a:ln>
               <a:extLst>
                 <a:ext uri="{91240B29-F687-4f45-9708-019B960494DF}">
-                  <a14:hiddenLine xmlns="" xmlns:a14="http://schemas.microsoft.com/office/drawing/2010/main" w="9525">
+                  <a14:hiddenLine xmlns:a14="http://schemas.microsoft.com/office/drawing/2010/main" xmlns="" w="9525">
                     <a:solidFill>
                       <a:srgbClr val="000000"/>
                     </a:solidFill>
@@ -11292,7 +11292,7 @@
               </a:ln>
               <a:extLst>
                 <a:ext uri="{91240B29-F687-4f45-9708-019B960494DF}">
-                  <a14:hiddenLine xmlns="" xmlns:a14="http://schemas.microsoft.com/office/drawing/2010/main" w="9525">
+                  <a14:hiddenLine xmlns:a14="http://schemas.microsoft.com/office/drawing/2010/main" xmlns="" w="9525">
                     <a:solidFill>
                       <a:srgbClr val="000000"/>
                     </a:solidFill>
@@ -11382,7 +11382,7 @@
               </a:ln>
               <a:extLst>
                 <a:ext uri="{91240B29-F687-4f45-9708-019B960494DF}">
-                  <a14:hiddenLine xmlns="" xmlns:a14="http://schemas.microsoft.com/office/drawing/2010/main" w="9525">
+                  <a14:hiddenLine xmlns:a14="http://schemas.microsoft.com/office/drawing/2010/main" xmlns="" w="9525">
                     <a:solidFill>
                       <a:srgbClr val="000000"/>
                     </a:solidFill>
@@ -11447,7 +11447,7 @@
               </a:ln>
               <a:extLst>
                 <a:ext uri="{91240B29-F687-4f45-9708-019B960494DF}">
-                  <a14:hiddenLine xmlns="" xmlns:a14="http://schemas.microsoft.com/office/drawing/2010/main" w="9525">
+                  <a14:hiddenLine xmlns:a14="http://schemas.microsoft.com/office/drawing/2010/main" xmlns="" w="9525">
                     <a:solidFill>
                       <a:srgbClr val="000000"/>
                     </a:solidFill>
@@ -11537,7 +11537,7 @@
               </a:ln>
               <a:extLst>
                 <a:ext uri="{91240B29-F687-4f45-9708-019B960494DF}">
-                  <a14:hiddenLine xmlns="" xmlns:a14="http://schemas.microsoft.com/office/drawing/2010/main" w="9525">
+                  <a14:hiddenLine xmlns:a14="http://schemas.microsoft.com/office/drawing/2010/main" xmlns="" w="9525">
                     <a:solidFill>
                       <a:srgbClr val="000000"/>
                     </a:solidFill>
@@ -11605,7 +11605,7 @@
               </a:ln>
               <a:extLst>
                 <a:ext uri="{91240B29-F687-4f45-9708-019B960494DF}">
-                  <a14:hiddenLine xmlns="" xmlns:a14="http://schemas.microsoft.com/office/drawing/2010/main" w="9525">
+                  <a14:hiddenLine xmlns:a14="http://schemas.microsoft.com/office/drawing/2010/main" xmlns="" w="9525">
                     <a:solidFill>
                       <a:srgbClr val="000000"/>
                     </a:solidFill>
@@ -11695,7 +11695,7 @@
               </a:ln>
               <a:extLst>
                 <a:ext uri="{91240B29-F687-4f45-9708-019B960494DF}">
-                  <a14:hiddenLine xmlns="" xmlns:a14="http://schemas.microsoft.com/office/drawing/2010/main" w="9525">
+                  <a14:hiddenLine xmlns:a14="http://schemas.microsoft.com/office/drawing/2010/main" xmlns="" w="9525">
                     <a:solidFill>
                       <a:srgbClr val="000000"/>
                     </a:solidFill>
@@ -11763,7 +11763,7 @@
               </a:ln>
               <a:extLst>
                 <a:ext uri="{91240B29-F687-4f45-9708-019B960494DF}">
-                  <a14:hiddenLine xmlns="" xmlns:a14="http://schemas.microsoft.com/office/drawing/2010/main" w="9525">
+                  <a14:hiddenLine xmlns:a14="http://schemas.microsoft.com/office/drawing/2010/main" xmlns="" w="9525">
                     <a:solidFill>
                       <a:srgbClr val="000000"/>
                     </a:solidFill>
@@ -11853,7 +11853,7 @@
               </a:ln>
               <a:extLst>
                 <a:ext uri="{91240B29-F687-4f45-9708-019B960494DF}">
-                  <a14:hiddenLine xmlns="" xmlns:a14="http://schemas.microsoft.com/office/drawing/2010/main" w="9525">
+                  <a14:hiddenLine xmlns:a14="http://schemas.microsoft.com/office/drawing/2010/main" xmlns="" w="9525">
                     <a:solidFill>
                       <a:srgbClr val="000000"/>
                     </a:solidFill>
@@ -11887,7 +11887,7 @@
               </a:ln>
               <a:extLst>
                 <a:ext uri="{91240B29-F687-4f45-9708-019B960494DF}">
-                  <a14:hiddenLine xmlns="" xmlns:a14="http://schemas.microsoft.com/office/drawing/2010/main" w="9525">
+                  <a14:hiddenLine xmlns:a14="http://schemas.microsoft.com/office/drawing/2010/main" xmlns="" w="9525">
                     <a:solidFill>
                       <a:srgbClr val="000000"/>
                     </a:solidFill>
@@ -12027,7 +12027,7 @@
           <a:p>
             <a:fld id="{C92431A8-17CE-4556-BA8C-872543424DAF}" type="datetimeFigureOut">
               <a:rPr lang="en-NZ" smtClean="0"/>
-              <a:t>9/06/2023</a:t>
+              <a:t>10/06/2023</a:t>
             </a:fld>
             <a:endParaRPr lang="en-NZ"/>
           </a:p>
@@ -13860,40 +13860,15 @@
           </a:p>
           <a:p>
             <a:r>
-              <a:rPr lang="en-US" dirty="0"/>
-              <a:t>A QR code is like a </a:t>
-            </a:r>
-            <a:r>
-              <a:rPr lang="en-US" b="1" dirty="0"/>
-              <a:t>funny-looking puzzle</a:t>
-            </a:r>
-            <a:r>
-              <a:rPr lang="en-US" dirty="0"/>
-              <a:t>.</a:t>
+              <a:rPr lang="en-NZ" dirty="0"/>
+              <a:t>Fun facts</a:t>
             </a:r>
           </a:p>
           <a:p>
-            <a:r>
-              <a:rPr lang="en-US" dirty="0"/>
-              <a:t>A QR like a </a:t>
-            </a:r>
-            <a:r>
-              <a:rPr lang="en-US" b="1" dirty="0"/>
-              <a:t>high-tech treasure map </a:t>
-            </a:r>
-            <a:r>
-              <a:rPr lang="en-US" dirty="0"/>
-              <a:t>that your phone can read, leading you to exciting online adventures and hidden surprises!</a:t>
-            </a:r>
-          </a:p>
-          <a:p>
+            <a:pPr marL="0" indent="0">
+              <a:buNone/>
+            </a:pPr>
             <a:endParaRPr lang="en-NZ" dirty="0"/>
-          </a:p>
-          <a:p>
-            <a:r>
-              <a:rPr lang="en-NZ" dirty="0"/>
-              <a:t>Can human able to read QR code?</a:t>
-            </a:r>
           </a:p>
         </p:txBody>
       </p:sp>
@@ -13918,7 +13893,7 @@
         </p:blipFill>
         <p:spPr>
           <a:xfrm>
-            <a:off x="7124601" y="4906100"/>
+            <a:off x="1413612" y="526606"/>
             <a:ext cx="1390750" cy="1347216"/>
           </a:xfrm>
           <a:prstGeom prst="rect">
@@ -13926,6 +13901,332 @@
           </a:prstGeom>
         </p:spPr>
       </p:pic>
+      <p:grpSp>
+        <p:nvGrpSpPr>
+          <p:cNvPr id="15" name="Group 14">
+            <a:extLst>
+              <a:ext uri="{FF2B5EF4-FFF2-40B4-BE49-F238E27FC236}">
+                <a16:creationId xmlns:a16="http://schemas.microsoft.com/office/drawing/2014/main" id="{27CFF1EE-8508-4F24-3D93-42A161D3C708}"/>
+              </a:ext>
+            </a:extLst>
+          </p:cNvPr>
+          <p:cNvGrpSpPr/>
+          <p:nvPr/>
+        </p:nvGrpSpPr>
+        <p:grpSpPr>
+          <a:xfrm>
+            <a:off x="3464820" y="2490865"/>
+            <a:ext cx="1634897" cy="2171321"/>
+            <a:chOff x="3464820" y="2490865"/>
+            <a:chExt cx="1634897" cy="2171321"/>
+          </a:xfrm>
+        </p:grpSpPr>
+        <p:pic>
+          <p:nvPicPr>
+            <p:cNvPr id="1026" name="Picture 2" descr="Little Character Is Thinking Under Question Marks Doubts And Questions  Concepts Problem Solving Vector Doodle Illustration Stock Illustration -  Download Image Now - iStock">
+              <a:extLst>
+                <a:ext uri="{FF2B5EF4-FFF2-40B4-BE49-F238E27FC236}">
+                  <a16:creationId xmlns:a16="http://schemas.microsoft.com/office/drawing/2014/main" id="{B4F5817E-2891-C5D9-B348-18F1D75E643A}"/>
+                </a:ext>
+              </a:extLst>
+            </p:cNvPr>
+            <p:cNvPicPr>
+              <a:picLocks noChangeAspect="1" noChangeArrowheads="1"/>
+            </p:cNvPicPr>
+            <p:nvPr/>
+          </p:nvPicPr>
+          <p:blipFill>
+            <a:blip r:embed="rId3">
+              <a:extLst>
+                <a:ext uri="{28A0092B-C50C-407E-A947-70E740481C1C}">
+                  <a14:useLocalDpi xmlns:a14="http://schemas.microsoft.com/office/drawing/2010/main" val="0"/>
+                </a:ext>
+              </a:extLst>
+            </a:blip>
+            <a:srcRect/>
+            <a:stretch>
+              <a:fillRect/>
+            </a:stretch>
+          </p:blipFill>
+          <p:spPr bwMode="auto">
+            <a:xfrm>
+              <a:off x="3708966" y="2490865"/>
+              <a:ext cx="1390751" cy="1390751"/>
+            </a:xfrm>
+            <a:prstGeom prst="rect">
+              <a:avLst/>
+            </a:prstGeom>
+            <a:noFill/>
+            <a:extLst>
+              <a:ext uri="{909E8E84-426E-40DD-AFC4-6F175D3DCCD1}">
+                <a14:hiddenFill xmlns:a14="http://schemas.microsoft.com/office/drawing/2010/main">
+                  <a:solidFill>
+                    <a:srgbClr val="FFFFFF"/>
+                  </a:solidFill>
+                </a14:hiddenFill>
+              </a:ext>
+            </a:extLst>
+          </p:spPr>
+        </p:pic>
+        <p:sp>
+          <p:nvSpPr>
+            <p:cNvPr id="5" name="TextBox 4">
+              <a:extLst>
+                <a:ext uri="{FF2B5EF4-FFF2-40B4-BE49-F238E27FC236}">
+                  <a16:creationId xmlns:a16="http://schemas.microsoft.com/office/drawing/2014/main" id="{554E6126-6996-9F2F-4CF7-A19FFE83CEAE}"/>
+                </a:ext>
+              </a:extLst>
+            </p:cNvPr>
+            <p:cNvSpPr txBox="1"/>
+            <p:nvPr/>
+          </p:nvSpPr>
+          <p:spPr>
+            <a:xfrm>
+              <a:off x="3464820" y="4015855"/>
+              <a:ext cx="1131243" cy="646331"/>
+            </a:xfrm>
+            <a:prstGeom prst="rect">
+              <a:avLst/>
+            </a:prstGeom>
+            <a:noFill/>
+          </p:spPr>
+          <p:txBody>
+            <a:bodyPr wrap="square" rtlCol="0">
+              <a:spAutoFit/>
+            </a:bodyPr>
+            <a:lstStyle/>
+            <a:p>
+              <a:r>
+                <a:rPr lang="en-US" dirty="0"/>
+                <a:t>Humans can’t read</a:t>
+              </a:r>
+              <a:endParaRPr lang="en-NZ" dirty="0"/>
+            </a:p>
+          </p:txBody>
+        </p:sp>
+      </p:grpSp>
+      <p:pic>
+        <p:nvPicPr>
+          <p:cNvPr id="7" name="Picture 6">
+            <a:extLst>
+              <a:ext uri="{FF2B5EF4-FFF2-40B4-BE49-F238E27FC236}">
+                <a16:creationId xmlns:a16="http://schemas.microsoft.com/office/drawing/2014/main" id="{50749BB3-039F-BA7F-44B3-3F34AF385D57}"/>
+              </a:ext>
+            </a:extLst>
+          </p:cNvPr>
+          <p:cNvPicPr>
+            <a:picLocks noChangeAspect="1"/>
+          </p:cNvPicPr>
+          <p:nvPr/>
+        </p:nvPicPr>
+        <p:blipFill rotWithShape="1">
+          <a:blip r:embed="rId2"/>
+          <a:srcRect t="3796" r="2673"/>
+          <a:stretch/>
+        </p:blipFill>
+        <p:spPr>
+          <a:xfrm>
+            <a:off x="5619810" y="2512633"/>
+            <a:ext cx="1390750" cy="1347216"/>
+          </a:xfrm>
+          <a:prstGeom prst="rect">
+            <a:avLst/>
+          </a:prstGeom>
+        </p:spPr>
+      </p:pic>
+      <p:sp>
+        <p:nvSpPr>
+          <p:cNvPr id="8" name="TextBox 7">
+            <a:extLst>
+              <a:ext uri="{FF2B5EF4-FFF2-40B4-BE49-F238E27FC236}">
+                <a16:creationId xmlns:a16="http://schemas.microsoft.com/office/drawing/2014/main" id="{0EDB4122-D5EE-8C76-51A0-3EF3FD20BC88}"/>
+              </a:ext>
+            </a:extLst>
+          </p:cNvPr>
+          <p:cNvSpPr txBox="1"/>
+          <p:nvPr/>
+        </p:nvSpPr>
+        <p:spPr>
+          <a:xfrm>
+            <a:off x="5365487" y="3991701"/>
+            <a:ext cx="1390750" cy="646331"/>
+          </a:xfrm>
+          <a:prstGeom prst="rect">
+            <a:avLst/>
+          </a:prstGeom>
+          <a:noFill/>
+        </p:spPr>
+        <p:txBody>
+          <a:bodyPr wrap="square" rtlCol="0">
+            <a:spAutoFit/>
+          </a:bodyPr>
+          <a:lstStyle/>
+          <a:p>
+            <a:r>
+              <a:rPr lang="en-US" dirty="0"/>
+              <a:t>Rotate and it works</a:t>
+            </a:r>
+            <a:endParaRPr lang="en-NZ" dirty="0"/>
+          </a:p>
+        </p:txBody>
+      </p:sp>
+      <p:pic>
+        <p:nvPicPr>
+          <p:cNvPr id="9" name="Picture 8">
+            <a:extLst>
+              <a:ext uri="{FF2B5EF4-FFF2-40B4-BE49-F238E27FC236}">
+                <a16:creationId xmlns:a16="http://schemas.microsoft.com/office/drawing/2014/main" id="{98A68A63-2A0A-5A3C-F648-8BA5D6066448}"/>
+              </a:ext>
+            </a:extLst>
+          </p:cNvPr>
+          <p:cNvPicPr>
+            <a:picLocks noChangeAspect="1"/>
+          </p:cNvPicPr>
+          <p:nvPr/>
+        </p:nvPicPr>
+        <p:blipFill rotWithShape="1">
+          <a:blip r:embed="rId2"/>
+          <a:srcRect t="3796" r="2673"/>
+          <a:stretch/>
+        </p:blipFill>
+        <p:spPr>
+          <a:xfrm>
+            <a:off x="7502569" y="2580692"/>
+            <a:ext cx="1390750" cy="1347216"/>
+          </a:xfrm>
+          <a:prstGeom prst="rect">
+            <a:avLst/>
+          </a:prstGeom>
+        </p:spPr>
+      </p:pic>
+      <p:sp>
+        <p:nvSpPr>
+          <p:cNvPr id="10" name="Rectangle 9">
+            <a:extLst>
+              <a:ext uri="{FF2B5EF4-FFF2-40B4-BE49-F238E27FC236}">
+                <a16:creationId xmlns:a16="http://schemas.microsoft.com/office/drawing/2014/main" id="{EDD492A3-6373-8921-22CD-2F3C9FE2BBC8}"/>
+              </a:ext>
+            </a:extLst>
+          </p:cNvPr>
+          <p:cNvSpPr/>
+          <p:nvPr/>
+        </p:nvSpPr>
+        <p:spPr>
+          <a:xfrm>
+            <a:off x="8391261" y="2944291"/>
+            <a:ext cx="192024" cy="201168"/>
+          </a:xfrm>
+          <a:prstGeom prst="rect">
+            <a:avLst/>
+          </a:prstGeom>
+        </p:spPr>
+        <p:style>
+          <a:lnRef idx="2">
+            <a:schemeClr val="accent5">
+              <a:shade val="15000"/>
+            </a:schemeClr>
+          </a:lnRef>
+          <a:fillRef idx="1">
+            <a:schemeClr val="accent5"/>
+          </a:fillRef>
+          <a:effectRef idx="0">
+            <a:schemeClr val="accent5"/>
+          </a:effectRef>
+          <a:fontRef idx="minor">
+            <a:schemeClr val="lt1"/>
+          </a:fontRef>
+        </p:style>
+        <p:txBody>
+          <a:bodyPr rtlCol="0" anchor="ctr"/>
+          <a:lstStyle/>
+          <a:p>
+            <a:pPr algn="ctr"/>
+            <a:endParaRPr lang="en-NZ"/>
+          </a:p>
+        </p:txBody>
+      </p:sp>
+      <p:sp>
+        <p:nvSpPr>
+          <p:cNvPr id="12" name="Rectangle 11">
+            <a:extLst>
+              <a:ext uri="{FF2B5EF4-FFF2-40B4-BE49-F238E27FC236}">
+                <a16:creationId xmlns:a16="http://schemas.microsoft.com/office/drawing/2014/main" id="{C25E29C3-44D9-B6F6-28B7-C99AF204FB1F}"/>
+              </a:ext>
+            </a:extLst>
+          </p:cNvPr>
+          <p:cNvSpPr/>
+          <p:nvPr/>
+        </p:nvSpPr>
+        <p:spPr>
+          <a:xfrm>
+            <a:off x="7947021" y="3473756"/>
+            <a:ext cx="192024" cy="201168"/>
+          </a:xfrm>
+          <a:prstGeom prst="rect">
+            <a:avLst/>
+          </a:prstGeom>
+        </p:spPr>
+        <p:style>
+          <a:lnRef idx="2">
+            <a:schemeClr val="accent5">
+              <a:shade val="15000"/>
+            </a:schemeClr>
+          </a:lnRef>
+          <a:fillRef idx="1">
+            <a:schemeClr val="accent5"/>
+          </a:fillRef>
+          <a:effectRef idx="0">
+            <a:schemeClr val="accent5"/>
+          </a:effectRef>
+          <a:fontRef idx="minor">
+            <a:schemeClr val="lt1"/>
+          </a:fontRef>
+        </p:style>
+        <p:txBody>
+          <a:bodyPr rtlCol="0" anchor="ctr"/>
+          <a:lstStyle/>
+          <a:p>
+            <a:pPr algn="ctr"/>
+            <a:endParaRPr lang="en-NZ"/>
+          </a:p>
+        </p:txBody>
+      </p:sp>
+      <p:sp>
+        <p:nvSpPr>
+          <p:cNvPr id="14" name="TextBox 13">
+            <a:extLst>
+              <a:ext uri="{FF2B5EF4-FFF2-40B4-BE49-F238E27FC236}">
+                <a16:creationId xmlns:a16="http://schemas.microsoft.com/office/drawing/2014/main" id="{60B08D31-37BA-4569-E141-445616872D4F}"/>
+              </a:ext>
+            </a:extLst>
+          </p:cNvPr>
+          <p:cNvSpPr txBox="1"/>
+          <p:nvPr/>
+        </p:nvSpPr>
+        <p:spPr>
+          <a:xfrm>
+            <a:off x="7590512" y="4015855"/>
+            <a:ext cx="1390750" cy="646331"/>
+          </a:xfrm>
+          <a:prstGeom prst="rect">
+            <a:avLst/>
+          </a:prstGeom>
+          <a:noFill/>
+        </p:spPr>
+        <p:txBody>
+          <a:bodyPr wrap="square" rtlCol="0">
+            <a:spAutoFit/>
+          </a:bodyPr>
+          <a:lstStyle/>
+          <a:p>
+            <a:r>
+              <a:rPr lang="en-US" dirty="0"/>
+              <a:t>Some Noise no problem</a:t>
+            </a:r>
+            <a:endParaRPr lang="en-NZ" dirty="0"/>
+          </a:p>
+        </p:txBody>
+      </p:sp>
     </p:spTree>
     <p:extLst>
       <p:ext uri="{BB962C8B-B14F-4D97-AF65-F5344CB8AC3E}">
@@ -14068,11 +14369,7 @@
                                           </p:stCondLst>
                                         </p:cTn>
                                         <p:tgtEl>
-                                          <p:spTgt spid="3">
-                                            <p:txEl>
-                                              <p:pRg st="2" end="2"/>
-                                            </p:txEl>
-                                          </p:spTgt>
+                                          <p:spTgt spid="15"/>
                                         </p:tgtEl>
                                         <p:attrNameLst>
                                           <p:attrName>style.visibility</p:attrName>
@@ -14117,11 +14414,216 @@
                                           </p:stCondLst>
                                         </p:cTn>
                                         <p:tgtEl>
-                                          <p:spTgt spid="3">
-                                            <p:txEl>
-                                              <p:pRg st="4" end="4"/>
-                                            </p:txEl>
-                                          </p:spTgt>
+                                          <p:spTgt spid="7"/>
+                                        </p:tgtEl>
+                                        <p:attrNameLst>
+                                          <p:attrName>style.visibility</p:attrName>
+                                        </p:attrNameLst>
+                                      </p:cBhvr>
+                                      <p:to>
+                                        <p:strVal val="visible"/>
+                                      </p:to>
+                                    </p:set>
+                                  </p:childTnLst>
+                                </p:cTn>
+                              </p:par>
+                              <p:par>
+                                <p:cTn id="19" presetID="1" presetClass="entr" presetSubtype="0" fill="hold" grpId="0" nodeType="withEffect">
+                                  <p:stCondLst>
+                                    <p:cond delay="0"/>
+                                  </p:stCondLst>
+                                  <p:childTnLst>
+                                    <p:set>
+                                      <p:cBhvr>
+                                        <p:cTn id="20" dur="1" fill="hold">
+                                          <p:stCondLst>
+                                            <p:cond delay="0"/>
+                                          </p:stCondLst>
+                                        </p:cTn>
+                                        <p:tgtEl>
+                                          <p:spTgt spid="8"/>
+                                        </p:tgtEl>
+                                        <p:attrNameLst>
+                                          <p:attrName>style.visibility</p:attrName>
+                                        </p:attrNameLst>
+                                      </p:cBhvr>
+                                      <p:to>
+                                        <p:strVal val="visible"/>
+                                      </p:to>
+                                    </p:set>
+                                  </p:childTnLst>
+                                </p:cTn>
+                              </p:par>
+                            </p:childTnLst>
+                          </p:cTn>
+                        </p:par>
+                      </p:childTnLst>
+                    </p:cTn>
+                  </p:par>
+                  <p:par>
+                    <p:cTn id="21" fill="hold">
+                      <p:stCondLst>
+                        <p:cond delay="indefinite"/>
+                      </p:stCondLst>
+                      <p:childTnLst>
+                        <p:par>
+                          <p:cTn id="22" fill="hold">
+                            <p:stCondLst>
+                              <p:cond delay="0"/>
+                            </p:stCondLst>
+                            <p:childTnLst>
+                              <p:par>
+                                <p:cTn id="23" presetID="8" presetClass="emph" presetSubtype="0" fill="hold" nodeType="clickEffect">
+                                  <p:stCondLst>
+                                    <p:cond delay="0"/>
+                                  </p:stCondLst>
+                                  <p:childTnLst>
+                                    <p:animRot by="21600000">
+                                      <p:cBhvr>
+                                        <p:cTn id="24" dur="3000" fill="hold"/>
+                                        <p:tgtEl>
+                                          <p:spTgt spid="7"/>
+                                        </p:tgtEl>
+                                        <p:attrNameLst>
+                                          <p:attrName>r</p:attrName>
+                                        </p:attrNameLst>
+                                      </p:cBhvr>
+                                    </p:animRot>
+                                  </p:childTnLst>
+                                </p:cTn>
+                              </p:par>
+                            </p:childTnLst>
+                          </p:cTn>
+                        </p:par>
+                      </p:childTnLst>
+                    </p:cTn>
+                  </p:par>
+                  <p:par>
+                    <p:cTn id="25" fill="hold">
+                      <p:stCondLst>
+                        <p:cond delay="indefinite"/>
+                      </p:stCondLst>
+                      <p:childTnLst>
+                        <p:par>
+                          <p:cTn id="26" fill="hold">
+                            <p:stCondLst>
+                              <p:cond delay="0"/>
+                            </p:stCondLst>
+                            <p:childTnLst>
+                              <p:par>
+                                <p:cTn id="27" presetID="1" presetClass="entr" presetSubtype="0" fill="hold" nodeType="clickEffect">
+                                  <p:stCondLst>
+                                    <p:cond delay="0"/>
+                                  </p:stCondLst>
+                                  <p:childTnLst>
+                                    <p:set>
+                                      <p:cBhvr>
+                                        <p:cTn id="28" dur="1" fill="hold">
+                                          <p:stCondLst>
+                                            <p:cond delay="0"/>
+                                          </p:stCondLst>
+                                        </p:cTn>
+                                        <p:tgtEl>
+                                          <p:spTgt spid="9"/>
+                                        </p:tgtEl>
+                                        <p:attrNameLst>
+                                          <p:attrName>style.visibility</p:attrName>
+                                        </p:attrNameLst>
+                                      </p:cBhvr>
+                                      <p:to>
+                                        <p:strVal val="visible"/>
+                                      </p:to>
+                                    </p:set>
+                                  </p:childTnLst>
+                                </p:cTn>
+                              </p:par>
+                              <p:par>
+                                <p:cTn id="29" presetID="1" presetClass="entr" presetSubtype="0" fill="hold" grpId="0" nodeType="withEffect">
+                                  <p:stCondLst>
+                                    <p:cond delay="0"/>
+                                  </p:stCondLst>
+                                  <p:childTnLst>
+                                    <p:set>
+                                      <p:cBhvr>
+                                        <p:cTn id="30" dur="1" fill="hold">
+                                          <p:stCondLst>
+                                            <p:cond delay="0"/>
+                                          </p:stCondLst>
+                                        </p:cTn>
+                                        <p:tgtEl>
+                                          <p:spTgt spid="14"/>
+                                        </p:tgtEl>
+                                        <p:attrNameLst>
+                                          <p:attrName>style.visibility</p:attrName>
+                                        </p:attrNameLst>
+                                      </p:cBhvr>
+                                      <p:to>
+                                        <p:strVal val="visible"/>
+                                      </p:to>
+                                    </p:set>
+                                  </p:childTnLst>
+                                </p:cTn>
+                              </p:par>
+                            </p:childTnLst>
+                          </p:cTn>
+                        </p:par>
+                      </p:childTnLst>
+                    </p:cTn>
+                  </p:par>
+                  <p:par>
+                    <p:cTn id="31" fill="hold">
+                      <p:stCondLst>
+                        <p:cond delay="indefinite"/>
+                      </p:stCondLst>
+                      <p:childTnLst>
+                        <p:par>
+                          <p:cTn id="32" fill="hold">
+                            <p:stCondLst>
+                              <p:cond delay="0"/>
+                            </p:stCondLst>
+                            <p:childTnLst>
+                              <p:par>
+                                <p:cTn id="33" presetID="1" presetClass="entr" presetSubtype="0" fill="hold" grpId="0" nodeType="clickEffect">
+                                  <p:stCondLst>
+                                    <p:cond delay="0"/>
+                                  </p:stCondLst>
+                                  <p:childTnLst>
+                                    <p:set>
+                                      <p:cBhvr>
+                                        <p:cTn id="34" dur="1" fill="hold">
+                                          <p:stCondLst>
+                                            <p:cond delay="0"/>
+                                          </p:stCondLst>
+                                        </p:cTn>
+                                        <p:tgtEl>
+                                          <p:spTgt spid="12"/>
+                                        </p:tgtEl>
+                                        <p:attrNameLst>
+                                          <p:attrName>style.visibility</p:attrName>
+                                        </p:attrNameLst>
+                                      </p:cBhvr>
+                                      <p:to>
+                                        <p:strVal val="visible"/>
+                                      </p:to>
+                                    </p:set>
+                                  </p:childTnLst>
+                                </p:cTn>
+                              </p:par>
+                              <p:par>
+                                <p:cTn id="35" presetID="1" presetClass="entr" presetSubtype="0" fill="hold" grpId="0" nodeType="withEffect">
+                                  <p:stCondLst>
+                                    <p:cond delay="0"/>
+                                  </p:stCondLst>
+                                  <p:childTnLst>
+                                    <p:set>
+                                      <p:cBhvr>
+                                        <p:cTn id="36" dur="1" fill="hold">
+                                          <p:stCondLst>
+                                            <p:cond delay="0"/>
+                                          </p:stCondLst>
+                                        </p:cTn>
+                                        <p:tgtEl>
+                                          <p:spTgt spid="10"/>
                                         </p:tgtEl>
                                         <p:attrNameLst>
                                           <p:attrName>style.visibility</p:attrName>
@@ -14161,6 +14663,12 @@
         </p:cTn>
       </p:par>
     </p:tnLst>
+    <p:bldLst>
+      <p:bldP spid="8" grpId="0"/>
+      <p:bldP spid="10" grpId="0" animBg="1"/>
+      <p:bldP spid="12" grpId="0" animBg="1"/>
+      <p:bldP spid="14" grpId="0"/>
+    </p:bldLst>
   </p:timing>
 </p:sld>
 </file>
@@ -14350,7 +14858,7 @@
             <a:noFill/>
             <a:extLst>
               <a:ext uri="{909E8E84-426E-40dd-AFC4-6F175D3DCCD1}">
-                <a14:hiddenFill xmlns:p14="http://schemas.microsoft.com/office/powerpoint/2010/main" xmlns:a14="http://schemas.microsoft.com/office/drawing/2010/main" xmlns:a16="http://schemas.microsoft.com/office/drawing/2014/main" xmlns="">
+                <a14:hiddenFill xmlns="" xmlns:a16="http://schemas.microsoft.com/office/drawing/2014/main" xmlns:a14="http://schemas.microsoft.com/office/drawing/2010/main" xmlns:p14="http://schemas.microsoft.com/office/powerpoint/2010/main">
                   <a:solidFill>
                     <a:srgbClr val="FFFFFF"/>
                   </a:solidFill>
@@ -14390,7 +14898,7 @@
           <a:p>
             <a:r>
               <a:rPr lang="en-US" dirty="0"/>
-              <a:t>Rules &amp; Guidelines</a:t>
+              <a:t>Game Rules &amp; Guidelines</a:t>
             </a:r>
             <a:endParaRPr lang="en-NZ" dirty="0"/>
           </a:p>
@@ -14515,7 +15023,7 @@
             </a:ln>
             <a:extLst>
               <a:ext uri="{91240B29-F687-4f45-9708-019B960494DF}">
-                <a14:hiddenLine xmlns:p14="http://schemas.microsoft.com/office/powerpoint/2010/main" xmlns:a14="http://schemas.microsoft.com/office/drawing/2010/main" xmlns:a16="http://schemas.microsoft.com/office/drawing/2014/main" xmlns="" w="9525">
+                <a14:hiddenLine xmlns="" xmlns:a16="http://schemas.microsoft.com/office/drawing/2014/main" xmlns:a14="http://schemas.microsoft.com/office/drawing/2010/main" xmlns:p14="http://schemas.microsoft.com/office/powerpoint/2010/main" w="9525">
                   <a:solidFill>
                     <a:srgbClr val="000000"/>
                   </a:solidFill>
@@ -14620,7 +15128,7 @@
             </a:ln>
             <a:extLst>
               <a:ext uri="{91240B29-F687-4f45-9708-019B960494DF}">
-                <a14:hiddenLine xmlns:p14="http://schemas.microsoft.com/office/powerpoint/2010/main" xmlns:a14="http://schemas.microsoft.com/office/drawing/2010/main" xmlns:a16="http://schemas.microsoft.com/office/drawing/2014/main" xmlns="" w="9525">
+                <a14:hiddenLine xmlns="" xmlns:a16="http://schemas.microsoft.com/office/drawing/2014/main" xmlns:a14="http://schemas.microsoft.com/office/drawing/2010/main" xmlns:p14="http://schemas.microsoft.com/office/powerpoint/2010/main" w="9525">
                   <a:solidFill>
                     <a:srgbClr val="000000"/>
                   </a:solidFill>
@@ -14725,7 +15233,7 @@
             </a:ln>
             <a:extLst>
               <a:ext uri="{91240B29-F687-4f45-9708-019B960494DF}">
-                <a14:hiddenLine xmlns:p14="http://schemas.microsoft.com/office/powerpoint/2010/main" xmlns:a14="http://schemas.microsoft.com/office/drawing/2010/main" xmlns:a16="http://schemas.microsoft.com/office/drawing/2014/main" xmlns="" w="9525">
+                <a14:hiddenLine xmlns="" xmlns:a16="http://schemas.microsoft.com/office/drawing/2014/main" xmlns:a14="http://schemas.microsoft.com/office/drawing/2010/main" xmlns:p14="http://schemas.microsoft.com/office/powerpoint/2010/main" w="9525">
                   <a:solidFill>
                     <a:srgbClr val="000000"/>
                   </a:solidFill>
@@ -14774,7 +15282,7 @@
             </a:ln>
             <a:extLst>
               <a:ext uri="{91240B29-F687-4f45-9708-019B960494DF}">
-                <a14:hiddenLine xmlns:p14="http://schemas.microsoft.com/office/powerpoint/2010/main" xmlns:a14="http://schemas.microsoft.com/office/drawing/2010/main" xmlns:a16="http://schemas.microsoft.com/office/drawing/2014/main" xmlns="" w="9525">
+                <a14:hiddenLine xmlns="" xmlns:a16="http://schemas.microsoft.com/office/drawing/2014/main" xmlns:a14="http://schemas.microsoft.com/office/drawing/2010/main" xmlns:p14="http://schemas.microsoft.com/office/powerpoint/2010/main" w="9525">
                   <a:solidFill>
                     <a:srgbClr val="000000"/>
                   </a:solidFill>
@@ -14879,7 +15387,7 @@
             </a:ln>
             <a:extLst>
               <a:ext uri="{91240B29-F687-4f45-9708-019B960494DF}">
-                <a14:hiddenLine xmlns:p14="http://schemas.microsoft.com/office/powerpoint/2010/main" xmlns:a14="http://schemas.microsoft.com/office/drawing/2010/main" xmlns:a16="http://schemas.microsoft.com/office/drawing/2014/main" xmlns="" w="9525">
+                <a14:hiddenLine xmlns="" xmlns:a16="http://schemas.microsoft.com/office/drawing/2014/main" xmlns:a14="http://schemas.microsoft.com/office/drawing/2010/main" xmlns:p14="http://schemas.microsoft.com/office/powerpoint/2010/main" w="9525">
                   <a:solidFill>
                     <a:srgbClr val="000000"/>
                   </a:solidFill>
@@ -14956,7 +15464,7 @@
             </a:ln>
             <a:extLst>
               <a:ext uri="{91240B29-F687-4f45-9708-019B960494DF}">
-                <a14:hiddenLine xmlns:p14="http://schemas.microsoft.com/office/powerpoint/2010/main" xmlns:a14="http://schemas.microsoft.com/office/drawing/2010/main" xmlns:a16="http://schemas.microsoft.com/office/drawing/2014/main" xmlns="" w="9525">
+                <a14:hiddenLine xmlns="" xmlns:a16="http://schemas.microsoft.com/office/drawing/2014/main" xmlns:a14="http://schemas.microsoft.com/office/drawing/2010/main" xmlns:p14="http://schemas.microsoft.com/office/powerpoint/2010/main" w="9525">
                   <a:solidFill>
                     <a:srgbClr val="000000"/>
                   </a:solidFill>
@@ -15033,7 +15541,7 @@
             </a:ln>
             <a:extLst>
               <a:ext uri="{91240B29-F687-4f45-9708-019B960494DF}">
-                <a14:hiddenLine xmlns:p14="http://schemas.microsoft.com/office/powerpoint/2010/main" xmlns:a14="http://schemas.microsoft.com/office/drawing/2010/main" xmlns:a16="http://schemas.microsoft.com/office/drawing/2014/main" xmlns="" w="9525">
+                <a14:hiddenLine xmlns="" xmlns:a16="http://schemas.microsoft.com/office/drawing/2014/main" xmlns:a14="http://schemas.microsoft.com/office/drawing/2010/main" xmlns:p14="http://schemas.microsoft.com/office/powerpoint/2010/main" w="9525">
                   <a:solidFill>
                     <a:srgbClr val="000000"/>
                   </a:solidFill>
@@ -15138,7 +15646,7 @@
             </a:ln>
             <a:extLst>
               <a:ext uri="{91240B29-F687-4f45-9708-019B960494DF}">
-                <a14:hiddenLine xmlns:p14="http://schemas.microsoft.com/office/powerpoint/2010/main" xmlns:a14="http://schemas.microsoft.com/office/drawing/2010/main" xmlns:a16="http://schemas.microsoft.com/office/drawing/2014/main" xmlns="" w="9525">
+                <a14:hiddenLine xmlns="" xmlns:a16="http://schemas.microsoft.com/office/drawing/2014/main" xmlns:a14="http://schemas.microsoft.com/office/drawing/2010/main" xmlns:p14="http://schemas.microsoft.com/office/powerpoint/2010/main" w="9525">
                   <a:solidFill>
                     <a:srgbClr val="000000"/>
                   </a:solidFill>
@@ -15215,7 +15723,7 @@
             </a:ln>
             <a:extLst>
               <a:ext uri="{91240B29-F687-4f45-9708-019B960494DF}">
-                <a14:hiddenLine xmlns:p14="http://schemas.microsoft.com/office/powerpoint/2010/main" xmlns:a14="http://schemas.microsoft.com/office/drawing/2010/main" xmlns:a16="http://schemas.microsoft.com/office/drawing/2014/main" xmlns="" w="9525">
+                <a14:hiddenLine xmlns="" xmlns:a16="http://schemas.microsoft.com/office/drawing/2014/main" xmlns:a14="http://schemas.microsoft.com/office/drawing/2010/main" xmlns:p14="http://schemas.microsoft.com/office/powerpoint/2010/main" w="9525">
                   <a:solidFill>
                     <a:srgbClr val="000000"/>
                   </a:solidFill>
@@ -15292,7 +15800,7 @@
             </a:ln>
             <a:extLst>
               <a:ext uri="{91240B29-F687-4f45-9708-019B960494DF}">
-                <a14:hiddenLine xmlns:p14="http://schemas.microsoft.com/office/powerpoint/2010/main" xmlns:a14="http://schemas.microsoft.com/office/drawing/2010/main" xmlns:a16="http://schemas.microsoft.com/office/drawing/2014/main" xmlns="" w="9525">
+                <a14:hiddenLine xmlns="" xmlns:a16="http://schemas.microsoft.com/office/drawing/2014/main" xmlns:a14="http://schemas.microsoft.com/office/drawing/2010/main" xmlns:p14="http://schemas.microsoft.com/office/powerpoint/2010/main" w="9525">
                   <a:solidFill>
                     <a:srgbClr val="000000"/>
                   </a:solidFill>
@@ -15397,7 +15905,7 @@
             </a:ln>
             <a:extLst>
               <a:ext uri="{91240B29-F687-4f45-9708-019B960494DF}">
-                <a14:hiddenLine xmlns:p14="http://schemas.microsoft.com/office/powerpoint/2010/main" xmlns:a14="http://schemas.microsoft.com/office/drawing/2010/main" xmlns:a16="http://schemas.microsoft.com/office/drawing/2014/main" xmlns="" w="9525">
+                <a14:hiddenLine xmlns="" xmlns:a16="http://schemas.microsoft.com/office/drawing/2014/main" xmlns:a14="http://schemas.microsoft.com/office/drawing/2010/main" xmlns:p14="http://schemas.microsoft.com/office/powerpoint/2010/main" w="9525">
                   <a:solidFill>
                     <a:srgbClr val="000000"/>
                   </a:solidFill>
@@ -15502,7 +16010,7 @@
             </a:ln>
             <a:extLst>
               <a:ext uri="{91240B29-F687-4f45-9708-019B960494DF}">
-                <a14:hiddenLine xmlns:p14="http://schemas.microsoft.com/office/powerpoint/2010/main" xmlns:a14="http://schemas.microsoft.com/office/drawing/2010/main" xmlns:a16="http://schemas.microsoft.com/office/drawing/2014/main" xmlns="" w="9525">
+                <a14:hiddenLine xmlns="" xmlns:a16="http://schemas.microsoft.com/office/drawing/2014/main" xmlns:a14="http://schemas.microsoft.com/office/drawing/2010/main" xmlns:p14="http://schemas.microsoft.com/office/powerpoint/2010/main" w="9525">
                   <a:solidFill>
                     <a:srgbClr val="000000"/>
                   </a:solidFill>
@@ -15579,7 +16087,7 @@
             </a:ln>
             <a:extLst>
               <a:ext uri="{91240B29-F687-4f45-9708-019B960494DF}">
-                <a14:hiddenLine xmlns:p14="http://schemas.microsoft.com/office/powerpoint/2010/main" xmlns:a14="http://schemas.microsoft.com/office/drawing/2010/main" xmlns:a16="http://schemas.microsoft.com/office/drawing/2014/main" xmlns="" w="9525">
+                <a14:hiddenLine xmlns="" xmlns:a16="http://schemas.microsoft.com/office/drawing/2014/main" xmlns:a14="http://schemas.microsoft.com/office/drawing/2010/main" xmlns:p14="http://schemas.microsoft.com/office/powerpoint/2010/main" w="9525">
                   <a:solidFill>
                     <a:srgbClr val="000000"/>
                   </a:solidFill>
@@ -15704,7 +16212,7 @@
             </a:ln>
             <a:extLst>
               <a:ext uri="{91240B29-F687-4f45-9708-019B960494DF}">
-                <a14:hiddenLine xmlns:p14="http://schemas.microsoft.com/office/powerpoint/2010/main" xmlns:a14="http://schemas.microsoft.com/office/drawing/2010/main" xmlns:a16="http://schemas.microsoft.com/office/drawing/2014/main" xmlns="" w="9525">
+                <a14:hiddenLine xmlns="" xmlns:a16="http://schemas.microsoft.com/office/drawing/2014/main" xmlns:a14="http://schemas.microsoft.com/office/drawing/2010/main" xmlns:p14="http://schemas.microsoft.com/office/powerpoint/2010/main" w="9525">
                   <a:solidFill>
                     <a:srgbClr val="000000"/>
                   </a:solidFill>
@@ -15781,7 +16289,7 @@
             </a:ln>
             <a:extLst>
               <a:ext uri="{91240B29-F687-4f45-9708-019B960494DF}">
-                <a14:hiddenLine xmlns:p14="http://schemas.microsoft.com/office/powerpoint/2010/main" xmlns:a14="http://schemas.microsoft.com/office/drawing/2010/main" xmlns:a16="http://schemas.microsoft.com/office/drawing/2014/main" xmlns="" w="9525">
+                <a14:hiddenLine xmlns="" xmlns:a16="http://schemas.microsoft.com/office/drawing/2014/main" xmlns:a14="http://schemas.microsoft.com/office/drawing/2010/main" xmlns:p14="http://schemas.microsoft.com/office/powerpoint/2010/main" w="9525">
                   <a:solidFill>
                     <a:srgbClr val="000000"/>
                   </a:solidFill>
@@ -15886,7 +16394,7 @@
             </a:ln>
             <a:extLst>
               <a:ext uri="{91240B29-F687-4f45-9708-019B960494DF}">
-                <a14:hiddenLine xmlns:p14="http://schemas.microsoft.com/office/powerpoint/2010/main" xmlns:a14="http://schemas.microsoft.com/office/drawing/2010/main" xmlns:a16="http://schemas.microsoft.com/office/drawing/2014/main" xmlns="" w="9525">
+                <a14:hiddenLine xmlns="" xmlns:a16="http://schemas.microsoft.com/office/drawing/2014/main" xmlns:a14="http://schemas.microsoft.com/office/drawing/2010/main" xmlns:p14="http://schemas.microsoft.com/office/powerpoint/2010/main" w="9525">
                   <a:solidFill>
                     <a:srgbClr val="000000"/>
                   </a:solidFill>
@@ -15991,7 +16499,7 @@
             </a:ln>
             <a:extLst>
               <a:ext uri="{91240B29-F687-4f45-9708-019B960494DF}">
-                <a14:hiddenLine xmlns:p14="http://schemas.microsoft.com/office/powerpoint/2010/main" xmlns:a14="http://schemas.microsoft.com/office/drawing/2010/main" xmlns:a16="http://schemas.microsoft.com/office/drawing/2014/main" xmlns="" w="9525">
+                <a14:hiddenLine xmlns="" xmlns:a16="http://schemas.microsoft.com/office/drawing/2014/main" xmlns:a14="http://schemas.microsoft.com/office/drawing/2010/main" xmlns:p14="http://schemas.microsoft.com/office/powerpoint/2010/main" w="9525">
                   <a:solidFill>
                     <a:srgbClr val="000000"/>
                   </a:solidFill>
@@ -16068,7 +16576,7 @@
             </a:ln>
             <a:extLst>
               <a:ext uri="{91240B29-F687-4f45-9708-019B960494DF}">
-                <a14:hiddenLine xmlns:p14="http://schemas.microsoft.com/office/powerpoint/2010/main" xmlns:a14="http://schemas.microsoft.com/office/drawing/2010/main" xmlns:a16="http://schemas.microsoft.com/office/drawing/2014/main" xmlns="" w="9525">
+                <a14:hiddenLine xmlns="" xmlns:a16="http://schemas.microsoft.com/office/drawing/2014/main" xmlns:a14="http://schemas.microsoft.com/office/drawing/2010/main" xmlns:p14="http://schemas.microsoft.com/office/powerpoint/2010/main" w="9525">
                   <a:solidFill>
                     <a:srgbClr val="000000"/>
                   </a:solidFill>
@@ -16173,7 +16681,7 @@
             </a:ln>
             <a:extLst>
               <a:ext uri="{91240B29-F687-4f45-9708-019B960494DF}">
-                <a14:hiddenLine xmlns:p14="http://schemas.microsoft.com/office/powerpoint/2010/main" xmlns:a14="http://schemas.microsoft.com/office/drawing/2010/main" xmlns:a16="http://schemas.microsoft.com/office/drawing/2014/main" xmlns="" w="9525">
+                <a14:hiddenLine xmlns="" xmlns:a16="http://schemas.microsoft.com/office/drawing/2014/main" xmlns:a14="http://schemas.microsoft.com/office/drawing/2010/main" xmlns:p14="http://schemas.microsoft.com/office/powerpoint/2010/main" w="9525">
                   <a:solidFill>
                     <a:srgbClr val="000000"/>
                   </a:solidFill>
@@ -16278,7 +16786,7 @@
             </a:ln>
             <a:extLst>
               <a:ext uri="{91240B29-F687-4f45-9708-019B960494DF}">
-                <a14:hiddenLine xmlns:p14="http://schemas.microsoft.com/office/powerpoint/2010/main" xmlns:a14="http://schemas.microsoft.com/office/drawing/2010/main" xmlns:a16="http://schemas.microsoft.com/office/drawing/2014/main" xmlns="" w="9525">
+                <a14:hiddenLine xmlns="" xmlns:a16="http://schemas.microsoft.com/office/drawing/2014/main" xmlns:a14="http://schemas.microsoft.com/office/drawing/2010/main" xmlns:p14="http://schemas.microsoft.com/office/powerpoint/2010/main" w="9525">
                   <a:solidFill>
                     <a:srgbClr val="000000"/>
                   </a:solidFill>
@@ -16349,7 +16857,7 @@
             </a:ln>
             <a:extLst>
               <a:ext uri="{91240B29-F687-4f45-9708-019B960494DF}">
-                <a14:hiddenLine xmlns:p14="http://schemas.microsoft.com/office/powerpoint/2010/main" xmlns:a14="http://schemas.microsoft.com/office/drawing/2010/main" xmlns:a16="http://schemas.microsoft.com/office/drawing/2014/main" xmlns="" w="9525">
+                <a14:hiddenLine xmlns="" xmlns:a16="http://schemas.microsoft.com/office/drawing/2014/main" xmlns:a14="http://schemas.microsoft.com/office/drawing/2010/main" xmlns:p14="http://schemas.microsoft.com/office/powerpoint/2010/main" w="9525">
                   <a:solidFill>
                     <a:srgbClr val="000000"/>
                   </a:solidFill>
@@ -16454,7 +16962,7 @@
             </a:ln>
             <a:extLst>
               <a:ext uri="{91240B29-F687-4f45-9708-019B960494DF}">
-                <a14:hiddenLine xmlns:p14="http://schemas.microsoft.com/office/powerpoint/2010/main" xmlns:a14="http://schemas.microsoft.com/office/drawing/2010/main" xmlns:a16="http://schemas.microsoft.com/office/drawing/2014/main" xmlns="" w="9525">
+                <a14:hiddenLine xmlns="" xmlns:a16="http://schemas.microsoft.com/office/drawing/2014/main" xmlns:a14="http://schemas.microsoft.com/office/drawing/2010/main" xmlns:p14="http://schemas.microsoft.com/office/powerpoint/2010/main" w="9525">
                   <a:solidFill>
                     <a:srgbClr val="000000"/>
                   </a:solidFill>
@@ -16525,7 +17033,7 @@
             </a:ln>
             <a:extLst>
               <a:ext uri="{91240B29-F687-4f45-9708-019B960494DF}">
-                <a14:hiddenLine xmlns:p14="http://schemas.microsoft.com/office/powerpoint/2010/main" xmlns:a14="http://schemas.microsoft.com/office/drawing/2010/main" xmlns:a16="http://schemas.microsoft.com/office/drawing/2014/main" xmlns="" w="9525">
+                <a14:hiddenLine xmlns="" xmlns:a16="http://schemas.microsoft.com/office/drawing/2014/main" xmlns:a14="http://schemas.microsoft.com/office/drawing/2010/main" xmlns:p14="http://schemas.microsoft.com/office/powerpoint/2010/main" w="9525">
                   <a:solidFill>
                     <a:srgbClr val="000000"/>
                   </a:solidFill>
@@ -16630,7 +17138,7 @@
             </a:ln>
             <a:extLst>
               <a:ext uri="{91240B29-F687-4f45-9708-019B960494DF}">
-                <a14:hiddenLine xmlns:p14="http://schemas.microsoft.com/office/powerpoint/2010/main" xmlns:a14="http://schemas.microsoft.com/office/drawing/2010/main" xmlns:a16="http://schemas.microsoft.com/office/drawing/2014/main" xmlns="" w="9525">
+                <a14:hiddenLine xmlns="" xmlns:a16="http://schemas.microsoft.com/office/drawing/2014/main" xmlns:a14="http://schemas.microsoft.com/office/drawing/2010/main" xmlns:p14="http://schemas.microsoft.com/office/powerpoint/2010/main" w="9525">
                   <a:solidFill>
                     <a:srgbClr val="000000"/>
                   </a:solidFill>
@@ -16713,7 +17221,7 @@
             </a:ln>
             <a:extLst>
               <a:ext uri="{91240B29-F687-4f45-9708-019B960494DF}">
-                <a14:hiddenLine xmlns:p14="http://schemas.microsoft.com/office/powerpoint/2010/main" xmlns:a14="http://schemas.microsoft.com/office/drawing/2010/main" xmlns:a16="http://schemas.microsoft.com/office/drawing/2014/main" xmlns="" w="9525">
+                <a14:hiddenLine xmlns="" xmlns:a16="http://schemas.microsoft.com/office/drawing/2014/main" xmlns:a14="http://schemas.microsoft.com/office/drawing/2010/main" xmlns:p14="http://schemas.microsoft.com/office/powerpoint/2010/main" w="9525">
                   <a:solidFill>
                     <a:srgbClr val="000000"/>
                   </a:solidFill>
@@ -16818,7 +17326,7 @@
             </a:ln>
             <a:extLst>
               <a:ext uri="{91240B29-F687-4f45-9708-019B960494DF}">
-                <a14:hiddenLine xmlns:p14="http://schemas.microsoft.com/office/powerpoint/2010/main" xmlns:a14="http://schemas.microsoft.com/office/drawing/2010/main" xmlns:a16="http://schemas.microsoft.com/office/drawing/2014/main" xmlns="" w="9525">
+                <a14:hiddenLine xmlns="" xmlns:a16="http://schemas.microsoft.com/office/drawing/2014/main" xmlns:a14="http://schemas.microsoft.com/office/drawing/2010/main" xmlns:p14="http://schemas.microsoft.com/office/powerpoint/2010/main" w="9525">
                   <a:solidFill>
                     <a:srgbClr val="000000"/>
                   </a:solidFill>
@@ -16901,7 +17409,7 @@
             </a:ln>
             <a:extLst>
               <a:ext uri="{91240B29-F687-4f45-9708-019B960494DF}">
-                <a14:hiddenLine xmlns:p14="http://schemas.microsoft.com/office/powerpoint/2010/main" xmlns:a14="http://schemas.microsoft.com/office/drawing/2010/main" xmlns:a16="http://schemas.microsoft.com/office/drawing/2014/main" xmlns="" w="9525">
+                <a14:hiddenLine xmlns="" xmlns:a16="http://schemas.microsoft.com/office/drawing/2014/main" xmlns:a14="http://schemas.microsoft.com/office/drawing/2010/main" xmlns:p14="http://schemas.microsoft.com/office/powerpoint/2010/main" w="9525">
                   <a:solidFill>
                     <a:srgbClr val="000000"/>
                   </a:solidFill>
@@ -17006,7 +17514,7 @@
             </a:ln>
             <a:extLst>
               <a:ext uri="{91240B29-F687-4f45-9708-019B960494DF}">
-                <a14:hiddenLine xmlns:p14="http://schemas.microsoft.com/office/powerpoint/2010/main" xmlns:a14="http://schemas.microsoft.com/office/drawing/2010/main" xmlns:a16="http://schemas.microsoft.com/office/drawing/2014/main" xmlns="" w="9525">
+                <a14:hiddenLine xmlns="" xmlns:a16="http://schemas.microsoft.com/office/drawing/2014/main" xmlns:a14="http://schemas.microsoft.com/office/drawing/2010/main" xmlns:p14="http://schemas.microsoft.com/office/powerpoint/2010/main" w="9525">
                   <a:solidFill>
                     <a:srgbClr val="000000"/>
                   </a:solidFill>
@@ -17055,7 +17563,7 @@
             </a:ln>
             <a:extLst>
               <a:ext uri="{91240B29-F687-4f45-9708-019B960494DF}">
-                <a14:hiddenLine xmlns:p14="http://schemas.microsoft.com/office/powerpoint/2010/main" xmlns:a14="http://schemas.microsoft.com/office/drawing/2010/main" xmlns:a16="http://schemas.microsoft.com/office/drawing/2014/main" xmlns="" w="9525">
+                <a14:hiddenLine xmlns="" xmlns:a16="http://schemas.microsoft.com/office/drawing/2014/main" xmlns:a14="http://schemas.microsoft.com/office/drawing/2010/main" xmlns:p14="http://schemas.microsoft.com/office/powerpoint/2010/main" w="9525">
                   <a:solidFill>
                     <a:srgbClr val="000000"/>
                   </a:solidFill>
@@ -17160,7 +17668,7 @@
             </a:ln>
             <a:extLst>
               <a:ext uri="{91240B29-F687-4f45-9708-019B960494DF}">
-                <a14:hiddenLine xmlns:p14="http://schemas.microsoft.com/office/powerpoint/2010/main" xmlns:a14="http://schemas.microsoft.com/office/drawing/2010/main" xmlns:a16="http://schemas.microsoft.com/office/drawing/2014/main" xmlns="" w="9525">
+                <a14:hiddenLine xmlns="" xmlns:a16="http://schemas.microsoft.com/office/drawing/2014/main" xmlns:a14="http://schemas.microsoft.com/office/drawing/2010/main" xmlns:p14="http://schemas.microsoft.com/office/powerpoint/2010/main" w="9525">
                   <a:solidFill>
                     <a:srgbClr val="000000"/>
                   </a:solidFill>
@@ -17237,7 +17745,7 @@
             </a:ln>
             <a:extLst>
               <a:ext uri="{91240B29-F687-4f45-9708-019B960494DF}">
-                <a14:hiddenLine xmlns:p14="http://schemas.microsoft.com/office/powerpoint/2010/main" xmlns:a14="http://schemas.microsoft.com/office/drawing/2010/main" xmlns:a16="http://schemas.microsoft.com/office/drawing/2014/main" xmlns="" w="9525">
+                <a14:hiddenLine xmlns="" xmlns:a16="http://schemas.microsoft.com/office/drawing/2014/main" xmlns:a14="http://schemas.microsoft.com/office/drawing/2010/main" xmlns:p14="http://schemas.microsoft.com/office/powerpoint/2010/main" w="9525">
                   <a:solidFill>
                     <a:srgbClr val="000000"/>
                   </a:solidFill>
@@ -17314,7 +17822,7 @@
             </a:ln>
             <a:extLst>
               <a:ext uri="{91240B29-F687-4f45-9708-019B960494DF}">
-                <a14:hiddenLine xmlns:p14="http://schemas.microsoft.com/office/powerpoint/2010/main" xmlns:a14="http://schemas.microsoft.com/office/drawing/2010/main" xmlns:a16="http://schemas.microsoft.com/office/drawing/2014/main" xmlns="" w="9525">
+                <a14:hiddenLine xmlns="" xmlns:a16="http://schemas.microsoft.com/office/drawing/2014/main" xmlns:a14="http://schemas.microsoft.com/office/drawing/2010/main" xmlns:p14="http://schemas.microsoft.com/office/powerpoint/2010/main" w="9525">
                   <a:solidFill>
                     <a:srgbClr val="000000"/>
                   </a:solidFill>
@@ -17419,7 +17927,7 @@
             </a:ln>
             <a:extLst>
               <a:ext uri="{91240B29-F687-4f45-9708-019B960494DF}">
-                <a14:hiddenLine xmlns:p14="http://schemas.microsoft.com/office/powerpoint/2010/main" xmlns:a14="http://schemas.microsoft.com/office/drawing/2010/main" xmlns:a16="http://schemas.microsoft.com/office/drawing/2014/main" xmlns="" w="9525">
+                <a14:hiddenLine xmlns="" xmlns:a16="http://schemas.microsoft.com/office/drawing/2014/main" xmlns:a14="http://schemas.microsoft.com/office/drawing/2010/main" xmlns:p14="http://schemas.microsoft.com/office/powerpoint/2010/main" w="9525">
                   <a:solidFill>
                     <a:srgbClr val="000000"/>
                   </a:solidFill>
@@ -17502,7 +18010,7 @@
             </a:ln>
             <a:extLst>
               <a:ext uri="{91240B29-F687-4f45-9708-019B960494DF}">
-                <a14:hiddenLine xmlns:p14="http://schemas.microsoft.com/office/powerpoint/2010/main" xmlns:a14="http://schemas.microsoft.com/office/drawing/2010/main" xmlns:a16="http://schemas.microsoft.com/office/drawing/2014/main" xmlns="" w="9525">
+                <a14:hiddenLine xmlns="" xmlns:a16="http://schemas.microsoft.com/office/drawing/2014/main" xmlns:a14="http://schemas.microsoft.com/office/drawing/2010/main" xmlns:p14="http://schemas.microsoft.com/office/powerpoint/2010/main" w="9525">
                   <a:solidFill>
                     <a:srgbClr val="000000"/>
                   </a:solidFill>
@@ -17579,7 +18087,7 @@
             </a:ln>
             <a:extLst>
               <a:ext uri="{91240B29-F687-4f45-9708-019B960494DF}">
-                <a14:hiddenLine xmlns:p14="http://schemas.microsoft.com/office/powerpoint/2010/main" xmlns:a14="http://schemas.microsoft.com/office/drawing/2010/main" xmlns:a16="http://schemas.microsoft.com/office/drawing/2014/main" xmlns="" w="9525">
+                <a14:hiddenLine xmlns="" xmlns:a16="http://schemas.microsoft.com/office/drawing/2014/main" xmlns:a14="http://schemas.microsoft.com/office/drawing/2010/main" xmlns:p14="http://schemas.microsoft.com/office/powerpoint/2010/main" w="9525">
                   <a:solidFill>
                     <a:srgbClr val="000000"/>
                   </a:solidFill>
@@ -17684,7 +18192,7 @@
             </a:ln>
             <a:extLst>
               <a:ext uri="{91240B29-F687-4f45-9708-019B960494DF}">
-                <a14:hiddenLine xmlns:p14="http://schemas.microsoft.com/office/powerpoint/2010/main" xmlns:a14="http://schemas.microsoft.com/office/drawing/2010/main" xmlns:a16="http://schemas.microsoft.com/office/drawing/2014/main" xmlns="" w="9525">
+                <a14:hiddenLine xmlns="" xmlns:a16="http://schemas.microsoft.com/office/drawing/2014/main" xmlns:a14="http://schemas.microsoft.com/office/drawing/2010/main" xmlns:p14="http://schemas.microsoft.com/office/powerpoint/2010/main" w="9525">
                   <a:solidFill>
                     <a:srgbClr val="000000"/>
                   </a:solidFill>
@@ -17761,7 +18269,7 @@
             </a:ln>
             <a:extLst>
               <a:ext uri="{91240B29-F687-4f45-9708-019B960494DF}">
-                <a14:hiddenLine xmlns:p14="http://schemas.microsoft.com/office/powerpoint/2010/main" xmlns:a14="http://schemas.microsoft.com/office/drawing/2010/main" xmlns:a16="http://schemas.microsoft.com/office/drawing/2014/main" xmlns="" w="9525">
+                <a14:hiddenLine xmlns="" xmlns:a16="http://schemas.microsoft.com/office/drawing/2014/main" xmlns:a14="http://schemas.microsoft.com/office/drawing/2010/main" xmlns:p14="http://schemas.microsoft.com/office/powerpoint/2010/main" w="9525">
                   <a:solidFill>
                     <a:srgbClr val="000000"/>
                   </a:solidFill>
@@ -17866,7 +18374,7 @@
             </a:ln>
             <a:extLst>
               <a:ext uri="{91240B29-F687-4f45-9708-019B960494DF}">
-                <a14:hiddenLine xmlns:p14="http://schemas.microsoft.com/office/powerpoint/2010/main" xmlns:a14="http://schemas.microsoft.com/office/drawing/2010/main" xmlns:a16="http://schemas.microsoft.com/office/drawing/2014/main" xmlns="" w="9525">
+                <a14:hiddenLine xmlns="" xmlns:a16="http://schemas.microsoft.com/office/drawing/2014/main" xmlns:a14="http://schemas.microsoft.com/office/drawing/2010/main" xmlns:p14="http://schemas.microsoft.com/office/powerpoint/2010/main" w="9525">
                   <a:solidFill>
                     <a:srgbClr val="000000"/>
                   </a:solidFill>
@@ -17943,7 +18451,7 @@
             </a:ln>
             <a:extLst>
               <a:ext uri="{91240B29-F687-4f45-9708-019B960494DF}">
-                <a14:hiddenLine xmlns:p14="http://schemas.microsoft.com/office/powerpoint/2010/main" xmlns:a14="http://schemas.microsoft.com/office/drawing/2010/main" xmlns:a16="http://schemas.microsoft.com/office/drawing/2014/main" xmlns="" w="9525">
+                <a14:hiddenLine xmlns="" xmlns:a16="http://schemas.microsoft.com/office/drawing/2014/main" xmlns:a14="http://schemas.microsoft.com/office/drawing/2010/main" xmlns:p14="http://schemas.microsoft.com/office/powerpoint/2010/main" w="9525">
                   <a:solidFill>
                     <a:srgbClr val="000000"/>
                   </a:solidFill>
@@ -18048,7 +18556,7 @@
             </a:ln>
             <a:extLst>
               <a:ext uri="{91240B29-F687-4f45-9708-019B960494DF}">
-                <a14:hiddenLine xmlns:p14="http://schemas.microsoft.com/office/powerpoint/2010/main" xmlns:a14="http://schemas.microsoft.com/office/drawing/2010/main" xmlns:a16="http://schemas.microsoft.com/office/drawing/2014/main" xmlns="" w="9525">
+                <a14:hiddenLine xmlns="" xmlns:a16="http://schemas.microsoft.com/office/drawing/2014/main" xmlns:a14="http://schemas.microsoft.com/office/drawing/2010/main" xmlns:p14="http://schemas.microsoft.com/office/powerpoint/2010/main" w="9525">
                   <a:solidFill>
                     <a:srgbClr val="000000"/>
                   </a:solidFill>
@@ -18097,7 +18605,7 @@
             </a:ln>
             <a:extLst>
               <a:ext uri="{91240B29-F687-4f45-9708-019B960494DF}">
-                <a14:hiddenLine xmlns:p14="http://schemas.microsoft.com/office/powerpoint/2010/main" xmlns:a14="http://schemas.microsoft.com/office/drawing/2010/main" xmlns:a16="http://schemas.microsoft.com/office/drawing/2014/main" xmlns="" w="9525">
+                <a14:hiddenLine xmlns="" xmlns:a16="http://schemas.microsoft.com/office/drawing/2014/main" xmlns:a14="http://schemas.microsoft.com/office/drawing/2010/main" xmlns:p14="http://schemas.microsoft.com/office/powerpoint/2010/main" w="9525">
                   <a:solidFill>
                     <a:srgbClr val="000000"/>
                   </a:solidFill>
@@ -18177,7 +18685,7 @@
             </a:ln>
             <a:extLst>
               <a:ext uri="{91240B29-F687-4f45-9708-019B960494DF}">
-                <a14:hiddenLine xmlns:p14="http://schemas.microsoft.com/office/powerpoint/2010/main" xmlns:a14="http://schemas.microsoft.com/office/drawing/2010/main" xmlns:a16="http://schemas.microsoft.com/office/drawing/2014/main" xmlns="" w="9525">
+                <a14:hiddenLine xmlns="" xmlns:a16="http://schemas.microsoft.com/office/drawing/2014/main" xmlns:a14="http://schemas.microsoft.com/office/drawing/2010/main" xmlns:p14="http://schemas.microsoft.com/office/powerpoint/2010/main" w="9525">
                   <a:solidFill>
                     <a:srgbClr val="000000"/>
                   </a:solidFill>
@@ -18282,7 +18790,7 @@
             </a:ln>
             <a:extLst>
               <a:ext uri="{91240B29-F687-4f45-9708-019B960494DF}">
-                <a14:hiddenLine xmlns:p14="http://schemas.microsoft.com/office/powerpoint/2010/main" xmlns:a14="http://schemas.microsoft.com/office/drawing/2010/main" xmlns:a16="http://schemas.microsoft.com/office/drawing/2014/main" xmlns="" w="9525">
+                <a14:hiddenLine xmlns="" xmlns:a16="http://schemas.microsoft.com/office/drawing/2014/main" xmlns:a14="http://schemas.microsoft.com/office/drawing/2010/main" xmlns:p14="http://schemas.microsoft.com/office/powerpoint/2010/main" w="9525">
                   <a:solidFill>
                     <a:srgbClr val="000000"/>
                   </a:solidFill>
@@ -18359,7 +18867,7 @@
             </a:ln>
             <a:extLst>
               <a:ext uri="{91240B29-F687-4f45-9708-019B960494DF}">
-                <a14:hiddenLine xmlns:p14="http://schemas.microsoft.com/office/powerpoint/2010/main" xmlns:a14="http://schemas.microsoft.com/office/drawing/2010/main" xmlns:a16="http://schemas.microsoft.com/office/drawing/2014/main" xmlns="" w="9525">
+                <a14:hiddenLine xmlns="" xmlns:a16="http://schemas.microsoft.com/office/drawing/2014/main" xmlns:a14="http://schemas.microsoft.com/office/drawing/2010/main" xmlns:p14="http://schemas.microsoft.com/office/powerpoint/2010/main" w="9525">
                   <a:solidFill>
                     <a:srgbClr val="000000"/>
                   </a:solidFill>
@@ -18464,7 +18972,7 @@
             </a:ln>
             <a:extLst>
               <a:ext uri="{91240B29-F687-4f45-9708-019B960494DF}">
-                <a14:hiddenLine xmlns:p14="http://schemas.microsoft.com/office/powerpoint/2010/main" xmlns:a14="http://schemas.microsoft.com/office/drawing/2010/main" xmlns:a16="http://schemas.microsoft.com/office/drawing/2014/main" xmlns="" w="9525">
+                <a14:hiddenLine xmlns="" xmlns:a16="http://schemas.microsoft.com/office/drawing/2014/main" xmlns:a14="http://schemas.microsoft.com/office/drawing/2010/main" xmlns:p14="http://schemas.microsoft.com/office/powerpoint/2010/main" w="9525">
                   <a:solidFill>
                     <a:srgbClr val="000000"/>
                   </a:solidFill>
@@ -18569,7 +19077,7 @@
             </a:ln>
             <a:extLst>
               <a:ext uri="{91240B29-F687-4f45-9708-019B960494DF}">
-                <a14:hiddenLine xmlns:p14="http://schemas.microsoft.com/office/powerpoint/2010/main" xmlns:a14="http://schemas.microsoft.com/office/drawing/2010/main" xmlns:a16="http://schemas.microsoft.com/office/drawing/2014/main" xmlns="" w="9525">
+                <a14:hiddenLine xmlns="" xmlns:a16="http://schemas.microsoft.com/office/drawing/2014/main" xmlns:a14="http://schemas.microsoft.com/office/drawing/2010/main" xmlns:p14="http://schemas.microsoft.com/office/powerpoint/2010/main" w="9525">
                   <a:solidFill>
                     <a:srgbClr val="000000"/>
                   </a:solidFill>
@@ -18649,7 +19157,7 @@
             </a:ln>
             <a:extLst>
               <a:ext uri="{91240B29-F687-4f45-9708-019B960494DF}">
-                <a14:hiddenLine xmlns:p14="http://schemas.microsoft.com/office/powerpoint/2010/main" xmlns:a14="http://schemas.microsoft.com/office/drawing/2010/main" xmlns:a16="http://schemas.microsoft.com/office/drawing/2014/main" xmlns="" w="9525">
+                <a14:hiddenLine xmlns="" xmlns:a16="http://schemas.microsoft.com/office/drawing/2014/main" xmlns:a14="http://schemas.microsoft.com/office/drawing/2010/main" xmlns:p14="http://schemas.microsoft.com/office/powerpoint/2010/main" w="9525">
                   <a:solidFill>
                     <a:srgbClr val="000000"/>
                   </a:solidFill>
@@ -18726,7 +19234,7 @@
             </a:ln>
             <a:extLst>
               <a:ext uri="{91240B29-F687-4f45-9708-019B960494DF}">
-                <a14:hiddenLine xmlns:p14="http://schemas.microsoft.com/office/powerpoint/2010/main" xmlns:a14="http://schemas.microsoft.com/office/drawing/2010/main" xmlns:a16="http://schemas.microsoft.com/office/drawing/2014/main" xmlns="" w="9525">
+                <a14:hiddenLine xmlns="" xmlns:a16="http://schemas.microsoft.com/office/drawing/2014/main" xmlns:a14="http://schemas.microsoft.com/office/drawing/2010/main" xmlns:p14="http://schemas.microsoft.com/office/powerpoint/2010/main" w="9525">
                   <a:solidFill>
                     <a:srgbClr val="000000"/>
                   </a:solidFill>
@@ -18831,7 +19339,7 @@
             </a:ln>
             <a:extLst>
               <a:ext uri="{91240B29-F687-4f45-9708-019B960494DF}">
-                <a14:hiddenLine xmlns:p14="http://schemas.microsoft.com/office/powerpoint/2010/main" xmlns:a14="http://schemas.microsoft.com/office/drawing/2010/main" xmlns:a16="http://schemas.microsoft.com/office/drawing/2014/main" xmlns="" w="9525">
+                <a14:hiddenLine xmlns="" xmlns:a16="http://schemas.microsoft.com/office/drawing/2014/main" xmlns:a14="http://schemas.microsoft.com/office/drawing/2010/main" xmlns:p14="http://schemas.microsoft.com/office/powerpoint/2010/main" w="9525">
                   <a:solidFill>
                     <a:srgbClr val="000000"/>
                   </a:solidFill>
@@ -18936,7 +19444,7 @@
             </a:ln>
             <a:extLst>
               <a:ext uri="{91240B29-F687-4f45-9708-019B960494DF}">
-                <a14:hiddenLine xmlns:p14="http://schemas.microsoft.com/office/powerpoint/2010/main" xmlns:a14="http://schemas.microsoft.com/office/drawing/2010/main" xmlns:a16="http://schemas.microsoft.com/office/drawing/2014/main" xmlns="" w="9525">
+                <a14:hiddenLine xmlns="" xmlns:a16="http://schemas.microsoft.com/office/drawing/2014/main" xmlns:a14="http://schemas.microsoft.com/office/drawing/2010/main" xmlns:p14="http://schemas.microsoft.com/office/powerpoint/2010/main" w="9525">
                   <a:solidFill>
                     <a:srgbClr val="000000"/>
                   </a:solidFill>
@@ -19013,7 +19521,7 @@
             </a:ln>
             <a:extLst>
               <a:ext uri="{91240B29-F687-4f45-9708-019B960494DF}">
-                <a14:hiddenLine xmlns:p14="http://schemas.microsoft.com/office/powerpoint/2010/main" xmlns:a14="http://schemas.microsoft.com/office/drawing/2010/main" xmlns:a16="http://schemas.microsoft.com/office/drawing/2014/main" xmlns="" w="9525">
+                <a14:hiddenLine xmlns="" xmlns:a16="http://schemas.microsoft.com/office/drawing/2014/main" xmlns:a14="http://schemas.microsoft.com/office/drawing/2010/main" xmlns:p14="http://schemas.microsoft.com/office/powerpoint/2010/main" w="9525">
                   <a:solidFill>
                     <a:srgbClr val="000000"/>
                   </a:solidFill>
@@ -19148,7 +19656,7 @@
             </a:ln>
             <a:extLst>
               <a:ext uri="{91240B29-F687-4f45-9708-019B960494DF}">
-                <a14:hiddenLine xmlns:p14="http://schemas.microsoft.com/office/powerpoint/2010/main" xmlns:a14="http://schemas.microsoft.com/office/drawing/2010/main" xmlns:a16="http://schemas.microsoft.com/office/drawing/2014/main" xmlns="" w="9525">
+                <a14:hiddenLine xmlns="" xmlns:a16="http://schemas.microsoft.com/office/drawing/2014/main" xmlns:a14="http://schemas.microsoft.com/office/drawing/2010/main" xmlns:p14="http://schemas.microsoft.com/office/powerpoint/2010/main" w="9525">
                   <a:solidFill>
                     <a:srgbClr val="000000"/>
                   </a:solidFill>
@@ -19231,7 +19739,7 @@
             </a:ln>
             <a:extLst>
               <a:ext uri="{91240B29-F687-4f45-9708-019B960494DF}">
-                <a14:hiddenLine xmlns:p14="http://schemas.microsoft.com/office/powerpoint/2010/main" xmlns:a14="http://schemas.microsoft.com/office/drawing/2010/main" xmlns:a16="http://schemas.microsoft.com/office/drawing/2014/main" xmlns="" w="9525">
+                <a14:hiddenLine xmlns="" xmlns:a16="http://schemas.microsoft.com/office/drawing/2014/main" xmlns:a14="http://schemas.microsoft.com/office/drawing/2010/main" xmlns:p14="http://schemas.microsoft.com/office/powerpoint/2010/main" w="9525">
                   <a:solidFill>
                     <a:srgbClr val="000000"/>
                   </a:solidFill>
@@ -19336,7 +19844,7 @@
             </a:ln>
             <a:extLst>
               <a:ext uri="{91240B29-F687-4f45-9708-019B960494DF}">
-                <a14:hiddenLine xmlns:p14="http://schemas.microsoft.com/office/powerpoint/2010/main" xmlns:a14="http://schemas.microsoft.com/office/drawing/2010/main" xmlns:a16="http://schemas.microsoft.com/office/drawing/2014/main" xmlns="" w="9525">
+                <a14:hiddenLine xmlns="" xmlns:a16="http://schemas.microsoft.com/office/drawing/2014/main" xmlns:a14="http://schemas.microsoft.com/office/drawing/2010/main" xmlns:p14="http://schemas.microsoft.com/office/powerpoint/2010/main" w="9525">
                   <a:solidFill>
                     <a:srgbClr val="000000"/>
                   </a:solidFill>
@@ -19373,37 +19881,13 @@
         </p:spPr>
         <p:txBody>
           <a:bodyPr>
-            <a:normAutofit fontScale="62500" lnSpcReduction="20000"/>
+            <a:normAutofit/>
           </a:bodyPr>
           <a:lstStyle/>
           <a:p>
             <a:r>
               <a:rPr lang="en-US" dirty="0"/>
-              <a:t>No running, snatching, fighting etc. You will </a:t>
-            </a:r>
-            <a:r>
-              <a:rPr lang="en-US" b="1" dirty="0">
-                <a:solidFill>
-                  <a:srgbClr val="FF0000"/>
-                </a:solidFill>
-              </a:rPr>
-              <a:t>lose</a:t>
-            </a:r>
-            <a:r>
-              <a:rPr lang="en-US" dirty="0"/>
-              <a:t> </a:t>
-            </a:r>
-            <a:r>
-              <a:rPr lang="en-US" b="1" dirty="0">
-                <a:solidFill>
-                  <a:srgbClr val="FF0000"/>
-                </a:solidFill>
-              </a:rPr>
-              <a:t>-2 </a:t>
-            </a:r>
-            <a:r>
-              <a:rPr lang="en-US" dirty="0"/>
-              <a:t>points if you do so.</a:t>
+              <a:t>Behavior</a:t>
             </a:r>
           </a:p>
           <a:p>
@@ -19427,13 +19911,7 @@
           <a:p>
             <a:r>
               <a:rPr lang="en-US" dirty="0"/>
-              <a:t>Right QR code </a:t>
-            </a:r>
-            <a:r>
-              <a:rPr lang="en-US" dirty="0">
-                <a:sym typeface="Wingdings" panose="05000000000000000000" pitchFamily="2" charset="2"/>
-              </a:rPr>
-              <a:t> </a:t>
+              <a:t>Points: </a:t>
             </a:r>
             <a:r>
               <a:rPr lang="en-US" b="1" dirty="0">
@@ -19442,7 +19920,42 @@
                 </a:solidFill>
                 <a:sym typeface="Wingdings" panose="05000000000000000000" pitchFamily="2" charset="2"/>
               </a:rPr>
-              <a:t>+10</a:t>
+              <a:t>+10 </a:t>
+            </a:r>
+            <a:r>
+              <a:rPr lang="en-US" dirty="0"/>
+              <a:t>or </a:t>
+            </a:r>
+            <a:r>
+              <a:rPr lang="en-US" b="1" dirty="0">
+                <a:solidFill>
+                  <a:srgbClr val="00B050"/>
+                </a:solidFill>
+                <a:sym typeface="Wingdings" panose="05000000000000000000" pitchFamily="2" charset="2"/>
+              </a:rPr>
+              <a:t> </a:t>
+            </a:r>
+            <a:r>
+              <a:rPr lang="en-US" b="1" dirty="0">
+                <a:solidFill>
+                  <a:srgbClr val="FF0000"/>
+                </a:solidFill>
+                <a:sym typeface="Wingdings" panose="05000000000000000000" pitchFamily="2" charset="2"/>
+              </a:rPr>
+              <a:t>- 1  </a:t>
+            </a:r>
+            <a:r>
+              <a:rPr lang="en-US" dirty="0"/>
+              <a:t>or   </a:t>
+            </a:r>
+            <a:r>
+              <a:rPr lang="en-US" b="1" dirty="0">
+                <a:solidFill>
+                  <a:srgbClr val="FF0000"/>
+                </a:solidFill>
+                <a:sym typeface="Wingdings" panose="05000000000000000000" pitchFamily="2" charset="2"/>
+              </a:rPr>
+              <a:t>-2</a:t>
             </a:r>
             <a:endParaRPr lang="en-US" b="1" dirty="0">
               <a:solidFill>
@@ -19453,66 +19966,19 @@
           <a:p>
             <a:r>
               <a:rPr lang="en-US" dirty="0"/>
-              <a:t>Wrong QR codes </a:t>
-            </a:r>
-            <a:r>
-              <a:rPr lang="en-US" dirty="0">
-                <a:sym typeface="Wingdings" panose="05000000000000000000" pitchFamily="2" charset="2"/>
-              </a:rPr>
-              <a:t> </a:t>
-            </a:r>
-            <a:r>
-              <a:rPr lang="en-US" b="1" dirty="0">
-                <a:solidFill>
-                  <a:srgbClr val="FF0000"/>
-                </a:solidFill>
-                <a:sym typeface="Wingdings" panose="05000000000000000000" pitchFamily="2" charset="2"/>
-              </a:rPr>
-              <a:t>-1 or -2</a:t>
-            </a:r>
-            <a:endParaRPr lang="en-US" b="1" dirty="0">
-              <a:solidFill>
-                <a:srgbClr val="FF0000"/>
-              </a:solidFill>
-            </a:endParaRPr>
-          </a:p>
-          <a:p>
-            <a:pPr lvl="1"/>
-            <a:r>
-              <a:rPr lang="en-US" dirty="0"/>
-              <a:t>Remember your game code (D, M or H)</a:t>
+              <a:t>fair chance to all</a:t>
             </a:r>
           </a:p>
           <a:p>
             <a:r>
               <a:rPr lang="en-US" dirty="0"/>
-              <a:t>Don’t rush, winner is based on Points. However, first team </a:t>
-            </a:r>
-            <a:r>
-              <a:rPr lang="en-US" b="1" dirty="0">
-                <a:solidFill>
-                  <a:srgbClr val="00B050"/>
-                </a:solidFill>
-              </a:rPr>
-              <a:t>4 points</a:t>
+              <a:t>Put back the thing</a:t>
             </a:r>
           </a:p>
           <a:p>
             <a:r>
               <a:rPr lang="en-US" dirty="0"/>
-              <a:t>Everyone in team should get fair chance</a:t>
-            </a:r>
-          </a:p>
-          <a:p>
-            <a:r>
-              <a:rPr lang="en-US" dirty="0"/>
-              <a:t>Put back the thing after scanning the QR code</a:t>
-            </a:r>
-          </a:p>
-          <a:p>
-            <a:r>
-              <a:rPr lang="en-US" dirty="0"/>
-              <a:t>Ask Adult Help if required</a:t>
+              <a:t>Ask Adult help (only if required)</a:t>
             </a:r>
             <a:endParaRPr lang="en-NZ" dirty="0"/>
           </a:p>
@@ -19810,153 +20276,6 @@
                                           <p:spTgt spid="3">
                                             <p:txEl>
                                               <p:pRg st="5" end="5"/>
-                                            </p:txEl>
-                                          </p:spTgt>
-                                        </p:tgtEl>
-                                        <p:attrNameLst>
-                                          <p:attrName>style.visibility</p:attrName>
-                                        </p:attrNameLst>
-                                      </p:cBhvr>
-                                      <p:to>
-                                        <p:strVal val="visible"/>
-                                      </p:to>
-                                    </p:set>
-                                  </p:childTnLst>
-                                </p:cTn>
-                              </p:par>
-                            </p:childTnLst>
-                          </p:cTn>
-                        </p:par>
-                      </p:childTnLst>
-                    </p:cTn>
-                  </p:par>
-                  <p:par>
-                    <p:cTn id="27" fill="hold">
-                      <p:stCondLst>
-                        <p:cond delay="indefinite"/>
-                      </p:stCondLst>
-                      <p:childTnLst>
-                        <p:par>
-                          <p:cTn id="28" fill="hold">
-                            <p:stCondLst>
-                              <p:cond delay="0"/>
-                            </p:stCondLst>
-                            <p:childTnLst>
-                              <p:par>
-                                <p:cTn id="29" presetID="1" presetClass="entr" presetSubtype="0" fill="hold" nodeType="clickEffect">
-                                  <p:stCondLst>
-                                    <p:cond delay="0"/>
-                                  </p:stCondLst>
-                                  <p:childTnLst>
-                                    <p:set>
-                                      <p:cBhvr>
-                                        <p:cTn id="30" dur="1" fill="hold">
-                                          <p:stCondLst>
-                                            <p:cond delay="0"/>
-                                          </p:stCondLst>
-                                        </p:cTn>
-                                        <p:tgtEl>
-                                          <p:spTgt spid="3">
-                                            <p:txEl>
-                                              <p:pRg st="6" end="6"/>
-                                            </p:txEl>
-                                          </p:spTgt>
-                                        </p:tgtEl>
-                                        <p:attrNameLst>
-                                          <p:attrName>style.visibility</p:attrName>
-                                        </p:attrNameLst>
-                                      </p:cBhvr>
-                                      <p:to>
-                                        <p:strVal val="visible"/>
-                                      </p:to>
-                                    </p:set>
-                                  </p:childTnLst>
-                                </p:cTn>
-                              </p:par>
-                            </p:childTnLst>
-                          </p:cTn>
-                        </p:par>
-                      </p:childTnLst>
-                    </p:cTn>
-                  </p:par>
-                  <p:par>
-                    <p:cTn id="31" fill="hold">
-                      <p:stCondLst>
-                        <p:cond delay="indefinite"/>
-                      </p:stCondLst>
-                      <p:childTnLst>
-                        <p:par>
-                          <p:cTn id="32" fill="hold">
-                            <p:stCondLst>
-                              <p:cond delay="0"/>
-                            </p:stCondLst>
-                            <p:childTnLst>
-                              <p:par>
-                                <p:cTn id="33" presetID="1" presetClass="entr" presetSubtype="0" fill="hold" nodeType="clickEffect">
-                                  <p:stCondLst>
-                                    <p:cond delay="0"/>
-                                  </p:stCondLst>
-                                  <p:childTnLst>
-                                    <p:set>
-                                      <p:cBhvr>
-                                        <p:cTn id="34" dur="1" fill="hold">
-                                          <p:stCondLst>
-                                            <p:cond delay="0"/>
-                                          </p:stCondLst>
-                                        </p:cTn>
-                                        <p:tgtEl>
-                                          <p:spTgt spid="3">
-                                            <p:txEl>
-                                              <p:pRg st="7" end="7"/>
-                                            </p:txEl>
-                                          </p:spTgt>
-                                        </p:tgtEl>
-                                        <p:attrNameLst>
-                                          <p:attrName>style.visibility</p:attrName>
-                                        </p:attrNameLst>
-                                      </p:cBhvr>
-                                      <p:to>
-                                        <p:strVal val="visible"/>
-                                      </p:to>
-                                    </p:set>
-                                  </p:childTnLst>
-                                </p:cTn>
-                              </p:par>
-                            </p:childTnLst>
-                          </p:cTn>
-                        </p:par>
-                      </p:childTnLst>
-                    </p:cTn>
-                  </p:par>
-                  <p:par>
-                    <p:cTn id="35" fill="hold">
-                      <p:stCondLst>
-                        <p:cond delay="indefinite"/>
-                      </p:stCondLst>
-                      <p:childTnLst>
-                        <p:par>
-                          <p:cTn id="36" fill="hold">
-                            <p:stCondLst>
-                              <p:cond delay="0"/>
-                            </p:stCondLst>
-                            <p:childTnLst>
-                              <p:par>
-                                <p:cTn id="37" presetID="1" presetClass="entr" presetSubtype="0" fill="hold" nodeType="clickEffect">
-                                  <p:stCondLst>
-                                    <p:cond delay="0"/>
-                                  </p:stCondLst>
-                                  <p:childTnLst>
-                                    <p:set>
-                                      <p:cBhvr>
-                                        <p:cTn id="38" dur="1" fill="hold">
-                                          <p:stCondLst>
-                                            <p:cond delay="0"/>
-                                          </p:stCondLst>
-                                        </p:cTn>
-                                        <p:tgtEl>
-                                          <p:spTgt spid="3">
-                                            <p:txEl>
-                                              <p:pRg st="8" end="8"/>
                                             </p:txEl>
                                           </p:spTgt>
                                         </p:tgtEl>

--- a/Design.pptx
+++ b/Design.pptx
@@ -184,7 +184,7 @@
           <a:noFill/>
           <a:extLst>
             <a:ext uri="{909E8E84-426E-40dd-AFC4-6F175D3DCCD1}">
-              <a14:hiddenFill xmlns:a14="http://schemas.microsoft.com/office/drawing/2010/main" xmlns="">
+              <a14:hiddenFill xmlns="" xmlns:a14="http://schemas.microsoft.com/office/drawing/2010/main">
                 <a:solidFill>
                   <a:srgbClr val="FFFFFF"/>
                 </a:solidFill>
@@ -243,7 +243,7 @@
             </a:ln>
             <a:extLst>
               <a:ext uri="{91240B29-F687-4f45-9708-019B960494DF}">
-                <a14:hiddenLine xmlns:a14="http://schemas.microsoft.com/office/drawing/2010/main" xmlns="" w="9525">
+                <a14:hiddenLine xmlns="" xmlns:a14="http://schemas.microsoft.com/office/drawing/2010/main" w="9525">
                   <a:solidFill>
                     <a:srgbClr val="000000"/>
                   </a:solidFill>
@@ -333,7 +333,7 @@
             </a:ln>
             <a:extLst>
               <a:ext uri="{91240B29-F687-4f45-9708-019B960494DF}">
-                <a14:hiddenLine xmlns:a14="http://schemas.microsoft.com/office/drawing/2010/main" xmlns="" w="9525">
+                <a14:hiddenLine xmlns="" xmlns:a14="http://schemas.microsoft.com/office/drawing/2010/main" w="9525">
                   <a:solidFill>
                     <a:srgbClr val="000000"/>
                   </a:solidFill>
@@ -423,7 +423,7 @@
             </a:ln>
             <a:extLst>
               <a:ext uri="{91240B29-F687-4f45-9708-019B960494DF}">
-                <a14:hiddenLine xmlns:a14="http://schemas.microsoft.com/office/drawing/2010/main" xmlns="" w="9525">
+                <a14:hiddenLine xmlns="" xmlns:a14="http://schemas.microsoft.com/office/drawing/2010/main" w="9525">
                   <a:solidFill>
                     <a:srgbClr val="000000"/>
                   </a:solidFill>
@@ -457,7 +457,7 @@
             </a:ln>
             <a:extLst>
               <a:ext uri="{91240B29-F687-4f45-9708-019B960494DF}">
-                <a14:hiddenLine xmlns:a14="http://schemas.microsoft.com/office/drawing/2010/main" xmlns="" w="9525">
+                <a14:hiddenLine xmlns="" xmlns:a14="http://schemas.microsoft.com/office/drawing/2010/main" w="9525">
                   <a:solidFill>
                     <a:srgbClr val="000000"/>
                   </a:solidFill>
@@ -547,7 +547,7 @@
             </a:ln>
             <a:extLst>
               <a:ext uri="{91240B29-F687-4f45-9708-019B960494DF}">
-                <a14:hiddenLine xmlns:a14="http://schemas.microsoft.com/office/drawing/2010/main" xmlns="" w="9525">
+                <a14:hiddenLine xmlns="" xmlns:a14="http://schemas.microsoft.com/office/drawing/2010/main" w="9525">
                   <a:solidFill>
                     <a:srgbClr val="000000"/>
                   </a:solidFill>
@@ -609,7 +609,7 @@
             </a:ln>
             <a:extLst>
               <a:ext uri="{91240B29-F687-4f45-9708-019B960494DF}">
-                <a14:hiddenLine xmlns:a14="http://schemas.microsoft.com/office/drawing/2010/main" xmlns="" w="9525">
+                <a14:hiddenLine xmlns="" xmlns:a14="http://schemas.microsoft.com/office/drawing/2010/main" w="9525">
                   <a:solidFill>
                     <a:srgbClr val="000000"/>
                   </a:solidFill>
@@ -671,7 +671,7 @@
             </a:ln>
             <a:extLst>
               <a:ext uri="{91240B29-F687-4f45-9708-019B960494DF}">
-                <a14:hiddenLine xmlns:a14="http://schemas.microsoft.com/office/drawing/2010/main" xmlns="" w="9525">
+                <a14:hiddenLine xmlns="" xmlns:a14="http://schemas.microsoft.com/office/drawing/2010/main" w="9525">
                   <a:solidFill>
                     <a:srgbClr val="000000"/>
                   </a:solidFill>
@@ -761,7 +761,7 @@
             </a:ln>
             <a:extLst>
               <a:ext uri="{91240B29-F687-4f45-9708-019B960494DF}">
-                <a14:hiddenLine xmlns:a14="http://schemas.microsoft.com/office/drawing/2010/main" xmlns="" w="9525">
+                <a14:hiddenLine xmlns="" xmlns:a14="http://schemas.microsoft.com/office/drawing/2010/main" w="9525">
                   <a:solidFill>
                     <a:srgbClr val="000000"/>
                   </a:solidFill>
@@ -823,7 +823,7 @@
             </a:ln>
             <a:extLst>
               <a:ext uri="{91240B29-F687-4f45-9708-019B960494DF}">
-                <a14:hiddenLine xmlns:a14="http://schemas.microsoft.com/office/drawing/2010/main" xmlns="" w="9525">
+                <a14:hiddenLine xmlns="" xmlns:a14="http://schemas.microsoft.com/office/drawing/2010/main" w="9525">
                   <a:solidFill>
                     <a:srgbClr val="000000"/>
                   </a:solidFill>
@@ -885,7 +885,7 @@
             </a:ln>
             <a:extLst>
               <a:ext uri="{91240B29-F687-4f45-9708-019B960494DF}">
-                <a14:hiddenLine xmlns:a14="http://schemas.microsoft.com/office/drawing/2010/main" xmlns="" w="9525">
+                <a14:hiddenLine xmlns="" xmlns:a14="http://schemas.microsoft.com/office/drawing/2010/main" w="9525">
                   <a:solidFill>
                     <a:srgbClr val="000000"/>
                   </a:solidFill>
@@ -975,7 +975,7 @@
             </a:ln>
             <a:extLst>
               <a:ext uri="{91240B29-F687-4f45-9708-019B960494DF}">
-                <a14:hiddenLine xmlns:a14="http://schemas.microsoft.com/office/drawing/2010/main" xmlns="" w="9525">
+                <a14:hiddenLine xmlns="" xmlns:a14="http://schemas.microsoft.com/office/drawing/2010/main" w="9525">
                   <a:solidFill>
                     <a:srgbClr val="000000"/>
                   </a:solidFill>
@@ -1065,7 +1065,7 @@
             </a:ln>
             <a:extLst>
               <a:ext uri="{91240B29-F687-4f45-9708-019B960494DF}">
-                <a14:hiddenLine xmlns:a14="http://schemas.microsoft.com/office/drawing/2010/main" xmlns="" w="9525">
+                <a14:hiddenLine xmlns="" xmlns:a14="http://schemas.microsoft.com/office/drawing/2010/main" w="9525">
                   <a:solidFill>
                     <a:srgbClr val="000000"/>
                   </a:solidFill>
@@ -1127,7 +1127,7 @@
             </a:ln>
             <a:extLst>
               <a:ext uri="{91240B29-F687-4f45-9708-019B960494DF}">
-                <a14:hiddenLine xmlns:a14="http://schemas.microsoft.com/office/drawing/2010/main" xmlns="" w="9525">
+                <a14:hiddenLine xmlns="" xmlns:a14="http://schemas.microsoft.com/office/drawing/2010/main" w="9525">
                   <a:solidFill>
                     <a:srgbClr val="000000"/>
                   </a:solidFill>
@@ -1237,7 +1237,7 @@
             </a:ln>
             <a:extLst>
               <a:ext uri="{91240B29-F687-4f45-9708-019B960494DF}">
-                <a14:hiddenLine xmlns:a14="http://schemas.microsoft.com/office/drawing/2010/main" xmlns="" w="9525">
+                <a14:hiddenLine xmlns="" xmlns:a14="http://schemas.microsoft.com/office/drawing/2010/main" w="9525">
                   <a:solidFill>
                     <a:srgbClr val="000000"/>
                   </a:solidFill>
@@ -1299,7 +1299,7 @@
             </a:ln>
             <a:extLst>
               <a:ext uri="{91240B29-F687-4f45-9708-019B960494DF}">
-                <a14:hiddenLine xmlns:a14="http://schemas.microsoft.com/office/drawing/2010/main" xmlns="" w="9525">
+                <a14:hiddenLine xmlns="" xmlns:a14="http://schemas.microsoft.com/office/drawing/2010/main" w="9525">
                   <a:solidFill>
                     <a:srgbClr val="000000"/>
                   </a:solidFill>
@@ -1389,7 +1389,7 @@
             </a:ln>
             <a:extLst>
               <a:ext uri="{91240B29-F687-4f45-9708-019B960494DF}">
-                <a14:hiddenLine xmlns:a14="http://schemas.microsoft.com/office/drawing/2010/main" xmlns="" w="9525">
+                <a14:hiddenLine xmlns="" xmlns:a14="http://schemas.microsoft.com/office/drawing/2010/main" w="9525">
                   <a:solidFill>
                     <a:srgbClr val="000000"/>
                   </a:solidFill>
@@ -1479,7 +1479,7 @@
             </a:ln>
             <a:extLst>
               <a:ext uri="{91240B29-F687-4f45-9708-019B960494DF}">
-                <a14:hiddenLine xmlns:a14="http://schemas.microsoft.com/office/drawing/2010/main" xmlns="" w="9525">
+                <a14:hiddenLine xmlns="" xmlns:a14="http://schemas.microsoft.com/office/drawing/2010/main" w="9525">
                   <a:solidFill>
                     <a:srgbClr val="000000"/>
                   </a:solidFill>
@@ -1541,7 +1541,7 @@
             </a:ln>
             <a:extLst>
               <a:ext uri="{91240B29-F687-4f45-9708-019B960494DF}">
-                <a14:hiddenLine xmlns:a14="http://schemas.microsoft.com/office/drawing/2010/main" xmlns="" w="9525">
+                <a14:hiddenLine xmlns="" xmlns:a14="http://schemas.microsoft.com/office/drawing/2010/main" w="9525">
                   <a:solidFill>
                     <a:srgbClr val="000000"/>
                   </a:solidFill>
@@ -1631,7 +1631,7 @@
             </a:ln>
             <a:extLst>
               <a:ext uri="{91240B29-F687-4f45-9708-019B960494DF}">
-                <a14:hiddenLine xmlns:a14="http://schemas.microsoft.com/office/drawing/2010/main" xmlns="" w="9525">
+                <a14:hiddenLine xmlns="" xmlns:a14="http://schemas.microsoft.com/office/drawing/2010/main" w="9525">
                   <a:solidFill>
                     <a:srgbClr val="000000"/>
                   </a:solidFill>
@@ -1721,7 +1721,7 @@
             </a:ln>
             <a:extLst>
               <a:ext uri="{91240B29-F687-4f45-9708-019B960494DF}">
-                <a14:hiddenLine xmlns:a14="http://schemas.microsoft.com/office/drawing/2010/main" xmlns="" w="9525">
+                <a14:hiddenLine xmlns="" xmlns:a14="http://schemas.microsoft.com/office/drawing/2010/main" w="9525">
                   <a:solidFill>
                     <a:srgbClr val="000000"/>
                   </a:solidFill>
@@ -1777,7 +1777,7 @@
             </a:ln>
             <a:extLst>
               <a:ext uri="{91240B29-F687-4f45-9708-019B960494DF}">
-                <a14:hiddenLine xmlns:a14="http://schemas.microsoft.com/office/drawing/2010/main" xmlns="" w="9525">
+                <a14:hiddenLine xmlns="" xmlns:a14="http://schemas.microsoft.com/office/drawing/2010/main" w="9525">
                   <a:solidFill>
                     <a:srgbClr val="000000"/>
                   </a:solidFill>
@@ -1867,7 +1867,7 @@
             </a:ln>
             <a:extLst>
               <a:ext uri="{91240B29-F687-4f45-9708-019B960494DF}">
-                <a14:hiddenLine xmlns:a14="http://schemas.microsoft.com/office/drawing/2010/main" xmlns="" w="9525">
+                <a14:hiddenLine xmlns="" xmlns:a14="http://schemas.microsoft.com/office/drawing/2010/main" w="9525">
                   <a:solidFill>
                     <a:srgbClr val="000000"/>
                   </a:solidFill>
@@ -1923,7 +1923,7 @@
             </a:ln>
             <a:extLst>
               <a:ext uri="{91240B29-F687-4f45-9708-019B960494DF}">
-                <a14:hiddenLine xmlns:a14="http://schemas.microsoft.com/office/drawing/2010/main" xmlns="" w="9525">
+                <a14:hiddenLine xmlns="" xmlns:a14="http://schemas.microsoft.com/office/drawing/2010/main" w="9525">
                   <a:solidFill>
                     <a:srgbClr val="000000"/>
                   </a:solidFill>
@@ -2013,7 +2013,7 @@
             </a:ln>
             <a:extLst>
               <a:ext uri="{91240B29-F687-4f45-9708-019B960494DF}">
-                <a14:hiddenLine xmlns:a14="http://schemas.microsoft.com/office/drawing/2010/main" xmlns="" w="9525">
+                <a14:hiddenLine xmlns="" xmlns:a14="http://schemas.microsoft.com/office/drawing/2010/main" w="9525">
                   <a:solidFill>
                     <a:srgbClr val="000000"/>
                   </a:solidFill>
@@ -2081,7 +2081,7 @@
             </a:ln>
             <a:extLst>
               <a:ext uri="{91240B29-F687-4f45-9708-019B960494DF}">
-                <a14:hiddenLine xmlns:a14="http://schemas.microsoft.com/office/drawing/2010/main" xmlns="" w="9525">
+                <a14:hiddenLine xmlns="" xmlns:a14="http://schemas.microsoft.com/office/drawing/2010/main" w="9525">
                   <a:solidFill>
                     <a:srgbClr val="000000"/>
                   </a:solidFill>
@@ -2171,7 +2171,7 @@
             </a:ln>
             <a:extLst>
               <a:ext uri="{91240B29-F687-4f45-9708-019B960494DF}">
-                <a14:hiddenLine xmlns:a14="http://schemas.microsoft.com/office/drawing/2010/main" xmlns="" w="9525">
+                <a14:hiddenLine xmlns="" xmlns:a14="http://schemas.microsoft.com/office/drawing/2010/main" w="9525">
                   <a:solidFill>
                     <a:srgbClr val="000000"/>
                   </a:solidFill>
@@ -2239,7 +2239,7 @@
             </a:ln>
             <a:extLst>
               <a:ext uri="{91240B29-F687-4f45-9708-019B960494DF}">
-                <a14:hiddenLine xmlns:a14="http://schemas.microsoft.com/office/drawing/2010/main" xmlns="" w="9525">
+                <a14:hiddenLine xmlns="" xmlns:a14="http://schemas.microsoft.com/office/drawing/2010/main" w="9525">
                   <a:solidFill>
                     <a:srgbClr val="000000"/>
                   </a:solidFill>
@@ -2329,7 +2329,7 @@
             </a:ln>
             <a:extLst>
               <a:ext uri="{91240B29-F687-4f45-9708-019B960494DF}">
-                <a14:hiddenLine xmlns:a14="http://schemas.microsoft.com/office/drawing/2010/main" xmlns="" w="9525">
+                <a14:hiddenLine xmlns="" xmlns:a14="http://schemas.microsoft.com/office/drawing/2010/main" w="9525">
                   <a:solidFill>
                     <a:srgbClr val="000000"/>
                   </a:solidFill>
@@ -2363,7 +2363,7 @@
             </a:ln>
             <a:extLst>
               <a:ext uri="{91240B29-F687-4f45-9708-019B960494DF}">
-                <a14:hiddenLine xmlns:a14="http://schemas.microsoft.com/office/drawing/2010/main" xmlns="" w="9525">
+                <a14:hiddenLine xmlns="" xmlns:a14="http://schemas.microsoft.com/office/drawing/2010/main" w="9525">
                   <a:solidFill>
                     <a:srgbClr val="000000"/>
                   </a:solidFill>
@@ -2453,7 +2453,7 @@
             </a:ln>
             <a:extLst>
               <a:ext uri="{91240B29-F687-4f45-9708-019B960494DF}">
-                <a14:hiddenLine xmlns:a14="http://schemas.microsoft.com/office/drawing/2010/main" xmlns="" w="9525">
+                <a14:hiddenLine xmlns="" xmlns:a14="http://schemas.microsoft.com/office/drawing/2010/main" w="9525">
                   <a:solidFill>
                     <a:srgbClr val="000000"/>
                   </a:solidFill>
@@ -2515,7 +2515,7 @@
             </a:ln>
             <a:extLst>
               <a:ext uri="{91240B29-F687-4f45-9708-019B960494DF}">
-                <a14:hiddenLine xmlns:a14="http://schemas.microsoft.com/office/drawing/2010/main" xmlns="" w="9525">
+                <a14:hiddenLine xmlns="" xmlns:a14="http://schemas.microsoft.com/office/drawing/2010/main" w="9525">
                   <a:solidFill>
                     <a:srgbClr val="000000"/>
                   </a:solidFill>
@@ -2577,7 +2577,7 @@
             </a:ln>
             <a:extLst>
               <a:ext uri="{91240B29-F687-4f45-9708-019B960494DF}">
-                <a14:hiddenLine xmlns:a14="http://schemas.microsoft.com/office/drawing/2010/main" xmlns="" w="9525">
+                <a14:hiddenLine xmlns="" xmlns:a14="http://schemas.microsoft.com/office/drawing/2010/main" w="9525">
                   <a:solidFill>
                     <a:srgbClr val="000000"/>
                   </a:solidFill>
@@ -2667,7 +2667,7 @@
             </a:ln>
             <a:extLst>
               <a:ext uri="{91240B29-F687-4f45-9708-019B960494DF}">
-                <a14:hiddenLine xmlns:a14="http://schemas.microsoft.com/office/drawing/2010/main" xmlns="" w="9525">
+                <a14:hiddenLine xmlns="" xmlns:a14="http://schemas.microsoft.com/office/drawing/2010/main" w="9525">
                   <a:solidFill>
                     <a:srgbClr val="000000"/>
                   </a:solidFill>
@@ -2735,7 +2735,7 @@
             </a:ln>
             <a:extLst>
               <a:ext uri="{91240B29-F687-4f45-9708-019B960494DF}">
-                <a14:hiddenLine xmlns:a14="http://schemas.microsoft.com/office/drawing/2010/main" xmlns="" w="9525">
+                <a14:hiddenLine xmlns="" xmlns:a14="http://schemas.microsoft.com/office/drawing/2010/main" w="9525">
                   <a:solidFill>
                     <a:srgbClr val="000000"/>
                   </a:solidFill>
@@ -2797,7 +2797,7 @@
             </a:ln>
             <a:extLst>
               <a:ext uri="{91240B29-F687-4f45-9708-019B960494DF}">
-                <a14:hiddenLine xmlns:a14="http://schemas.microsoft.com/office/drawing/2010/main" xmlns="" w="9525">
+                <a14:hiddenLine xmlns="" xmlns:a14="http://schemas.microsoft.com/office/drawing/2010/main" w="9525">
                   <a:solidFill>
                     <a:srgbClr val="000000"/>
                   </a:solidFill>
@@ -2887,7 +2887,7 @@
             </a:ln>
             <a:extLst>
               <a:ext uri="{91240B29-F687-4f45-9708-019B960494DF}">
-                <a14:hiddenLine xmlns:a14="http://schemas.microsoft.com/office/drawing/2010/main" xmlns="" w="9525">
+                <a14:hiddenLine xmlns="" xmlns:a14="http://schemas.microsoft.com/office/drawing/2010/main" w="9525">
                   <a:solidFill>
                     <a:srgbClr val="000000"/>
                   </a:solidFill>
@@ -2949,7 +2949,7 @@
             </a:ln>
             <a:extLst>
               <a:ext uri="{91240B29-F687-4f45-9708-019B960494DF}">
-                <a14:hiddenLine xmlns:a14="http://schemas.microsoft.com/office/drawing/2010/main" xmlns="" w="9525">
+                <a14:hiddenLine xmlns="" xmlns:a14="http://schemas.microsoft.com/office/drawing/2010/main" w="9525">
                   <a:solidFill>
                     <a:srgbClr val="000000"/>
                   </a:solidFill>
@@ -3039,7 +3039,7 @@
             </a:ln>
             <a:extLst>
               <a:ext uri="{91240B29-F687-4f45-9708-019B960494DF}">
-                <a14:hiddenLine xmlns:a14="http://schemas.microsoft.com/office/drawing/2010/main" xmlns="" w="9525">
+                <a14:hiddenLine xmlns="" xmlns:a14="http://schemas.microsoft.com/office/drawing/2010/main" w="9525">
                   <a:solidFill>
                     <a:srgbClr val="000000"/>
                   </a:solidFill>
@@ -3101,7 +3101,7 @@
             </a:ln>
             <a:extLst>
               <a:ext uri="{91240B29-F687-4f45-9708-019B960494DF}">
-                <a14:hiddenLine xmlns:a14="http://schemas.microsoft.com/office/drawing/2010/main" xmlns="" w="9525">
+                <a14:hiddenLine xmlns="" xmlns:a14="http://schemas.microsoft.com/office/drawing/2010/main" w="9525">
                   <a:solidFill>
                     <a:srgbClr val="000000"/>
                   </a:solidFill>
@@ -3191,7 +3191,7 @@
             </a:ln>
             <a:extLst>
               <a:ext uri="{91240B29-F687-4f45-9708-019B960494DF}">
-                <a14:hiddenLine xmlns:a14="http://schemas.microsoft.com/office/drawing/2010/main" xmlns="" w="9525">
+                <a14:hiddenLine xmlns="" xmlns:a14="http://schemas.microsoft.com/office/drawing/2010/main" w="9525">
                   <a:solidFill>
                     <a:srgbClr val="000000"/>
                   </a:solidFill>
@@ -3225,7 +3225,7 @@
             </a:ln>
             <a:extLst>
               <a:ext uri="{91240B29-F687-4f45-9708-019B960494DF}">
-                <a14:hiddenLine xmlns:a14="http://schemas.microsoft.com/office/drawing/2010/main" xmlns="" w="9525">
+                <a14:hiddenLine xmlns="" xmlns:a14="http://schemas.microsoft.com/office/drawing/2010/main" w="9525">
                   <a:solidFill>
                     <a:srgbClr val="000000"/>
                   </a:solidFill>
@@ -3290,7 +3290,7 @@
             </a:ln>
             <a:extLst>
               <a:ext uri="{91240B29-F687-4f45-9708-019B960494DF}">
-                <a14:hiddenLine xmlns:a14="http://schemas.microsoft.com/office/drawing/2010/main" xmlns="" w="9525">
+                <a14:hiddenLine xmlns="" xmlns:a14="http://schemas.microsoft.com/office/drawing/2010/main" w="9525">
                   <a:solidFill>
                     <a:srgbClr val="000000"/>
                   </a:solidFill>
@@ -3380,7 +3380,7 @@
             </a:ln>
             <a:extLst>
               <a:ext uri="{91240B29-F687-4f45-9708-019B960494DF}">
-                <a14:hiddenLine xmlns:a14="http://schemas.microsoft.com/office/drawing/2010/main" xmlns="" w="9525">
+                <a14:hiddenLine xmlns="" xmlns:a14="http://schemas.microsoft.com/office/drawing/2010/main" w="9525">
                   <a:solidFill>
                     <a:srgbClr val="000000"/>
                   </a:solidFill>
@@ -3442,7 +3442,7 @@
             </a:ln>
             <a:extLst>
               <a:ext uri="{91240B29-F687-4f45-9708-019B960494DF}">
-                <a14:hiddenLine xmlns:a14="http://schemas.microsoft.com/office/drawing/2010/main" xmlns="" w="9525">
+                <a14:hiddenLine xmlns="" xmlns:a14="http://schemas.microsoft.com/office/drawing/2010/main" w="9525">
                   <a:solidFill>
                     <a:srgbClr val="000000"/>
                   </a:solidFill>
@@ -3532,7 +3532,7 @@
             </a:ln>
             <a:extLst>
               <a:ext uri="{91240B29-F687-4f45-9708-019B960494DF}">
-                <a14:hiddenLine xmlns:a14="http://schemas.microsoft.com/office/drawing/2010/main" xmlns="" w="9525">
+                <a14:hiddenLine xmlns="" xmlns:a14="http://schemas.microsoft.com/office/drawing/2010/main" w="9525">
                   <a:solidFill>
                     <a:srgbClr val="000000"/>
                   </a:solidFill>
@@ -3622,7 +3622,7 @@
             </a:ln>
             <a:extLst>
               <a:ext uri="{91240B29-F687-4f45-9708-019B960494DF}">
-                <a14:hiddenLine xmlns:a14="http://schemas.microsoft.com/office/drawing/2010/main" xmlns="" w="9525">
+                <a14:hiddenLine xmlns="" xmlns:a14="http://schemas.microsoft.com/office/drawing/2010/main" w="9525">
                   <a:solidFill>
                     <a:srgbClr val="000000"/>
                   </a:solidFill>
@@ -3687,7 +3687,7 @@
             </a:ln>
             <a:extLst>
               <a:ext uri="{91240B29-F687-4f45-9708-019B960494DF}">
-                <a14:hiddenLine xmlns:a14="http://schemas.microsoft.com/office/drawing/2010/main" xmlns="" w="9525">
+                <a14:hiddenLine xmlns="" xmlns:a14="http://schemas.microsoft.com/office/drawing/2010/main" w="9525">
                   <a:solidFill>
                     <a:srgbClr val="000000"/>
                   </a:solidFill>
@@ -3749,7 +3749,7 @@
             </a:ln>
             <a:extLst>
               <a:ext uri="{91240B29-F687-4f45-9708-019B960494DF}">
-                <a14:hiddenLine xmlns:a14="http://schemas.microsoft.com/office/drawing/2010/main" xmlns="" w="9525">
+                <a14:hiddenLine xmlns="" xmlns:a14="http://schemas.microsoft.com/office/drawing/2010/main" w="9525">
                   <a:solidFill>
                     <a:srgbClr val="000000"/>
                   </a:solidFill>
@@ -3839,7 +3839,7 @@
             </a:ln>
             <a:extLst>
               <a:ext uri="{91240B29-F687-4f45-9708-019B960494DF}">
-                <a14:hiddenLine xmlns:a14="http://schemas.microsoft.com/office/drawing/2010/main" xmlns="" w="9525">
+                <a14:hiddenLine xmlns="" xmlns:a14="http://schemas.microsoft.com/office/drawing/2010/main" w="9525">
                   <a:solidFill>
                     <a:srgbClr val="000000"/>
                   </a:solidFill>
@@ -3929,7 +3929,7 @@
             </a:ln>
             <a:extLst>
               <a:ext uri="{91240B29-F687-4f45-9708-019B960494DF}">
-                <a14:hiddenLine xmlns:a14="http://schemas.microsoft.com/office/drawing/2010/main" xmlns="" w="9525">
+                <a14:hiddenLine xmlns="" xmlns:a14="http://schemas.microsoft.com/office/drawing/2010/main" w="9525">
                   <a:solidFill>
                     <a:srgbClr val="000000"/>
                   </a:solidFill>
@@ -3991,7 +3991,7 @@
             </a:ln>
             <a:extLst>
               <a:ext uri="{91240B29-F687-4f45-9708-019B960494DF}">
-                <a14:hiddenLine xmlns:a14="http://schemas.microsoft.com/office/drawing/2010/main" xmlns="" w="9525">
+                <a14:hiddenLine xmlns="" xmlns:a14="http://schemas.microsoft.com/office/drawing/2010/main" w="9525">
                   <a:solidFill>
                     <a:srgbClr val="000000"/>
                   </a:solidFill>
@@ -4111,7 +4111,7 @@
             </a:ln>
             <a:extLst>
               <a:ext uri="{91240B29-F687-4f45-9708-019B960494DF}">
-                <a14:hiddenLine xmlns:a14="http://schemas.microsoft.com/office/drawing/2010/main" xmlns="" w="9525">
+                <a14:hiddenLine xmlns="" xmlns:a14="http://schemas.microsoft.com/office/drawing/2010/main" w="9525">
                   <a:solidFill>
                     <a:srgbClr val="000000"/>
                   </a:solidFill>
@@ -4179,7 +4179,7 @@
             </a:ln>
             <a:extLst>
               <a:ext uri="{91240B29-F687-4f45-9708-019B960494DF}">
-                <a14:hiddenLine xmlns:a14="http://schemas.microsoft.com/office/drawing/2010/main" xmlns="" w="9525">
+                <a14:hiddenLine xmlns="" xmlns:a14="http://schemas.microsoft.com/office/drawing/2010/main" w="9525">
                   <a:solidFill>
                     <a:srgbClr val="000000"/>
                   </a:solidFill>
@@ -4269,7 +4269,7 @@
             </a:ln>
             <a:extLst>
               <a:ext uri="{91240B29-F687-4f45-9708-019B960494DF}">
-                <a14:hiddenLine xmlns:a14="http://schemas.microsoft.com/office/drawing/2010/main" xmlns="" w="9525">
+                <a14:hiddenLine xmlns="" xmlns:a14="http://schemas.microsoft.com/office/drawing/2010/main" w="9525">
                   <a:solidFill>
                     <a:srgbClr val="000000"/>
                   </a:solidFill>
@@ -4409,7 +4409,7 @@
           <a:p>
             <a:fld id="{C92431A8-17CE-4556-BA8C-872543424DAF}" type="datetimeFigureOut">
               <a:rPr lang="en-NZ" smtClean="0"/>
-              <a:t>10/06/2023</a:t>
+              <a:t>11/06/2023</a:t>
             </a:fld>
             <a:endParaRPr lang="en-NZ"/>
           </a:p>
@@ -4676,7 +4676,7 @@
           <a:p>
             <a:fld id="{C92431A8-17CE-4556-BA8C-872543424DAF}" type="datetimeFigureOut">
               <a:rPr lang="en-NZ" smtClean="0"/>
-              <a:t>10/06/2023</a:t>
+              <a:t>11/06/2023</a:t>
             </a:fld>
             <a:endParaRPr lang="en-NZ"/>
           </a:p>
@@ -4872,7 +4872,7 @@
           <a:p>
             <a:fld id="{C92431A8-17CE-4556-BA8C-872543424DAF}" type="datetimeFigureOut">
               <a:rPr lang="en-NZ" smtClean="0"/>
-              <a:t>10/06/2023</a:t>
+              <a:t>11/06/2023</a:t>
             </a:fld>
             <a:endParaRPr lang="en-NZ"/>
           </a:p>
@@ -5135,7 +5135,7 @@
           <a:p>
             <a:fld id="{C92431A8-17CE-4556-BA8C-872543424DAF}" type="datetimeFigureOut">
               <a:rPr lang="en-NZ" smtClean="0"/>
-              <a:t>10/06/2023</a:t>
+              <a:t>11/06/2023</a:t>
             </a:fld>
             <a:endParaRPr lang="en-NZ"/>
           </a:p>
@@ -5569,7 +5569,7 @@
           <a:p>
             <a:fld id="{C92431A8-17CE-4556-BA8C-872543424DAF}" type="datetimeFigureOut">
               <a:rPr lang="en-NZ" smtClean="0"/>
-              <a:t>10/06/2023</a:t>
+              <a:t>11/06/2023</a:t>
             </a:fld>
             <a:endParaRPr lang="en-NZ"/>
           </a:p>
@@ -6115,7 +6115,7 @@
           <a:p>
             <a:fld id="{C92431A8-17CE-4556-BA8C-872543424DAF}" type="datetimeFigureOut">
               <a:rPr lang="en-NZ" smtClean="0"/>
-              <a:t>10/06/2023</a:t>
+              <a:t>11/06/2023</a:t>
             </a:fld>
             <a:endParaRPr lang="en-NZ"/>
           </a:p>
@@ -6835,7 +6835,7 @@
           <a:p>
             <a:fld id="{C92431A8-17CE-4556-BA8C-872543424DAF}" type="datetimeFigureOut">
               <a:rPr lang="en-NZ" smtClean="0"/>
-              <a:t>10/06/2023</a:t>
+              <a:t>11/06/2023</a:t>
             </a:fld>
             <a:endParaRPr lang="en-NZ"/>
           </a:p>
@@ -7005,7 +7005,7 @@
           <a:p>
             <a:fld id="{C92431A8-17CE-4556-BA8C-872543424DAF}" type="datetimeFigureOut">
               <a:rPr lang="en-NZ" smtClean="0"/>
-              <a:t>10/06/2023</a:t>
+              <a:t>11/06/2023</a:t>
             </a:fld>
             <a:endParaRPr lang="en-NZ"/>
           </a:p>
@@ -7185,7 +7185,7 @@
           <a:p>
             <a:fld id="{C92431A8-17CE-4556-BA8C-872543424DAF}" type="datetimeFigureOut">
               <a:rPr lang="en-NZ" smtClean="0"/>
-              <a:t>10/06/2023</a:t>
+              <a:t>11/06/2023</a:t>
             </a:fld>
             <a:endParaRPr lang="en-NZ"/>
           </a:p>
@@ -7355,7 +7355,7 @@
           <a:p>
             <a:fld id="{C92431A8-17CE-4556-BA8C-872543424DAF}" type="datetimeFigureOut">
               <a:rPr lang="en-NZ" smtClean="0"/>
-              <a:t>10/06/2023</a:t>
+              <a:t>11/06/2023</a:t>
             </a:fld>
             <a:endParaRPr lang="en-NZ"/>
           </a:p>
@@ -7605,7 +7605,7 @@
           <a:p>
             <a:fld id="{C92431A8-17CE-4556-BA8C-872543424DAF}" type="datetimeFigureOut">
               <a:rPr lang="en-NZ" smtClean="0"/>
-              <a:t>10/06/2023</a:t>
+              <a:t>11/06/2023</a:t>
             </a:fld>
             <a:endParaRPr lang="en-NZ"/>
           </a:p>
@@ -7837,7 +7837,7 @@
           <a:p>
             <a:fld id="{C92431A8-17CE-4556-BA8C-872543424DAF}" type="datetimeFigureOut">
               <a:rPr lang="en-NZ" smtClean="0"/>
-              <a:t>10/06/2023</a:t>
+              <a:t>11/06/2023</a:t>
             </a:fld>
             <a:endParaRPr lang="en-NZ"/>
           </a:p>
@@ -8218,7 +8218,7 @@
           <a:p>
             <a:fld id="{C92431A8-17CE-4556-BA8C-872543424DAF}" type="datetimeFigureOut">
               <a:rPr lang="en-NZ" smtClean="0"/>
-              <a:t>10/06/2023</a:t>
+              <a:t>11/06/2023</a:t>
             </a:fld>
             <a:endParaRPr lang="en-NZ"/>
           </a:p>
@@ -8336,7 +8336,7 @@
           <a:p>
             <a:fld id="{C92431A8-17CE-4556-BA8C-872543424DAF}" type="datetimeFigureOut">
               <a:rPr lang="en-NZ" smtClean="0"/>
-              <a:t>10/06/2023</a:t>
+              <a:t>11/06/2023</a:t>
             </a:fld>
             <a:endParaRPr lang="en-NZ"/>
           </a:p>
@@ -8431,7 +8431,7 @@
           <a:p>
             <a:fld id="{C92431A8-17CE-4556-BA8C-872543424DAF}" type="datetimeFigureOut">
               <a:rPr lang="en-NZ" smtClean="0"/>
-              <a:t>10/06/2023</a:t>
+              <a:t>11/06/2023</a:t>
             </a:fld>
             <a:endParaRPr lang="en-NZ"/>
           </a:p>
@@ -8680,7 +8680,7 @@
           <a:p>
             <a:fld id="{C92431A8-17CE-4556-BA8C-872543424DAF}" type="datetimeFigureOut">
               <a:rPr lang="en-NZ" smtClean="0"/>
-              <a:t>10/06/2023</a:t>
+              <a:t>11/06/2023</a:t>
             </a:fld>
             <a:endParaRPr lang="en-NZ"/>
           </a:p>
@@ -8960,7 +8960,7 @@
           <a:p>
             <a:fld id="{C92431A8-17CE-4556-BA8C-872543424DAF}" type="datetimeFigureOut">
               <a:rPr lang="en-NZ" smtClean="0"/>
-              <a:t>10/06/2023</a:t>
+              <a:t>11/06/2023</a:t>
             </a:fld>
             <a:endParaRPr lang="en-NZ"/>
           </a:p>
@@ -9083,7 +9083,7 @@
           <a:noFill/>
           <a:extLst>
             <a:ext uri="{909E8E84-426E-40dd-AFC4-6F175D3DCCD1}">
-              <a14:hiddenFill xmlns:a14="http://schemas.microsoft.com/office/drawing/2010/main" xmlns="">
+              <a14:hiddenFill xmlns="" xmlns:a14="http://schemas.microsoft.com/office/drawing/2010/main">
                 <a:solidFill>
                   <a:srgbClr val="FFFFFF"/>
                 </a:solidFill>
@@ -9157,7 +9157,7 @@
               </a:ln>
               <a:extLst>
                 <a:ext uri="{91240B29-F687-4f45-9708-019B960494DF}">
-                  <a14:hiddenLine xmlns:a14="http://schemas.microsoft.com/office/drawing/2010/main" xmlns="" w="9525">
+                  <a14:hiddenLine xmlns="" xmlns:a14="http://schemas.microsoft.com/office/drawing/2010/main" w="9525">
                     <a:solidFill>
                       <a:srgbClr val="000000"/>
                     </a:solidFill>
@@ -9247,7 +9247,7 @@
               </a:ln>
               <a:extLst>
                 <a:ext uri="{91240B29-F687-4f45-9708-019B960494DF}">
-                  <a14:hiddenLine xmlns:a14="http://schemas.microsoft.com/office/drawing/2010/main" xmlns="" w="9525">
+                  <a14:hiddenLine xmlns="" xmlns:a14="http://schemas.microsoft.com/office/drawing/2010/main" w="9525">
                     <a:solidFill>
                       <a:srgbClr val="000000"/>
                     </a:solidFill>
@@ -9337,7 +9337,7 @@
               </a:ln>
               <a:extLst>
                 <a:ext uri="{91240B29-F687-4f45-9708-019B960494DF}">
-                  <a14:hiddenLine xmlns:a14="http://schemas.microsoft.com/office/drawing/2010/main" xmlns="" w="9525">
+                  <a14:hiddenLine xmlns="" xmlns:a14="http://schemas.microsoft.com/office/drawing/2010/main" w="9525">
                     <a:solidFill>
                       <a:srgbClr val="000000"/>
                     </a:solidFill>
@@ -9399,7 +9399,7 @@
               </a:ln>
               <a:extLst>
                 <a:ext uri="{91240B29-F687-4f45-9708-019B960494DF}">
-                  <a14:hiddenLine xmlns:a14="http://schemas.microsoft.com/office/drawing/2010/main" xmlns="" w="9525">
+                  <a14:hiddenLine xmlns="" xmlns:a14="http://schemas.microsoft.com/office/drawing/2010/main" w="9525">
                     <a:solidFill>
                       <a:srgbClr val="000000"/>
                     </a:solidFill>
@@ -9489,7 +9489,7 @@
               </a:ln>
               <a:extLst>
                 <a:ext uri="{91240B29-F687-4f45-9708-019B960494DF}">
-                  <a14:hiddenLine xmlns:a14="http://schemas.microsoft.com/office/drawing/2010/main" xmlns="" w="9525">
+                  <a14:hiddenLine xmlns="" xmlns:a14="http://schemas.microsoft.com/office/drawing/2010/main" w="9525">
                     <a:solidFill>
                       <a:srgbClr val="000000"/>
                     </a:solidFill>
@@ -9551,7 +9551,7 @@
               </a:ln>
               <a:extLst>
                 <a:ext uri="{91240B29-F687-4f45-9708-019B960494DF}">
-                  <a14:hiddenLine xmlns:a14="http://schemas.microsoft.com/office/drawing/2010/main" xmlns="" w="9525">
+                  <a14:hiddenLine xmlns="" xmlns:a14="http://schemas.microsoft.com/office/drawing/2010/main" w="9525">
                     <a:solidFill>
                       <a:srgbClr val="000000"/>
                     </a:solidFill>
@@ -9613,7 +9613,7 @@
               </a:ln>
               <a:extLst>
                 <a:ext uri="{91240B29-F687-4f45-9708-019B960494DF}">
-                  <a14:hiddenLine xmlns:a14="http://schemas.microsoft.com/office/drawing/2010/main" xmlns="" w="9525">
+                  <a14:hiddenLine xmlns="" xmlns:a14="http://schemas.microsoft.com/office/drawing/2010/main" w="9525">
                     <a:solidFill>
                       <a:srgbClr val="000000"/>
                     </a:solidFill>
@@ -9703,7 +9703,7 @@
               </a:ln>
               <a:extLst>
                 <a:ext uri="{91240B29-F687-4f45-9708-019B960494DF}">
-                  <a14:hiddenLine xmlns:a14="http://schemas.microsoft.com/office/drawing/2010/main" xmlns="" w="9525">
+                  <a14:hiddenLine xmlns="" xmlns:a14="http://schemas.microsoft.com/office/drawing/2010/main" w="9525">
                     <a:solidFill>
                       <a:srgbClr val="000000"/>
                     </a:solidFill>
@@ -9793,7 +9793,7 @@
               </a:ln>
               <a:extLst>
                 <a:ext uri="{91240B29-F687-4f45-9708-019B960494DF}">
-                  <a14:hiddenLine xmlns:a14="http://schemas.microsoft.com/office/drawing/2010/main" xmlns="" w="9525">
+                  <a14:hiddenLine xmlns="" xmlns:a14="http://schemas.microsoft.com/office/drawing/2010/main" w="9525">
                     <a:solidFill>
                       <a:srgbClr val="000000"/>
                     </a:solidFill>
@@ -9855,7 +9855,7 @@
               </a:ln>
               <a:extLst>
                 <a:ext uri="{91240B29-F687-4f45-9708-019B960494DF}">
-                  <a14:hiddenLine xmlns:a14="http://schemas.microsoft.com/office/drawing/2010/main" xmlns="" w="9525">
+                  <a14:hiddenLine xmlns="" xmlns:a14="http://schemas.microsoft.com/office/drawing/2010/main" w="9525">
                     <a:solidFill>
                       <a:srgbClr val="000000"/>
                     </a:solidFill>
@@ -9965,7 +9965,7 @@
               </a:ln>
               <a:extLst>
                 <a:ext uri="{91240B29-F687-4f45-9708-019B960494DF}">
-                  <a14:hiddenLine xmlns:a14="http://schemas.microsoft.com/office/drawing/2010/main" xmlns="" w="9525">
+                  <a14:hiddenLine xmlns="" xmlns:a14="http://schemas.microsoft.com/office/drawing/2010/main" w="9525">
                     <a:solidFill>
                       <a:srgbClr val="000000"/>
                     </a:solidFill>
@@ -10049,7 +10049,7 @@
               </a:ln>
               <a:extLst>
                 <a:ext uri="{91240B29-F687-4f45-9708-019B960494DF}">
-                  <a14:hiddenLine xmlns:a14="http://schemas.microsoft.com/office/drawing/2010/main" xmlns="" w="9525">
+                  <a14:hiddenLine xmlns="" xmlns:a14="http://schemas.microsoft.com/office/drawing/2010/main" w="9525">
                     <a:solidFill>
                       <a:srgbClr val="000000"/>
                     </a:solidFill>
@@ -10111,7 +10111,7 @@
               </a:ln>
               <a:extLst>
                 <a:ext uri="{91240B29-F687-4f45-9708-019B960494DF}">
-                  <a14:hiddenLine xmlns:a14="http://schemas.microsoft.com/office/drawing/2010/main" xmlns="" w="9525">
+                  <a14:hiddenLine xmlns="" xmlns:a14="http://schemas.microsoft.com/office/drawing/2010/main" w="9525">
                     <a:solidFill>
                       <a:srgbClr val="000000"/>
                     </a:solidFill>
@@ -10173,7 +10173,7 @@
               </a:ln>
               <a:extLst>
                 <a:ext uri="{91240B29-F687-4f45-9708-019B960494DF}">
-                  <a14:hiddenLine xmlns:a14="http://schemas.microsoft.com/office/drawing/2010/main" xmlns="" w="9525">
+                  <a14:hiddenLine xmlns="" xmlns:a14="http://schemas.microsoft.com/office/drawing/2010/main" w="9525">
                     <a:solidFill>
                       <a:srgbClr val="000000"/>
                     </a:solidFill>
@@ -10263,7 +10263,7 @@
               </a:ln>
               <a:extLst>
                 <a:ext uri="{91240B29-F687-4f45-9708-019B960494DF}">
-                  <a14:hiddenLine xmlns:a14="http://schemas.microsoft.com/office/drawing/2010/main" xmlns="" w="9525">
+                  <a14:hiddenLine xmlns="" xmlns:a14="http://schemas.microsoft.com/office/drawing/2010/main" w="9525">
                     <a:solidFill>
                       <a:srgbClr val="000000"/>
                     </a:solidFill>
@@ -10297,7 +10297,7 @@
               </a:ln>
               <a:extLst>
                 <a:ext uri="{91240B29-F687-4f45-9708-019B960494DF}">
-                  <a14:hiddenLine xmlns:a14="http://schemas.microsoft.com/office/drawing/2010/main" xmlns="" w="9525">
+                  <a14:hiddenLine xmlns="" xmlns:a14="http://schemas.microsoft.com/office/drawing/2010/main" w="9525">
                     <a:solidFill>
                       <a:srgbClr val="000000"/>
                     </a:solidFill>
@@ -10362,7 +10362,7 @@
               </a:ln>
               <a:extLst>
                 <a:ext uri="{91240B29-F687-4f45-9708-019B960494DF}">
-                  <a14:hiddenLine xmlns:a14="http://schemas.microsoft.com/office/drawing/2010/main" xmlns="" w="9525">
+                  <a14:hiddenLine xmlns="" xmlns:a14="http://schemas.microsoft.com/office/drawing/2010/main" w="9525">
                     <a:solidFill>
                       <a:srgbClr val="000000"/>
                     </a:solidFill>
@@ -10452,7 +10452,7 @@
               </a:ln>
               <a:extLst>
                 <a:ext uri="{91240B29-F687-4f45-9708-019B960494DF}">
-                  <a14:hiddenLine xmlns:a14="http://schemas.microsoft.com/office/drawing/2010/main" xmlns="" w="9525">
+                  <a14:hiddenLine xmlns="" xmlns:a14="http://schemas.microsoft.com/office/drawing/2010/main" w="9525">
                     <a:solidFill>
                       <a:srgbClr val="000000"/>
                     </a:solidFill>
@@ -10514,7 +10514,7 @@
               </a:ln>
               <a:extLst>
                 <a:ext uri="{91240B29-F687-4f45-9708-019B960494DF}">
-                  <a14:hiddenLine xmlns:a14="http://schemas.microsoft.com/office/drawing/2010/main" xmlns="" w="9525">
+                  <a14:hiddenLine xmlns="" xmlns:a14="http://schemas.microsoft.com/office/drawing/2010/main" w="9525">
                     <a:solidFill>
                       <a:srgbClr val="000000"/>
                     </a:solidFill>
@@ -10604,7 +10604,7 @@
               </a:ln>
               <a:extLst>
                 <a:ext uri="{91240B29-F687-4f45-9708-019B960494DF}">
-                  <a14:hiddenLine xmlns:a14="http://schemas.microsoft.com/office/drawing/2010/main" xmlns="" w="9525">
+                  <a14:hiddenLine xmlns="" xmlns:a14="http://schemas.microsoft.com/office/drawing/2010/main" w="9525">
                     <a:solidFill>
                       <a:srgbClr val="000000"/>
                     </a:solidFill>
@@ -10669,7 +10669,7 @@
               </a:ln>
               <a:extLst>
                 <a:ext uri="{91240B29-F687-4f45-9708-019B960494DF}">
-                  <a14:hiddenLine xmlns:a14="http://schemas.microsoft.com/office/drawing/2010/main" xmlns="" w="9525">
+                  <a14:hiddenLine xmlns="" xmlns:a14="http://schemas.microsoft.com/office/drawing/2010/main" w="9525">
                     <a:solidFill>
                       <a:srgbClr val="000000"/>
                     </a:solidFill>
@@ -10731,7 +10731,7 @@
               </a:ln>
               <a:extLst>
                 <a:ext uri="{91240B29-F687-4f45-9708-019B960494DF}">
-                  <a14:hiddenLine xmlns:a14="http://schemas.microsoft.com/office/drawing/2010/main" xmlns="" w="9525">
+                  <a14:hiddenLine xmlns="" xmlns:a14="http://schemas.microsoft.com/office/drawing/2010/main" w="9525">
                     <a:solidFill>
                       <a:srgbClr val="000000"/>
                     </a:solidFill>
@@ -10821,7 +10821,7 @@
               </a:ln>
               <a:extLst>
                 <a:ext uri="{91240B29-F687-4f45-9708-019B960494DF}">
-                  <a14:hiddenLine xmlns:a14="http://schemas.microsoft.com/office/drawing/2010/main" xmlns="" w="9525">
+                  <a14:hiddenLine xmlns="" xmlns:a14="http://schemas.microsoft.com/office/drawing/2010/main" w="9525">
                     <a:solidFill>
                       <a:srgbClr val="000000"/>
                     </a:solidFill>
@@ -10911,7 +10911,7 @@
               </a:ln>
               <a:extLst>
                 <a:ext uri="{91240B29-F687-4f45-9708-019B960494DF}">
-                  <a14:hiddenLine xmlns:a14="http://schemas.microsoft.com/office/drawing/2010/main" xmlns="" w="9525">
+                  <a14:hiddenLine xmlns="" xmlns:a14="http://schemas.microsoft.com/office/drawing/2010/main" w="9525">
                     <a:solidFill>
                       <a:srgbClr val="000000"/>
                     </a:solidFill>
@@ -10976,7 +10976,7 @@
               </a:ln>
               <a:extLst>
                 <a:ext uri="{91240B29-F687-4f45-9708-019B960494DF}">
-                  <a14:hiddenLine xmlns:a14="http://schemas.microsoft.com/office/drawing/2010/main" xmlns="" w="9525">
+                  <a14:hiddenLine xmlns="" xmlns:a14="http://schemas.microsoft.com/office/drawing/2010/main" w="9525">
                     <a:solidFill>
                       <a:srgbClr val="000000"/>
                     </a:solidFill>
@@ -11096,7 +11096,7 @@
               </a:ln>
               <a:extLst>
                 <a:ext uri="{91240B29-F687-4f45-9708-019B960494DF}">
-                  <a14:hiddenLine xmlns:a14="http://schemas.microsoft.com/office/drawing/2010/main" xmlns="" w="9525">
+                  <a14:hiddenLine xmlns="" xmlns:a14="http://schemas.microsoft.com/office/drawing/2010/main" w="9525">
                     <a:solidFill>
                       <a:srgbClr val="000000"/>
                     </a:solidFill>
@@ -11177,7 +11177,7 @@
               </a:ln>
               <a:extLst>
                 <a:ext uri="{91240B29-F687-4f45-9708-019B960494DF}">
-                  <a14:hiddenLine xmlns:a14="http://schemas.microsoft.com/office/drawing/2010/main" xmlns="" w="9525">
+                  <a14:hiddenLine xmlns="" xmlns:a14="http://schemas.microsoft.com/office/drawing/2010/main" w="9525">
                     <a:solidFill>
                       <a:srgbClr val="000000"/>
                     </a:solidFill>
@@ -11292,7 +11292,7 @@
               </a:ln>
               <a:extLst>
                 <a:ext uri="{91240B29-F687-4f45-9708-019B960494DF}">
-                  <a14:hiddenLine xmlns:a14="http://schemas.microsoft.com/office/drawing/2010/main" xmlns="" w="9525">
+                  <a14:hiddenLine xmlns="" xmlns:a14="http://schemas.microsoft.com/office/drawing/2010/main" w="9525">
                     <a:solidFill>
                       <a:srgbClr val="000000"/>
                     </a:solidFill>
@@ -11382,7 +11382,7 @@
               </a:ln>
               <a:extLst>
                 <a:ext uri="{91240B29-F687-4f45-9708-019B960494DF}">
-                  <a14:hiddenLine xmlns:a14="http://schemas.microsoft.com/office/drawing/2010/main" xmlns="" w="9525">
+                  <a14:hiddenLine xmlns="" xmlns:a14="http://schemas.microsoft.com/office/drawing/2010/main" w="9525">
                     <a:solidFill>
                       <a:srgbClr val="000000"/>
                     </a:solidFill>
@@ -11447,7 +11447,7 @@
               </a:ln>
               <a:extLst>
                 <a:ext uri="{91240B29-F687-4f45-9708-019B960494DF}">
-                  <a14:hiddenLine xmlns:a14="http://schemas.microsoft.com/office/drawing/2010/main" xmlns="" w="9525">
+                  <a14:hiddenLine xmlns="" xmlns:a14="http://schemas.microsoft.com/office/drawing/2010/main" w="9525">
                     <a:solidFill>
                       <a:srgbClr val="000000"/>
                     </a:solidFill>
@@ -11537,7 +11537,7 @@
               </a:ln>
               <a:extLst>
                 <a:ext uri="{91240B29-F687-4f45-9708-019B960494DF}">
-                  <a14:hiddenLine xmlns:a14="http://schemas.microsoft.com/office/drawing/2010/main" xmlns="" w="9525">
+                  <a14:hiddenLine xmlns="" xmlns:a14="http://schemas.microsoft.com/office/drawing/2010/main" w="9525">
                     <a:solidFill>
                       <a:srgbClr val="000000"/>
                     </a:solidFill>
@@ -11605,7 +11605,7 @@
               </a:ln>
               <a:extLst>
                 <a:ext uri="{91240B29-F687-4f45-9708-019B960494DF}">
-                  <a14:hiddenLine xmlns:a14="http://schemas.microsoft.com/office/drawing/2010/main" xmlns="" w="9525">
+                  <a14:hiddenLine xmlns="" xmlns:a14="http://schemas.microsoft.com/office/drawing/2010/main" w="9525">
                     <a:solidFill>
                       <a:srgbClr val="000000"/>
                     </a:solidFill>
@@ -11695,7 +11695,7 @@
               </a:ln>
               <a:extLst>
                 <a:ext uri="{91240B29-F687-4f45-9708-019B960494DF}">
-                  <a14:hiddenLine xmlns:a14="http://schemas.microsoft.com/office/drawing/2010/main" xmlns="" w="9525">
+                  <a14:hiddenLine xmlns="" xmlns:a14="http://schemas.microsoft.com/office/drawing/2010/main" w="9525">
                     <a:solidFill>
                       <a:srgbClr val="000000"/>
                     </a:solidFill>
@@ -11763,7 +11763,7 @@
               </a:ln>
               <a:extLst>
                 <a:ext uri="{91240B29-F687-4f45-9708-019B960494DF}">
-                  <a14:hiddenLine xmlns:a14="http://schemas.microsoft.com/office/drawing/2010/main" xmlns="" w="9525">
+                  <a14:hiddenLine xmlns="" xmlns:a14="http://schemas.microsoft.com/office/drawing/2010/main" w="9525">
                     <a:solidFill>
                       <a:srgbClr val="000000"/>
                     </a:solidFill>
@@ -11853,7 +11853,7 @@
               </a:ln>
               <a:extLst>
                 <a:ext uri="{91240B29-F687-4f45-9708-019B960494DF}">
-                  <a14:hiddenLine xmlns:a14="http://schemas.microsoft.com/office/drawing/2010/main" xmlns="" w="9525">
+                  <a14:hiddenLine xmlns="" xmlns:a14="http://schemas.microsoft.com/office/drawing/2010/main" w="9525">
                     <a:solidFill>
                       <a:srgbClr val="000000"/>
                     </a:solidFill>
@@ -11887,7 +11887,7 @@
               </a:ln>
               <a:extLst>
                 <a:ext uri="{91240B29-F687-4f45-9708-019B960494DF}">
-                  <a14:hiddenLine xmlns:a14="http://schemas.microsoft.com/office/drawing/2010/main" xmlns="" w="9525">
+                  <a14:hiddenLine xmlns="" xmlns:a14="http://schemas.microsoft.com/office/drawing/2010/main" w="9525">
                     <a:solidFill>
                       <a:srgbClr val="000000"/>
                     </a:solidFill>
@@ -12027,7 +12027,7 @@
           <a:p>
             <a:fld id="{C92431A8-17CE-4556-BA8C-872543424DAF}" type="datetimeFigureOut">
               <a:rPr lang="en-NZ" smtClean="0"/>
-              <a:t>10/06/2023</a:t>
+              <a:t>11/06/2023</a:t>
             </a:fld>
             <a:endParaRPr lang="en-NZ"/>
           </a:p>
@@ -14064,7 +14064,7 @@
           <a:p>
             <a:r>
               <a:rPr lang="en-US" dirty="0"/>
-              <a:t>Rotate and it works</a:t>
+              <a:t>Rotate and it still works</a:t>
             </a:r>
             <a:endParaRPr lang="en-NZ" dirty="0"/>
           </a:p>
@@ -14221,7 +14221,7 @@
           <a:p>
             <a:r>
               <a:rPr lang="en-US" dirty="0"/>
-              <a:t>Some Noise no problem</a:t>
+              <a:t>Some Noise, no problem</a:t>
             </a:r>
             <a:endParaRPr lang="en-NZ" dirty="0"/>
           </a:p>
@@ -14858,7 +14858,7 @@
             <a:noFill/>
             <a:extLst>
               <a:ext uri="{909E8E84-426E-40dd-AFC4-6F175D3DCCD1}">
-                <a14:hiddenFill xmlns="" xmlns:a16="http://schemas.microsoft.com/office/drawing/2014/main" xmlns:a14="http://schemas.microsoft.com/office/drawing/2010/main" xmlns:p14="http://schemas.microsoft.com/office/powerpoint/2010/main">
+                <a14:hiddenFill xmlns:p14="http://schemas.microsoft.com/office/powerpoint/2010/main" xmlns:a14="http://schemas.microsoft.com/office/drawing/2010/main" xmlns:a16="http://schemas.microsoft.com/office/drawing/2014/main" xmlns="">
                   <a:solidFill>
                     <a:srgbClr val="FFFFFF"/>
                   </a:solidFill>
@@ -15023,7 +15023,7 @@
             </a:ln>
             <a:extLst>
               <a:ext uri="{91240B29-F687-4f45-9708-019B960494DF}">
-                <a14:hiddenLine xmlns="" xmlns:a16="http://schemas.microsoft.com/office/drawing/2014/main" xmlns:a14="http://schemas.microsoft.com/office/drawing/2010/main" xmlns:p14="http://schemas.microsoft.com/office/powerpoint/2010/main" w="9525">
+                <a14:hiddenLine xmlns:p14="http://schemas.microsoft.com/office/powerpoint/2010/main" xmlns:a14="http://schemas.microsoft.com/office/drawing/2010/main" xmlns:a16="http://schemas.microsoft.com/office/drawing/2014/main" xmlns="" w="9525">
                   <a:solidFill>
                     <a:srgbClr val="000000"/>
                   </a:solidFill>
@@ -15128,7 +15128,7 @@
             </a:ln>
             <a:extLst>
               <a:ext uri="{91240B29-F687-4f45-9708-019B960494DF}">
-                <a14:hiddenLine xmlns="" xmlns:a16="http://schemas.microsoft.com/office/drawing/2014/main" xmlns:a14="http://schemas.microsoft.com/office/drawing/2010/main" xmlns:p14="http://schemas.microsoft.com/office/powerpoint/2010/main" w="9525">
+                <a14:hiddenLine xmlns:p14="http://schemas.microsoft.com/office/powerpoint/2010/main" xmlns:a14="http://schemas.microsoft.com/office/drawing/2010/main" xmlns:a16="http://schemas.microsoft.com/office/drawing/2014/main" xmlns="" w="9525">
                   <a:solidFill>
                     <a:srgbClr val="000000"/>
                   </a:solidFill>
@@ -15233,7 +15233,7 @@
             </a:ln>
             <a:extLst>
               <a:ext uri="{91240B29-F687-4f45-9708-019B960494DF}">
-                <a14:hiddenLine xmlns="" xmlns:a16="http://schemas.microsoft.com/office/drawing/2014/main" xmlns:a14="http://schemas.microsoft.com/office/drawing/2010/main" xmlns:p14="http://schemas.microsoft.com/office/powerpoint/2010/main" w="9525">
+                <a14:hiddenLine xmlns:p14="http://schemas.microsoft.com/office/powerpoint/2010/main" xmlns:a14="http://schemas.microsoft.com/office/drawing/2010/main" xmlns:a16="http://schemas.microsoft.com/office/drawing/2014/main" xmlns="" w="9525">
                   <a:solidFill>
                     <a:srgbClr val="000000"/>
                   </a:solidFill>
@@ -15282,7 +15282,7 @@
             </a:ln>
             <a:extLst>
               <a:ext uri="{91240B29-F687-4f45-9708-019B960494DF}">
-                <a14:hiddenLine xmlns="" xmlns:a16="http://schemas.microsoft.com/office/drawing/2014/main" xmlns:a14="http://schemas.microsoft.com/office/drawing/2010/main" xmlns:p14="http://schemas.microsoft.com/office/powerpoint/2010/main" w="9525">
+                <a14:hiddenLine xmlns:p14="http://schemas.microsoft.com/office/powerpoint/2010/main" xmlns:a14="http://schemas.microsoft.com/office/drawing/2010/main" xmlns:a16="http://schemas.microsoft.com/office/drawing/2014/main" xmlns="" w="9525">
                   <a:solidFill>
                     <a:srgbClr val="000000"/>
                   </a:solidFill>
@@ -15387,7 +15387,7 @@
             </a:ln>
             <a:extLst>
               <a:ext uri="{91240B29-F687-4f45-9708-019B960494DF}">
-                <a14:hiddenLine xmlns="" xmlns:a16="http://schemas.microsoft.com/office/drawing/2014/main" xmlns:a14="http://schemas.microsoft.com/office/drawing/2010/main" xmlns:p14="http://schemas.microsoft.com/office/powerpoint/2010/main" w="9525">
+                <a14:hiddenLine xmlns:p14="http://schemas.microsoft.com/office/powerpoint/2010/main" xmlns:a14="http://schemas.microsoft.com/office/drawing/2010/main" xmlns:a16="http://schemas.microsoft.com/office/drawing/2014/main" xmlns="" w="9525">
                   <a:solidFill>
                     <a:srgbClr val="000000"/>
                   </a:solidFill>
@@ -15464,7 +15464,7 @@
             </a:ln>
             <a:extLst>
               <a:ext uri="{91240B29-F687-4f45-9708-019B960494DF}">
-                <a14:hiddenLine xmlns="" xmlns:a16="http://schemas.microsoft.com/office/drawing/2014/main" xmlns:a14="http://schemas.microsoft.com/office/drawing/2010/main" xmlns:p14="http://schemas.microsoft.com/office/powerpoint/2010/main" w="9525">
+                <a14:hiddenLine xmlns:p14="http://schemas.microsoft.com/office/powerpoint/2010/main" xmlns:a14="http://schemas.microsoft.com/office/drawing/2010/main" xmlns:a16="http://schemas.microsoft.com/office/drawing/2014/main" xmlns="" w="9525">
                   <a:solidFill>
                     <a:srgbClr val="000000"/>
                   </a:solidFill>
@@ -15541,7 +15541,7 @@
             </a:ln>
             <a:extLst>
               <a:ext uri="{91240B29-F687-4f45-9708-019B960494DF}">
-                <a14:hiddenLine xmlns="" xmlns:a16="http://schemas.microsoft.com/office/drawing/2014/main" xmlns:a14="http://schemas.microsoft.com/office/drawing/2010/main" xmlns:p14="http://schemas.microsoft.com/office/powerpoint/2010/main" w="9525">
+                <a14:hiddenLine xmlns:p14="http://schemas.microsoft.com/office/powerpoint/2010/main" xmlns:a14="http://schemas.microsoft.com/office/drawing/2010/main" xmlns:a16="http://schemas.microsoft.com/office/drawing/2014/main" xmlns="" w="9525">
                   <a:solidFill>
                     <a:srgbClr val="000000"/>
                   </a:solidFill>
@@ -15646,7 +15646,7 @@
             </a:ln>
             <a:extLst>
               <a:ext uri="{91240B29-F687-4f45-9708-019B960494DF}">
-                <a14:hiddenLine xmlns="" xmlns:a16="http://schemas.microsoft.com/office/drawing/2014/main" xmlns:a14="http://schemas.microsoft.com/office/drawing/2010/main" xmlns:p14="http://schemas.microsoft.com/office/powerpoint/2010/main" w="9525">
+                <a14:hiddenLine xmlns:p14="http://schemas.microsoft.com/office/powerpoint/2010/main" xmlns:a14="http://schemas.microsoft.com/office/drawing/2010/main" xmlns:a16="http://schemas.microsoft.com/office/drawing/2014/main" xmlns="" w="9525">
                   <a:solidFill>
                     <a:srgbClr val="000000"/>
                   </a:solidFill>
@@ -15723,7 +15723,7 @@
             </a:ln>
             <a:extLst>
               <a:ext uri="{91240B29-F687-4f45-9708-019B960494DF}">
-                <a14:hiddenLine xmlns="" xmlns:a16="http://schemas.microsoft.com/office/drawing/2014/main" xmlns:a14="http://schemas.microsoft.com/office/drawing/2010/main" xmlns:p14="http://schemas.microsoft.com/office/powerpoint/2010/main" w="9525">
+                <a14:hiddenLine xmlns:p14="http://schemas.microsoft.com/office/powerpoint/2010/main" xmlns:a14="http://schemas.microsoft.com/office/drawing/2010/main" xmlns:a16="http://schemas.microsoft.com/office/drawing/2014/main" xmlns="" w="9525">
                   <a:solidFill>
                     <a:srgbClr val="000000"/>
                   </a:solidFill>
@@ -15800,7 +15800,7 @@
             </a:ln>
             <a:extLst>
               <a:ext uri="{91240B29-F687-4f45-9708-019B960494DF}">
-                <a14:hiddenLine xmlns="" xmlns:a16="http://schemas.microsoft.com/office/drawing/2014/main" xmlns:a14="http://schemas.microsoft.com/office/drawing/2010/main" xmlns:p14="http://schemas.microsoft.com/office/powerpoint/2010/main" w="9525">
+                <a14:hiddenLine xmlns:p14="http://schemas.microsoft.com/office/powerpoint/2010/main" xmlns:a14="http://schemas.microsoft.com/office/drawing/2010/main" xmlns:a16="http://schemas.microsoft.com/office/drawing/2014/main" xmlns="" w="9525">
                   <a:solidFill>
                     <a:srgbClr val="000000"/>
                   </a:solidFill>
@@ -15905,7 +15905,7 @@
             </a:ln>
             <a:extLst>
               <a:ext uri="{91240B29-F687-4f45-9708-019B960494DF}">
-                <a14:hiddenLine xmlns="" xmlns:a16="http://schemas.microsoft.com/office/drawing/2014/main" xmlns:a14="http://schemas.microsoft.com/office/drawing/2010/main" xmlns:p14="http://schemas.microsoft.com/office/powerpoint/2010/main" w="9525">
+                <a14:hiddenLine xmlns:p14="http://schemas.microsoft.com/office/powerpoint/2010/main" xmlns:a14="http://schemas.microsoft.com/office/drawing/2010/main" xmlns:a16="http://schemas.microsoft.com/office/drawing/2014/main" xmlns="" w="9525">
                   <a:solidFill>
                     <a:srgbClr val="000000"/>
                   </a:solidFill>
@@ -16010,7 +16010,7 @@
             </a:ln>
             <a:extLst>
               <a:ext uri="{91240B29-F687-4f45-9708-019B960494DF}">
-                <a14:hiddenLine xmlns="" xmlns:a16="http://schemas.microsoft.com/office/drawing/2014/main" xmlns:a14="http://schemas.microsoft.com/office/drawing/2010/main" xmlns:p14="http://schemas.microsoft.com/office/powerpoint/2010/main" w="9525">
+                <a14:hiddenLine xmlns:p14="http://schemas.microsoft.com/office/powerpoint/2010/main" xmlns:a14="http://schemas.microsoft.com/office/drawing/2010/main" xmlns:a16="http://schemas.microsoft.com/office/drawing/2014/main" xmlns="" w="9525">
                   <a:solidFill>
                     <a:srgbClr val="000000"/>
                   </a:solidFill>
@@ -16087,7 +16087,7 @@
             </a:ln>
             <a:extLst>
               <a:ext uri="{91240B29-F687-4f45-9708-019B960494DF}">
-                <a14:hiddenLine xmlns="" xmlns:a16="http://schemas.microsoft.com/office/drawing/2014/main" xmlns:a14="http://schemas.microsoft.com/office/drawing/2010/main" xmlns:p14="http://schemas.microsoft.com/office/powerpoint/2010/main" w="9525">
+                <a14:hiddenLine xmlns:p14="http://schemas.microsoft.com/office/powerpoint/2010/main" xmlns:a14="http://schemas.microsoft.com/office/drawing/2010/main" xmlns:a16="http://schemas.microsoft.com/office/drawing/2014/main" xmlns="" w="9525">
                   <a:solidFill>
                     <a:srgbClr val="000000"/>
                   </a:solidFill>
@@ -16212,7 +16212,7 @@
             </a:ln>
             <a:extLst>
               <a:ext uri="{91240B29-F687-4f45-9708-019B960494DF}">
-                <a14:hiddenLine xmlns="" xmlns:a16="http://schemas.microsoft.com/office/drawing/2014/main" xmlns:a14="http://schemas.microsoft.com/office/drawing/2010/main" xmlns:p14="http://schemas.microsoft.com/office/powerpoint/2010/main" w="9525">
+                <a14:hiddenLine xmlns:p14="http://schemas.microsoft.com/office/powerpoint/2010/main" xmlns:a14="http://schemas.microsoft.com/office/drawing/2010/main" xmlns:a16="http://schemas.microsoft.com/office/drawing/2014/main" xmlns="" w="9525">
                   <a:solidFill>
                     <a:srgbClr val="000000"/>
                   </a:solidFill>
@@ -16289,7 +16289,7 @@
             </a:ln>
             <a:extLst>
               <a:ext uri="{91240B29-F687-4f45-9708-019B960494DF}">
-                <a14:hiddenLine xmlns="" xmlns:a16="http://schemas.microsoft.com/office/drawing/2014/main" xmlns:a14="http://schemas.microsoft.com/office/drawing/2010/main" xmlns:p14="http://schemas.microsoft.com/office/powerpoint/2010/main" w="9525">
+                <a14:hiddenLine xmlns:p14="http://schemas.microsoft.com/office/powerpoint/2010/main" xmlns:a14="http://schemas.microsoft.com/office/drawing/2010/main" xmlns:a16="http://schemas.microsoft.com/office/drawing/2014/main" xmlns="" w="9525">
                   <a:solidFill>
                     <a:srgbClr val="000000"/>
                   </a:solidFill>
@@ -16394,7 +16394,7 @@
             </a:ln>
             <a:extLst>
               <a:ext uri="{91240B29-F687-4f45-9708-019B960494DF}">
-                <a14:hiddenLine xmlns="" xmlns:a16="http://schemas.microsoft.com/office/drawing/2014/main" xmlns:a14="http://schemas.microsoft.com/office/drawing/2010/main" xmlns:p14="http://schemas.microsoft.com/office/powerpoint/2010/main" w="9525">
+                <a14:hiddenLine xmlns:p14="http://schemas.microsoft.com/office/powerpoint/2010/main" xmlns:a14="http://schemas.microsoft.com/office/drawing/2010/main" xmlns:a16="http://schemas.microsoft.com/office/drawing/2014/main" xmlns="" w="9525">
                   <a:solidFill>
                     <a:srgbClr val="000000"/>
                   </a:solidFill>
@@ -16499,7 +16499,7 @@
             </a:ln>
             <a:extLst>
               <a:ext uri="{91240B29-F687-4f45-9708-019B960494DF}">
-                <a14:hiddenLine xmlns="" xmlns:a16="http://schemas.microsoft.com/office/drawing/2014/main" xmlns:a14="http://schemas.microsoft.com/office/drawing/2010/main" xmlns:p14="http://schemas.microsoft.com/office/powerpoint/2010/main" w="9525">
+                <a14:hiddenLine xmlns:p14="http://schemas.microsoft.com/office/powerpoint/2010/main" xmlns:a14="http://schemas.microsoft.com/office/drawing/2010/main" xmlns:a16="http://schemas.microsoft.com/office/drawing/2014/main" xmlns="" w="9525">
                   <a:solidFill>
                     <a:srgbClr val="000000"/>
                   </a:solidFill>
@@ -16576,7 +16576,7 @@
             </a:ln>
             <a:extLst>
               <a:ext uri="{91240B29-F687-4f45-9708-019B960494DF}">
-                <a14:hiddenLine xmlns="" xmlns:a16="http://schemas.microsoft.com/office/drawing/2014/main" xmlns:a14="http://schemas.microsoft.com/office/drawing/2010/main" xmlns:p14="http://schemas.microsoft.com/office/powerpoint/2010/main" w="9525">
+                <a14:hiddenLine xmlns:p14="http://schemas.microsoft.com/office/powerpoint/2010/main" xmlns:a14="http://schemas.microsoft.com/office/drawing/2010/main" xmlns:a16="http://schemas.microsoft.com/office/drawing/2014/main" xmlns="" w="9525">
                   <a:solidFill>
                     <a:srgbClr val="000000"/>
                   </a:solidFill>
@@ -16681,7 +16681,7 @@
             </a:ln>
             <a:extLst>
               <a:ext uri="{91240B29-F687-4f45-9708-019B960494DF}">
-                <a14:hiddenLine xmlns="" xmlns:a16="http://schemas.microsoft.com/office/drawing/2014/main" xmlns:a14="http://schemas.microsoft.com/office/drawing/2010/main" xmlns:p14="http://schemas.microsoft.com/office/powerpoint/2010/main" w="9525">
+                <a14:hiddenLine xmlns:p14="http://schemas.microsoft.com/office/powerpoint/2010/main" xmlns:a14="http://schemas.microsoft.com/office/drawing/2010/main" xmlns:a16="http://schemas.microsoft.com/office/drawing/2014/main" xmlns="" w="9525">
                   <a:solidFill>
                     <a:srgbClr val="000000"/>
                   </a:solidFill>
@@ -16786,7 +16786,7 @@
             </a:ln>
             <a:extLst>
               <a:ext uri="{91240B29-F687-4f45-9708-019B960494DF}">
-                <a14:hiddenLine xmlns="" xmlns:a16="http://schemas.microsoft.com/office/drawing/2014/main" xmlns:a14="http://schemas.microsoft.com/office/drawing/2010/main" xmlns:p14="http://schemas.microsoft.com/office/powerpoint/2010/main" w="9525">
+                <a14:hiddenLine xmlns:p14="http://schemas.microsoft.com/office/powerpoint/2010/main" xmlns:a14="http://schemas.microsoft.com/office/drawing/2010/main" xmlns:a16="http://schemas.microsoft.com/office/drawing/2014/main" xmlns="" w="9525">
                   <a:solidFill>
                     <a:srgbClr val="000000"/>
                   </a:solidFill>
@@ -16857,7 +16857,7 @@
             </a:ln>
             <a:extLst>
               <a:ext uri="{91240B29-F687-4f45-9708-019B960494DF}">
-                <a14:hiddenLine xmlns="" xmlns:a16="http://schemas.microsoft.com/office/drawing/2014/main" xmlns:a14="http://schemas.microsoft.com/office/drawing/2010/main" xmlns:p14="http://schemas.microsoft.com/office/powerpoint/2010/main" w="9525">
+                <a14:hiddenLine xmlns:p14="http://schemas.microsoft.com/office/powerpoint/2010/main" xmlns:a14="http://schemas.microsoft.com/office/drawing/2010/main" xmlns:a16="http://schemas.microsoft.com/office/drawing/2014/main" xmlns="" w="9525">
                   <a:solidFill>
                     <a:srgbClr val="000000"/>
                   </a:solidFill>
@@ -16962,7 +16962,7 @@
             </a:ln>
             <a:extLst>
               <a:ext uri="{91240B29-F687-4f45-9708-019B960494DF}">
-                <a14:hiddenLine xmlns="" xmlns:a16="http://schemas.microsoft.com/office/drawing/2014/main" xmlns:a14="http://schemas.microsoft.com/office/drawing/2010/main" xmlns:p14="http://schemas.microsoft.com/office/powerpoint/2010/main" w="9525">
+                <a14:hiddenLine xmlns:p14="http://schemas.microsoft.com/office/powerpoint/2010/main" xmlns:a14="http://schemas.microsoft.com/office/drawing/2010/main" xmlns:a16="http://schemas.microsoft.com/office/drawing/2014/main" xmlns="" w="9525">
                   <a:solidFill>
                     <a:srgbClr val="000000"/>
                   </a:solidFill>
@@ -17033,7 +17033,7 @@
             </a:ln>
             <a:extLst>
               <a:ext uri="{91240B29-F687-4f45-9708-019B960494DF}">
-                <a14:hiddenLine xmlns="" xmlns:a16="http://schemas.microsoft.com/office/drawing/2014/main" xmlns:a14="http://schemas.microsoft.com/office/drawing/2010/main" xmlns:p14="http://schemas.microsoft.com/office/powerpoint/2010/main" w="9525">
+                <a14:hiddenLine xmlns:p14="http://schemas.microsoft.com/office/powerpoint/2010/main" xmlns:a14="http://schemas.microsoft.com/office/drawing/2010/main" xmlns:a16="http://schemas.microsoft.com/office/drawing/2014/main" xmlns="" w="9525">
                   <a:solidFill>
                     <a:srgbClr val="000000"/>
                   </a:solidFill>
@@ -17138,7 +17138,7 @@
             </a:ln>
             <a:extLst>
               <a:ext uri="{91240B29-F687-4f45-9708-019B960494DF}">
-                <a14:hiddenLine xmlns="" xmlns:a16="http://schemas.microsoft.com/office/drawing/2014/main" xmlns:a14="http://schemas.microsoft.com/office/drawing/2010/main" xmlns:p14="http://schemas.microsoft.com/office/powerpoint/2010/main" w="9525">
+                <a14:hiddenLine xmlns:p14="http://schemas.microsoft.com/office/powerpoint/2010/main" xmlns:a14="http://schemas.microsoft.com/office/drawing/2010/main" xmlns:a16="http://schemas.microsoft.com/office/drawing/2014/main" xmlns="" w="9525">
                   <a:solidFill>
                     <a:srgbClr val="000000"/>
                   </a:solidFill>
@@ -17221,7 +17221,7 @@
             </a:ln>
             <a:extLst>
               <a:ext uri="{91240B29-F687-4f45-9708-019B960494DF}">
-                <a14:hiddenLine xmlns="" xmlns:a16="http://schemas.microsoft.com/office/drawing/2014/main" xmlns:a14="http://schemas.microsoft.com/office/drawing/2010/main" xmlns:p14="http://schemas.microsoft.com/office/powerpoint/2010/main" w="9525">
+                <a14:hiddenLine xmlns:p14="http://schemas.microsoft.com/office/powerpoint/2010/main" xmlns:a14="http://schemas.microsoft.com/office/drawing/2010/main" xmlns:a16="http://schemas.microsoft.com/office/drawing/2014/main" xmlns="" w="9525">
                   <a:solidFill>
                     <a:srgbClr val="000000"/>
                   </a:solidFill>
@@ -17326,7 +17326,7 @@
             </a:ln>
             <a:extLst>
               <a:ext uri="{91240B29-F687-4f45-9708-019B960494DF}">
-                <a14:hiddenLine xmlns="" xmlns:a16="http://schemas.microsoft.com/office/drawing/2014/main" xmlns:a14="http://schemas.microsoft.com/office/drawing/2010/main" xmlns:p14="http://schemas.microsoft.com/office/powerpoint/2010/main" w="9525">
+                <a14:hiddenLine xmlns:p14="http://schemas.microsoft.com/office/powerpoint/2010/main" xmlns:a14="http://schemas.microsoft.com/office/drawing/2010/main" xmlns:a16="http://schemas.microsoft.com/office/drawing/2014/main" xmlns="" w="9525">
                   <a:solidFill>
                     <a:srgbClr val="000000"/>
                   </a:solidFill>
@@ -17409,7 +17409,7 @@
             </a:ln>
             <a:extLst>
               <a:ext uri="{91240B29-F687-4f45-9708-019B960494DF}">
-                <a14:hiddenLine xmlns="" xmlns:a16="http://schemas.microsoft.com/office/drawing/2014/main" xmlns:a14="http://schemas.microsoft.com/office/drawing/2010/main" xmlns:p14="http://schemas.microsoft.com/office/powerpoint/2010/main" w="9525">
+                <a14:hiddenLine xmlns:p14="http://schemas.microsoft.com/office/powerpoint/2010/main" xmlns:a14="http://schemas.microsoft.com/office/drawing/2010/main" xmlns:a16="http://schemas.microsoft.com/office/drawing/2014/main" xmlns="" w="9525">
                   <a:solidFill>
                     <a:srgbClr val="000000"/>
                   </a:solidFill>
@@ -17514,7 +17514,7 @@
             </a:ln>
             <a:extLst>
               <a:ext uri="{91240B29-F687-4f45-9708-019B960494DF}">
-                <a14:hiddenLine xmlns="" xmlns:a16="http://schemas.microsoft.com/office/drawing/2014/main" xmlns:a14="http://schemas.microsoft.com/office/drawing/2010/main" xmlns:p14="http://schemas.microsoft.com/office/powerpoint/2010/main" w="9525">
+                <a14:hiddenLine xmlns:p14="http://schemas.microsoft.com/office/powerpoint/2010/main" xmlns:a14="http://schemas.microsoft.com/office/drawing/2010/main" xmlns:a16="http://schemas.microsoft.com/office/drawing/2014/main" xmlns="" w="9525">
                   <a:solidFill>
                     <a:srgbClr val="000000"/>
                   </a:solidFill>
@@ -17563,7 +17563,7 @@
             </a:ln>
             <a:extLst>
               <a:ext uri="{91240B29-F687-4f45-9708-019B960494DF}">
-                <a14:hiddenLine xmlns="" xmlns:a16="http://schemas.microsoft.com/office/drawing/2014/main" xmlns:a14="http://schemas.microsoft.com/office/drawing/2010/main" xmlns:p14="http://schemas.microsoft.com/office/powerpoint/2010/main" w="9525">
+                <a14:hiddenLine xmlns:p14="http://schemas.microsoft.com/office/powerpoint/2010/main" xmlns:a14="http://schemas.microsoft.com/office/drawing/2010/main" xmlns:a16="http://schemas.microsoft.com/office/drawing/2014/main" xmlns="" w="9525">
                   <a:solidFill>
                     <a:srgbClr val="000000"/>
                   </a:solidFill>
@@ -17668,7 +17668,7 @@
             </a:ln>
             <a:extLst>
               <a:ext uri="{91240B29-F687-4f45-9708-019B960494DF}">
-                <a14:hiddenLine xmlns="" xmlns:a16="http://schemas.microsoft.com/office/drawing/2014/main" xmlns:a14="http://schemas.microsoft.com/office/drawing/2010/main" xmlns:p14="http://schemas.microsoft.com/office/powerpoint/2010/main" w="9525">
+                <a14:hiddenLine xmlns:p14="http://schemas.microsoft.com/office/powerpoint/2010/main" xmlns:a14="http://schemas.microsoft.com/office/drawing/2010/main" xmlns:a16="http://schemas.microsoft.com/office/drawing/2014/main" xmlns="" w="9525">
                   <a:solidFill>
                     <a:srgbClr val="000000"/>
                   </a:solidFill>
@@ -17745,7 +17745,7 @@
             </a:ln>
             <a:extLst>
               <a:ext uri="{91240B29-F687-4f45-9708-019B960494DF}">
-                <a14:hiddenLine xmlns="" xmlns:a16="http://schemas.microsoft.com/office/drawing/2014/main" xmlns:a14="http://schemas.microsoft.com/office/drawing/2010/main" xmlns:p14="http://schemas.microsoft.com/office/powerpoint/2010/main" w="9525">
+                <a14:hiddenLine xmlns:p14="http://schemas.microsoft.com/office/powerpoint/2010/main" xmlns:a14="http://schemas.microsoft.com/office/drawing/2010/main" xmlns:a16="http://schemas.microsoft.com/office/drawing/2014/main" xmlns="" w="9525">
                   <a:solidFill>
                     <a:srgbClr val="000000"/>
                   </a:solidFill>
@@ -17822,7 +17822,7 @@
             </a:ln>
             <a:extLst>
               <a:ext uri="{91240B29-F687-4f45-9708-019B960494DF}">
-                <a14:hiddenLine xmlns="" xmlns:a16="http://schemas.microsoft.com/office/drawing/2014/main" xmlns:a14="http://schemas.microsoft.com/office/drawing/2010/main" xmlns:p14="http://schemas.microsoft.com/office/powerpoint/2010/main" w="9525">
+                <a14:hiddenLine xmlns:p14="http://schemas.microsoft.com/office/powerpoint/2010/main" xmlns:a14="http://schemas.microsoft.com/office/drawing/2010/main" xmlns:a16="http://schemas.microsoft.com/office/drawing/2014/main" xmlns="" w="9525">
                   <a:solidFill>
                     <a:srgbClr val="000000"/>
                   </a:solidFill>
@@ -17927,7 +17927,7 @@
             </a:ln>
             <a:extLst>
               <a:ext uri="{91240B29-F687-4f45-9708-019B960494DF}">
-                <a14:hiddenLine xmlns="" xmlns:a16="http://schemas.microsoft.com/office/drawing/2014/main" xmlns:a14="http://schemas.microsoft.com/office/drawing/2010/main" xmlns:p14="http://schemas.microsoft.com/office/powerpoint/2010/main" w="9525">
+                <a14:hiddenLine xmlns:p14="http://schemas.microsoft.com/office/powerpoint/2010/main" xmlns:a14="http://schemas.microsoft.com/office/drawing/2010/main" xmlns:a16="http://schemas.microsoft.com/office/drawing/2014/main" xmlns="" w="9525">
                   <a:solidFill>
                     <a:srgbClr val="000000"/>
                   </a:solidFill>
@@ -18010,7 +18010,7 @@
             </a:ln>
             <a:extLst>
               <a:ext uri="{91240B29-F687-4f45-9708-019B960494DF}">
-                <a14:hiddenLine xmlns="" xmlns:a16="http://schemas.microsoft.com/office/drawing/2014/main" xmlns:a14="http://schemas.microsoft.com/office/drawing/2010/main" xmlns:p14="http://schemas.microsoft.com/office/powerpoint/2010/main" w="9525">
+                <a14:hiddenLine xmlns:p14="http://schemas.microsoft.com/office/powerpoint/2010/main" xmlns:a14="http://schemas.microsoft.com/office/drawing/2010/main" xmlns:a16="http://schemas.microsoft.com/office/drawing/2014/main" xmlns="" w="9525">
                   <a:solidFill>
                     <a:srgbClr val="000000"/>
                   </a:solidFill>
@@ -18087,7 +18087,7 @@
             </a:ln>
             <a:extLst>
               <a:ext uri="{91240B29-F687-4f45-9708-019B960494DF}">
-                <a14:hiddenLine xmlns="" xmlns:a16="http://schemas.microsoft.com/office/drawing/2014/main" xmlns:a14="http://schemas.microsoft.com/office/drawing/2010/main" xmlns:p14="http://schemas.microsoft.com/office/powerpoint/2010/main" w="9525">
+                <a14:hiddenLine xmlns:p14="http://schemas.microsoft.com/office/powerpoint/2010/main" xmlns:a14="http://schemas.microsoft.com/office/drawing/2010/main" xmlns:a16="http://schemas.microsoft.com/office/drawing/2014/main" xmlns="" w="9525">
                   <a:solidFill>
                     <a:srgbClr val="000000"/>
                   </a:solidFill>
@@ -18192,7 +18192,7 @@
             </a:ln>
             <a:extLst>
               <a:ext uri="{91240B29-F687-4f45-9708-019B960494DF}">
-                <a14:hiddenLine xmlns="" xmlns:a16="http://schemas.microsoft.com/office/drawing/2014/main" xmlns:a14="http://schemas.microsoft.com/office/drawing/2010/main" xmlns:p14="http://schemas.microsoft.com/office/powerpoint/2010/main" w="9525">
+                <a14:hiddenLine xmlns:p14="http://schemas.microsoft.com/office/powerpoint/2010/main" xmlns:a14="http://schemas.microsoft.com/office/drawing/2010/main" xmlns:a16="http://schemas.microsoft.com/office/drawing/2014/main" xmlns="" w="9525">
                   <a:solidFill>
                     <a:srgbClr val="000000"/>
                   </a:solidFill>
@@ -18269,7 +18269,7 @@
             </a:ln>
             <a:extLst>
               <a:ext uri="{91240B29-F687-4f45-9708-019B960494DF}">
-                <a14:hiddenLine xmlns="" xmlns:a16="http://schemas.microsoft.com/office/drawing/2014/main" xmlns:a14="http://schemas.microsoft.com/office/drawing/2010/main" xmlns:p14="http://schemas.microsoft.com/office/powerpoint/2010/main" w="9525">
+                <a14:hiddenLine xmlns:p14="http://schemas.microsoft.com/office/powerpoint/2010/main" xmlns:a14="http://schemas.microsoft.com/office/drawing/2010/main" xmlns:a16="http://schemas.microsoft.com/office/drawing/2014/main" xmlns="" w="9525">
                   <a:solidFill>
                     <a:srgbClr val="000000"/>
                   </a:solidFill>
@@ -18374,7 +18374,7 @@
             </a:ln>
             <a:extLst>
               <a:ext uri="{91240B29-F687-4f45-9708-019B960494DF}">
-                <a14:hiddenLine xmlns="" xmlns:a16="http://schemas.microsoft.com/office/drawing/2014/main" xmlns:a14="http://schemas.microsoft.com/office/drawing/2010/main" xmlns:p14="http://schemas.microsoft.com/office/powerpoint/2010/main" w="9525">
+                <a14:hiddenLine xmlns:p14="http://schemas.microsoft.com/office/powerpoint/2010/main" xmlns:a14="http://schemas.microsoft.com/office/drawing/2010/main" xmlns:a16="http://schemas.microsoft.com/office/drawing/2014/main" xmlns="" w="9525">
                   <a:solidFill>
                     <a:srgbClr val="000000"/>
                   </a:solidFill>
@@ -18451,7 +18451,7 @@
             </a:ln>
             <a:extLst>
               <a:ext uri="{91240B29-F687-4f45-9708-019B960494DF}">
-                <a14:hiddenLine xmlns="" xmlns:a16="http://schemas.microsoft.com/office/drawing/2014/main" xmlns:a14="http://schemas.microsoft.com/office/drawing/2010/main" xmlns:p14="http://schemas.microsoft.com/office/powerpoint/2010/main" w="9525">
+                <a14:hiddenLine xmlns:p14="http://schemas.microsoft.com/office/powerpoint/2010/main" xmlns:a14="http://schemas.microsoft.com/office/drawing/2010/main" xmlns:a16="http://schemas.microsoft.com/office/drawing/2014/main" xmlns="" w="9525">
                   <a:solidFill>
                     <a:srgbClr val="000000"/>
                   </a:solidFill>
@@ -18556,7 +18556,7 @@
             </a:ln>
             <a:extLst>
               <a:ext uri="{91240B29-F687-4f45-9708-019B960494DF}">
-                <a14:hiddenLine xmlns="" xmlns:a16="http://schemas.microsoft.com/office/drawing/2014/main" xmlns:a14="http://schemas.microsoft.com/office/drawing/2010/main" xmlns:p14="http://schemas.microsoft.com/office/powerpoint/2010/main" w="9525">
+                <a14:hiddenLine xmlns:p14="http://schemas.microsoft.com/office/powerpoint/2010/main" xmlns:a14="http://schemas.microsoft.com/office/drawing/2010/main" xmlns:a16="http://schemas.microsoft.com/office/drawing/2014/main" xmlns="" w="9525">
                   <a:solidFill>
                     <a:srgbClr val="000000"/>
                   </a:solidFill>
@@ -18605,7 +18605,7 @@
             </a:ln>
             <a:extLst>
               <a:ext uri="{91240B29-F687-4f45-9708-019B960494DF}">
-                <a14:hiddenLine xmlns="" xmlns:a16="http://schemas.microsoft.com/office/drawing/2014/main" xmlns:a14="http://schemas.microsoft.com/office/drawing/2010/main" xmlns:p14="http://schemas.microsoft.com/office/powerpoint/2010/main" w="9525">
+                <a14:hiddenLine xmlns:p14="http://schemas.microsoft.com/office/powerpoint/2010/main" xmlns:a14="http://schemas.microsoft.com/office/drawing/2010/main" xmlns:a16="http://schemas.microsoft.com/office/drawing/2014/main" xmlns="" w="9525">
                   <a:solidFill>
                     <a:srgbClr val="000000"/>
                   </a:solidFill>
@@ -18685,7 +18685,7 @@
             </a:ln>
             <a:extLst>
               <a:ext uri="{91240B29-F687-4f45-9708-019B960494DF}">
-                <a14:hiddenLine xmlns="" xmlns:a16="http://schemas.microsoft.com/office/drawing/2014/main" xmlns:a14="http://schemas.microsoft.com/office/drawing/2010/main" xmlns:p14="http://schemas.microsoft.com/office/powerpoint/2010/main" w="9525">
+                <a14:hiddenLine xmlns:p14="http://schemas.microsoft.com/office/powerpoint/2010/main" xmlns:a14="http://schemas.microsoft.com/office/drawing/2010/main" xmlns:a16="http://schemas.microsoft.com/office/drawing/2014/main" xmlns="" w="9525">
                   <a:solidFill>
                     <a:srgbClr val="000000"/>
                   </a:solidFill>
@@ -18790,7 +18790,7 @@
             </a:ln>
             <a:extLst>
               <a:ext uri="{91240B29-F687-4f45-9708-019B960494DF}">
-                <a14:hiddenLine xmlns="" xmlns:a16="http://schemas.microsoft.com/office/drawing/2014/main" xmlns:a14="http://schemas.microsoft.com/office/drawing/2010/main" xmlns:p14="http://schemas.microsoft.com/office/powerpoint/2010/main" w="9525">
+                <a14:hiddenLine xmlns:p14="http://schemas.microsoft.com/office/powerpoint/2010/main" xmlns:a14="http://schemas.microsoft.com/office/drawing/2010/main" xmlns:a16="http://schemas.microsoft.com/office/drawing/2014/main" xmlns="" w="9525">
                   <a:solidFill>
                     <a:srgbClr val="000000"/>
                   </a:solidFill>
@@ -18867,7 +18867,7 @@
             </a:ln>
             <a:extLst>
               <a:ext uri="{91240B29-F687-4f45-9708-019B960494DF}">
-                <a14:hiddenLine xmlns="" xmlns:a16="http://schemas.microsoft.com/office/drawing/2014/main" xmlns:a14="http://schemas.microsoft.com/office/drawing/2010/main" xmlns:p14="http://schemas.microsoft.com/office/powerpoint/2010/main" w="9525">
+                <a14:hiddenLine xmlns:p14="http://schemas.microsoft.com/office/powerpoint/2010/main" xmlns:a14="http://schemas.microsoft.com/office/drawing/2010/main" xmlns:a16="http://schemas.microsoft.com/office/drawing/2014/main" xmlns="" w="9525">
                   <a:solidFill>
                     <a:srgbClr val="000000"/>
                   </a:solidFill>
@@ -18972,7 +18972,7 @@
             </a:ln>
             <a:extLst>
               <a:ext uri="{91240B29-F687-4f45-9708-019B960494DF}">
-                <a14:hiddenLine xmlns="" xmlns:a16="http://schemas.microsoft.com/office/drawing/2014/main" xmlns:a14="http://schemas.microsoft.com/office/drawing/2010/main" xmlns:p14="http://schemas.microsoft.com/office/powerpoint/2010/main" w="9525">
+                <a14:hiddenLine xmlns:p14="http://schemas.microsoft.com/office/powerpoint/2010/main" xmlns:a14="http://schemas.microsoft.com/office/drawing/2010/main" xmlns:a16="http://schemas.microsoft.com/office/drawing/2014/main" xmlns="" w="9525">
                   <a:solidFill>
                     <a:srgbClr val="000000"/>
                   </a:solidFill>
@@ -19077,7 +19077,7 @@
             </a:ln>
             <a:extLst>
               <a:ext uri="{91240B29-F687-4f45-9708-019B960494DF}">
-                <a14:hiddenLine xmlns="" xmlns:a16="http://schemas.microsoft.com/office/drawing/2014/main" xmlns:a14="http://schemas.microsoft.com/office/drawing/2010/main" xmlns:p14="http://schemas.microsoft.com/office/powerpoint/2010/main" w="9525">
+                <a14:hiddenLine xmlns:p14="http://schemas.microsoft.com/office/powerpoint/2010/main" xmlns:a14="http://schemas.microsoft.com/office/drawing/2010/main" xmlns:a16="http://schemas.microsoft.com/office/drawing/2014/main" xmlns="" w="9525">
                   <a:solidFill>
                     <a:srgbClr val="000000"/>
                   </a:solidFill>
@@ -19157,7 +19157,7 @@
             </a:ln>
             <a:extLst>
               <a:ext uri="{91240B29-F687-4f45-9708-019B960494DF}">
-                <a14:hiddenLine xmlns="" xmlns:a16="http://schemas.microsoft.com/office/drawing/2014/main" xmlns:a14="http://schemas.microsoft.com/office/drawing/2010/main" xmlns:p14="http://schemas.microsoft.com/office/powerpoint/2010/main" w="9525">
+                <a14:hiddenLine xmlns:p14="http://schemas.microsoft.com/office/powerpoint/2010/main" xmlns:a14="http://schemas.microsoft.com/office/drawing/2010/main" xmlns:a16="http://schemas.microsoft.com/office/drawing/2014/main" xmlns="" w="9525">
                   <a:solidFill>
                     <a:srgbClr val="000000"/>
                   </a:solidFill>
@@ -19234,7 +19234,7 @@
             </a:ln>
             <a:extLst>
               <a:ext uri="{91240B29-F687-4f45-9708-019B960494DF}">
-                <a14:hiddenLine xmlns="" xmlns:a16="http://schemas.microsoft.com/office/drawing/2014/main" xmlns:a14="http://schemas.microsoft.com/office/drawing/2010/main" xmlns:p14="http://schemas.microsoft.com/office/powerpoint/2010/main" w="9525">
+                <a14:hiddenLine xmlns:p14="http://schemas.microsoft.com/office/powerpoint/2010/main" xmlns:a14="http://schemas.microsoft.com/office/drawing/2010/main" xmlns:a16="http://schemas.microsoft.com/office/drawing/2014/main" xmlns="" w="9525">
                   <a:solidFill>
                     <a:srgbClr val="000000"/>
                   </a:solidFill>
@@ -19339,7 +19339,7 @@
             </a:ln>
             <a:extLst>
               <a:ext uri="{91240B29-F687-4f45-9708-019B960494DF}">
-                <a14:hiddenLine xmlns="" xmlns:a16="http://schemas.microsoft.com/office/drawing/2014/main" xmlns:a14="http://schemas.microsoft.com/office/drawing/2010/main" xmlns:p14="http://schemas.microsoft.com/office/powerpoint/2010/main" w="9525">
+                <a14:hiddenLine xmlns:p14="http://schemas.microsoft.com/office/powerpoint/2010/main" xmlns:a14="http://schemas.microsoft.com/office/drawing/2010/main" xmlns:a16="http://schemas.microsoft.com/office/drawing/2014/main" xmlns="" w="9525">
                   <a:solidFill>
                     <a:srgbClr val="000000"/>
                   </a:solidFill>
@@ -19444,7 +19444,7 @@
             </a:ln>
             <a:extLst>
               <a:ext uri="{91240B29-F687-4f45-9708-019B960494DF}">
-                <a14:hiddenLine xmlns="" xmlns:a16="http://schemas.microsoft.com/office/drawing/2014/main" xmlns:a14="http://schemas.microsoft.com/office/drawing/2010/main" xmlns:p14="http://schemas.microsoft.com/office/powerpoint/2010/main" w="9525">
+                <a14:hiddenLine xmlns:p14="http://schemas.microsoft.com/office/powerpoint/2010/main" xmlns:a14="http://schemas.microsoft.com/office/drawing/2010/main" xmlns:a16="http://schemas.microsoft.com/office/drawing/2014/main" xmlns="" w="9525">
                   <a:solidFill>
                     <a:srgbClr val="000000"/>
                   </a:solidFill>
@@ -19521,7 +19521,7 @@
             </a:ln>
             <a:extLst>
               <a:ext uri="{91240B29-F687-4f45-9708-019B960494DF}">
-                <a14:hiddenLine xmlns="" xmlns:a16="http://schemas.microsoft.com/office/drawing/2014/main" xmlns:a14="http://schemas.microsoft.com/office/drawing/2010/main" xmlns:p14="http://schemas.microsoft.com/office/powerpoint/2010/main" w="9525">
+                <a14:hiddenLine xmlns:p14="http://schemas.microsoft.com/office/powerpoint/2010/main" xmlns:a14="http://schemas.microsoft.com/office/drawing/2010/main" xmlns:a16="http://schemas.microsoft.com/office/drawing/2014/main" xmlns="" w="9525">
                   <a:solidFill>
                     <a:srgbClr val="000000"/>
                   </a:solidFill>
@@ -19656,7 +19656,7 @@
             </a:ln>
             <a:extLst>
               <a:ext uri="{91240B29-F687-4f45-9708-019B960494DF}">
-                <a14:hiddenLine xmlns="" xmlns:a16="http://schemas.microsoft.com/office/drawing/2014/main" xmlns:a14="http://schemas.microsoft.com/office/drawing/2010/main" xmlns:p14="http://schemas.microsoft.com/office/powerpoint/2010/main" w="9525">
+                <a14:hiddenLine xmlns:p14="http://schemas.microsoft.com/office/powerpoint/2010/main" xmlns:a14="http://schemas.microsoft.com/office/drawing/2010/main" xmlns:a16="http://schemas.microsoft.com/office/drawing/2014/main" xmlns="" w="9525">
                   <a:solidFill>
                     <a:srgbClr val="000000"/>
                   </a:solidFill>
@@ -19739,7 +19739,7 @@
             </a:ln>
             <a:extLst>
               <a:ext uri="{91240B29-F687-4f45-9708-019B960494DF}">
-                <a14:hiddenLine xmlns="" xmlns:a16="http://schemas.microsoft.com/office/drawing/2014/main" xmlns:a14="http://schemas.microsoft.com/office/drawing/2010/main" xmlns:p14="http://schemas.microsoft.com/office/powerpoint/2010/main" w="9525">
+                <a14:hiddenLine xmlns:p14="http://schemas.microsoft.com/office/powerpoint/2010/main" xmlns:a14="http://schemas.microsoft.com/office/drawing/2010/main" xmlns:a16="http://schemas.microsoft.com/office/drawing/2014/main" xmlns="" w="9525">
                   <a:solidFill>
                     <a:srgbClr val="000000"/>
                   </a:solidFill>
@@ -19844,7 +19844,7 @@
             </a:ln>
             <a:extLst>
               <a:ext uri="{91240B29-F687-4f45-9708-019B960494DF}">
-                <a14:hiddenLine xmlns="" xmlns:a16="http://schemas.microsoft.com/office/drawing/2014/main" xmlns:a14="http://schemas.microsoft.com/office/drawing/2010/main" xmlns:p14="http://schemas.microsoft.com/office/powerpoint/2010/main" w="9525">
+                <a14:hiddenLine xmlns:p14="http://schemas.microsoft.com/office/powerpoint/2010/main" xmlns:a14="http://schemas.microsoft.com/office/drawing/2010/main" xmlns:a16="http://schemas.microsoft.com/office/drawing/2014/main" xmlns="" w="9525">
                   <a:solidFill>
                     <a:srgbClr val="000000"/>
                   </a:solidFill>
@@ -19905,7 +19905,7 @@
             </a:r>
             <a:r>
               <a:rPr lang="en-US" dirty="0"/>
-              <a:t>person can go for scan.</a:t>
+              <a:t>person per team.</a:t>
             </a:r>
           </a:p>
           <a:p>
@@ -20993,10 +20993,10 @@
       </p:sp>
       <p:pic>
         <p:nvPicPr>
-          <p:cNvPr id="5" name="Picture 4">
+          <p:cNvPr id="7" name="Picture 6">
             <a:extLst>
               <a:ext uri="{FF2B5EF4-FFF2-40B4-BE49-F238E27FC236}">
-                <a16:creationId xmlns:a16="http://schemas.microsoft.com/office/drawing/2014/main" id="{0999C81A-3725-B337-04DD-DCDC37B2D113}"/>
+                <a16:creationId xmlns:a16="http://schemas.microsoft.com/office/drawing/2014/main" id="{CC117DCE-2BAE-F0F9-E5D0-33898C952BD9}"/>
               </a:ext>
             </a:extLst>
           </p:cNvPr>
@@ -21013,8 +21013,8 @@
         </p:blipFill>
         <p:spPr>
           <a:xfrm>
-            <a:off x="6316924" y="1685540"/>
-            <a:ext cx="4893478" cy="3486919"/>
+            <a:off x="1065213" y="1818806"/>
+            <a:ext cx="4733665" cy="2856382"/>
           </a:xfrm>
           <a:prstGeom prst="rect">
             <a:avLst/>
@@ -21023,10 +21023,10 @@
       </p:pic>
       <p:pic>
         <p:nvPicPr>
-          <p:cNvPr id="7" name="Picture 6">
+          <p:cNvPr id="4" name="Picture 3">
             <a:extLst>
               <a:ext uri="{FF2B5EF4-FFF2-40B4-BE49-F238E27FC236}">
-                <a16:creationId xmlns:a16="http://schemas.microsoft.com/office/drawing/2014/main" id="{CC117DCE-2BAE-F0F9-E5D0-33898C952BD9}"/>
+                <a16:creationId xmlns:a16="http://schemas.microsoft.com/office/drawing/2014/main" id="{3BEE1CC2-4D20-FCA9-C240-304A1B740F20}"/>
               </a:ext>
             </a:extLst>
           </p:cNvPr>
@@ -21043,8 +21043,8 @@
         </p:blipFill>
         <p:spPr>
           <a:xfrm>
-            <a:off x="1065213" y="1818806"/>
-            <a:ext cx="4733665" cy="2856382"/>
+            <a:off x="6004891" y="1818807"/>
+            <a:ext cx="5118720" cy="3595946"/>
           </a:xfrm>
           <a:prstGeom prst="rect">
             <a:avLst/>
@@ -21061,6 +21061,81 @@
   <p:clrMapOvr>
     <a:masterClrMapping/>
   </p:clrMapOvr>
+  <p:timing>
+    <p:tnLst>
+      <p:par>
+        <p:cTn id="1" dur="indefinite" restart="never" nodeType="tmRoot">
+          <p:childTnLst>
+            <p:seq concurrent="1" nextAc="seek">
+              <p:cTn id="2" dur="indefinite" nodeType="mainSeq">
+                <p:childTnLst>
+                  <p:par>
+                    <p:cTn id="3" fill="hold">
+                      <p:stCondLst>
+                        <p:cond delay="indefinite"/>
+                      </p:stCondLst>
+                      <p:childTnLst>
+                        <p:par>
+                          <p:cTn id="4" fill="hold">
+                            <p:stCondLst>
+                              <p:cond delay="0"/>
+                            </p:stCondLst>
+                            <p:childTnLst>
+                              <p:par>
+                                <p:cTn id="5" presetID="1" presetClass="entr" presetSubtype="0" fill="hold" nodeType="clickEffect">
+                                  <p:stCondLst>
+                                    <p:cond delay="0"/>
+                                  </p:stCondLst>
+                                  <p:childTnLst>
+                                    <p:set>
+                                      <p:cBhvr>
+                                        <p:cTn id="6" dur="1" fill="hold">
+                                          <p:stCondLst>
+                                            <p:cond delay="0"/>
+                                          </p:stCondLst>
+                                        </p:cTn>
+                                        <p:tgtEl>
+                                          <p:spTgt spid="4"/>
+                                        </p:tgtEl>
+                                        <p:attrNameLst>
+                                          <p:attrName>style.visibility</p:attrName>
+                                        </p:attrNameLst>
+                                      </p:cBhvr>
+                                      <p:to>
+                                        <p:strVal val="visible"/>
+                                      </p:to>
+                                    </p:set>
+                                  </p:childTnLst>
+                                </p:cTn>
+                              </p:par>
+                            </p:childTnLst>
+                          </p:cTn>
+                        </p:par>
+                      </p:childTnLst>
+                    </p:cTn>
+                  </p:par>
+                </p:childTnLst>
+              </p:cTn>
+              <p:prevCondLst>
+                <p:cond evt="onPrev" delay="0">
+                  <p:tgtEl>
+                    <p:sldTgt/>
+                  </p:tgtEl>
+                </p:cond>
+              </p:prevCondLst>
+              <p:nextCondLst>
+                <p:cond evt="onNext" delay="0">
+                  <p:tgtEl>
+                    <p:sldTgt/>
+                  </p:tgtEl>
+                </p:cond>
+              </p:nextCondLst>
+            </p:seq>
+          </p:childTnLst>
+        </p:cTn>
+      </p:par>
+    </p:tnLst>
+  </p:timing>
 </p:sld>
 </file>
 
